--- a/4-documentacion/ISII_PPT_Sprint1.pptx
+++ b/4-documentacion/ISII_PPT_Sprint1.pptx
@@ -8,7 +8,11 @@
     <p:sldId id="256" r:id="rId2"/>
     <p:sldId id="257" r:id="rId3"/>
     <p:sldId id="258" r:id="rId4"/>
-    <p:sldId id="259" r:id="rId5"/>
+    <p:sldId id="260" r:id="rId5"/>
+    <p:sldId id="264" r:id="rId6"/>
+    <p:sldId id="259" r:id="rId7"/>
+    <p:sldId id="261" r:id="rId8"/>
+    <p:sldId id="262" r:id="rId9"/>
   </p:sldIdLst>
   <p:sldSz cx="12192000" cy="6858000"/>
   <p:notesSz cx="6858000" cy="9144000"/>
@@ -107,6 +111,11 @@
       </a:defRPr>
     </a:lvl9pPr>
   </p:defaultTextStyle>
+  <p:extLst>
+    <p:ext uri="{EFAFB233-063F-42B5-8137-9DF3F51BA10A}">
+      <p15:sldGuideLst xmlns:p15="http://schemas.microsoft.com/office/powerpoint/2012/main"/>
+    </p:ext>
+  </p:extLst>
 </p:presentation>
 </file>
 
@@ -261,7 +270,7 @@
           <a:p>
             <a:fld id="{11008460-8B2F-4AAA-A4E2-10730069204C}" type="datetimeFigureOut">
               <a:rPr lang="en-US" smtClean="0"/>
-              <a:t>10/6/2021</a:t>
+              <a:t>06-Oct-21</a:t>
             </a:fld>
             <a:endParaRPr lang="en-US"/>
           </a:p>
@@ -2605,7 +2614,7 @@
           <a:p>
             <a:fld id="{11008460-8B2F-4AAA-A4E2-10730069204C}" type="datetimeFigureOut">
               <a:rPr lang="en-US" smtClean="0"/>
-              <a:t>10/6/2021</a:t>
+              <a:t>06-Oct-21</a:t>
             </a:fld>
             <a:endParaRPr lang="en-US"/>
           </a:p>
@@ -4949,7 +4958,7 @@
           <a:p>
             <a:fld id="{11008460-8B2F-4AAA-A4E2-10730069204C}" type="datetimeFigureOut">
               <a:rPr lang="en-US" smtClean="0"/>
-              <a:t>10/6/2021</a:t>
+              <a:t>06-Oct-21</a:t>
             </a:fld>
             <a:endParaRPr lang="en-US"/>
           </a:p>
@@ -5147,7 +5156,7 @@
           <a:p>
             <a:fld id="{11008460-8B2F-4AAA-A4E2-10730069204C}" type="datetimeFigureOut">
               <a:rPr lang="en-US" smtClean="0"/>
-              <a:t>10/6/2021</a:t>
+              <a:t>06-Oct-21</a:t>
             </a:fld>
             <a:endParaRPr lang="en-US"/>
           </a:p>
@@ -5420,7 +5429,7 @@
           <a:p>
             <a:fld id="{11008460-8B2F-4AAA-A4E2-10730069204C}" type="datetimeFigureOut">
               <a:rPr lang="en-US" smtClean="0"/>
-              <a:t>10/6/2021</a:t>
+              <a:t>06-Oct-21</a:t>
             </a:fld>
             <a:endParaRPr lang="en-US"/>
           </a:p>
@@ -5685,7 +5694,7 @@
           <a:p>
             <a:fld id="{11008460-8B2F-4AAA-A4E2-10730069204C}" type="datetimeFigureOut">
               <a:rPr lang="en-US" smtClean="0"/>
-              <a:t>10/6/2021</a:t>
+              <a:t>06-Oct-21</a:t>
             </a:fld>
             <a:endParaRPr lang="en-US"/>
           </a:p>
@@ -6101,7 +6110,7 @@
           <a:p>
             <a:fld id="{11008460-8B2F-4AAA-A4E2-10730069204C}" type="datetimeFigureOut">
               <a:rPr lang="en-US" smtClean="0"/>
-              <a:t>10/6/2021</a:t>
+              <a:t>06-Oct-21</a:t>
             </a:fld>
             <a:endParaRPr lang="en-US"/>
           </a:p>
@@ -6242,7 +6251,7 @@
           <a:p>
             <a:fld id="{11008460-8B2F-4AAA-A4E2-10730069204C}" type="datetimeFigureOut">
               <a:rPr lang="en-US" smtClean="0"/>
-              <a:t>10/6/2021</a:t>
+              <a:t>06-Oct-21</a:t>
             </a:fld>
             <a:endParaRPr lang="en-US"/>
           </a:p>
@@ -6355,7 +6364,7 @@
           <a:p>
             <a:fld id="{11008460-8B2F-4AAA-A4E2-10730069204C}" type="datetimeFigureOut">
               <a:rPr lang="en-US" smtClean="0"/>
-              <a:t>10/6/2021</a:t>
+              <a:t>06-Oct-21</a:t>
             </a:fld>
             <a:endParaRPr lang="en-US"/>
           </a:p>
@@ -6666,7 +6675,7 @@
           <a:p>
             <a:fld id="{11008460-8B2F-4AAA-A4E2-10730069204C}" type="datetimeFigureOut">
               <a:rPr lang="en-US" smtClean="0"/>
-              <a:t>10/6/2021</a:t>
+              <a:t>06-Oct-21</a:t>
             </a:fld>
             <a:endParaRPr lang="en-US"/>
           </a:p>
@@ -6954,7 +6963,7 @@
           <a:p>
             <a:fld id="{11008460-8B2F-4AAA-A4E2-10730069204C}" type="datetimeFigureOut">
               <a:rPr lang="en-US" smtClean="0"/>
-              <a:t>10/6/2021</a:t>
+              <a:t>06-Oct-21</a:t>
             </a:fld>
             <a:endParaRPr lang="en-US"/>
           </a:p>
@@ -9332,7 +9341,7 @@
             <a:fld id="{11008460-8B2F-4AAA-A4E2-10730069204C}" type="datetimeFigureOut">
               <a:rPr lang="en-US" smtClean="0"/>
               <a:pPr/>
-              <a:t>10/6/2021</a:t>
+              <a:t>06-Oct-21</a:t>
             </a:fld>
             <a:endParaRPr lang="en-US" dirty="0"/>
           </a:p>
@@ -17932,7 +17941,7 @@
         </p:nvSpPr>
         <p:spPr>
           <a:xfrm>
-            <a:off x="952501" y="2836069"/>
+            <a:off x="2766386" y="1791397"/>
             <a:ext cx="5143499" cy="2486025"/>
           </a:xfrm>
         </p:spPr>
@@ -17943,8 +17952,8 @@
           <a:lstStyle/>
           <a:p>
             <a:r>
-              <a:rPr lang="en-US" sz="4400"/>
-              <a:t>Sprint Retrospective</a:t>
+              <a:rPr lang="en-US" sz="4400" dirty="0"/>
+              <a:t>Sprint Review</a:t>
             </a:r>
           </a:p>
         </p:txBody>
@@ -19657,7 +19666,8488 @@
     </p:spTree>
     <p:extLst>
       <p:ext uri="{BB962C8B-B14F-4D97-AF65-F5344CB8AC3E}">
+        <p14:creationId xmlns:p14="http://schemas.microsoft.com/office/powerpoint/2010/main" val="45422992"/>
+      </p:ext>
+    </p:extLst>
+  </p:cSld>
+  <p:clrMapOvr>
+    <a:masterClrMapping/>
+  </p:clrMapOvr>
+</p:sld>
+</file>
+
+<file path=ppt/slides/slide5.xml><?xml version="1.0" encoding="utf-8"?>
+<p:sld xmlns:a="http://schemas.openxmlformats.org/drawingml/2006/main" xmlns:r="http://schemas.openxmlformats.org/officeDocument/2006/relationships" xmlns:p="http://schemas.openxmlformats.org/presentationml/2006/main">
+  <p:cSld>
+    <p:bg>
+      <p:bgPr>
+        <a:solidFill>
+          <a:schemeClr val="bg2"/>
+        </a:solidFill>
+        <a:effectLst/>
+      </p:bgPr>
+    </p:bg>
+    <p:spTree>
+      <p:nvGrpSpPr>
+        <p:cNvPr id="1" name=""/>
+        <p:cNvGrpSpPr/>
+        <p:nvPr/>
+      </p:nvGrpSpPr>
+      <p:grpSpPr>
+        <a:xfrm>
+          <a:off x="0" y="0"/>
+          <a:ext cx="0" cy="0"/>
+          <a:chOff x="0" y="0"/>
+          <a:chExt cx="0" cy="0"/>
+        </a:xfrm>
+      </p:grpSpPr>
+      <p:grpSp>
+        <p:nvGrpSpPr>
+          <p:cNvPr id="7" name="Group 6">
+            <a:extLst>
+              <a:ext uri="{FF2B5EF4-FFF2-40B4-BE49-F238E27FC236}">
+                <a16:creationId xmlns:a16="http://schemas.microsoft.com/office/drawing/2014/main" id="{D206359A-F1E3-49EE-BBC2-40888C4A3628}"/>
+              </a:ext>
+              <a:ext uri="{C183D7F6-B498-43B3-948B-1728B52AA6E4}">
+                <adec:decorative xmlns:adec="http://schemas.microsoft.com/office/drawing/2017/decorative" val="1"/>
+              </a:ext>
+            </a:extLst>
+          </p:cNvPr>
+          <p:cNvGrpSpPr>
+            <a:grpSpLocks noGrp="1" noUngrp="1" noRot="1" noChangeAspect="1" noMove="1" noResize="1"/>
+          </p:cNvGrpSpPr>
+          <p:nvPr>
+            <p:extLst>
+              <p:ext uri="{386F3935-93C4-4BCD-93E2-E3B085C9AB24}">
+                <p16:designElem xmlns:p16="http://schemas.microsoft.com/office/powerpoint/2015/main" val="1"/>
+              </p:ext>
+            </p:extLst>
+          </p:nvPr>
+        </p:nvGrpSpPr>
+        <p:grpSpPr>
+          <a:xfrm>
+            <a:off x="9265700" y="2026"/>
+            <a:ext cx="2926300" cy="5030922"/>
+            <a:chOff x="9265700" y="2026"/>
+            <a:chExt cx="2926300" cy="5030922"/>
+          </a:xfrm>
+        </p:grpSpPr>
+        <p:sp>
+          <p:nvSpPr>
+            <p:cNvPr id="8" name="Freeform: Shape 7">
+              <a:extLst>
+                <a:ext uri="{FF2B5EF4-FFF2-40B4-BE49-F238E27FC236}">
+                  <a16:creationId xmlns:a16="http://schemas.microsoft.com/office/drawing/2014/main" id="{CED90C42-6A0F-48E8-BF96-7D3E2A395EC7}"/>
+                </a:ext>
+                <a:ext uri="{C183D7F6-B498-43B3-948B-1728B52AA6E4}">
+                  <adec:decorative xmlns:adec="http://schemas.microsoft.com/office/drawing/2017/decorative" val="1"/>
+                </a:ext>
+              </a:extLst>
+            </p:cNvPr>
+            <p:cNvSpPr/>
+            <p:nvPr>
+              <p:extLst>
+                <p:ext uri="{386F3935-93C4-4BCD-93E2-E3B085C9AB24}">
+                  <p16:designElem xmlns:p16="http://schemas.microsoft.com/office/powerpoint/2015/main" val="1"/>
+                </p:ext>
+              </p:extLst>
+            </p:nvPr>
+          </p:nvSpPr>
+          <p:spPr>
+            <a:xfrm>
+              <a:off x="9326904" y="2026"/>
+              <a:ext cx="2249810" cy="2294745"/>
+            </a:xfrm>
+            <a:custGeom>
+              <a:avLst/>
+              <a:gdLst>
+                <a:gd name="connsiteX0" fmla="*/ 49162 w 2249810"/>
+                <a:gd name="connsiteY0" fmla="*/ 0 h 2294745"/>
+                <a:gd name="connsiteX1" fmla="*/ 2200648 w 2249810"/>
+                <a:gd name="connsiteY1" fmla="*/ 0 h 2294745"/>
+                <a:gd name="connsiteX2" fmla="*/ 2210105 w 2249810"/>
+                <a:gd name="connsiteY2" fmla="*/ 23601 h 2294745"/>
+                <a:gd name="connsiteX3" fmla="*/ 2249810 w 2249810"/>
+                <a:gd name="connsiteY3" fmla="*/ 326934 h 2294745"/>
+                <a:gd name="connsiteX4" fmla="*/ 2249810 w 2249810"/>
+                <a:gd name="connsiteY4" fmla="*/ 422824 h 2294745"/>
+                <a:gd name="connsiteX5" fmla="*/ 2249810 w 2249810"/>
+                <a:gd name="connsiteY5" fmla="*/ 696534 h 2294745"/>
+                <a:gd name="connsiteX6" fmla="*/ 2249810 w 2249810"/>
+                <a:gd name="connsiteY6" fmla="*/ 848826 h 2294745"/>
+                <a:gd name="connsiteX7" fmla="*/ 2249810 w 2249810"/>
+                <a:gd name="connsiteY7" fmla="*/ 1058531 h 2294745"/>
+                <a:gd name="connsiteX8" fmla="*/ 2249810 w 2249810"/>
+                <a:gd name="connsiteY8" fmla="*/ 1218426 h 2294745"/>
+                <a:gd name="connsiteX9" fmla="*/ 1955981 w 2249810"/>
+                <a:gd name="connsiteY9" fmla="*/ 1845313 h 2294745"/>
+                <a:gd name="connsiteX10" fmla="*/ 1225437 w 2249810"/>
+                <a:gd name="connsiteY10" fmla="*/ 2208220 h 2294745"/>
+                <a:gd name="connsiteX11" fmla="*/ 1123061 w 2249810"/>
+                <a:gd name="connsiteY11" fmla="*/ 2294745 h 2294745"/>
+                <a:gd name="connsiteX12" fmla="*/ 1024372 w 2249810"/>
+                <a:gd name="connsiteY12" fmla="*/ 2208220 h 2294745"/>
+                <a:gd name="connsiteX13" fmla="*/ 293828 w 2249810"/>
+                <a:gd name="connsiteY13" fmla="*/ 1845313 h 2294745"/>
+                <a:gd name="connsiteX14" fmla="*/ 0 w 2249810"/>
+                <a:gd name="connsiteY14" fmla="*/ 1218426 h 2294745"/>
+                <a:gd name="connsiteX15" fmla="*/ 0 w 2249810"/>
+                <a:gd name="connsiteY15" fmla="*/ 1058531 h 2294745"/>
+                <a:gd name="connsiteX16" fmla="*/ 0 w 2249810"/>
+                <a:gd name="connsiteY16" fmla="*/ 848826 h 2294745"/>
+                <a:gd name="connsiteX17" fmla="*/ 0 w 2249810"/>
+                <a:gd name="connsiteY17" fmla="*/ 696534 h 2294745"/>
+                <a:gd name="connsiteX18" fmla="*/ 0 w 2249810"/>
+                <a:gd name="connsiteY18" fmla="*/ 422824 h 2294745"/>
+                <a:gd name="connsiteX19" fmla="*/ 0 w 2249810"/>
+                <a:gd name="connsiteY19" fmla="*/ 326934 h 2294745"/>
+                <a:gd name="connsiteX20" fmla="*/ 39705 w 2249810"/>
+                <a:gd name="connsiteY20" fmla="*/ 23601 h 2294745"/>
+              </a:gdLst>
+              <a:ahLst/>
+              <a:cxnLst>
+                <a:cxn ang="0">
+                  <a:pos x="connsiteX0" y="connsiteY0"/>
+                </a:cxn>
+                <a:cxn ang="0">
+                  <a:pos x="connsiteX1" y="connsiteY1"/>
+                </a:cxn>
+                <a:cxn ang="0">
+                  <a:pos x="connsiteX2" y="connsiteY2"/>
+                </a:cxn>
+                <a:cxn ang="0">
+                  <a:pos x="connsiteX3" y="connsiteY3"/>
+                </a:cxn>
+                <a:cxn ang="0">
+                  <a:pos x="connsiteX4" y="connsiteY4"/>
+                </a:cxn>
+                <a:cxn ang="0">
+                  <a:pos x="connsiteX5" y="connsiteY5"/>
+                </a:cxn>
+                <a:cxn ang="0">
+                  <a:pos x="connsiteX6" y="connsiteY6"/>
+                </a:cxn>
+                <a:cxn ang="0">
+                  <a:pos x="connsiteX7" y="connsiteY7"/>
+                </a:cxn>
+                <a:cxn ang="0">
+                  <a:pos x="connsiteX8" y="connsiteY8"/>
+                </a:cxn>
+                <a:cxn ang="0">
+                  <a:pos x="connsiteX9" y="connsiteY9"/>
+                </a:cxn>
+                <a:cxn ang="0">
+                  <a:pos x="connsiteX10" y="connsiteY10"/>
+                </a:cxn>
+                <a:cxn ang="0">
+                  <a:pos x="connsiteX11" y="connsiteY11"/>
+                </a:cxn>
+                <a:cxn ang="0">
+                  <a:pos x="connsiteX12" y="connsiteY12"/>
+                </a:cxn>
+                <a:cxn ang="0">
+                  <a:pos x="connsiteX13" y="connsiteY13"/>
+                </a:cxn>
+                <a:cxn ang="0">
+                  <a:pos x="connsiteX14" y="connsiteY14"/>
+                </a:cxn>
+                <a:cxn ang="0">
+                  <a:pos x="connsiteX15" y="connsiteY15"/>
+                </a:cxn>
+                <a:cxn ang="0">
+                  <a:pos x="connsiteX16" y="connsiteY16"/>
+                </a:cxn>
+                <a:cxn ang="0">
+                  <a:pos x="connsiteX17" y="connsiteY17"/>
+                </a:cxn>
+                <a:cxn ang="0">
+                  <a:pos x="connsiteX18" y="connsiteY18"/>
+                </a:cxn>
+                <a:cxn ang="0">
+                  <a:pos x="connsiteX19" y="connsiteY19"/>
+                </a:cxn>
+                <a:cxn ang="0">
+                  <a:pos x="connsiteX20" y="connsiteY20"/>
+                </a:cxn>
+              </a:cxnLst>
+              <a:rect l="l" t="t" r="r" b="b"/>
+              <a:pathLst>
+                <a:path w="2249810" h="2294745">
+                  <a:moveTo>
+                    <a:pt x="49162" y="0"/>
+                  </a:moveTo>
+                  <a:lnTo>
+                    <a:pt x="2200648" y="0"/>
+                  </a:lnTo>
+                  <a:lnTo>
+                    <a:pt x="2210105" y="23601"/>
+                  </a:lnTo>
+                  <a:cubicBezTo>
+                    <a:pt x="2236898" y="106934"/>
+                    <a:pt x="2249810" y="205568"/>
+                    <a:pt x="2249810" y="326934"/>
+                  </a:cubicBezTo>
+                  <a:lnTo>
+                    <a:pt x="2249810" y="422824"/>
+                  </a:lnTo>
+                  <a:lnTo>
+                    <a:pt x="2249810" y="696534"/>
+                  </a:lnTo>
+                  <a:lnTo>
+                    <a:pt x="2249810" y="848826"/>
+                  </a:lnTo>
+                  <a:lnTo>
+                    <a:pt x="2249810" y="1058531"/>
+                  </a:lnTo>
+                  <a:lnTo>
+                    <a:pt x="2249810" y="1218426"/>
+                  </a:lnTo>
+                  <a:cubicBezTo>
+                    <a:pt x="2249810" y="1542068"/>
+                    <a:pt x="2157989" y="1704061"/>
+                    <a:pt x="1955981" y="1845313"/>
+                  </a:cubicBezTo>
+                  <a:cubicBezTo>
+                    <a:pt x="1745898" y="1967026"/>
+                    <a:pt x="1470144" y="2019115"/>
+                    <a:pt x="1225437" y="2208220"/>
+                  </a:cubicBezTo>
+                  <a:lnTo>
+                    <a:pt x="1123061" y="2294745"/>
+                  </a:lnTo>
+                  <a:lnTo>
+                    <a:pt x="1024372" y="2208220"/>
+                  </a:lnTo>
+                  <a:cubicBezTo>
+                    <a:pt x="779664" y="2019115"/>
+                    <a:pt x="503910" y="1967026"/>
+                    <a:pt x="293828" y="1845313"/>
+                  </a:cubicBezTo>
+                  <a:cubicBezTo>
+                    <a:pt x="91820" y="1704061"/>
+                    <a:pt x="0" y="1542068"/>
+                    <a:pt x="0" y="1218426"/>
+                  </a:cubicBezTo>
+                  <a:lnTo>
+                    <a:pt x="0" y="1058531"/>
+                  </a:lnTo>
+                  <a:lnTo>
+                    <a:pt x="0" y="848826"/>
+                  </a:lnTo>
+                  <a:lnTo>
+                    <a:pt x="0" y="696534"/>
+                  </a:lnTo>
+                  <a:lnTo>
+                    <a:pt x="0" y="422824"/>
+                  </a:lnTo>
+                  <a:lnTo>
+                    <a:pt x="0" y="326934"/>
+                  </a:lnTo>
+                  <a:cubicBezTo>
+                    <a:pt x="0" y="205568"/>
+                    <a:pt x="12912" y="106934"/>
+                    <a:pt x="39705" y="23601"/>
+                  </a:cubicBezTo>
+                  <a:close/>
+                </a:path>
+              </a:pathLst>
+            </a:custGeom>
+            <a:solidFill>
+              <a:schemeClr val="bg2">
+                <a:lumMod val="75000"/>
+                <a:alpha val="15000"/>
+              </a:schemeClr>
+            </a:solidFill>
+            <a:ln w="12700" cap="flat" cmpd="sng" algn="ctr">
+              <a:noFill/>
+              <a:prstDash val="solid"/>
+              <a:miter lim="800000"/>
+            </a:ln>
+            <a:effectLst/>
+          </p:spPr>
+          <p:style>
+            <a:lnRef idx="2">
+              <a:schemeClr val="accent1">
+                <a:shade val="50000"/>
+              </a:schemeClr>
+            </a:lnRef>
+            <a:fillRef idx="1">
+              <a:schemeClr val="accent1"/>
+            </a:fillRef>
+            <a:effectRef idx="0">
+              <a:schemeClr val="accent1"/>
+            </a:effectRef>
+            <a:fontRef idx="minor">
+              <a:schemeClr val="lt1"/>
+            </a:fontRef>
+          </p:style>
+          <p:txBody>
+            <a:bodyPr rtlCol="0" anchor="ctr"/>
+            <a:lstStyle/>
+            <a:p>
+              <a:pPr algn="ctr"/>
+              <a:endParaRPr lang="en-US"/>
+            </a:p>
+          </p:txBody>
+        </p:sp>
+        <p:sp>
+          <p:nvSpPr>
+            <p:cNvPr id="9" name="Freeform: Shape 8">
+              <a:extLst>
+                <a:ext uri="{FF2B5EF4-FFF2-40B4-BE49-F238E27FC236}">
+                  <a16:creationId xmlns:a16="http://schemas.microsoft.com/office/drawing/2014/main" id="{5DA0863A-55F7-4EB0-9451-F3EE4D65DBDB}"/>
+                </a:ext>
+                <a:ext uri="{C183D7F6-B498-43B3-948B-1728B52AA6E4}">
+                  <adec:decorative xmlns:adec="http://schemas.microsoft.com/office/drawing/2017/decorative" val="1"/>
+                </a:ext>
+              </a:extLst>
+            </p:cNvPr>
+            <p:cNvSpPr/>
+            <p:nvPr>
+              <p:extLst>
+                <p:ext uri="{386F3935-93C4-4BCD-93E2-E3B085C9AB24}">
+                  <p16:designElem xmlns:p16="http://schemas.microsoft.com/office/powerpoint/2015/main" val="1"/>
+                </p:ext>
+              </p:extLst>
+            </p:nvPr>
+          </p:nvSpPr>
+          <p:spPr>
+            <a:xfrm>
+              <a:off x="10597154" y="1907348"/>
+              <a:ext cx="1594846" cy="3044131"/>
+            </a:xfrm>
+            <a:custGeom>
+              <a:avLst/>
+              <a:gdLst>
+                <a:gd name="connsiteX0" fmla="*/ 1126749 w 1594846"/>
+                <a:gd name="connsiteY0" fmla="*/ 0 h 3044131"/>
+                <a:gd name="connsiteX1" fmla="*/ 1225438 w 1594846"/>
+                <a:gd name="connsiteY1" fmla="*/ 86525 h 3044131"/>
+                <a:gd name="connsiteX2" fmla="*/ 1413279 w 1594846"/>
+                <a:gd name="connsiteY2" fmla="*/ 205892 h 3044131"/>
+                <a:gd name="connsiteX3" fmla="*/ 1594846 w 1594846"/>
+                <a:gd name="connsiteY3" fmla="*/ 289191 h 3044131"/>
+                <a:gd name="connsiteX4" fmla="*/ 1594846 w 1594846"/>
+                <a:gd name="connsiteY4" fmla="*/ 2754939 h 3044131"/>
+                <a:gd name="connsiteX5" fmla="*/ 1413277 w 1594846"/>
+                <a:gd name="connsiteY5" fmla="*/ 2838239 h 3044131"/>
+                <a:gd name="connsiteX6" fmla="*/ 1225436 w 1594846"/>
+                <a:gd name="connsiteY6" fmla="*/ 2957606 h 3044131"/>
+                <a:gd name="connsiteX7" fmla="*/ 1123061 w 1594846"/>
+                <a:gd name="connsiteY7" fmla="*/ 3044131 h 3044131"/>
+                <a:gd name="connsiteX8" fmla="*/ 1024372 w 1594846"/>
+                <a:gd name="connsiteY8" fmla="*/ 2957606 h 3044131"/>
+                <a:gd name="connsiteX9" fmla="*/ 293828 w 1594846"/>
+                <a:gd name="connsiteY9" fmla="*/ 2594699 h 3044131"/>
+                <a:gd name="connsiteX10" fmla="*/ 0 w 1594846"/>
+                <a:gd name="connsiteY10" fmla="*/ 1967812 h 3044131"/>
+                <a:gd name="connsiteX11" fmla="*/ 0 w 1594846"/>
+                <a:gd name="connsiteY11" fmla="*/ 1807917 h 3044131"/>
+                <a:gd name="connsiteX12" fmla="*/ 0 w 1594846"/>
+                <a:gd name="connsiteY12" fmla="*/ 1598212 h 3044131"/>
+                <a:gd name="connsiteX13" fmla="*/ 0 w 1594846"/>
+                <a:gd name="connsiteY13" fmla="*/ 1445920 h 3044131"/>
+                <a:gd name="connsiteX14" fmla="*/ 0 w 1594846"/>
+                <a:gd name="connsiteY14" fmla="*/ 1172210 h 3044131"/>
+                <a:gd name="connsiteX15" fmla="*/ 0 w 1594846"/>
+                <a:gd name="connsiteY15" fmla="*/ 1076320 h 3044131"/>
+                <a:gd name="connsiteX16" fmla="*/ 293829 w 1594846"/>
+                <a:gd name="connsiteY16" fmla="*/ 449433 h 3044131"/>
+                <a:gd name="connsiteX17" fmla="*/ 1024374 w 1594846"/>
+                <a:gd name="connsiteY17" fmla="*/ 86525 h 3044131"/>
+              </a:gdLst>
+              <a:ahLst/>
+              <a:cxnLst>
+                <a:cxn ang="0">
+                  <a:pos x="connsiteX0" y="connsiteY0"/>
+                </a:cxn>
+                <a:cxn ang="0">
+                  <a:pos x="connsiteX1" y="connsiteY1"/>
+                </a:cxn>
+                <a:cxn ang="0">
+                  <a:pos x="connsiteX2" y="connsiteY2"/>
+                </a:cxn>
+                <a:cxn ang="0">
+                  <a:pos x="connsiteX3" y="connsiteY3"/>
+                </a:cxn>
+                <a:cxn ang="0">
+                  <a:pos x="connsiteX4" y="connsiteY4"/>
+                </a:cxn>
+                <a:cxn ang="0">
+                  <a:pos x="connsiteX5" y="connsiteY5"/>
+                </a:cxn>
+                <a:cxn ang="0">
+                  <a:pos x="connsiteX6" y="connsiteY6"/>
+                </a:cxn>
+                <a:cxn ang="0">
+                  <a:pos x="connsiteX7" y="connsiteY7"/>
+                </a:cxn>
+                <a:cxn ang="0">
+                  <a:pos x="connsiteX8" y="connsiteY8"/>
+                </a:cxn>
+                <a:cxn ang="0">
+                  <a:pos x="connsiteX9" y="connsiteY9"/>
+                </a:cxn>
+                <a:cxn ang="0">
+                  <a:pos x="connsiteX10" y="connsiteY10"/>
+                </a:cxn>
+                <a:cxn ang="0">
+                  <a:pos x="connsiteX11" y="connsiteY11"/>
+                </a:cxn>
+                <a:cxn ang="0">
+                  <a:pos x="connsiteX12" y="connsiteY12"/>
+                </a:cxn>
+                <a:cxn ang="0">
+                  <a:pos x="connsiteX13" y="connsiteY13"/>
+                </a:cxn>
+                <a:cxn ang="0">
+                  <a:pos x="connsiteX14" y="connsiteY14"/>
+                </a:cxn>
+                <a:cxn ang="0">
+                  <a:pos x="connsiteX15" y="connsiteY15"/>
+                </a:cxn>
+                <a:cxn ang="0">
+                  <a:pos x="connsiteX16" y="connsiteY16"/>
+                </a:cxn>
+                <a:cxn ang="0">
+                  <a:pos x="connsiteX17" y="connsiteY17"/>
+                </a:cxn>
+              </a:cxnLst>
+              <a:rect l="l" t="t" r="r" b="b"/>
+              <a:pathLst>
+                <a:path w="1594846" h="3044131">
+                  <a:moveTo>
+                    <a:pt x="1126749" y="0"/>
+                  </a:moveTo>
+                  <a:lnTo>
+                    <a:pt x="1225438" y="86525"/>
+                  </a:lnTo>
+                  <a:cubicBezTo>
+                    <a:pt x="1286615" y="133801"/>
+                    <a:pt x="1349732" y="172514"/>
+                    <a:pt x="1413279" y="205892"/>
+                  </a:cubicBezTo>
+                  <a:lnTo>
+                    <a:pt x="1594846" y="289191"/>
+                  </a:lnTo>
+                  <a:lnTo>
+                    <a:pt x="1594846" y="2754939"/>
+                  </a:lnTo>
+                  <a:lnTo>
+                    <a:pt x="1413277" y="2838239"/>
+                  </a:lnTo>
+                  <a:cubicBezTo>
+                    <a:pt x="1349730" y="2871617"/>
+                    <a:pt x="1286613" y="2910330"/>
+                    <a:pt x="1225436" y="2957606"/>
+                  </a:cubicBezTo>
+                  <a:lnTo>
+                    <a:pt x="1123061" y="3044131"/>
+                  </a:lnTo>
+                  <a:lnTo>
+                    <a:pt x="1024372" y="2957606"/>
+                  </a:lnTo>
+                  <a:cubicBezTo>
+                    <a:pt x="779664" y="2768501"/>
+                    <a:pt x="503910" y="2716412"/>
+                    <a:pt x="293828" y="2594699"/>
+                  </a:cubicBezTo>
+                  <a:cubicBezTo>
+                    <a:pt x="91820" y="2453447"/>
+                    <a:pt x="0" y="2291454"/>
+                    <a:pt x="0" y="1967812"/>
+                  </a:cubicBezTo>
+                  <a:lnTo>
+                    <a:pt x="0" y="1807917"/>
+                  </a:lnTo>
+                  <a:lnTo>
+                    <a:pt x="0" y="1598212"/>
+                  </a:lnTo>
+                  <a:lnTo>
+                    <a:pt x="0" y="1445920"/>
+                  </a:lnTo>
+                  <a:lnTo>
+                    <a:pt x="0" y="1172210"/>
+                  </a:lnTo>
+                  <a:lnTo>
+                    <a:pt x="0" y="1076320"/>
+                  </a:lnTo>
+                  <a:cubicBezTo>
+                    <a:pt x="0" y="752678"/>
+                    <a:pt x="91821" y="590684"/>
+                    <a:pt x="293829" y="449433"/>
+                  </a:cubicBezTo>
+                  <a:cubicBezTo>
+                    <a:pt x="503912" y="327719"/>
+                    <a:pt x="779665" y="275630"/>
+                    <a:pt x="1024374" y="86525"/>
+                  </a:cubicBezTo>
+                  <a:close/>
+                </a:path>
+              </a:pathLst>
+            </a:custGeom>
+            <a:solidFill>
+              <a:schemeClr val="bg2">
+                <a:lumMod val="75000"/>
+                <a:alpha val="15000"/>
+              </a:schemeClr>
+            </a:solidFill>
+            <a:ln>
+              <a:noFill/>
+            </a:ln>
+          </p:spPr>
+          <p:style>
+            <a:lnRef idx="2">
+              <a:schemeClr val="accent1">
+                <a:shade val="50000"/>
+              </a:schemeClr>
+            </a:lnRef>
+            <a:fillRef idx="1">
+              <a:schemeClr val="accent1"/>
+            </a:fillRef>
+            <a:effectRef idx="0">
+              <a:schemeClr val="accent1"/>
+            </a:effectRef>
+            <a:fontRef idx="minor">
+              <a:schemeClr val="lt1"/>
+            </a:fontRef>
+          </p:style>
+          <p:txBody>
+            <a:bodyPr wrap="square" rtlCol="0" anchor="ctr">
+              <a:noAutofit/>
+            </a:bodyPr>
+            <a:lstStyle/>
+            <a:p>
+              <a:pPr algn="ctr"/>
+              <a:endParaRPr lang="en-US"/>
+            </a:p>
+          </p:txBody>
+        </p:sp>
+        <p:sp>
+          <p:nvSpPr>
+            <p:cNvPr id="10" name="Freeform: Shape 9">
+              <a:extLst>
+                <a:ext uri="{FF2B5EF4-FFF2-40B4-BE49-F238E27FC236}">
+                  <a16:creationId xmlns:a16="http://schemas.microsoft.com/office/drawing/2014/main" id="{5FE7CFE2-40F6-44B2-8AAD-0C384EEFCF7E}"/>
+                </a:ext>
+                <a:ext uri="{C183D7F6-B498-43B3-948B-1728B52AA6E4}">
+                  <adec:decorative xmlns:adec="http://schemas.microsoft.com/office/drawing/2017/decorative" val="1"/>
+                </a:ext>
+              </a:extLst>
+            </p:cNvPr>
+            <p:cNvSpPr/>
+            <p:nvPr>
+              <p:extLst>
+                <p:ext uri="{386F3935-93C4-4BCD-93E2-E3B085C9AB24}">
+                  <p16:designElem xmlns:p16="http://schemas.microsoft.com/office/powerpoint/2015/main" val="1"/>
+                </p:ext>
+              </p:extLst>
+            </p:nvPr>
+          </p:nvSpPr>
+          <p:spPr>
+            <a:xfrm>
+              <a:off x="9265700" y="7622"/>
+              <a:ext cx="2372219" cy="2371961"/>
+            </a:xfrm>
+            <a:custGeom>
+              <a:avLst/>
+              <a:gdLst>
+                <a:gd name="connsiteX0" fmla="*/ 2144960 w 4282900"/>
+                <a:gd name="connsiteY0" fmla="*/ 0 h 5795027"/>
+                <a:gd name="connsiteX1" fmla="*/ 2332832 w 4282900"/>
+                <a:gd name="connsiteY1" fmla="*/ 164715 h 5795027"/>
+                <a:gd name="connsiteX2" fmla="*/ 3723546 w 4282900"/>
+                <a:gd name="connsiteY2" fmla="*/ 855573 h 5795027"/>
+                <a:gd name="connsiteX3" fmla="*/ 4282900 w 4282900"/>
+                <a:gd name="connsiteY3" fmla="*/ 2048959 h 5795027"/>
+                <a:gd name="connsiteX4" fmla="*/ 4282900 w 4282900"/>
+                <a:gd name="connsiteY4" fmla="*/ 2231503 h 5795027"/>
+                <a:gd name="connsiteX5" fmla="*/ 4282900 w 4282900"/>
+                <a:gd name="connsiteY5" fmla="*/ 2752557 h 5795027"/>
+                <a:gd name="connsiteX6" fmla="*/ 4282900 w 4282900"/>
+                <a:gd name="connsiteY6" fmla="*/ 3042471 h 5795027"/>
+                <a:gd name="connsiteX7" fmla="*/ 4282900 w 4282900"/>
+                <a:gd name="connsiteY7" fmla="*/ 3441681 h 5795027"/>
+                <a:gd name="connsiteX8" fmla="*/ 4282900 w 4282900"/>
+                <a:gd name="connsiteY8" fmla="*/ 3746068 h 5795027"/>
+                <a:gd name="connsiteX9" fmla="*/ 3723546 w 4282900"/>
+                <a:gd name="connsiteY9" fmla="*/ 4939455 h 5795027"/>
+                <a:gd name="connsiteX10" fmla="*/ 2332829 w 4282900"/>
+                <a:gd name="connsiteY10" fmla="*/ 5630311 h 5795027"/>
+                <a:gd name="connsiteX11" fmla="*/ 2137940 w 4282900"/>
+                <a:gd name="connsiteY11" fmla="*/ 5795027 h 5795027"/>
+                <a:gd name="connsiteX12" fmla="*/ 1950069 w 4282900"/>
+                <a:gd name="connsiteY12" fmla="*/ 5630311 h 5795027"/>
+                <a:gd name="connsiteX13" fmla="*/ 559353 w 4282900"/>
+                <a:gd name="connsiteY13" fmla="*/ 4939455 h 5795027"/>
+                <a:gd name="connsiteX14" fmla="*/ 0 w 4282900"/>
+                <a:gd name="connsiteY14" fmla="*/ 3746068 h 5795027"/>
+                <a:gd name="connsiteX15" fmla="*/ 0 w 4282900"/>
+                <a:gd name="connsiteY15" fmla="*/ 3441681 h 5795027"/>
+                <a:gd name="connsiteX16" fmla="*/ 0 w 4282900"/>
+                <a:gd name="connsiteY16" fmla="*/ 3042471 h 5795027"/>
+                <a:gd name="connsiteX17" fmla="*/ 0 w 4282900"/>
+                <a:gd name="connsiteY17" fmla="*/ 2752557 h 5795027"/>
+                <a:gd name="connsiteX18" fmla="*/ 0 w 4282900"/>
+                <a:gd name="connsiteY18" fmla="*/ 2231503 h 5795027"/>
+                <a:gd name="connsiteX19" fmla="*/ 0 w 4282900"/>
+                <a:gd name="connsiteY19" fmla="*/ 2048959 h 5795027"/>
+                <a:gd name="connsiteX20" fmla="*/ 559354 w 4282900"/>
+                <a:gd name="connsiteY20" fmla="*/ 855573 h 5795027"/>
+                <a:gd name="connsiteX21" fmla="*/ 1950071 w 4282900"/>
+                <a:gd name="connsiteY21" fmla="*/ 164715 h 5795027"/>
+                <a:gd name="connsiteX0" fmla="*/ 4282900 w 4447989"/>
+                <a:gd name="connsiteY0" fmla="*/ 2048959 h 5795027"/>
+                <a:gd name="connsiteX1" fmla="*/ 4282900 w 4447989"/>
+                <a:gd name="connsiteY1" fmla="*/ 2231503 h 5795027"/>
+                <a:gd name="connsiteX2" fmla="*/ 4282900 w 4447989"/>
+                <a:gd name="connsiteY2" fmla="*/ 2752557 h 5795027"/>
+                <a:gd name="connsiteX3" fmla="*/ 4282900 w 4447989"/>
+                <a:gd name="connsiteY3" fmla="*/ 3042471 h 5795027"/>
+                <a:gd name="connsiteX4" fmla="*/ 4282900 w 4447989"/>
+                <a:gd name="connsiteY4" fmla="*/ 3441681 h 5795027"/>
+                <a:gd name="connsiteX5" fmla="*/ 4282900 w 4447989"/>
+                <a:gd name="connsiteY5" fmla="*/ 3746068 h 5795027"/>
+                <a:gd name="connsiteX6" fmla="*/ 3723546 w 4447989"/>
+                <a:gd name="connsiteY6" fmla="*/ 4939455 h 5795027"/>
+                <a:gd name="connsiteX7" fmla="*/ 2332829 w 4447989"/>
+                <a:gd name="connsiteY7" fmla="*/ 5630311 h 5795027"/>
+                <a:gd name="connsiteX8" fmla="*/ 2137940 w 4447989"/>
+                <a:gd name="connsiteY8" fmla="*/ 5795027 h 5795027"/>
+                <a:gd name="connsiteX9" fmla="*/ 1950069 w 4447989"/>
+                <a:gd name="connsiteY9" fmla="*/ 5630311 h 5795027"/>
+                <a:gd name="connsiteX10" fmla="*/ 559353 w 4447989"/>
+                <a:gd name="connsiteY10" fmla="*/ 4939455 h 5795027"/>
+                <a:gd name="connsiteX11" fmla="*/ 0 w 4447989"/>
+                <a:gd name="connsiteY11" fmla="*/ 3746068 h 5795027"/>
+                <a:gd name="connsiteX12" fmla="*/ 0 w 4447989"/>
+                <a:gd name="connsiteY12" fmla="*/ 3441681 h 5795027"/>
+                <a:gd name="connsiteX13" fmla="*/ 0 w 4447989"/>
+                <a:gd name="connsiteY13" fmla="*/ 3042471 h 5795027"/>
+                <a:gd name="connsiteX14" fmla="*/ 0 w 4447989"/>
+                <a:gd name="connsiteY14" fmla="*/ 2752557 h 5795027"/>
+                <a:gd name="connsiteX15" fmla="*/ 0 w 4447989"/>
+                <a:gd name="connsiteY15" fmla="*/ 2231503 h 5795027"/>
+                <a:gd name="connsiteX16" fmla="*/ 0 w 4447989"/>
+                <a:gd name="connsiteY16" fmla="*/ 2048959 h 5795027"/>
+                <a:gd name="connsiteX17" fmla="*/ 559354 w 4447989"/>
+                <a:gd name="connsiteY17" fmla="*/ 855573 h 5795027"/>
+                <a:gd name="connsiteX18" fmla="*/ 1950071 w 4447989"/>
+                <a:gd name="connsiteY18" fmla="*/ 164715 h 5795027"/>
+                <a:gd name="connsiteX19" fmla="*/ 2144960 w 4447989"/>
+                <a:gd name="connsiteY19" fmla="*/ 0 h 5795027"/>
+                <a:gd name="connsiteX20" fmla="*/ 2332832 w 4447989"/>
+                <a:gd name="connsiteY20" fmla="*/ 164715 h 5795027"/>
+                <a:gd name="connsiteX21" fmla="*/ 3723546 w 4447989"/>
+                <a:gd name="connsiteY21" fmla="*/ 855573 h 5795027"/>
+                <a:gd name="connsiteX22" fmla="*/ 4447989 w 4447989"/>
+                <a:gd name="connsiteY22" fmla="*/ 2214048 h 5795027"/>
+                <a:gd name="connsiteX0" fmla="*/ 4282900 w 4282900"/>
+                <a:gd name="connsiteY0" fmla="*/ 2048959 h 5795027"/>
+                <a:gd name="connsiteX1" fmla="*/ 4282900 w 4282900"/>
+                <a:gd name="connsiteY1" fmla="*/ 2231503 h 5795027"/>
+                <a:gd name="connsiteX2" fmla="*/ 4282900 w 4282900"/>
+                <a:gd name="connsiteY2" fmla="*/ 2752557 h 5795027"/>
+                <a:gd name="connsiteX3" fmla="*/ 4282900 w 4282900"/>
+                <a:gd name="connsiteY3" fmla="*/ 3042471 h 5795027"/>
+                <a:gd name="connsiteX4" fmla="*/ 4282900 w 4282900"/>
+                <a:gd name="connsiteY4" fmla="*/ 3441681 h 5795027"/>
+                <a:gd name="connsiteX5" fmla="*/ 4282900 w 4282900"/>
+                <a:gd name="connsiteY5" fmla="*/ 3746068 h 5795027"/>
+                <a:gd name="connsiteX6" fmla="*/ 3723546 w 4282900"/>
+                <a:gd name="connsiteY6" fmla="*/ 4939455 h 5795027"/>
+                <a:gd name="connsiteX7" fmla="*/ 2332829 w 4282900"/>
+                <a:gd name="connsiteY7" fmla="*/ 5630311 h 5795027"/>
+                <a:gd name="connsiteX8" fmla="*/ 2137940 w 4282900"/>
+                <a:gd name="connsiteY8" fmla="*/ 5795027 h 5795027"/>
+                <a:gd name="connsiteX9" fmla="*/ 1950069 w 4282900"/>
+                <a:gd name="connsiteY9" fmla="*/ 5630311 h 5795027"/>
+                <a:gd name="connsiteX10" fmla="*/ 559353 w 4282900"/>
+                <a:gd name="connsiteY10" fmla="*/ 4939455 h 5795027"/>
+                <a:gd name="connsiteX11" fmla="*/ 0 w 4282900"/>
+                <a:gd name="connsiteY11" fmla="*/ 3746068 h 5795027"/>
+                <a:gd name="connsiteX12" fmla="*/ 0 w 4282900"/>
+                <a:gd name="connsiteY12" fmla="*/ 3441681 h 5795027"/>
+                <a:gd name="connsiteX13" fmla="*/ 0 w 4282900"/>
+                <a:gd name="connsiteY13" fmla="*/ 3042471 h 5795027"/>
+                <a:gd name="connsiteX14" fmla="*/ 0 w 4282900"/>
+                <a:gd name="connsiteY14" fmla="*/ 2752557 h 5795027"/>
+                <a:gd name="connsiteX15" fmla="*/ 0 w 4282900"/>
+                <a:gd name="connsiteY15" fmla="*/ 2231503 h 5795027"/>
+                <a:gd name="connsiteX16" fmla="*/ 0 w 4282900"/>
+                <a:gd name="connsiteY16" fmla="*/ 2048959 h 5795027"/>
+                <a:gd name="connsiteX17" fmla="*/ 559354 w 4282900"/>
+                <a:gd name="connsiteY17" fmla="*/ 855573 h 5795027"/>
+                <a:gd name="connsiteX18" fmla="*/ 1950071 w 4282900"/>
+                <a:gd name="connsiteY18" fmla="*/ 164715 h 5795027"/>
+                <a:gd name="connsiteX19" fmla="*/ 2144960 w 4282900"/>
+                <a:gd name="connsiteY19" fmla="*/ 0 h 5795027"/>
+                <a:gd name="connsiteX20" fmla="*/ 2332832 w 4282900"/>
+                <a:gd name="connsiteY20" fmla="*/ 164715 h 5795027"/>
+                <a:gd name="connsiteX21" fmla="*/ 3723546 w 4282900"/>
+                <a:gd name="connsiteY21" fmla="*/ 855573 h 5795027"/>
+                <a:gd name="connsiteX0" fmla="*/ 4248071 w 4282900"/>
+                <a:gd name="connsiteY0" fmla="*/ 1519558 h 5795027"/>
+                <a:gd name="connsiteX1" fmla="*/ 4282900 w 4282900"/>
+                <a:gd name="connsiteY1" fmla="*/ 2231503 h 5795027"/>
+                <a:gd name="connsiteX2" fmla="*/ 4282900 w 4282900"/>
+                <a:gd name="connsiteY2" fmla="*/ 2752557 h 5795027"/>
+                <a:gd name="connsiteX3" fmla="*/ 4282900 w 4282900"/>
+                <a:gd name="connsiteY3" fmla="*/ 3042471 h 5795027"/>
+                <a:gd name="connsiteX4" fmla="*/ 4282900 w 4282900"/>
+                <a:gd name="connsiteY4" fmla="*/ 3441681 h 5795027"/>
+                <a:gd name="connsiteX5" fmla="*/ 4282900 w 4282900"/>
+                <a:gd name="connsiteY5" fmla="*/ 3746068 h 5795027"/>
+                <a:gd name="connsiteX6" fmla="*/ 3723546 w 4282900"/>
+                <a:gd name="connsiteY6" fmla="*/ 4939455 h 5795027"/>
+                <a:gd name="connsiteX7" fmla="*/ 2332829 w 4282900"/>
+                <a:gd name="connsiteY7" fmla="*/ 5630311 h 5795027"/>
+                <a:gd name="connsiteX8" fmla="*/ 2137940 w 4282900"/>
+                <a:gd name="connsiteY8" fmla="*/ 5795027 h 5795027"/>
+                <a:gd name="connsiteX9" fmla="*/ 1950069 w 4282900"/>
+                <a:gd name="connsiteY9" fmla="*/ 5630311 h 5795027"/>
+                <a:gd name="connsiteX10" fmla="*/ 559353 w 4282900"/>
+                <a:gd name="connsiteY10" fmla="*/ 4939455 h 5795027"/>
+                <a:gd name="connsiteX11" fmla="*/ 0 w 4282900"/>
+                <a:gd name="connsiteY11" fmla="*/ 3746068 h 5795027"/>
+                <a:gd name="connsiteX12" fmla="*/ 0 w 4282900"/>
+                <a:gd name="connsiteY12" fmla="*/ 3441681 h 5795027"/>
+                <a:gd name="connsiteX13" fmla="*/ 0 w 4282900"/>
+                <a:gd name="connsiteY13" fmla="*/ 3042471 h 5795027"/>
+                <a:gd name="connsiteX14" fmla="*/ 0 w 4282900"/>
+                <a:gd name="connsiteY14" fmla="*/ 2752557 h 5795027"/>
+                <a:gd name="connsiteX15" fmla="*/ 0 w 4282900"/>
+                <a:gd name="connsiteY15" fmla="*/ 2231503 h 5795027"/>
+                <a:gd name="connsiteX16" fmla="*/ 0 w 4282900"/>
+                <a:gd name="connsiteY16" fmla="*/ 2048959 h 5795027"/>
+                <a:gd name="connsiteX17" fmla="*/ 559354 w 4282900"/>
+                <a:gd name="connsiteY17" fmla="*/ 855573 h 5795027"/>
+                <a:gd name="connsiteX18" fmla="*/ 1950071 w 4282900"/>
+                <a:gd name="connsiteY18" fmla="*/ 164715 h 5795027"/>
+                <a:gd name="connsiteX19" fmla="*/ 2144960 w 4282900"/>
+                <a:gd name="connsiteY19" fmla="*/ 0 h 5795027"/>
+                <a:gd name="connsiteX20" fmla="*/ 2332832 w 4282900"/>
+                <a:gd name="connsiteY20" fmla="*/ 164715 h 5795027"/>
+                <a:gd name="connsiteX21" fmla="*/ 3723546 w 4282900"/>
+                <a:gd name="connsiteY21" fmla="*/ 855573 h 5795027"/>
+                <a:gd name="connsiteX0" fmla="*/ 4248071 w 4292243"/>
+                <a:gd name="connsiteY0" fmla="*/ 1519558 h 5795027"/>
+                <a:gd name="connsiteX1" fmla="*/ 4282900 w 4292243"/>
+                <a:gd name="connsiteY1" fmla="*/ 2231503 h 5795027"/>
+                <a:gd name="connsiteX2" fmla="*/ 4282900 w 4292243"/>
+                <a:gd name="connsiteY2" fmla="*/ 2752557 h 5795027"/>
+                <a:gd name="connsiteX3" fmla="*/ 4282900 w 4292243"/>
+                <a:gd name="connsiteY3" fmla="*/ 3042471 h 5795027"/>
+                <a:gd name="connsiteX4" fmla="*/ 4282900 w 4292243"/>
+                <a:gd name="connsiteY4" fmla="*/ 3441681 h 5795027"/>
+                <a:gd name="connsiteX5" fmla="*/ 4282900 w 4292243"/>
+                <a:gd name="connsiteY5" fmla="*/ 3746068 h 5795027"/>
+                <a:gd name="connsiteX6" fmla="*/ 3723546 w 4292243"/>
+                <a:gd name="connsiteY6" fmla="*/ 4939455 h 5795027"/>
+                <a:gd name="connsiteX7" fmla="*/ 2332829 w 4292243"/>
+                <a:gd name="connsiteY7" fmla="*/ 5630311 h 5795027"/>
+                <a:gd name="connsiteX8" fmla="*/ 2137940 w 4292243"/>
+                <a:gd name="connsiteY8" fmla="*/ 5795027 h 5795027"/>
+                <a:gd name="connsiteX9" fmla="*/ 1950069 w 4292243"/>
+                <a:gd name="connsiteY9" fmla="*/ 5630311 h 5795027"/>
+                <a:gd name="connsiteX10" fmla="*/ 559353 w 4292243"/>
+                <a:gd name="connsiteY10" fmla="*/ 4939455 h 5795027"/>
+                <a:gd name="connsiteX11" fmla="*/ 0 w 4292243"/>
+                <a:gd name="connsiteY11" fmla="*/ 3746068 h 5795027"/>
+                <a:gd name="connsiteX12" fmla="*/ 0 w 4292243"/>
+                <a:gd name="connsiteY12" fmla="*/ 3441681 h 5795027"/>
+                <a:gd name="connsiteX13" fmla="*/ 0 w 4292243"/>
+                <a:gd name="connsiteY13" fmla="*/ 3042471 h 5795027"/>
+                <a:gd name="connsiteX14" fmla="*/ 0 w 4292243"/>
+                <a:gd name="connsiteY14" fmla="*/ 2752557 h 5795027"/>
+                <a:gd name="connsiteX15" fmla="*/ 0 w 4292243"/>
+                <a:gd name="connsiteY15" fmla="*/ 2231503 h 5795027"/>
+                <a:gd name="connsiteX16" fmla="*/ 0 w 4292243"/>
+                <a:gd name="connsiteY16" fmla="*/ 2048959 h 5795027"/>
+                <a:gd name="connsiteX17" fmla="*/ 559354 w 4292243"/>
+                <a:gd name="connsiteY17" fmla="*/ 855573 h 5795027"/>
+                <a:gd name="connsiteX18" fmla="*/ 1950071 w 4292243"/>
+                <a:gd name="connsiteY18" fmla="*/ 164715 h 5795027"/>
+                <a:gd name="connsiteX19" fmla="*/ 2144960 w 4292243"/>
+                <a:gd name="connsiteY19" fmla="*/ 0 h 5795027"/>
+                <a:gd name="connsiteX20" fmla="*/ 2332832 w 4292243"/>
+                <a:gd name="connsiteY20" fmla="*/ 164715 h 5795027"/>
+                <a:gd name="connsiteX21" fmla="*/ 3723546 w 4292243"/>
+                <a:gd name="connsiteY21" fmla="*/ 855573 h 5795027"/>
+                <a:gd name="connsiteX0" fmla="*/ 4213242 w 4282900"/>
+                <a:gd name="connsiteY0" fmla="*/ 1512593 h 5795027"/>
+                <a:gd name="connsiteX1" fmla="*/ 4282900 w 4282900"/>
+                <a:gd name="connsiteY1" fmla="*/ 2231503 h 5795027"/>
+                <a:gd name="connsiteX2" fmla="*/ 4282900 w 4282900"/>
+                <a:gd name="connsiteY2" fmla="*/ 2752557 h 5795027"/>
+                <a:gd name="connsiteX3" fmla="*/ 4282900 w 4282900"/>
+                <a:gd name="connsiteY3" fmla="*/ 3042471 h 5795027"/>
+                <a:gd name="connsiteX4" fmla="*/ 4282900 w 4282900"/>
+                <a:gd name="connsiteY4" fmla="*/ 3441681 h 5795027"/>
+                <a:gd name="connsiteX5" fmla="*/ 4282900 w 4282900"/>
+                <a:gd name="connsiteY5" fmla="*/ 3746068 h 5795027"/>
+                <a:gd name="connsiteX6" fmla="*/ 3723546 w 4282900"/>
+                <a:gd name="connsiteY6" fmla="*/ 4939455 h 5795027"/>
+                <a:gd name="connsiteX7" fmla="*/ 2332829 w 4282900"/>
+                <a:gd name="connsiteY7" fmla="*/ 5630311 h 5795027"/>
+                <a:gd name="connsiteX8" fmla="*/ 2137940 w 4282900"/>
+                <a:gd name="connsiteY8" fmla="*/ 5795027 h 5795027"/>
+                <a:gd name="connsiteX9" fmla="*/ 1950069 w 4282900"/>
+                <a:gd name="connsiteY9" fmla="*/ 5630311 h 5795027"/>
+                <a:gd name="connsiteX10" fmla="*/ 559353 w 4282900"/>
+                <a:gd name="connsiteY10" fmla="*/ 4939455 h 5795027"/>
+                <a:gd name="connsiteX11" fmla="*/ 0 w 4282900"/>
+                <a:gd name="connsiteY11" fmla="*/ 3746068 h 5795027"/>
+                <a:gd name="connsiteX12" fmla="*/ 0 w 4282900"/>
+                <a:gd name="connsiteY12" fmla="*/ 3441681 h 5795027"/>
+                <a:gd name="connsiteX13" fmla="*/ 0 w 4282900"/>
+                <a:gd name="connsiteY13" fmla="*/ 3042471 h 5795027"/>
+                <a:gd name="connsiteX14" fmla="*/ 0 w 4282900"/>
+                <a:gd name="connsiteY14" fmla="*/ 2752557 h 5795027"/>
+                <a:gd name="connsiteX15" fmla="*/ 0 w 4282900"/>
+                <a:gd name="connsiteY15" fmla="*/ 2231503 h 5795027"/>
+                <a:gd name="connsiteX16" fmla="*/ 0 w 4282900"/>
+                <a:gd name="connsiteY16" fmla="*/ 2048959 h 5795027"/>
+                <a:gd name="connsiteX17" fmla="*/ 559354 w 4282900"/>
+                <a:gd name="connsiteY17" fmla="*/ 855573 h 5795027"/>
+                <a:gd name="connsiteX18" fmla="*/ 1950071 w 4282900"/>
+                <a:gd name="connsiteY18" fmla="*/ 164715 h 5795027"/>
+                <a:gd name="connsiteX19" fmla="*/ 2144960 w 4282900"/>
+                <a:gd name="connsiteY19" fmla="*/ 0 h 5795027"/>
+                <a:gd name="connsiteX20" fmla="*/ 2332832 w 4282900"/>
+                <a:gd name="connsiteY20" fmla="*/ 164715 h 5795027"/>
+                <a:gd name="connsiteX21" fmla="*/ 3723546 w 4282900"/>
+                <a:gd name="connsiteY21" fmla="*/ 855573 h 5795027"/>
+                <a:gd name="connsiteX0" fmla="*/ 4213242 w 4282900"/>
+                <a:gd name="connsiteY0" fmla="*/ 1512593 h 5795027"/>
+                <a:gd name="connsiteX1" fmla="*/ 4282900 w 4282900"/>
+                <a:gd name="connsiteY1" fmla="*/ 2231503 h 5795027"/>
+                <a:gd name="connsiteX2" fmla="*/ 4282900 w 4282900"/>
+                <a:gd name="connsiteY2" fmla="*/ 2752557 h 5795027"/>
+                <a:gd name="connsiteX3" fmla="*/ 4282900 w 4282900"/>
+                <a:gd name="connsiteY3" fmla="*/ 3042471 h 5795027"/>
+                <a:gd name="connsiteX4" fmla="*/ 4282900 w 4282900"/>
+                <a:gd name="connsiteY4" fmla="*/ 3441681 h 5795027"/>
+                <a:gd name="connsiteX5" fmla="*/ 4282900 w 4282900"/>
+                <a:gd name="connsiteY5" fmla="*/ 3746068 h 5795027"/>
+                <a:gd name="connsiteX6" fmla="*/ 3723546 w 4282900"/>
+                <a:gd name="connsiteY6" fmla="*/ 4939455 h 5795027"/>
+                <a:gd name="connsiteX7" fmla="*/ 2332829 w 4282900"/>
+                <a:gd name="connsiteY7" fmla="*/ 5630311 h 5795027"/>
+                <a:gd name="connsiteX8" fmla="*/ 2137940 w 4282900"/>
+                <a:gd name="connsiteY8" fmla="*/ 5795027 h 5795027"/>
+                <a:gd name="connsiteX9" fmla="*/ 1950069 w 4282900"/>
+                <a:gd name="connsiteY9" fmla="*/ 5630311 h 5795027"/>
+                <a:gd name="connsiteX10" fmla="*/ 559353 w 4282900"/>
+                <a:gd name="connsiteY10" fmla="*/ 4939455 h 5795027"/>
+                <a:gd name="connsiteX11" fmla="*/ 0 w 4282900"/>
+                <a:gd name="connsiteY11" fmla="*/ 3746068 h 5795027"/>
+                <a:gd name="connsiteX12" fmla="*/ 0 w 4282900"/>
+                <a:gd name="connsiteY12" fmla="*/ 3441681 h 5795027"/>
+                <a:gd name="connsiteX13" fmla="*/ 0 w 4282900"/>
+                <a:gd name="connsiteY13" fmla="*/ 3042471 h 5795027"/>
+                <a:gd name="connsiteX14" fmla="*/ 0 w 4282900"/>
+                <a:gd name="connsiteY14" fmla="*/ 2752557 h 5795027"/>
+                <a:gd name="connsiteX15" fmla="*/ 0 w 4282900"/>
+                <a:gd name="connsiteY15" fmla="*/ 2231503 h 5795027"/>
+                <a:gd name="connsiteX16" fmla="*/ 0 w 4282900"/>
+                <a:gd name="connsiteY16" fmla="*/ 2048959 h 5795027"/>
+                <a:gd name="connsiteX17" fmla="*/ 559354 w 4282900"/>
+                <a:gd name="connsiteY17" fmla="*/ 855573 h 5795027"/>
+                <a:gd name="connsiteX18" fmla="*/ 1950071 w 4282900"/>
+                <a:gd name="connsiteY18" fmla="*/ 164715 h 5795027"/>
+                <a:gd name="connsiteX19" fmla="*/ 2144960 w 4282900"/>
+                <a:gd name="connsiteY19" fmla="*/ 0 h 5795027"/>
+                <a:gd name="connsiteX20" fmla="*/ 2332832 w 4282900"/>
+                <a:gd name="connsiteY20" fmla="*/ 164715 h 5795027"/>
+                <a:gd name="connsiteX0" fmla="*/ 4213242 w 4282900"/>
+                <a:gd name="connsiteY0" fmla="*/ 1512593 h 5795027"/>
+                <a:gd name="connsiteX1" fmla="*/ 4282900 w 4282900"/>
+                <a:gd name="connsiteY1" fmla="*/ 2231503 h 5795027"/>
+                <a:gd name="connsiteX2" fmla="*/ 4282900 w 4282900"/>
+                <a:gd name="connsiteY2" fmla="*/ 2752557 h 5795027"/>
+                <a:gd name="connsiteX3" fmla="*/ 4282900 w 4282900"/>
+                <a:gd name="connsiteY3" fmla="*/ 3042471 h 5795027"/>
+                <a:gd name="connsiteX4" fmla="*/ 4282900 w 4282900"/>
+                <a:gd name="connsiteY4" fmla="*/ 3441681 h 5795027"/>
+                <a:gd name="connsiteX5" fmla="*/ 4282900 w 4282900"/>
+                <a:gd name="connsiteY5" fmla="*/ 3746068 h 5795027"/>
+                <a:gd name="connsiteX6" fmla="*/ 3723546 w 4282900"/>
+                <a:gd name="connsiteY6" fmla="*/ 4939455 h 5795027"/>
+                <a:gd name="connsiteX7" fmla="*/ 2332829 w 4282900"/>
+                <a:gd name="connsiteY7" fmla="*/ 5630311 h 5795027"/>
+                <a:gd name="connsiteX8" fmla="*/ 2137940 w 4282900"/>
+                <a:gd name="connsiteY8" fmla="*/ 5795027 h 5795027"/>
+                <a:gd name="connsiteX9" fmla="*/ 1950069 w 4282900"/>
+                <a:gd name="connsiteY9" fmla="*/ 5630311 h 5795027"/>
+                <a:gd name="connsiteX10" fmla="*/ 559353 w 4282900"/>
+                <a:gd name="connsiteY10" fmla="*/ 4939455 h 5795027"/>
+                <a:gd name="connsiteX11" fmla="*/ 0 w 4282900"/>
+                <a:gd name="connsiteY11" fmla="*/ 3746068 h 5795027"/>
+                <a:gd name="connsiteX12" fmla="*/ 0 w 4282900"/>
+                <a:gd name="connsiteY12" fmla="*/ 3441681 h 5795027"/>
+                <a:gd name="connsiteX13" fmla="*/ 0 w 4282900"/>
+                <a:gd name="connsiteY13" fmla="*/ 3042471 h 5795027"/>
+                <a:gd name="connsiteX14" fmla="*/ 0 w 4282900"/>
+                <a:gd name="connsiteY14" fmla="*/ 2752557 h 5795027"/>
+                <a:gd name="connsiteX15" fmla="*/ 0 w 4282900"/>
+                <a:gd name="connsiteY15" fmla="*/ 2231503 h 5795027"/>
+                <a:gd name="connsiteX16" fmla="*/ 0 w 4282900"/>
+                <a:gd name="connsiteY16" fmla="*/ 2048959 h 5795027"/>
+                <a:gd name="connsiteX17" fmla="*/ 559354 w 4282900"/>
+                <a:gd name="connsiteY17" fmla="*/ 855573 h 5795027"/>
+                <a:gd name="connsiteX18" fmla="*/ 1950071 w 4282900"/>
+                <a:gd name="connsiteY18" fmla="*/ 164715 h 5795027"/>
+                <a:gd name="connsiteX19" fmla="*/ 2144960 w 4282900"/>
+                <a:gd name="connsiteY19" fmla="*/ 0 h 5795027"/>
+                <a:gd name="connsiteX0" fmla="*/ 4213242 w 4282900"/>
+                <a:gd name="connsiteY0" fmla="*/ 1512593 h 5795027"/>
+                <a:gd name="connsiteX1" fmla="*/ 4282900 w 4282900"/>
+                <a:gd name="connsiteY1" fmla="*/ 2231503 h 5795027"/>
+                <a:gd name="connsiteX2" fmla="*/ 4282900 w 4282900"/>
+                <a:gd name="connsiteY2" fmla="*/ 2752557 h 5795027"/>
+                <a:gd name="connsiteX3" fmla="*/ 4282900 w 4282900"/>
+                <a:gd name="connsiteY3" fmla="*/ 3042471 h 5795027"/>
+                <a:gd name="connsiteX4" fmla="*/ 4282900 w 4282900"/>
+                <a:gd name="connsiteY4" fmla="*/ 3441681 h 5795027"/>
+                <a:gd name="connsiteX5" fmla="*/ 4282900 w 4282900"/>
+                <a:gd name="connsiteY5" fmla="*/ 3746068 h 5795027"/>
+                <a:gd name="connsiteX6" fmla="*/ 3723546 w 4282900"/>
+                <a:gd name="connsiteY6" fmla="*/ 4939455 h 5795027"/>
+                <a:gd name="connsiteX7" fmla="*/ 2332829 w 4282900"/>
+                <a:gd name="connsiteY7" fmla="*/ 5630311 h 5795027"/>
+                <a:gd name="connsiteX8" fmla="*/ 2137940 w 4282900"/>
+                <a:gd name="connsiteY8" fmla="*/ 5795027 h 5795027"/>
+                <a:gd name="connsiteX9" fmla="*/ 1950069 w 4282900"/>
+                <a:gd name="connsiteY9" fmla="*/ 5630311 h 5795027"/>
+                <a:gd name="connsiteX10" fmla="*/ 559353 w 4282900"/>
+                <a:gd name="connsiteY10" fmla="*/ 4939455 h 5795027"/>
+                <a:gd name="connsiteX11" fmla="*/ 0 w 4282900"/>
+                <a:gd name="connsiteY11" fmla="*/ 3746068 h 5795027"/>
+                <a:gd name="connsiteX12" fmla="*/ 0 w 4282900"/>
+                <a:gd name="connsiteY12" fmla="*/ 3441681 h 5795027"/>
+                <a:gd name="connsiteX13" fmla="*/ 0 w 4282900"/>
+                <a:gd name="connsiteY13" fmla="*/ 3042471 h 5795027"/>
+                <a:gd name="connsiteX14" fmla="*/ 0 w 4282900"/>
+                <a:gd name="connsiteY14" fmla="*/ 2752557 h 5795027"/>
+                <a:gd name="connsiteX15" fmla="*/ 0 w 4282900"/>
+                <a:gd name="connsiteY15" fmla="*/ 2231503 h 5795027"/>
+                <a:gd name="connsiteX16" fmla="*/ 0 w 4282900"/>
+                <a:gd name="connsiteY16" fmla="*/ 2048959 h 5795027"/>
+                <a:gd name="connsiteX17" fmla="*/ 559354 w 4282900"/>
+                <a:gd name="connsiteY17" fmla="*/ 855573 h 5795027"/>
+                <a:gd name="connsiteX18" fmla="*/ 2144960 w 4282900"/>
+                <a:gd name="connsiteY18" fmla="*/ 0 h 5795027"/>
+                <a:gd name="connsiteX0" fmla="*/ 4213242 w 4282900"/>
+                <a:gd name="connsiteY0" fmla="*/ 1512593 h 5795027"/>
+                <a:gd name="connsiteX1" fmla="*/ 4282900 w 4282900"/>
+                <a:gd name="connsiteY1" fmla="*/ 2231503 h 5795027"/>
+                <a:gd name="connsiteX2" fmla="*/ 4282900 w 4282900"/>
+                <a:gd name="connsiteY2" fmla="*/ 2752557 h 5795027"/>
+                <a:gd name="connsiteX3" fmla="*/ 4282900 w 4282900"/>
+                <a:gd name="connsiteY3" fmla="*/ 3042471 h 5795027"/>
+                <a:gd name="connsiteX4" fmla="*/ 4282900 w 4282900"/>
+                <a:gd name="connsiteY4" fmla="*/ 3441681 h 5795027"/>
+                <a:gd name="connsiteX5" fmla="*/ 4282900 w 4282900"/>
+                <a:gd name="connsiteY5" fmla="*/ 3746068 h 5795027"/>
+                <a:gd name="connsiteX6" fmla="*/ 3723546 w 4282900"/>
+                <a:gd name="connsiteY6" fmla="*/ 4939455 h 5795027"/>
+                <a:gd name="connsiteX7" fmla="*/ 2332829 w 4282900"/>
+                <a:gd name="connsiteY7" fmla="*/ 5630311 h 5795027"/>
+                <a:gd name="connsiteX8" fmla="*/ 2137940 w 4282900"/>
+                <a:gd name="connsiteY8" fmla="*/ 5795027 h 5795027"/>
+                <a:gd name="connsiteX9" fmla="*/ 1950069 w 4282900"/>
+                <a:gd name="connsiteY9" fmla="*/ 5630311 h 5795027"/>
+                <a:gd name="connsiteX10" fmla="*/ 559353 w 4282900"/>
+                <a:gd name="connsiteY10" fmla="*/ 4939455 h 5795027"/>
+                <a:gd name="connsiteX11" fmla="*/ 0 w 4282900"/>
+                <a:gd name="connsiteY11" fmla="*/ 3746068 h 5795027"/>
+                <a:gd name="connsiteX12" fmla="*/ 0 w 4282900"/>
+                <a:gd name="connsiteY12" fmla="*/ 3441681 h 5795027"/>
+                <a:gd name="connsiteX13" fmla="*/ 0 w 4282900"/>
+                <a:gd name="connsiteY13" fmla="*/ 3042471 h 5795027"/>
+                <a:gd name="connsiteX14" fmla="*/ 0 w 4282900"/>
+                <a:gd name="connsiteY14" fmla="*/ 2752557 h 5795027"/>
+                <a:gd name="connsiteX15" fmla="*/ 0 w 4282900"/>
+                <a:gd name="connsiteY15" fmla="*/ 2231503 h 5795027"/>
+                <a:gd name="connsiteX16" fmla="*/ 0 w 4282900"/>
+                <a:gd name="connsiteY16" fmla="*/ 2048959 h 5795027"/>
+                <a:gd name="connsiteX17" fmla="*/ 64279 w 4282900"/>
+                <a:gd name="connsiteY17" fmla="*/ 1516418 h 5795027"/>
+                <a:gd name="connsiteX18" fmla="*/ 559354 w 4282900"/>
+                <a:gd name="connsiteY18" fmla="*/ 855573 h 5795027"/>
+                <a:gd name="connsiteX19" fmla="*/ 2144960 w 4282900"/>
+                <a:gd name="connsiteY19" fmla="*/ 0 h 5795027"/>
+                <a:gd name="connsiteX0" fmla="*/ 4213242 w 4282900"/>
+                <a:gd name="connsiteY0" fmla="*/ 657020 h 4939454"/>
+                <a:gd name="connsiteX1" fmla="*/ 4282900 w 4282900"/>
+                <a:gd name="connsiteY1" fmla="*/ 1375930 h 4939454"/>
+                <a:gd name="connsiteX2" fmla="*/ 4282900 w 4282900"/>
+                <a:gd name="connsiteY2" fmla="*/ 1896984 h 4939454"/>
+                <a:gd name="connsiteX3" fmla="*/ 4282900 w 4282900"/>
+                <a:gd name="connsiteY3" fmla="*/ 2186898 h 4939454"/>
+                <a:gd name="connsiteX4" fmla="*/ 4282900 w 4282900"/>
+                <a:gd name="connsiteY4" fmla="*/ 2586108 h 4939454"/>
+                <a:gd name="connsiteX5" fmla="*/ 4282900 w 4282900"/>
+                <a:gd name="connsiteY5" fmla="*/ 2890495 h 4939454"/>
+                <a:gd name="connsiteX6" fmla="*/ 3723546 w 4282900"/>
+                <a:gd name="connsiteY6" fmla="*/ 4083882 h 4939454"/>
+                <a:gd name="connsiteX7" fmla="*/ 2332829 w 4282900"/>
+                <a:gd name="connsiteY7" fmla="*/ 4774738 h 4939454"/>
+                <a:gd name="connsiteX8" fmla="*/ 2137940 w 4282900"/>
+                <a:gd name="connsiteY8" fmla="*/ 4939454 h 4939454"/>
+                <a:gd name="connsiteX9" fmla="*/ 1950069 w 4282900"/>
+                <a:gd name="connsiteY9" fmla="*/ 4774738 h 4939454"/>
+                <a:gd name="connsiteX10" fmla="*/ 559353 w 4282900"/>
+                <a:gd name="connsiteY10" fmla="*/ 4083882 h 4939454"/>
+                <a:gd name="connsiteX11" fmla="*/ 0 w 4282900"/>
+                <a:gd name="connsiteY11" fmla="*/ 2890495 h 4939454"/>
+                <a:gd name="connsiteX12" fmla="*/ 0 w 4282900"/>
+                <a:gd name="connsiteY12" fmla="*/ 2586108 h 4939454"/>
+                <a:gd name="connsiteX13" fmla="*/ 0 w 4282900"/>
+                <a:gd name="connsiteY13" fmla="*/ 2186898 h 4939454"/>
+                <a:gd name="connsiteX14" fmla="*/ 0 w 4282900"/>
+                <a:gd name="connsiteY14" fmla="*/ 1896984 h 4939454"/>
+                <a:gd name="connsiteX15" fmla="*/ 0 w 4282900"/>
+                <a:gd name="connsiteY15" fmla="*/ 1375930 h 4939454"/>
+                <a:gd name="connsiteX16" fmla="*/ 0 w 4282900"/>
+                <a:gd name="connsiteY16" fmla="*/ 1193386 h 4939454"/>
+                <a:gd name="connsiteX17" fmla="*/ 64279 w 4282900"/>
+                <a:gd name="connsiteY17" fmla="*/ 660845 h 4939454"/>
+                <a:gd name="connsiteX18" fmla="*/ 559354 w 4282900"/>
+                <a:gd name="connsiteY18" fmla="*/ 0 h 4939454"/>
+                <a:gd name="connsiteX0" fmla="*/ 4213242 w 4282900"/>
+                <a:gd name="connsiteY0" fmla="*/ 0 h 4282434"/>
+                <a:gd name="connsiteX1" fmla="*/ 4282900 w 4282900"/>
+                <a:gd name="connsiteY1" fmla="*/ 718910 h 4282434"/>
+                <a:gd name="connsiteX2" fmla="*/ 4282900 w 4282900"/>
+                <a:gd name="connsiteY2" fmla="*/ 1239964 h 4282434"/>
+                <a:gd name="connsiteX3" fmla="*/ 4282900 w 4282900"/>
+                <a:gd name="connsiteY3" fmla="*/ 1529878 h 4282434"/>
+                <a:gd name="connsiteX4" fmla="*/ 4282900 w 4282900"/>
+                <a:gd name="connsiteY4" fmla="*/ 1929088 h 4282434"/>
+                <a:gd name="connsiteX5" fmla="*/ 4282900 w 4282900"/>
+                <a:gd name="connsiteY5" fmla="*/ 2233475 h 4282434"/>
+                <a:gd name="connsiteX6" fmla="*/ 3723546 w 4282900"/>
+                <a:gd name="connsiteY6" fmla="*/ 3426862 h 4282434"/>
+                <a:gd name="connsiteX7" fmla="*/ 2332829 w 4282900"/>
+                <a:gd name="connsiteY7" fmla="*/ 4117718 h 4282434"/>
+                <a:gd name="connsiteX8" fmla="*/ 2137940 w 4282900"/>
+                <a:gd name="connsiteY8" fmla="*/ 4282434 h 4282434"/>
+                <a:gd name="connsiteX9" fmla="*/ 1950069 w 4282900"/>
+                <a:gd name="connsiteY9" fmla="*/ 4117718 h 4282434"/>
+                <a:gd name="connsiteX10" fmla="*/ 559353 w 4282900"/>
+                <a:gd name="connsiteY10" fmla="*/ 3426862 h 4282434"/>
+                <a:gd name="connsiteX11" fmla="*/ 0 w 4282900"/>
+                <a:gd name="connsiteY11" fmla="*/ 2233475 h 4282434"/>
+                <a:gd name="connsiteX12" fmla="*/ 0 w 4282900"/>
+                <a:gd name="connsiteY12" fmla="*/ 1929088 h 4282434"/>
+                <a:gd name="connsiteX13" fmla="*/ 0 w 4282900"/>
+                <a:gd name="connsiteY13" fmla="*/ 1529878 h 4282434"/>
+                <a:gd name="connsiteX14" fmla="*/ 0 w 4282900"/>
+                <a:gd name="connsiteY14" fmla="*/ 1239964 h 4282434"/>
+                <a:gd name="connsiteX15" fmla="*/ 0 w 4282900"/>
+                <a:gd name="connsiteY15" fmla="*/ 718910 h 4282434"/>
+                <a:gd name="connsiteX16" fmla="*/ 0 w 4282900"/>
+                <a:gd name="connsiteY16" fmla="*/ 536366 h 4282434"/>
+                <a:gd name="connsiteX17" fmla="*/ 64279 w 4282900"/>
+                <a:gd name="connsiteY17" fmla="*/ 3825 h 4282434"/>
+                <a:gd name="connsiteX0" fmla="*/ 4213242 w 4282900"/>
+                <a:gd name="connsiteY0" fmla="*/ 0 h 4282434"/>
+                <a:gd name="connsiteX1" fmla="*/ 4282900 w 4282900"/>
+                <a:gd name="connsiteY1" fmla="*/ 718910 h 4282434"/>
+                <a:gd name="connsiteX2" fmla="*/ 4282900 w 4282900"/>
+                <a:gd name="connsiteY2" fmla="*/ 1239964 h 4282434"/>
+                <a:gd name="connsiteX3" fmla="*/ 4282900 w 4282900"/>
+                <a:gd name="connsiteY3" fmla="*/ 1529878 h 4282434"/>
+                <a:gd name="connsiteX4" fmla="*/ 4282900 w 4282900"/>
+                <a:gd name="connsiteY4" fmla="*/ 1929088 h 4282434"/>
+                <a:gd name="connsiteX5" fmla="*/ 4282900 w 4282900"/>
+                <a:gd name="connsiteY5" fmla="*/ 2233475 h 4282434"/>
+                <a:gd name="connsiteX6" fmla="*/ 3723546 w 4282900"/>
+                <a:gd name="connsiteY6" fmla="*/ 3426862 h 4282434"/>
+                <a:gd name="connsiteX7" fmla="*/ 2332829 w 4282900"/>
+                <a:gd name="connsiteY7" fmla="*/ 4117718 h 4282434"/>
+                <a:gd name="connsiteX8" fmla="*/ 2137940 w 4282900"/>
+                <a:gd name="connsiteY8" fmla="*/ 4282434 h 4282434"/>
+                <a:gd name="connsiteX9" fmla="*/ 1950069 w 4282900"/>
+                <a:gd name="connsiteY9" fmla="*/ 4117718 h 4282434"/>
+                <a:gd name="connsiteX10" fmla="*/ 559353 w 4282900"/>
+                <a:gd name="connsiteY10" fmla="*/ 3426862 h 4282434"/>
+                <a:gd name="connsiteX11" fmla="*/ 0 w 4282900"/>
+                <a:gd name="connsiteY11" fmla="*/ 2233475 h 4282434"/>
+                <a:gd name="connsiteX12" fmla="*/ 0 w 4282900"/>
+                <a:gd name="connsiteY12" fmla="*/ 1929088 h 4282434"/>
+                <a:gd name="connsiteX13" fmla="*/ 0 w 4282900"/>
+                <a:gd name="connsiteY13" fmla="*/ 1529878 h 4282434"/>
+                <a:gd name="connsiteX14" fmla="*/ 0 w 4282900"/>
+                <a:gd name="connsiteY14" fmla="*/ 1239964 h 4282434"/>
+                <a:gd name="connsiteX15" fmla="*/ 0 w 4282900"/>
+                <a:gd name="connsiteY15" fmla="*/ 718910 h 4282434"/>
+                <a:gd name="connsiteX16" fmla="*/ 0 w 4282900"/>
+                <a:gd name="connsiteY16" fmla="*/ 536366 h 4282434"/>
+                <a:gd name="connsiteX17" fmla="*/ 64279 w 4282900"/>
+                <a:gd name="connsiteY17" fmla="*/ 3825 h 4282434"/>
+              </a:gdLst>
+              <a:ahLst/>
+              <a:cxnLst>
+                <a:cxn ang="0">
+                  <a:pos x="connsiteX0" y="connsiteY0"/>
+                </a:cxn>
+                <a:cxn ang="0">
+                  <a:pos x="connsiteX1" y="connsiteY1"/>
+                </a:cxn>
+                <a:cxn ang="0">
+                  <a:pos x="connsiteX2" y="connsiteY2"/>
+                </a:cxn>
+                <a:cxn ang="0">
+                  <a:pos x="connsiteX3" y="connsiteY3"/>
+                </a:cxn>
+                <a:cxn ang="0">
+                  <a:pos x="connsiteX4" y="connsiteY4"/>
+                </a:cxn>
+                <a:cxn ang="0">
+                  <a:pos x="connsiteX5" y="connsiteY5"/>
+                </a:cxn>
+                <a:cxn ang="0">
+                  <a:pos x="connsiteX6" y="connsiteY6"/>
+                </a:cxn>
+                <a:cxn ang="0">
+                  <a:pos x="connsiteX7" y="connsiteY7"/>
+                </a:cxn>
+                <a:cxn ang="0">
+                  <a:pos x="connsiteX8" y="connsiteY8"/>
+                </a:cxn>
+                <a:cxn ang="0">
+                  <a:pos x="connsiteX9" y="connsiteY9"/>
+                </a:cxn>
+                <a:cxn ang="0">
+                  <a:pos x="connsiteX10" y="connsiteY10"/>
+                </a:cxn>
+                <a:cxn ang="0">
+                  <a:pos x="connsiteX11" y="connsiteY11"/>
+                </a:cxn>
+                <a:cxn ang="0">
+                  <a:pos x="connsiteX12" y="connsiteY12"/>
+                </a:cxn>
+                <a:cxn ang="0">
+                  <a:pos x="connsiteX13" y="connsiteY13"/>
+                </a:cxn>
+                <a:cxn ang="0">
+                  <a:pos x="connsiteX14" y="connsiteY14"/>
+                </a:cxn>
+                <a:cxn ang="0">
+                  <a:pos x="connsiteX15" y="connsiteY15"/>
+                </a:cxn>
+                <a:cxn ang="0">
+                  <a:pos x="connsiteX16" y="connsiteY16"/>
+                </a:cxn>
+                <a:cxn ang="0">
+                  <a:pos x="connsiteX17" y="connsiteY17"/>
+                </a:cxn>
+              </a:cxnLst>
+              <a:rect l="l" t="t" r="r" b="b"/>
+              <a:pathLst>
+                <a:path w="4282900" h="4282434">
+                  <a:moveTo>
+                    <a:pt x="4213242" y="0"/>
+                  </a:moveTo>
+                  <a:cubicBezTo>
+                    <a:pt x="4294511" y="306972"/>
+                    <a:pt x="4271290" y="481595"/>
+                    <a:pt x="4282900" y="718910"/>
+                  </a:cubicBezTo>
+                  <a:lnTo>
+                    <a:pt x="4282900" y="1239964"/>
+                  </a:lnTo>
+                  <a:lnTo>
+                    <a:pt x="4282900" y="1529878"/>
+                  </a:lnTo>
+                  <a:lnTo>
+                    <a:pt x="4282900" y="1929088"/>
+                  </a:lnTo>
+                  <a:lnTo>
+                    <a:pt x="4282900" y="2233475"/>
+                  </a:lnTo>
+                  <a:cubicBezTo>
+                    <a:pt x="4282900" y="2849584"/>
+                    <a:pt x="4108103" y="3157966"/>
+                    <a:pt x="3723546" y="3426862"/>
+                  </a:cubicBezTo>
+                  <a:cubicBezTo>
+                    <a:pt x="3323617" y="3658565"/>
+                    <a:pt x="2798672" y="3757725"/>
+                    <a:pt x="2332829" y="4117718"/>
+                  </a:cubicBezTo>
+                  <a:lnTo>
+                    <a:pt x="2137940" y="4282434"/>
+                  </a:lnTo>
+                  <a:lnTo>
+                    <a:pt x="1950069" y="4117718"/>
+                  </a:lnTo>
+                  <a:cubicBezTo>
+                    <a:pt x="1484225" y="3757725"/>
+                    <a:pt x="959280" y="3658565"/>
+                    <a:pt x="559353" y="3426862"/>
+                  </a:cubicBezTo>
+                  <a:cubicBezTo>
+                    <a:pt x="174796" y="3157966"/>
+                    <a:pt x="0" y="2849584"/>
+                    <a:pt x="0" y="2233475"/>
+                  </a:cubicBezTo>
+                  <a:lnTo>
+                    <a:pt x="0" y="1929088"/>
+                  </a:lnTo>
+                  <a:lnTo>
+                    <a:pt x="0" y="1529878"/>
+                  </a:lnTo>
+                  <a:lnTo>
+                    <a:pt x="0" y="1239964"/>
+                  </a:lnTo>
+                  <a:lnTo>
+                    <a:pt x="0" y="718910"/>
+                  </a:lnTo>
+                  <a:lnTo>
+                    <a:pt x="0" y="536366"/>
+                  </a:lnTo>
+                  <a:cubicBezTo>
+                    <a:pt x="10713" y="417185"/>
+                    <a:pt x="19813" y="133066"/>
+                    <a:pt x="64279" y="3825"/>
+                  </a:cubicBezTo>
+                </a:path>
+              </a:pathLst>
+            </a:custGeom>
+            <a:noFill/>
+            <a:ln w="25400" cap="rnd">
+              <a:solidFill>
+                <a:schemeClr val="bg2">
+                  <a:lumMod val="75000"/>
+                  <a:alpha val="65000"/>
+                </a:schemeClr>
+              </a:solidFill>
+              <a:prstDash val="sysDot"/>
+            </a:ln>
+          </p:spPr>
+          <p:style>
+            <a:lnRef idx="2">
+              <a:schemeClr val="accent1">
+                <a:shade val="50000"/>
+              </a:schemeClr>
+            </a:lnRef>
+            <a:fillRef idx="1">
+              <a:schemeClr val="accent1"/>
+            </a:fillRef>
+            <a:effectRef idx="0">
+              <a:schemeClr val="accent1"/>
+            </a:effectRef>
+            <a:fontRef idx="minor">
+              <a:schemeClr val="lt1"/>
+            </a:fontRef>
+          </p:style>
+          <p:txBody>
+            <a:bodyPr wrap="square" rtlCol="0" anchor="ctr">
+              <a:noAutofit/>
+            </a:bodyPr>
+            <a:lstStyle/>
+            <a:p>
+              <a:pPr algn="ctr"/>
+              <a:endParaRPr lang="en-US"/>
+            </a:p>
+          </p:txBody>
+        </p:sp>
+        <p:sp>
+          <p:nvSpPr>
+            <p:cNvPr id="11" name="Freeform: Shape 10">
+              <a:extLst>
+                <a:ext uri="{FF2B5EF4-FFF2-40B4-BE49-F238E27FC236}">
+                  <a16:creationId xmlns:a16="http://schemas.microsoft.com/office/drawing/2014/main" id="{9F0D6A17-AA80-4608-8660-8D1587A17704}"/>
+                </a:ext>
+                <a:ext uri="{C183D7F6-B498-43B3-948B-1728B52AA6E4}">
+                  <adec:decorative xmlns:adec="http://schemas.microsoft.com/office/drawing/2017/decorative" val="1"/>
+                </a:ext>
+              </a:extLst>
+            </p:cNvPr>
+            <p:cNvSpPr/>
+            <p:nvPr>
+              <p:extLst>
+                <p:ext uri="{386F3935-93C4-4BCD-93E2-E3B085C9AB24}">
+                  <p16:designElem xmlns:p16="http://schemas.microsoft.com/office/powerpoint/2015/main" val="1"/>
+                </p:ext>
+              </p:extLst>
+            </p:nvPr>
+          </p:nvSpPr>
+          <p:spPr>
+            <a:xfrm>
+              <a:off x="10536649" y="1823190"/>
+              <a:ext cx="1654608" cy="3209758"/>
+            </a:xfrm>
+            <a:custGeom>
+              <a:avLst/>
+              <a:gdLst>
+                <a:gd name="connsiteX0" fmla="*/ 2144960 w 4282900"/>
+                <a:gd name="connsiteY0" fmla="*/ 0 h 5795027"/>
+                <a:gd name="connsiteX1" fmla="*/ 2332832 w 4282900"/>
+                <a:gd name="connsiteY1" fmla="*/ 164715 h 5795027"/>
+                <a:gd name="connsiteX2" fmla="*/ 3723546 w 4282900"/>
+                <a:gd name="connsiteY2" fmla="*/ 855573 h 5795027"/>
+                <a:gd name="connsiteX3" fmla="*/ 4282900 w 4282900"/>
+                <a:gd name="connsiteY3" fmla="*/ 2048959 h 5795027"/>
+                <a:gd name="connsiteX4" fmla="*/ 4282900 w 4282900"/>
+                <a:gd name="connsiteY4" fmla="*/ 2231503 h 5795027"/>
+                <a:gd name="connsiteX5" fmla="*/ 4282900 w 4282900"/>
+                <a:gd name="connsiteY5" fmla="*/ 2752557 h 5795027"/>
+                <a:gd name="connsiteX6" fmla="*/ 4282900 w 4282900"/>
+                <a:gd name="connsiteY6" fmla="*/ 3042471 h 5795027"/>
+                <a:gd name="connsiteX7" fmla="*/ 4282900 w 4282900"/>
+                <a:gd name="connsiteY7" fmla="*/ 3441681 h 5795027"/>
+                <a:gd name="connsiteX8" fmla="*/ 4282900 w 4282900"/>
+                <a:gd name="connsiteY8" fmla="*/ 3746068 h 5795027"/>
+                <a:gd name="connsiteX9" fmla="*/ 3723546 w 4282900"/>
+                <a:gd name="connsiteY9" fmla="*/ 4939455 h 5795027"/>
+                <a:gd name="connsiteX10" fmla="*/ 2332829 w 4282900"/>
+                <a:gd name="connsiteY10" fmla="*/ 5630311 h 5795027"/>
+                <a:gd name="connsiteX11" fmla="*/ 2137940 w 4282900"/>
+                <a:gd name="connsiteY11" fmla="*/ 5795027 h 5795027"/>
+                <a:gd name="connsiteX12" fmla="*/ 1950069 w 4282900"/>
+                <a:gd name="connsiteY12" fmla="*/ 5630311 h 5795027"/>
+                <a:gd name="connsiteX13" fmla="*/ 559353 w 4282900"/>
+                <a:gd name="connsiteY13" fmla="*/ 4939455 h 5795027"/>
+                <a:gd name="connsiteX14" fmla="*/ 0 w 4282900"/>
+                <a:gd name="connsiteY14" fmla="*/ 3746068 h 5795027"/>
+                <a:gd name="connsiteX15" fmla="*/ 0 w 4282900"/>
+                <a:gd name="connsiteY15" fmla="*/ 3441681 h 5795027"/>
+                <a:gd name="connsiteX16" fmla="*/ 0 w 4282900"/>
+                <a:gd name="connsiteY16" fmla="*/ 3042471 h 5795027"/>
+                <a:gd name="connsiteX17" fmla="*/ 0 w 4282900"/>
+                <a:gd name="connsiteY17" fmla="*/ 2752557 h 5795027"/>
+                <a:gd name="connsiteX18" fmla="*/ 0 w 4282900"/>
+                <a:gd name="connsiteY18" fmla="*/ 2231503 h 5795027"/>
+                <a:gd name="connsiteX19" fmla="*/ 0 w 4282900"/>
+                <a:gd name="connsiteY19" fmla="*/ 2048959 h 5795027"/>
+                <a:gd name="connsiteX20" fmla="*/ 559354 w 4282900"/>
+                <a:gd name="connsiteY20" fmla="*/ 855573 h 5795027"/>
+                <a:gd name="connsiteX21" fmla="*/ 1950071 w 4282900"/>
+                <a:gd name="connsiteY21" fmla="*/ 164715 h 5795027"/>
+                <a:gd name="connsiteX0" fmla="*/ 2144960 w 4282900"/>
+                <a:gd name="connsiteY0" fmla="*/ 0 h 5795027"/>
+                <a:gd name="connsiteX1" fmla="*/ 2332832 w 4282900"/>
+                <a:gd name="connsiteY1" fmla="*/ 164715 h 5795027"/>
+                <a:gd name="connsiteX2" fmla="*/ 2976290 w 4282900"/>
+                <a:gd name="connsiteY2" fmla="*/ 524033 h 5795027"/>
+                <a:gd name="connsiteX3" fmla="*/ 3723546 w 4282900"/>
+                <a:gd name="connsiteY3" fmla="*/ 855573 h 5795027"/>
+                <a:gd name="connsiteX4" fmla="*/ 4282900 w 4282900"/>
+                <a:gd name="connsiteY4" fmla="*/ 2048959 h 5795027"/>
+                <a:gd name="connsiteX5" fmla="*/ 4282900 w 4282900"/>
+                <a:gd name="connsiteY5" fmla="*/ 2231503 h 5795027"/>
+                <a:gd name="connsiteX6" fmla="*/ 4282900 w 4282900"/>
+                <a:gd name="connsiteY6" fmla="*/ 2752557 h 5795027"/>
+                <a:gd name="connsiteX7" fmla="*/ 4282900 w 4282900"/>
+                <a:gd name="connsiteY7" fmla="*/ 3042471 h 5795027"/>
+                <a:gd name="connsiteX8" fmla="*/ 4282900 w 4282900"/>
+                <a:gd name="connsiteY8" fmla="*/ 3441681 h 5795027"/>
+                <a:gd name="connsiteX9" fmla="*/ 4282900 w 4282900"/>
+                <a:gd name="connsiteY9" fmla="*/ 3746068 h 5795027"/>
+                <a:gd name="connsiteX10" fmla="*/ 3723546 w 4282900"/>
+                <a:gd name="connsiteY10" fmla="*/ 4939455 h 5795027"/>
+                <a:gd name="connsiteX11" fmla="*/ 2332829 w 4282900"/>
+                <a:gd name="connsiteY11" fmla="*/ 5630311 h 5795027"/>
+                <a:gd name="connsiteX12" fmla="*/ 2137940 w 4282900"/>
+                <a:gd name="connsiteY12" fmla="*/ 5795027 h 5795027"/>
+                <a:gd name="connsiteX13" fmla="*/ 1950069 w 4282900"/>
+                <a:gd name="connsiteY13" fmla="*/ 5630311 h 5795027"/>
+                <a:gd name="connsiteX14" fmla="*/ 559353 w 4282900"/>
+                <a:gd name="connsiteY14" fmla="*/ 4939455 h 5795027"/>
+                <a:gd name="connsiteX15" fmla="*/ 0 w 4282900"/>
+                <a:gd name="connsiteY15" fmla="*/ 3746068 h 5795027"/>
+                <a:gd name="connsiteX16" fmla="*/ 0 w 4282900"/>
+                <a:gd name="connsiteY16" fmla="*/ 3441681 h 5795027"/>
+                <a:gd name="connsiteX17" fmla="*/ 0 w 4282900"/>
+                <a:gd name="connsiteY17" fmla="*/ 3042471 h 5795027"/>
+                <a:gd name="connsiteX18" fmla="*/ 0 w 4282900"/>
+                <a:gd name="connsiteY18" fmla="*/ 2752557 h 5795027"/>
+                <a:gd name="connsiteX19" fmla="*/ 0 w 4282900"/>
+                <a:gd name="connsiteY19" fmla="*/ 2231503 h 5795027"/>
+                <a:gd name="connsiteX20" fmla="*/ 0 w 4282900"/>
+                <a:gd name="connsiteY20" fmla="*/ 2048959 h 5795027"/>
+                <a:gd name="connsiteX21" fmla="*/ 559354 w 4282900"/>
+                <a:gd name="connsiteY21" fmla="*/ 855573 h 5795027"/>
+                <a:gd name="connsiteX22" fmla="*/ 1950071 w 4282900"/>
+                <a:gd name="connsiteY22" fmla="*/ 164715 h 5795027"/>
+                <a:gd name="connsiteX23" fmla="*/ 2144960 w 4282900"/>
+                <a:gd name="connsiteY23" fmla="*/ 0 h 5795027"/>
+                <a:gd name="connsiteX0" fmla="*/ 3723546 w 4282900"/>
+                <a:gd name="connsiteY0" fmla="*/ 855573 h 5795027"/>
+                <a:gd name="connsiteX1" fmla="*/ 4282900 w 4282900"/>
+                <a:gd name="connsiteY1" fmla="*/ 2048959 h 5795027"/>
+                <a:gd name="connsiteX2" fmla="*/ 4282900 w 4282900"/>
+                <a:gd name="connsiteY2" fmla="*/ 2231503 h 5795027"/>
+                <a:gd name="connsiteX3" fmla="*/ 4282900 w 4282900"/>
+                <a:gd name="connsiteY3" fmla="*/ 2752557 h 5795027"/>
+                <a:gd name="connsiteX4" fmla="*/ 4282900 w 4282900"/>
+                <a:gd name="connsiteY4" fmla="*/ 3042471 h 5795027"/>
+                <a:gd name="connsiteX5" fmla="*/ 4282900 w 4282900"/>
+                <a:gd name="connsiteY5" fmla="*/ 3441681 h 5795027"/>
+                <a:gd name="connsiteX6" fmla="*/ 4282900 w 4282900"/>
+                <a:gd name="connsiteY6" fmla="*/ 3746068 h 5795027"/>
+                <a:gd name="connsiteX7" fmla="*/ 3723546 w 4282900"/>
+                <a:gd name="connsiteY7" fmla="*/ 4939455 h 5795027"/>
+                <a:gd name="connsiteX8" fmla="*/ 2332829 w 4282900"/>
+                <a:gd name="connsiteY8" fmla="*/ 5630311 h 5795027"/>
+                <a:gd name="connsiteX9" fmla="*/ 2137940 w 4282900"/>
+                <a:gd name="connsiteY9" fmla="*/ 5795027 h 5795027"/>
+                <a:gd name="connsiteX10" fmla="*/ 1950069 w 4282900"/>
+                <a:gd name="connsiteY10" fmla="*/ 5630311 h 5795027"/>
+                <a:gd name="connsiteX11" fmla="*/ 559353 w 4282900"/>
+                <a:gd name="connsiteY11" fmla="*/ 4939455 h 5795027"/>
+                <a:gd name="connsiteX12" fmla="*/ 0 w 4282900"/>
+                <a:gd name="connsiteY12" fmla="*/ 3746068 h 5795027"/>
+                <a:gd name="connsiteX13" fmla="*/ 0 w 4282900"/>
+                <a:gd name="connsiteY13" fmla="*/ 3441681 h 5795027"/>
+                <a:gd name="connsiteX14" fmla="*/ 0 w 4282900"/>
+                <a:gd name="connsiteY14" fmla="*/ 3042471 h 5795027"/>
+                <a:gd name="connsiteX15" fmla="*/ 0 w 4282900"/>
+                <a:gd name="connsiteY15" fmla="*/ 2752557 h 5795027"/>
+                <a:gd name="connsiteX16" fmla="*/ 0 w 4282900"/>
+                <a:gd name="connsiteY16" fmla="*/ 2231503 h 5795027"/>
+                <a:gd name="connsiteX17" fmla="*/ 0 w 4282900"/>
+                <a:gd name="connsiteY17" fmla="*/ 2048959 h 5795027"/>
+                <a:gd name="connsiteX18" fmla="*/ 559354 w 4282900"/>
+                <a:gd name="connsiteY18" fmla="*/ 855573 h 5795027"/>
+                <a:gd name="connsiteX19" fmla="*/ 1950071 w 4282900"/>
+                <a:gd name="connsiteY19" fmla="*/ 164715 h 5795027"/>
+                <a:gd name="connsiteX20" fmla="*/ 2144960 w 4282900"/>
+                <a:gd name="connsiteY20" fmla="*/ 0 h 5795027"/>
+                <a:gd name="connsiteX21" fmla="*/ 2332832 w 4282900"/>
+                <a:gd name="connsiteY21" fmla="*/ 164715 h 5795027"/>
+                <a:gd name="connsiteX22" fmla="*/ 2976290 w 4282900"/>
+                <a:gd name="connsiteY22" fmla="*/ 524033 h 5795027"/>
+                <a:gd name="connsiteX23" fmla="*/ 3888635 w 4282900"/>
+                <a:gd name="connsiteY23" fmla="*/ 1020662 h 5795027"/>
+                <a:gd name="connsiteX0" fmla="*/ 4282900 w 4282900"/>
+                <a:gd name="connsiteY0" fmla="*/ 2048959 h 5795027"/>
+                <a:gd name="connsiteX1" fmla="*/ 4282900 w 4282900"/>
+                <a:gd name="connsiteY1" fmla="*/ 2231503 h 5795027"/>
+                <a:gd name="connsiteX2" fmla="*/ 4282900 w 4282900"/>
+                <a:gd name="connsiteY2" fmla="*/ 2752557 h 5795027"/>
+                <a:gd name="connsiteX3" fmla="*/ 4282900 w 4282900"/>
+                <a:gd name="connsiteY3" fmla="*/ 3042471 h 5795027"/>
+                <a:gd name="connsiteX4" fmla="*/ 4282900 w 4282900"/>
+                <a:gd name="connsiteY4" fmla="*/ 3441681 h 5795027"/>
+                <a:gd name="connsiteX5" fmla="*/ 4282900 w 4282900"/>
+                <a:gd name="connsiteY5" fmla="*/ 3746068 h 5795027"/>
+                <a:gd name="connsiteX6" fmla="*/ 3723546 w 4282900"/>
+                <a:gd name="connsiteY6" fmla="*/ 4939455 h 5795027"/>
+                <a:gd name="connsiteX7" fmla="*/ 2332829 w 4282900"/>
+                <a:gd name="connsiteY7" fmla="*/ 5630311 h 5795027"/>
+                <a:gd name="connsiteX8" fmla="*/ 2137940 w 4282900"/>
+                <a:gd name="connsiteY8" fmla="*/ 5795027 h 5795027"/>
+                <a:gd name="connsiteX9" fmla="*/ 1950069 w 4282900"/>
+                <a:gd name="connsiteY9" fmla="*/ 5630311 h 5795027"/>
+                <a:gd name="connsiteX10" fmla="*/ 559353 w 4282900"/>
+                <a:gd name="connsiteY10" fmla="*/ 4939455 h 5795027"/>
+                <a:gd name="connsiteX11" fmla="*/ 0 w 4282900"/>
+                <a:gd name="connsiteY11" fmla="*/ 3746068 h 5795027"/>
+                <a:gd name="connsiteX12" fmla="*/ 0 w 4282900"/>
+                <a:gd name="connsiteY12" fmla="*/ 3441681 h 5795027"/>
+                <a:gd name="connsiteX13" fmla="*/ 0 w 4282900"/>
+                <a:gd name="connsiteY13" fmla="*/ 3042471 h 5795027"/>
+                <a:gd name="connsiteX14" fmla="*/ 0 w 4282900"/>
+                <a:gd name="connsiteY14" fmla="*/ 2752557 h 5795027"/>
+                <a:gd name="connsiteX15" fmla="*/ 0 w 4282900"/>
+                <a:gd name="connsiteY15" fmla="*/ 2231503 h 5795027"/>
+                <a:gd name="connsiteX16" fmla="*/ 0 w 4282900"/>
+                <a:gd name="connsiteY16" fmla="*/ 2048959 h 5795027"/>
+                <a:gd name="connsiteX17" fmla="*/ 559354 w 4282900"/>
+                <a:gd name="connsiteY17" fmla="*/ 855573 h 5795027"/>
+                <a:gd name="connsiteX18" fmla="*/ 1950071 w 4282900"/>
+                <a:gd name="connsiteY18" fmla="*/ 164715 h 5795027"/>
+                <a:gd name="connsiteX19" fmla="*/ 2144960 w 4282900"/>
+                <a:gd name="connsiteY19" fmla="*/ 0 h 5795027"/>
+                <a:gd name="connsiteX20" fmla="*/ 2332832 w 4282900"/>
+                <a:gd name="connsiteY20" fmla="*/ 164715 h 5795027"/>
+                <a:gd name="connsiteX21" fmla="*/ 2976290 w 4282900"/>
+                <a:gd name="connsiteY21" fmla="*/ 524033 h 5795027"/>
+                <a:gd name="connsiteX22" fmla="*/ 3888635 w 4282900"/>
+                <a:gd name="connsiteY22" fmla="*/ 1020662 h 5795027"/>
+                <a:gd name="connsiteX0" fmla="*/ 4282900 w 4282900"/>
+                <a:gd name="connsiteY0" fmla="*/ 2048959 h 5795027"/>
+                <a:gd name="connsiteX1" fmla="*/ 4282900 w 4282900"/>
+                <a:gd name="connsiteY1" fmla="*/ 2231503 h 5795027"/>
+                <a:gd name="connsiteX2" fmla="*/ 4282900 w 4282900"/>
+                <a:gd name="connsiteY2" fmla="*/ 2752557 h 5795027"/>
+                <a:gd name="connsiteX3" fmla="*/ 4282900 w 4282900"/>
+                <a:gd name="connsiteY3" fmla="*/ 3042471 h 5795027"/>
+                <a:gd name="connsiteX4" fmla="*/ 4282900 w 4282900"/>
+                <a:gd name="connsiteY4" fmla="*/ 3441681 h 5795027"/>
+                <a:gd name="connsiteX5" fmla="*/ 4282900 w 4282900"/>
+                <a:gd name="connsiteY5" fmla="*/ 3746068 h 5795027"/>
+                <a:gd name="connsiteX6" fmla="*/ 3723546 w 4282900"/>
+                <a:gd name="connsiteY6" fmla="*/ 4939455 h 5795027"/>
+                <a:gd name="connsiteX7" fmla="*/ 2332829 w 4282900"/>
+                <a:gd name="connsiteY7" fmla="*/ 5630311 h 5795027"/>
+                <a:gd name="connsiteX8" fmla="*/ 2137940 w 4282900"/>
+                <a:gd name="connsiteY8" fmla="*/ 5795027 h 5795027"/>
+                <a:gd name="connsiteX9" fmla="*/ 1950069 w 4282900"/>
+                <a:gd name="connsiteY9" fmla="*/ 5630311 h 5795027"/>
+                <a:gd name="connsiteX10" fmla="*/ 559353 w 4282900"/>
+                <a:gd name="connsiteY10" fmla="*/ 4939455 h 5795027"/>
+                <a:gd name="connsiteX11" fmla="*/ 0 w 4282900"/>
+                <a:gd name="connsiteY11" fmla="*/ 3746068 h 5795027"/>
+                <a:gd name="connsiteX12" fmla="*/ 0 w 4282900"/>
+                <a:gd name="connsiteY12" fmla="*/ 3441681 h 5795027"/>
+                <a:gd name="connsiteX13" fmla="*/ 0 w 4282900"/>
+                <a:gd name="connsiteY13" fmla="*/ 3042471 h 5795027"/>
+                <a:gd name="connsiteX14" fmla="*/ 0 w 4282900"/>
+                <a:gd name="connsiteY14" fmla="*/ 2752557 h 5795027"/>
+                <a:gd name="connsiteX15" fmla="*/ 0 w 4282900"/>
+                <a:gd name="connsiteY15" fmla="*/ 2231503 h 5795027"/>
+                <a:gd name="connsiteX16" fmla="*/ 0 w 4282900"/>
+                <a:gd name="connsiteY16" fmla="*/ 2048959 h 5795027"/>
+                <a:gd name="connsiteX17" fmla="*/ 559354 w 4282900"/>
+                <a:gd name="connsiteY17" fmla="*/ 855573 h 5795027"/>
+                <a:gd name="connsiteX18" fmla="*/ 1950071 w 4282900"/>
+                <a:gd name="connsiteY18" fmla="*/ 164715 h 5795027"/>
+                <a:gd name="connsiteX19" fmla="*/ 2144960 w 4282900"/>
+                <a:gd name="connsiteY19" fmla="*/ 0 h 5795027"/>
+                <a:gd name="connsiteX20" fmla="*/ 2332832 w 4282900"/>
+                <a:gd name="connsiteY20" fmla="*/ 164715 h 5795027"/>
+                <a:gd name="connsiteX21" fmla="*/ 2976290 w 4282900"/>
+                <a:gd name="connsiteY21" fmla="*/ 524033 h 5795027"/>
+                <a:gd name="connsiteX0" fmla="*/ 4282900 w 4282900"/>
+                <a:gd name="connsiteY0" fmla="*/ 2231503 h 5795027"/>
+                <a:gd name="connsiteX1" fmla="*/ 4282900 w 4282900"/>
+                <a:gd name="connsiteY1" fmla="*/ 2752557 h 5795027"/>
+                <a:gd name="connsiteX2" fmla="*/ 4282900 w 4282900"/>
+                <a:gd name="connsiteY2" fmla="*/ 3042471 h 5795027"/>
+                <a:gd name="connsiteX3" fmla="*/ 4282900 w 4282900"/>
+                <a:gd name="connsiteY3" fmla="*/ 3441681 h 5795027"/>
+                <a:gd name="connsiteX4" fmla="*/ 4282900 w 4282900"/>
+                <a:gd name="connsiteY4" fmla="*/ 3746068 h 5795027"/>
+                <a:gd name="connsiteX5" fmla="*/ 3723546 w 4282900"/>
+                <a:gd name="connsiteY5" fmla="*/ 4939455 h 5795027"/>
+                <a:gd name="connsiteX6" fmla="*/ 2332829 w 4282900"/>
+                <a:gd name="connsiteY6" fmla="*/ 5630311 h 5795027"/>
+                <a:gd name="connsiteX7" fmla="*/ 2137940 w 4282900"/>
+                <a:gd name="connsiteY7" fmla="*/ 5795027 h 5795027"/>
+                <a:gd name="connsiteX8" fmla="*/ 1950069 w 4282900"/>
+                <a:gd name="connsiteY8" fmla="*/ 5630311 h 5795027"/>
+                <a:gd name="connsiteX9" fmla="*/ 559353 w 4282900"/>
+                <a:gd name="connsiteY9" fmla="*/ 4939455 h 5795027"/>
+                <a:gd name="connsiteX10" fmla="*/ 0 w 4282900"/>
+                <a:gd name="connsiteY10" fmla="*/ 3746068 h 5795027"/>
+                <a:gd name="connsiteX11" fmla="*/ 0 w 4282900"/>
+                <a:gd name="connsiteY11" fmla="*/ 3441681 h 5795027"/>
+                <a:gd name="connsiteX12" fmla="*/ 0 w 4282900"/>
+                <a:gd name="connsiteY12" fmla="*/ 3042471 h 5795027"/>
+                <a:gd name="connsiteX13" fmla="*/ 0 w 4282900"/>
+                <a:gd name="connsiteY13" fmla="*/ 2752557 h 5795027"/>
+                <a:gd name="connsiteX14" fmla="*/ 0 w 4282900"/>
+                <a:gd name="connsiteY14" fmla="*/ 2231503 h 5795027"/>
+                <a:gd name="connsiteX15" fmla="*/ 0 w 4282900"/>
+                <a:gd name="connsiteY15" fmla="*/ 2048959 h 5795027"/>
+                <a:gd name="connsiteX16" fmla="*/ 559354 w 4282900"/>
+                <a:gd name="connsiteY16" fmla="*/ 855573 h 5795027"/>
+                <a:gd name="connsiteX17" fmla="*/ 1950071 w 4282900"/>
+                <a:gd name="connsiteY17" fmla="*/ 164715 h 5795027"/>
+                <a:gd name="connsiteX18" fmla="*/ 2144960 w 4282900"/>
+                <a:gd name="connsiteY18" fmla="*/ 0 h 5795027"/>
+                <a:gd name="connsiteX19" fmla="*/ 2332832 w 4282900"/>
+                <a:gd name="connsiteY19" fmla="*/ 164715 h 5795027"/>
+                <a:gd name="connsiteX20" fmla="*/ 2976290 w 4282900"/>
+                <a:gd name="connsiteY20" fmla="*/ 524033 h 5795027"/>
+                <a:gd name="connsiteX0" fmla="*/ 4282900 w 4282900"/>
+                <a:gd name="connsiteY0" fmla="*/ 2752557 h 5795027"/>
+                <a:gd name="connsiteX1" fmla="*/ 4282900 w 4282900"/>
+                <a:gd name="connsiteY1" fmla="*/ 3042471 h 5795027"/>
+                <a:gd name="connsiteX2" fmla="*/ 4282900 w 4282900"/>
+                <a:gd name="connsiteY2" fmla="*/ 3441681 h 5795027"/>
+                <a:gd name="connsiteX3" fmla="*/ 4282900 w 4282900"/>
+                <a:gd name="connsiteY3" fmla="*/ 3746068 h 5795027"/>
+                <a:gd name="connsiteX4" fmla="*/ 3723546 w 4282900"/>
+                <a:gd name="connsiteY4" fmla="*/ 4939455 h 5795027"/>
+                <a:gd name="connsiteX5" fmla="*/ 2332829 w 4282900"/>
+                <a:gd name="connsiteY5" fmla="*/ 5630311 h 5795027"/>
+                <a:gd name="connsiteX6" fmla="*/ 2137940 w 4282900"/>
+                <a:gd name="connsiteY6" fmla="*/ 5795027 h 5795027"/>
+                <a:gd name="connsiteX7" fmla="*/ 1950069 w 4282900"/>
+                <a:gd name="connsiteY7" fmla="*/ 5630311 h 5795027"/>
+                <a:gd name="connsiteX8" fmla="*/ 559353 w 4282900"/>
+                <a:gd name="connsiteY8" fmla="*/ 4939455 h 5795027"/>
+                <a:gd name="connsiteX9" fmla="*/ 0 w 4282900"/>
+                <a:gd name="connsiteY9" fmla="*/ 3746068 h 5795027"/>
+                <a:gd name="connsiteX10" fmla="*/ 0 w 4282900"/>
+                <a:gd name="connsiteY10" fmla="*/ 3441681 h 5795027"/>
+                <a:gd name="connsiteX11" fmla="*/ 0 w 4282900"/>
+                <a:gd name="connsiteY11" fmla="*/ 3042471 h 5795027"/>
+                <a:gd name="connsiteX12" fmla="*/ 0 w 4282900"/>
+                <a:gd name="connsiteY12" fmla="*/ 2752557 h 5795027"/>
+                <a:gd name="connsiteX13" fmla="*/ 0 w 4282900"/>
+                <a:gd name="connsiteY13" fmla="*/ 2231503 h 5795027"/>
+                <a:gd name="connsiteX14" fmla="*/ 0 w 4282900"/>
+                <a:gd name="connsiteY14" fmla="*/ 2048959 h 5795027"/>
+                <a:gd name="connsiteX15" fmla="*/ 559354 w 4282900"/>
+                <a:gd name="connsiteY15" fmla="*/ 855573 h 5795027"/>
+                <a:gd name="connsiteX16" fmla="*/ 1950071 w 4282900"/>
+                <a:gd name="connsiteY16" fmla="*/ 164715 h 5795027"/>
+                <a:gd name="connsiteX17" fmla="*/ 2144960 w 4282900"/>
+                <a:gd name="connsiteY17" fmla="*/ 0 h 5795027"/>
+                <a:gd name="connsiteX18" fmla="*/ 2332832 w 4282900"/>
+                <a:gd name="connsiteY18" fmla="*/ 164715 h 5795027"/>
+                <a:gd name="connsiteX19" fmla="*/ 2976290 w 4282900"/>
+                <a:gd name="connsiteY19" fmla="*/ 524033 h 5795027"/>
+                <a:gd name="connsiteX0" fmla="*/ 4282900 w 4282900"/>
+                <a:gd name="connsiteY0" fmla="*/ 3042471 h 5795027"/>
+                <a:gd name="connsiteX1" fmla="*/ 4282900 w 4282900"/>
+                <a:gd name="connsiteY1" fmla="*/ 3441681 h 5795027"/>
+                <a:gd name="connsiteX2" fmla="*/ 4282900 w 4282900"/>
+                <a:gd name="connsiteY2" fmla="*/ 3746068 h 5795027"/>
+                <a:gd name="connsiteX3" fmla="*/ 3723546 w 4282900"/>
+                <a:gd name="connsiteY3" fmla="*/ 4939455 h 5795027"/>
+                <a:gd name="connsiteX4" fmla="*/ 2332829 w 4282900"/>
+                <a:gd name="connsiteY4" fmla="*/ 5630311 h 5795027"/>
+                <a:gd name="connsiteX5" fmla="*/ 2137940 w 4282900"/>
+                <a:gd name="connsiteY5" fmla="*/ 5795027 h 5795027"/>
+                <a:gd name="connsiteX6" fmla="*/ 1950069 w 4282900"/>
+                <a:gd name="connsiteY6" fmla="*/ 5630311 h 5795027"/>
+                <a:gd name="connsiteX7" fmla="*/ 559353 w 4282900"/>
+                <a:gd name="connsiteY7" fmla="*/ 4939455 h 5795027"/>
+                <a:gd name="connsiteX8" fmla="*/ 0 w 4282900"/>
+                <a:gd name="connsiteY8" fmla="*/ 3746068 h 5795027"/>
+                <a:gd name="connsiteX9" fmla="*/ 0 w 4282900"/>
+                <a:gd name="connsiteY9" fmla="*/ 3441681 h 5795027"/>
+                <a:gd name="connsiteX10" fmla="*/ 0 w 4282900"/>
+                <a:gd name="connsiteY10" fmla="*/ 3042471 h 5795027"/>
+                <a:gd name="connsiteX11" fmla="*/ 0 w 4282900"/>
+                <a:gd name="connsiteY11" fmla="*/ 2752557 h 5795027"/>
+                <a:gd name="connsiteX12" fmla="*/ 0 w 4282900"/>
+                <a:gd name="connsiteY12" fmla="*/ 2231503 h 5795027"/>
+                <a:gd name="connsiteX13" fmla="*/ 0 w 4282900"/>
+                <a:gd name="connsiteY13" fmla="*/ 2048959 h 5795027"/>
+                <a:gd name="connsiteX14" fmla="*/ 559354 w 4282900"/>
+                <a:gd name="connsiteY14" fmla="*/ 855573 h 5795027"/>
+                <a:gd name="connsiteX15" fmla="*/ 1950071 w 4282900"/>
+                <a:gd name="connsiteY15" fmla="*/ 164715 h 5795027"/>
+                <a:gd name="connsiteX16" fmla="*/ 2144960 w 4282900"/>
+                <a:gd name="connsiteY16" fmla="*/ 0 h 5795027"/>
+                <a:gd name="connsiteX17" fmla="*/ 2332832 w 4282900"/>
+                <a:gd name="connsiteY17" fmla="*/ 164715 h 5795027"/>
+                <a:gd name="connsiteX18" fmla="*/ 2976290 w 4282900"/>
+                <a:gd name="connsiteY18" fmla="*/ 524033 h 5795027"/>
+                <a:gd name="connsiteX0" fmla="*/ 4282900 w 4282900"/>
+                <a:gd name="connsiteY0" fmla="*/ 3441681 h 5795027"/>
+                <a:gd name="connsiteX1" fmla="*/ 4282900 w 4282900"/>
+                <a:gd name="connsiteY1" fmla="*/ 3746068 h 5795027"/>
+                <a:gd name="connsiteX2" fmla="*/ 3723546 w 4282900"/>
+                <a:gd name="connsiteY2" fmla="*/ 4939455 h 5795027"/>
+                <a:gd name="connsiteX3" fmla="*/ 2332829 w 4282900"/>
+                <a:gd name="connsiteY3" fmla="*/ 5630311 h 5795027"/>
+                <a:gd name="connsiteX4" fmla="*/ 2137940 w 4282900"/>
+                <a:gd name="connsiteY4" fmla="*/ 5795027 h 5795027"/>
+                <a:gd name="connsiteX5" fmla="*/ 1950069 w 4282900"/>
+                <a:gd name="connsiteY5" fmla="*/ 5630311 h 5795027"/>
+                <a:gd name="connsiteX6" fmla="*/ 559353 w 4282900"/>
+                <a:gd name="connsiteY6" fmla="*/ 4939455 h 5795027"/>
+                <a:gd name="connsiteX7" fmla="*/ 0 w 4282900"/>
+                <a:gd name="connsiteY7" fmla="*/ 3746068 h 5795027"/>
+                <a:gd name="connsiteX8" fmla="*/ 0 w 4282900"/>
+                <a:gd name="connsiteY8" fmla="*/ 3441681 h 5795027"/>
+                <a:gd name="connsiteX9" fmla="*/ 0 w 4282900"/>
+                <a:gd name="connsiteY9" fmla="*/ 3042471 h 5795027"/>
+                <a:gd name="connsiteX10" fmla="*/ 0 w 4282900"/>
+                <a:gd name="connsiteY10" fmla="*/ 2752557 h 5795027"/>
+                <a:gd name="connsiteX11" fmla="*/ 0 w 4282900"/>
+                <a:gd name="connsiteY11" fmla="*/ 2231503 h 5795027"/>
+                <a:gd name="connsiteX12" fmla="*/ 0 w 4282900"/>
+                <a:gd name="connsiteY12" fmla="*/ 2048959 h 5795027"/>
+                <a:gd name="connsiteX13" fmla="*/ 559354 w 4282900"/>
+                <a:gd name="connsiteY13" fmla="*/ 855573 h 5795027"/>
+                <a:gd name="connsiteX14" fmla="*/ 1950071 w 4282900"/>
+                <a:gd name="connsiteY14" fmla="*/ 164715 h 5795027"/>
+                <a:gd name="connsiteX15" fmla="*/ 2144960 w 4282900"/>
+                <a:gd name="connsiteY15" fmla="*/ 0 h 5795027"/>
+                <a:gd name="connsiteX16" fmla="*/ 2332832 w 4282900"/>
+                <a:gd name="connsiteY16" fmla="*/ 164715 h 5795027"/>
+                <a:gd name="connsiteX17" fmla="*/ 2976290 w 4282900"/>
+                <a:gd name="connsiteY17" fmla="*/ 524033 h 5795027"/>
+                <a:gd name="connsiteX0" fmla="*/ 4282900 w 4282900"/>
+                <a:gd name="connsiteY0" fmla="*/ 3441681 h 5795027"/>
+                <a:gd name="connsiteX1" fmla="*/ 3723546 w 4282900"/>
+                <a:gd name="connsiteY1" fmla="*/ 4939455 h 5795027"/>
+                <a:gd name="connsiteX2" fmla="*/ 2332829 w 4282900"/>
+                <a:gd name="connsiteY2" fmla="*/ 5630311 h 5795027"/>
+                <a:gd name="connsiteX3" fmla="*/ 2137940 w 4282900"/>
+                <a:gd name="connsiteY3" fmla="*/ 5795027 h 5795027"/>
+                <a:gd name="connsiteX4" fmla="*/ 1950069 w 4282900"/>
+                <a:gd name="connsiteY4" fmla="*/ 5630311 h 5795027"/>
+                <a:gd name="connsiteX5" fmla="*/ 559353 w 4282900"/>
+                <a:gd name="connsiteY5" fmla="*/ 4939455 h 5795027"/>
+                <a:gd name="connsiteX6" fmla="*/ 0 w 4282900"/>
+                <a:gd name="connsiteY6" fmla="*/ 3746068 h 5795027"/>
+                <a:gd name="connsiteX7" fmla="*/ 0 w 4282900"/>
+                <a:gd name="connsiteY7" fmla="*/ 3441681 h 5795027"/>
+                <a:gd name="connsiteX8" fmla="*/ 0 w 4282900"/>
+                <a:gd name="connsiteY8" fmla="*/ 3042471 h 5795027"/>
+                <a:gd name="connsiteX9" fmla="*/ 0 w 4282900"/>
+                <a:gd name="connsiteY9" fmla="*/ 2752557 h 5795027"/>
+                <a:gd name="connsiteX10" fmla="*/ 0 w 4282900"/>
+                <a:gd name="connsiteY10" fmla="*/ 2231503 h 5795027"/>
+                <a:gd name="connsiteX11" fmla="*/ 0 w 4282900"/>
+                <a:gd name="connsiteY11" fmla="*/ 2048959 h 5795027"/>
+                <a:gd name="connsiteX12" fmla="*/ 559354 w 4282900"/>
+                <a:gd name="connsiteY12" fmla="*/ 855573 h 5795027"/>
+                <a:gd name="connsiteX13" fmla="*/ 1950071 w 4282900"/>
+                <a:gd name="connsiteY13" fmla="*/ 164715 h 5795027"/>
+                <a:gd name="connsiteX14" fmla="*/ 2144960 w 4282900"/>
+                <a:gd name="connsiteY14" fmla="*/ 0 h 5795027"/>
+                <a:gd name="connsiteX15" fmla="*/ 2332832 w 4282900"/>
+                <a:gd name="connsiteY15" fmla="*/ 164715 h 5795027"/>
+                <a:gd name="connsiteX16" fmla="*/ 2976290 w 4282900"/>
+                <a:gd name="connsiteY16" fmla="*/ 524033 h 5795027"/>
+                <a:gd name="connsiteX0" fmla="*/ 3723546 w 3723546"/>
+                <a:gd name="connsiteY0" fmla="*/ 4939455 h 5795027"/>
+                <a:gd name="connsiteX1" fmla="*/ 2332829 w 3723546"/>
+                <a:gd name="connsiteY1" fmla="*/ 5630311 h 5795027"/>
+                <a:gd name="connsiteX2" fmla="*/ 2137940 w 3723546"/>
+                <a:gd name="connsiteY2" fmla="*/ 5795027 h 5795027"/>
+                <a:gd name="connsiteX3" fmla="*/ 1950069 w 3723546"/>
+                <a:gd name="connsiteY3" fmla="*/ 5630311 h 5795027"/>
+                <a:gd name="connsiteX4" fmla="*/ 559353 w 3723546"/>
+                <a:gd name="connsiteY4" fmla="*/ 4939455 h 5795027"/>
+                <a:gd name="connsiteX5" fmla="*/ 0 w 3723546"/>
+                <a:gd name="connsiteY5" fmla="*/ 3746068 h 5795027"/>
+                <a:gd name="connsiteX6" fmla="*/ 0 w 3723546"/>
+                <a:gd name="connsiteY6" fmla="*/ 3441681 h 5795027"/>
+                <a:gd name="connsiteX7" fmla="*/ 0 w 3723546"/>
+                <a:gd name="connsiteY7" fmla="*/ 3042471 h 5795027"/>
+                <a:gd name="connsiteX8" fmla="*/ 0 w 3723546"/>
+                <a:gd name="connsiteY8" fmla="*/ 2752557 h 5795027"/>
+                <a:gd name="connsiteX9" fmla="*/ 0 w 3723546"/>
+                <a:gd name="connsiteY9" fmla="*/ 2231503 h 5795027"/>
+                <a:gd name="connsiteX10" fmla="*/ 0 w 3723546"/>
+                <a:gd name="connsiteY10" fmla="*/ 2048959 h 5795027"/>
+                <a:gd name="connsiteX11" fmla="*/ 559354 w 3723546"/>
+                <a:gd name="connsiteY11" fmla="*/ 855573 h 5795027"/>
+                <a:gd name="connsiteX12" fmla="*/ 1950071 w 3723546"/>
+                <a:gd name="connsiteY12" fmla="*/ 164715 h 5795027"/>
+                <a:gd name="connsiteX13" fmla="*/ 2144960 w 3723546"/>
+                <a:gd name="connsiteY13" fmla="*/ 0 h 5795027"/>
+                <a:gd name="connsiteX14" fmla="*/ 2332832 w 3723546"/>
+                <a:gd name="connsiteY14" fmla="*/ 164715 h 5795027"/>
+                <a:gd name="connsiteX15" fmla="*/ 2976290 w 3723546"/>
+                <a:gd name="connsiteY15" fmla="*/ 524033 h 5795027"/>
+                <a:gd name="connsiteX0" fmla="*/ 3723546 w 3723546"/>
+                <a:gd name="connsiteY0" fmla="*/ 4939455 h 5795027"/>
+                <a:gd name="connsiteX1" fmla="*/ 2989878 w 3723546"/>
+                <a:gd name="connsiteY1" fmla="*/ 5266109 h 5795027"/>
+                <a:gd name="connsiteX2" fmla="*/ 2332829 w 3723546"/>
+                <a:gd name="connsiteY2" fmla="*/ 5630311 h 5795027"/>
+                <a:gd name="connsiteX3" fmla="*/ 2137940 w 3723546"/>
+                <a:gd name="connsiteY3" fmla="*/ 5795027 h 5795027"/>
+                <a:gd name="connsiteX4" fmla="*/ 1950069 w 3723546"/>
+                <a:gd name="connsiteY4" fmla="*/ 5630311 h 5795027"/>
+                <a:gd name="connsiteX5" fmla="*/ 559353 w 3723546"/>
+                <a:gd name="connsiteY5" fmla="*/ 4939455 h 5795027"/>
+                <a:gd name="connsiteX6" fmla="*/ 0 w 3723546"/>
+                <a:gd name="connsiteY6" fmla="*/ 3746068 h 5795027"/>
+                <a:gd name="connsiteX7" fmla="*/ 0 w 3723546"/>
+                <a:gd name="connsiteY7" fmla="*/ 3441681 h 5795027"/>
+                <a:gd name="connsiteX8" fmla="*/ 0 w 3723546"/>
+                <a:gd name="connsiteY8" fmla="*/ 3042471 h 5795027"/>
+                <a:gd name="connsiteX9" fmla="*/ 0 w 3723546"/>
+                <a:gd name="connsiteY9" fmla="*/ 2752557 h 5795027"/>
+                <a:gd name="connsiteX10" fmla="*/ 0 w 3723546"/>
+                <a:gd name="connsiteY10" fmla="*/ 2231503 h 5795027"/>
+                <a:gd name="connsiteX11" fmla="*/ 0 w 3723546"/>
+                <a:gd name="connsiteY11" fmla="*/ 2048959 h 5795027"/>
+                <a:gd name="connsiteX12" fmla="*/ 559354 w 3723546"/>
+                <a:gd name="connsiteY12" fmla="*/ 855573 h 5795027"/>
+                <a:gd name="connsiteX13" fmla="*/ 1950071 w 3723546"/>
+                <a:gd name="connsiteY13" fmla="*/ 164715 h 5795027"/>
+                <a:gd name="connsiteX14" fmla="*/ 2144960 w 3723546"/>
+                <a:gd name="connsiteY14" fmla="*/ 0 h 5795027"/>
+                <a:gd name="connsiteX15" fmla="*/ 2332832 w 3723546"/>
+                <a:gd name="connsiteY15" fmla="*/ 164715 h 5795027"/>
+                <a:gd name="connsiteX16" fmla="*/ 2976290 w 3723546"/>
+                <a:gd name="connsiteY16" fmla="*/ 524033 h 5795027"/>
+                <a:gd name="connsiteX0" fmla="*/ 2989878 w 2989878"/>
+                <a:gd name="connsiteY0" fmla="*/ 5266109 h 5795027"/>
+                <a:gd name="connsiteX1" fmla="*/ 2332829 w 2989878"/>
+                <a:gd name="connsiteY1" fmla="*/ 5630311 h 5795027"/>
+                <a:gd name="connsiteX2" fmla="*/ 2137940 w 2989878"/>
+                <a:gd name="connsiteY2" fmla="*/ 5795027 h 5795027"/>
+                <a:gd name="connsiteX3" fmla="*/ 1950069 w 2989878"/>
+                <a:gd name="connsiteY3" fmla="*/ 5630311 h 5795027"/>
+                <a:gd name="connsiteX4" fmla="*/ 559353 w 2989878"/>
+                <a:gd name="connsiteY4" fmla="*/ 4939455 h 5795027"/>
+                <a:gd name="connsiteX5" fmla="*/ 0 w 2989878"/>
+                <a:gd name="connsiteY5" fmla="*/ 3746068 h 5795027"/>
+                <a:gd name="connsiteX6" fmla="*/ 0 w 2989878"/>
+                <a:gd name="connsiteY6" fmla="*/ 3441681 h 5795027"/>
+                <a:gd name="connsiteX7" fmla="*/ 0 w 2989878"/>
+                <a:gd name="connsiteY7" fmla="*/ 3042471 h 5795027"/>
+                <a:gd name="connsiteX8" fmla="*/ 0 w 2989878"/>
+                <a:gd name="connsiteY8" fmla="*/ 2752557 h 5795027"/>
+                <a:gd name="connsiteX9" fmla="*/ 0 w 2989878"/>
+                <a:gd name="connsiteY9" fmla="*/ 2231503 h 5795027"/>
+                <a:gd name="connsiteX10" fmla="*/ 0 w 2989878"/>
+                <a:gd name="connsiteY10" fmla="*/ 2048959 h 5795027"/>
+                <a:gd name="connsiteX11" fmla="*/ 559354 w 2989878"/>
+                <a:gd name="connsiteY11" fmla="*/ 855573 h 5795027"/>
+                <a:gd name="connsiteX12" fmla="*/ 1950071 w 2989878"/>
+                <a:gd name="connsiteY12" fmla="*/ 164715 h 5795027"/>
+                <a:gd name="connsiteX13" fmla="*/ 2144960 w 2989878"/>
+                <a:gd name="connsiteY13" fmla="*/ 0 h 5795027"/>
+                <a:gd name="connsiteX14" fmla="*/ 2332832 w 2989878"/>
+                <a:gd name="connsiteY14" fmla="*/ 164715 h 5795027"/>
+                <a:gd name="connsiteX15" fmla="*/ 2976290 w 2989878"/>
+                <a:gd name="connsiteY15" fmla="*/ 524033 h 5795027"/>
+                <a:gd name="connsiteX0" fmla="*/ 2989878 w 2989878"/>
+                <a:gd name="connsiteY0" fmla="*/ 5266109 h 5795027"/>
+                <a:gd name="connsiteX1" fmla="*/ 2332829 w 2989878"/>
+                <a:gd name="connsiteY1" fmla="*/ 5630311 h 5795027"/>
+                <a:gd name="connsiteX2" fmla="*/ 2137940 w 2989878"/>
+                <a:gd name="connsiteY2" fmla="*/ 5795027 h 5795027"/>
+                <a:gd name="connsiteX3" fmla="*/ 1950069 w 2989878"/>
+                <a:gd name="connsiteY3" fmla="*/ 5630311 h 5795027"/>
+                <a:gd name="connsiteX4" fmla="*/ 559353 w 2989878"/>
+                <a:gd name="connsiteY4" fmla="*/ 4939455 h 5795027"/>
+                <a:gd name="connsiteX5" fmla="*/ 0 w 2989878"/>
+                <a:gd name="connsiteY5" fmla="*/ 3746068 h 5795027"/>
+                <a:gd name="connsiteX6" fmla="*/ 0 w 2989878"/>
+                <a:gd name="connsiteY6" fmla="*/ 3441681 h 5795027"/>
+                <a:gd name="connsiteX7" fmla="*/ 0 w 2989878"/>
+                <a:gd name="connsiteY7" fmla="*/ 3042471 h 5795027"/>
+                <a:gd name="connsiteX8" fmla="*/ 0 w 2989878"/>
+                <a:gd name="connsiteY8" fmla="*/ 2752557 h 5795027"/>
+                <a:gd name="connsiteX9" fmla="*/ 0 w 2989878"/>
+                <a:gd name="connsiteY9" fmla="*/ 2231503 h 5795027"/>
+                <a:gd name="connsiteX10" fmla="*/ 0 w 2989878"/>
+                <a:gd name="connsiteY10" fmla="*/ 2048959 h 5795027"/>
+                <a:gd name="connsiteX11" fmla="*/ 559354 w 2989878"/>
+                <a:gd name="connsiteY11" fmla="*/ 855573 h 5795027"/>
+                <a:gd name="connsiteX12" fmla="*/ 1950071 w 2989878"/>
+                <a:gd name="connsiteY12" fmla="*/ 164715 h 5795027"/>
+                <a:gd name="connsiteX13" fmla="*/ 2144960 w 2989878"/>
+                <a:gd name="connsiteY13" fmla="*/ 0 h 5795027"/>
+                <a:gd name="connsiteX14" fmla="*/ 2332832 w 2989878"/>
+                <a:gd name="connsiteY14" fmla="*/ 164715 h 5795027"/>
+                <a:gd name="connsiteX15" fmla="*/ 2976290 w 2989878"/>
+                <a:gd name="connsiteY15" fmla="*/ 524033 h 5795027"/>
+                <a:gd name="connsiteX0" fmla="*/ 2955049 w 2976290"/>
+                <a:gd name="connsiteY0" fmla="*/ 5266109 h 5795027"/>
+                <a:gd name="connsiteX1" fmla="*/ 2332829 w 2976290"/>
+                <a:gd name="connsiteY1" fmla="*/ 5630311 h 5795027"/>
+                <a:gd name="connsiteX2" fmla="*/ 2137940 w 2976290"/>
+                <a:gd name="connsiteY2" fmla="*/ 5795027 h 5795027"/>
+                <a:gd name="connsiteX3" fmla="*/ 1950069 w 2976290"/>
+                <a:gd name="connsiteY3" fmla="*/ 5630311 h 5795027"/>
+                <a:gd name="connsiteX4" fmla="*/ 559353 w 2976290"/>
+                <a:gd name="connsiteY4" fmla="*/ 4939455 h 5795027"/>
+                <a:gd name="connsiteX5" fmla="*/ 0 w 2976290"/>
+                <a:gd name="connsiteY5" fmla="*/ 3746068 h 5795027"/>
+                <a:gd name="connsiteX6" fmla="*/ 0 w 2976290"/>
+                <a:gd name="connsiteY6" fmla="*/ 3441681 h 5795027"/>
+                <a:gd name="connsiteX7" fmla="*/ 0 w 2976290"/>
+                <a:gd name="connsiteY7" fmla="*/ 3042471 h 5795027"/>
+                <a:gd name="connsiteX8" fmla="*/ 0 w 2976290"/>
+                <a:gd name="connsiteY8" fmla="*/ 2752557 h 5795027"/>
+                <a:gd name="connsiteX9" fmla="*/ 0 w 2976290"/>
+                <a:gd name="connsiteY9" fmla="*/ 2231503 h 5795027"/>
+                <a:gd name="connsiteX10" fmla="*/ 0 w 2976290"/>
+                <a:gd name="connsiteY10" fmla="*/ 2048959 h 5795027"/>
+                <a:gd name="connsiteX11" fmla="*/ 559354 w 2976290"/>
+                <a:gd name="connsiteY11" fmla="*/ 855573 h 5795027"/>
+                <a:gd name="connsiteX12" fmla="*/ 1950071 w 2976290"/>
+                <a:gd name="connsiteY12" fmla="*/ 164715 h 5795027"/>
+                <a:gd name="connsiteX13" fmla="*/ 2144960 w 2976290"/>
+                <a:gd name="connsiteY13" fmla="*/ 0 h 5795027"/>
+                <a:gd name="connsiteX14" fmla="*/ 2332832 w 2976290"/>
+                <a:gd name="connsiteY14" fmla="*/ 164715 h 5795027"/>
+                <a:gd name="connsiteX15" fmla="*/ 2976290 w 2976290"/>
+                <a:gd name="connsiteY15" fmla="*/ 524033 h 5795027"/>
+                <a:gd name="connsiteX0" fmla="*/ 2955049 w 2976290"/>
+                <a:gd name="connsiteY0" fmla="*/ 5266109 h 5795027"/>
+                <a:gd name="connsiteX1" fmla="*/ 2332829 w 2976290"/>
+                <a:gd name="connsiteY1" fmla="*/ 5630311 h 5795027"/>
+                <a:gd name="connsiteX2" fmla="*/ 2137940 w 2976290"/>
+                <a:gd name="connsiteY2" fmla="*/ 5795027 h 5795027"/>
+                <a:gd name="connsiteX3" fmla="*/ 1950069 w 2976290"/>
+                <a:gd name="connsiteY3" fmla="*/ 5630311 h 5795027"/>
+                <a:gd name="connsiteX4" fmla="*/ 559353 w 2976290"/>
+                <a:gd name="connsiteY4" fmla="*/ 4939455 h 5795027"/>
+                <a:gd name="connsiteX5" fmla="*/ 0 w 2976290"/>
+                <a:gd name="connsiteY5" fmla="*/ 3746068 h 5795027"/>
+                <a:gd name="connsiteX6" fmla="*/ 0 w 2976290"/>
+                <a:gd name="connsiteY6" fmla="*/ 3441681 h 5795027"/>
+                <a:gd name="connsiteX7" fmla="*/ 0 w 2976290"/>
+                <a:gd name="connsiteY7" fmla="*/ 3042471 h 5795027"/>
+                <a:gd name="connsiteX8" fmla="*/ 0 w 2976290"/>
+                <a:gd name="connsiteY8" fmla="*/ 2752557 h 5795027"/>
+                <a:gd name="connsiteX9" fmla="*/ 0 w 2976290"/>
+                <a:gd name="connsiteY9" fmla="*/ 2231503 h 5795027"/>
+                <a:gd name="connsiteX10" fmla="*/ 0 w 2976290"/>
+                <a:gd name="connsiteY10" fmla="*/ 2048959 h 5795027"/>
+                <a:gd name="connsiteX11" fmla="*/ 559354 w 2976290"/>
+                <a:gd name="connsiteY11" fmla="*/ 855573 h 5795027"/>
+                <a:gd name="connsiteX12" fmla="*/ 1950071 w 2976290"/>
+                <a:gd name="connsiteY12" fmla="*/ 164715 h 5795027"/>
+                <a:gd name="connsiteX13" fmla="*/ 2144960 w 2976290"/>
+                <a:gd name="connsiteY13" fmla="*/ 0 h 5795027"/>
+                <a:gd name="connsiteX14" fmla="*/ 2332832 w 2976290"/>
+                <a:gd name="connsiteY14" fmla="*/ 164715 h 5795027"/>
+                <a:gd name="connsiteX15" fmla="*/ 2976290 w 2976290"/>
+                <a:gd name="connsiteY15" fmla="*/ 524033 h 5795027"/>
+                <a:gd name="connsiteX0" fmla="*/ 2955049 w 2976290"/>
+                <a:gd name="connsiteY0" fmla="*/ 5266109 h 5795027"/>
+                <a:gd name="connsiteX1" fmla="*/ 2332829 w 2976290"/>
+                <a:gd name="connsiteY1" fmla="*/ 5630311 h 5795027"/>
+                <a:gd name="connsiteX2" fmla="*/ 2137940 w 2976290"/>
+                <a:gd name="connsiteY2" fmla="*/ 5795027 h 5795027"/>
+                <a:gd name="connsiteX3" fmla="*/ 1950069 w 2976290"/>
+                <a:gd name="connsiteY3" fmla="*/ 5630311 h 5795027"/>
+                <a:gd name="connsiteX4" fmla="*/ 559353 w 2976290"/>
+                <a:gd name="connsiteY4" fmla="*/ 4939455 h 5795027"/>
+                <a:gd name="connsiteX5" fmla="*/ 0 w 2976290"/>
+                <a:gd name="connsiteY5" fmla="*/ 3746068 h 5795027"/>
+                <a:gd name="connsiteX6" fmla="*/ 0 w 2976290"/>
+                <a:gd name="connsiteY6" fmla="*/ 3441681 h 5795027"/>
+                <a:gd name="connsiteX7" fmla="*/ 0 w 2976290"/>
+                <a:gd name="connsiteY7" fmla="*/ 3042471 h 5795027"/>
+                <a:gd name="connsiteX8" fmla="*/ 0 w 2976290"/>
+                <a:gd name="connsiteY8" fmla="*/ 2752557 h 5795027"/>
+                <a:gd name="connsiteX9" fmla="*/ 0 w 2976290"/>
+                <a:gd name="connsiteY9" fmla="*/ 2231503 h 5795027"/>
+                <a:gd name="connsiteX10" fmla="*/ 0 w 2976290"/>
+                <a:gd name="connsiteY10" fmla="*/ 2048959 h 5795027"/>
+                <a:gd name="connsiteX11" fmla="*/ 559354 w 2976290"/>
+                <a:gd name="connsiteY11" fmla="*/ 855573 h 5795027"/>
+                <a:gd name="connsiteX12" fmla="*/ 1950071 w 2976290"/>
+                <a:gd name="connsiteY12" fmla="*/ 164715 h 5795027"/>
+                <a:gd name="connsiteX13" fmla="*/ 2144960 w 2976290"/>
+                <a:gd name="connsiteY13" fmla="*/ 0 h 5795027"/>
+                <a:gd name="connsiteX14" fmla="*/ 2332832 w 2976290"/>
+                <a:gd name="connsiteY14" fmla="*/ 164715 h 5795027"/>
+                <a:gd name="connsiteX15" fmla="*/ 2976290 w 2976290"/>
+                <a:gd name="connsiteY15" fmla="*/ 524033 h 5795027"/>
+                <a:gd name="connsiteX0" fmla="*/ 2955049 w 2976290"/>
+                <a:gd name="connsiteY0" fmla="*/ 5266109 h 5795027"/>
+                <a:gd name="connsiteX1" fmla="*/ 2332829 w 2976290"/>
+                <a:gd name="connsiteY1" fmla="*/ 5630311 h 5795027"/>
+                <a:gd name="connsiteX2" fmla="*/ 2137940 w 2976290"/>
+                <a:gd name="connsiteY2" fmla="*/ 5795027 h 5795027"/>
+                <a:gd name="connsiteX3" fmla="*/ 1950069 w 2976290"/>
+                <a:gd name="connsiteY3" fmla="*/ 5630311 h 5795027"/>
+                <a:gd name="connsiteX4" fmla="*/ 559353 w 2976290"/>
+                <a:gd name="connsiteY4" fmla="*/ 4939455 h 5795027"/>
+                <a:gd name="connsiteX5" fmla="*/ 0 w 2976290"/>
+                <a:gd name="connsiteY5" fmla="*/ 3746068 h 5795027"/>
+                <a:gd name="connsiteX6" fmla="*/ 0 w 2976290"/>
+                <a:gd name="connsiteY6" fmla="*/ 3441681 h 5795027"/>
+                <a:gd name="connsiteX7" fmla="*/ 0 w 2976290"/>
+                <a:gd name="connsiteY7" fmla="*/ 3042471 h 5795027"/>
+                <a:gd name="connsiteX8" fmla="*/ 0 w 2976290"/>
+                <a:gd name="connsiteY8" fmla="*/ 2752557 h 5795027"/>
+                <a:gd name="connsiteX9" fmla="*/ 0 w 2976290"/>
+                <a:gd name="connsiteY9" fmla="*/ 2231503 h 5795027"/>
+                <a:gd name="connsiteX10" fmla="*/ 0 w 2976290"/>
+                <a:gd name="connsiteY10" fmla="*/ 2048959 h 5795027"/>
+                <a:gd name="connsiteX11" fmla="*/ 559354 w 2976290"/>
+                <a:gd name="connsiteY11" fmla="*/ 855573 h 5795027"/>
+                <a:gd name="connsiteX12" fmla="*/ 1950071 w 2976290"/>
+                <a:gd name="connsiteY12" fmla="*/ 164715 h 5795027"/>
+                <a:gd name="connsiteX13" fmla="*/ 2144960 w 2976290"/>
+                <a:gd name="connsiteY13" fmla="*/ 0 h 5795027"/>
+                <a:gd name="connsiteX14" fmla="*/ 2332832 w 2976290"/>
+                <a:gd name="connsiteY14" fmla="*/ 164715 h 5795027"/>
+                <a:gd name="connsiteX15" fmla="*/ 2976290 w 2976290"/>
+                <a:gd name="connsiteY15" fmla="*/ 524033 h 5795027"/>
+                <a:gd name="connsiteX0" fmla="*/ 2955049 w 2976290"/>
+                <a:gd name="connsiteY0" fmla="*/ 5266109 h 5795027"/>
+                <a:gd name="connsiteX1" fmla="*/ 2332829 w 2976290"/>
+                <a:gd name="connsiteY1" fmla="*/ 5630311 h 5795027"/>
+                <a:gd name="connsiteX2" fmla="*/ 2137940 w 2976290"/>
+                <a:gd name="connsiteY2" fmla="*/ 5795027 h 5795027"/>
+                <a:gd name="connsiteX3" fmla="*/ 1950069 w 2976290"/>
+                <a:gd name="connsiteY3" fmla="*/ 5630311 h 5795027"/>
+                <a:gd name="connsiteX4" fmla="*/ 559353 w 2976290"/>
+                <a:gd name="connsiteY4" fmla="*/ 4939455 h 5795027"/>
+                <a:gd name="connsiteX5" fmla="*/ 0 w 2976290"/>
+                <a:gd name="connsiteY5" fmla="*/ 3746068 h 5795027"/>
+                <a:gd name="connsiteX6" fmla="*/ 0 w 2976290"/>
+                <a:gd name="connsiteY6" fmla="*/ 3441681 h 5795027"/>
+                <a:gd name="connsiteX7" fmla="*/ 0 w 2976290"/>
+                <a:gd name="connsiteY7" fmla="*/ 3042471 h 5795027"/>
+                <a:gd name="connsiteX8" fmla="*/ 0 w 2976290"/>
+                <a:gd name="connsiteY8" fmla="*/ 2752557 h 5795027"/>
+                <a:gd name="connsiteX9" fmla="*/ 0 w 2976290"/>
+                <a:gd name="connsiteY9" fmla="*/ 2231503 h 5795027"/>
+                <a:gd name="connsiteX10" fmla="*/ 0 w 2976290"/>
+                <a:gd name="connsiteY10" fmla="*/ 2048959 h 5795027"/>
+                <a:gd name="connsiteX11" fmla="*/ 559354 w 2976290"/>
+                <a:gd name="connsiteY11" fmla="*/ 855573 h 5795027"/>
+                <a:gd name="connsiteX12" fmla="*/ 1950071 w 2976290"/>
+                <a:gd name="connsiteY12" fmla="*/ 164715 h 5795027"/>
+                <a:gd name="connsiteX13" fmla="*/ 2144960 w 2976290"/>
+                <a:gd name="connsiteY13" fmla="*/ 0 h 5795027"/>
+                <a:gd name="connsiteX14" fmla="*/ 2332832 w 2976290"/>
+                <a:gd name="connsiteY14" fmla="*/ 164715 h 5795027"/>
+                <a:gd name="connsiteX15" fmla="*/ 2976290 w 2976290"/>
+                <a:gd name="connsiteY15" fmla="*/ 524033 h 5795027"/>
+                <a:gd name="connsiteX0" fmla="*/ 2955049 w 2987296"/>
+                <a:gd name="connsiteY0" fmla="*/ 5266109 h 5795027"/>
+                <a:gd name="connsiteX1" fmla="*/ 2332829 w 2987296"/>
+                <a:gd name="connsiteY1" fmla="*/ 5630311 h 5795027"/>
+                <a:gd name="connsiteX2" fmla="*/ 2137940 w 2987296"/>
+                <a:gd name="connsiteY2" fmla="*/ 5795027 h 5795027"/>
+                <a:gd name="connsiteX3" fmla="*/ 1950069 w 2987296"/>
+                <a:gd name="connsiteY3" fmla="*/ 5630311 h 5795027"/>
+                <a:gd name="connsiteX4" fmla="*/ 559353 w 2987296"/>
+                <a:gd name="connsiteY4" fmla="*/ 4939455 h 5795027"/>
+                <a:gd name="connsiteX5" fmla="*/ 0 w 2987296"/>
+                <a:gd name="connsiteY5" fmla="*/ 3746068 h 5795027"/>
+                <a:gd name="connsiteX6" fmla="*/ 0 w 2987296"/>
+                <a:gd name="connsiteY6" fmla="*/ 3441681 h 5795027"/>
+                <a:gd name="connsiteX7" fmla="*/ 0 w 2987296"/>
+                <a:gd name="connsiteY7" fmla="*/ 3042471 h 5795027"/>
+                <a:gd name="connsiteX8" fmla="*/ 0 w 2987296"/>
+                <a:gd name="connsiteY8" fmla="*/ 2752557 h 5795027"/>
+                <a:gd name="connsiteX9" fmla="*/ 0 w 2987296"/>
+                <a:gd name="connsiteY9" fmla="*/ 2231503 h 5795027"/>
+                <a:gd name="connsiteX10" fmla="*/ 0 w 2987296"/>
+                <a:gd name="connsiteY10" fmla="*/ 2048959 h 5795027"/>
+                <a:gd name="connsiteX11" fmla="*/ 559354 w 2987296"/>
+                <a:gd name="connsiteY11" fmla="*/ 855573 h 5795027"/>
+                <a:gd name="connsiteX12" fmla="*/ 1950071 w 2987296"/>
+                <a:gd name="connsiteY12" fmla="*/ 164715 h 5795027"/>
+                <a:gd name="connsiteX13" fmla="*/ 2144960 w 2987296"/>
+                <a:gd name="connsiteY13" fmla="*/ 0 h 5795027"/>
+                <a:gd name="connsiteX14" fmla="*/ 2332832 w 2987296"/>
+                <a:gd name="connsiteY14" fmla="*/ 164715 h 5795027"/>
+                <a:gd name="connsiteX15" fmla="*/ 2987296 w 2987296"/>
+                <a:gd name="connsiteY15" fmla="*/ 557051 h 5795027"/>
+              </a:gdLst>
+              <a:ahLst/>
+              <a:cxnLst>
+                <a:cxn ang="0">
+                  <a:pos x="connsiteX0" y="connsiteY0"/>
+                </a:cxn>
+                <a:cxn ang="0">
+                  <a:pos x="connsiteX1" y="connsiteY1"/>
+                </a:cxn>
+                <a:cxn ang="0">
+                  <a:pos x="connsiteX2" y="connsiteY2"/>
+                </a:cxn>
+                <a:cxn ang="0">
+                  <a:pos x="connsiteX3" y="connsiteY3"/>
+                </a:cxn>
+                <a:cxn ang="0">
+                  <a:pos x="connsiteX4" y="connsiteY4"/>
+                </a:cxn>
+                <a:cxn ang="0">
+                  <a:pos x="connsiteX5" y="connsiteY5"/>
+                </a:cxn>
+                <a:cxn ang="0">
+                  <a:pos x="connsiteX6" y="connsiteY6"/>
+                </a:cxn>
+                <a:cxn ang="0">
+                  <a:pos x="connsiteX7" y="connsiteY7"/>
+                </a:cxn>
+                <a:cxn ang="0">
+                  <a:pos x="connsiteX8" y="connsiteY8"/>
+                </a:cxn>
+                <a:cxn ang="0">
+                  <a:pos x="connsiteX9" y="connsiteY9"/>
+                </a:cxn>
+                <a:cxn ang="0">
+                  <a:pos x="connsiteX10" y="connsiteY10"/>
+                </a:cxn>
+                <a:cxn ang="0">
+                  <a:pos x="connsiteX11" y="connsiteY11"/>
+                </a:cxn>
+                <a:cxn ang="0">
+                  <a:pos x="connsiteX12" y="connsiteY12"/>
+                </a:cxn>
+                <a:cxn ang="0">
+                  <a:pos x="connsiteX13" y="connsiteY13"/>
+                </a:cxn>
+                <a:cxn ang="0">
+                  <a:pos x="connsiteX14" y="connsiteY14"/>
+                </a:cxn>
+                <a:cxn ang="0">
+                  <a:pos x="connsiteX15" y="connsiteY15"/>
+                </a:cxn>
+              </a:cxnLst>
+              <a:rect l="l" t="t" r="r" b="b"/>
+              <a:pathLst>
+                <a:path w="2987296" h="5795027">
+                  <a:moveTo>
+                    <a:pt x="2955049" y="5266109"/>
+                  </a:moveTo>
+                  <a:cubicBezTo>
+                    <a:pt x="2737194" y="5332489"/>
+                    <a:pt x="2474819" y="5542158"/>
+                    <a:pt x="2332829" y="5630311"/>
+                  </a:cubicBezTo>
+                  <a:lnTo>
+                    <a:pt x="2137940" y="5795027"/>
+                  </a:lnTo>
+                  <a:lnTo>
+                    <a:pt x="1950069" y="5630311"/>
+                  </a:lnTo>
+                  <a:cubicBezTo>
+                    <a:pt x="1484225" y="5270318"/>
+                    <a:pt x="959280" y="5171158"/>
+                    <a:pt x="559353" y="4939455"/>
+                  </a:cubicBezTo>
+                  <a:cubicBezTo>
+                    <a:pt x="174796" y="4670559"/>
+                    <a:pt x="0" y="4362177"/>
+                    <a:pt x="0" y="3746068"/>
+                  </a:cubicBezTo>
+                  <a:lnTo>
+                    <a:pt x="0" y="3441681"/>
+                  </a:lnTo>
+                  <a:lnTo>
+                    <a:pt x="0" y="3042471"/>
+                  </a:lnTo>
+                  <a:lnTo>
+                    <a:pt x="0" y="2752557"/>
+                  </a:lnTo>
+                  <a:lnTo>
+                    <a:pt x="0" y="2231503"/>
+                  </a:lnTo>
+                  <a:lnTo>
+                    <a:pt x="0" y="2048959"/>
+                  </a:lnTo>
+                  <a:cubicBezTo>
+                    <a:pt x="0" y="1432851"/>
+                    <a:pt x="174797" y="1124469"/>
+                    <a:pt x="559354" y="855573"/>
+                  </a:cubicBezTo>
+                  <a:cubicBezTo>
+                    <a:pt x="959283" y="623869"/>
+                    <a:pt x="1484227" y="524709"/>
+                    <a:pt x="1950071" y="164715"/>
+                  </a:cubicBezTo>
+                  <a:lnTo>
+                    <a:pt x="2144960" y="0"/>
+                  </a:lnTo>
+                  <a:lnTo>
+                    <a:pt x="2332832" y="164715"/>
+                  </a:lnTo>
+                  <a:cubicBezTo>
+                    <a:pt x="2471387" y="252054"/>
+                    <a:pt x="2755510" y="441908"/>
+                    <a:pt x="2987296" y="557051"/>
+                  </a:cubicBezTo>
+                </a:path>
+              </a:pathLst>
+            </a:custGeom>
+            <a:noFill/>
+            <a:ln w="25400" cap="rnd">
+              <a:solidFill>
+                <a:schemeClr val="bg2">
+                  <a:lumMod val="75000"/>
+                  <a:alpha val="65000"/>
+                </a:schemeClr>
+              </a:solidFill>
+              <a:prstDash val="sysDot"/>
+            </a:ln>
+          </p:spPr>
+          <p:style>
+            <a:lnRef idx="2">
+              <a:schemeClr val="accent1">
+                <a:shade val="50000"/>
+              </a:schemeClr>
+            </a:lnRef>
+            <a:fillRef idx="1">
+              <a:schemeClr val="accent1"/>
+            </a:fillRef>
+            <a:effectRef idx="0">
+              <a:schemeClr val="accent1"/>
+            </a:effectRef>
+            <a:fontRef idx="minor">
+              <a:schemeClr val="lt1"/>
+            </a:fontRef>
+          </p:style>
+          <p:txBody>
+            <a:bodyPr wrap="square" rtlCol="0" anchor="ctr">
+              <a:noAutofit/>
+            </a:bodyPr>
+            <a:lstStyle/>
+            <a:p>
+              <a:pPr algn="ctr"/>
+              <a:endParaRPr lang="en-US"/>
+            </a:p>
+          </p:txBody>
+        </p:sp>
+      </p:grpSp>
+      <p:sp useBgFill="1">
+        <p:nvSpPr>
+          <p:cNvPr id="13" name="Rectangle 12">
+            <a:extLst>
+              <a:ext uri="{FF2B5EF4-FFF2-40B4-BE49-F238E27FC236}">
+                <a16:creationId xmlns:a16="http://schemas.microsoft.com/office/drawing/2014/main" id="{B813991F-3DC0-4191-8251-8C2FABD4A9DF}"/>
+              </a:ext>
+              <a:ext uri="{C183D7F6-B498-43B3-948B-1728B52AA6E4}">
+                <adec:decorative xmlns:adec="http://schemas.microsoft.com/office/drawing/2017/decorative" val="1"/>
+              </a:ext>
+            </a:extLst>
+          </p:cNvPr>
+          <p:cNvSpPr>
+            <a:spLocks noGrp="1" noRot="1" noChangeAspect="1" noMove="1" noResize="1" noEditPoints="1" noAdjustHandles="1" noChangeArrowheads="1" noChangeShapeType="1" noTextEdit="1"/>
+          </p:cNvSpPr>
+          <p:nvPr>
+            <p:extLst>
+              <p:ext uri="{386F3935-93C4-4BCD-93E2-E3B085C9AB24}">
+                <p16:designElem xmlns:p16="http://schemas.microsoft.com/office/powerpoint/2015/main" val="1"/>
+              </p:ext>
+            </p:extLst>
+          </p:nvPr>
+        </p:nvSpPr>
+        <p:spPr>
+          <a:xfrm>
+            <a:off x="0" y="0"/>
+            <a:ext cx="12192000" cy="6858000"/>
+          </a:xfrm>
+          <a:prstGeom prst="rect">
+            <a:avLst/>
+          </a:prstGeom>
+          <a:ln w="12700" cap="flat" cmpd="sng" algn="ctr">
+            <a:noFill/>
+            <a:prstDash val="solid"/>
+            <a:miter lim="800000"/>
+          </a:ln>
+          <a:effectLst/>
+          <a:extLst>
+            <a:ext uri="{91240B29-F687-4F45-9708-019B960494DF}">
+              <a14:hiddenLine xmlns:a14="http://schemas.microsoft.com/office/drawing/2010/main" w="12700" cap="flat" cmpd="sng" algn="ctr">
+                <a:solidFill>
+                  <a:schemeClr val="accent1">
+                    <a:shade val="50000"/>
+                  </a:schemeClr>
+                </a:solidFill>
+                <a:prstDash val="solid"/>
+                <a:miter lim="800000"/>
+              </a14:hiddenLine>
+            </a:ext>
+          </a:extLst>
+        </p:spPr>
+        <p:style>
+          <a:lnRef idx="2">
+            <a:schemeClr val="accent1">
+              <a:shade val="50000"/>
+            </a:schemeClr>
+          </a:lnRef>
+          <a:fillRef idx="1">
+            <a:schemeClr val="accent1"/>
+          </a:fillRef>
+          <a:effectRef idx="0">
+            <a:schemeClr val="accent1"/>
+          </a:effectRef>
+          <a:fontRef idx="minor">
+            <a:schemeClr val="lt1"/>
+          </a:fontRef>
+        </p:style>
+        <p:txBody>
+          <a:bodyPr rtlCol="0" anchor="ctr"/>
+          <a:lstStyle/>
+          <a:p>
+            <a:pPr algn="ctr"/>
+            <a:endParaRPr lang="en-US"/>
+          </a:p>
+        </p:txBody>
+      </p:sp>
+      <p:sp>
+        <p:nvSpPr>
+          <p:cNvPr id="2" name="Título 1">
+            <a:extLst>
+              <a:ext uri="{FF2B5EF4-FFF2-40B4-BE49-F238E27FC236}">
+                <a16:creationId xmlns:a16="http://schemas.microsoft.com/office/drawing/2014/main" id="{D289317B-84A1-441E-9672-C3A28863F987}"/>
+              </a:ext>
+            </a:extLst>
+          </p:cNvPr>
+          <p:cNvSpPr>
+            <a:spLocks noGrp="1"/>
+          </p:cNvSpPr>
+          <p:nvPr>
+            <p:ph type="title"/>
+          </p:nvPr>
+        </p:nvSpPr>
+        <p:spPr>
+          <a:xfrm>
+            <a:off x="1349366" y="1443208"/>
+            <a:ext cx="5143499" cy="812238"/>
+          </a:xfrm>
+        </p:spPr>
+        <p:txBody>
+          <a:bodyPr vert="horz" lIns="91440" tIns="45720" rIns="91440" bIns="45720" rtlCol="0" anchor="b">
+            <a:normAutofit/>
+          </a:bodyPr>
+          <a:lstStyle/>
+          <a:p>
+            <a:r>
+              <a:rPr lang="en-US" sz="4400" dirty="0"/>
+              <a:t>Validación</a:t>
+            </a:r>
+          </a:p>
+        </p:txBody>
+      </p:sp>
+      <p:sp>
+        <p:nvSpPr>
+          <p:cNvPr id="15" name="Freeform: Shape 14">
+            <a:extLst>
+              <a:ext uri="{FF2B5EF4-FFF2-40B4-BE49-F238E27FC236}">
+                <a16:creationId xmlns:a16="http://schemas.microsoft.com/office/drawing/2014/main" id="{AD400090-7C6D-4220-B926-CDF308793837}"/>
+              </a:ext>
+              <a:ext uri="{C183D7F6-B498-43B3-948B-1728B52AA6E4}">
+                <adec:decorative xmlns:adec="http://schemas.microsoft.com/office/drawing/2017/decorative" val="1"/>
+              </a:ext>
+            </a:extLst>
+          </p:cNvPr>
+          <p:cNvSpPr>
+            <a:spLocks noGrp="1" noRot="1" noChangeAspect="1" noMove="1" noResize="1" noEditPoints="1" noAdjustHandles="1" noChangeArrowheads="1" noChangeShapeType="1" noTextEdit="1"/>
+          </p:cNvSpPr>
+          <p:nvPr>
+            <p:extLst>
+              <p:ext uri="{386F3935-93C4-4BCD-93E2-E3B085C9AB24}">
+                <p16:designElem xmlns:p16="http://schemas.microsoft.com/office/powerpoint/2015/main" val="1"/>
+              </p:ext>
+            </p:extLst>
+          </p:nvPr>
+        </p:nvSpPr>
+        <p:spPr>
+          <a:xfrm>
+            <a:off x="8151717" y="1849327"/>
+            <a:ext cx="3152219" cy="4265146"/>
+          </a:xfrm>
+          <a:custGeom>
+            <a:avLst/>
+            <a:gdLst>
+              <a:gd name="connsiteX0" fmla="*/ 2144960 w 4282900"/>
+              <a:gd name="connsiteY0" fmla="*/ 0 h 5795027"/>
+              <a:gd name="connsiteX1" fmla="*/ 2332832 w 4282900"/>
+              <a:gd name="connsiteY1" fmla="*/ 164715 h 5795027"/>
+              <a:gd name="connsiteX2" fmla="*/ 3723546 w 4282900"/>
+              <a:gd name="connsiteY2" fmla="*/ 855573 h 5795027"/>
+              <a:gd name="connsiteX3" fmla="*/ 4282900 w 4282900"/>
+              <a:gd name="connsiteY3" fmla="*/ 2048959 h 5795027"/>
+              <a:gd name="connsiteX4" fmla="*/ 4282900 w 4282900"/>
+              <a:gd name="connsiteY4" fmla="*/ 2231503 h 5795027"/>
+              <a:gd name="connsiteX5" fmla="*/ 4282900 w 4282900"/>
+              <a:gd name="connsiteY5" fmla="*/ 2752557 h 5795027"/>
+              <a:gd name="connsiteX6" fmla="*/ 4282900 w 4282900"/>
+              <a:gd name="connsiteY6" fmla="*/ 3042471 h 5795027"/>
+              <a:gd name="connsiteX7" fmla="*/ 4282900 w 4282900"/>
+              <a:gd name="connsiteY7" fmla="*/ 3441681 h 5795027"/>
+              <a:gd name="connsiteX8" fmla="*/ 4282900 w 4282900"/>
+              <a:gd name="connsiteY8" fmla="*/ 3746068 h 5795027"/>
+              <a:gd name="connsiteX9" fmla="*/ 3723546 w 4282900"/>
+              <a:gd name="connsiteY9" fmla="*/ 4939455 h 5795027"/>
+              <a:gd name="connsiteX10" fmla="*/ 2332829 w 4282900"/>
+              <a:gd name="connsiteY10" fmla="*/ 5630311 h 5795027"/>
+              <a:gd name="connsiteX11" fmla="*/ 2137940 w 4282900"/>
+              <a:gd name="connsiteY11" fmla="*/ 5795027 h 5795027"/>
+              <a:gd name="connsiteX12" fmla="*/ 1950069 w 4282900"/>
+              <a:gd name="connsiteY12" fmla="*/ 5630311 h 5795027"/>
+              <a:gd name="connsiteX13" fmla="*/ 559353 w 4282900"/>
+              <a:gd name="connsiteY13" fmla="*/ 4939455 h 5795027"/>
+              <a:gd name="connsiteX14" fmla="*/ 0 w 4282900"/>
+              <a:gd name="connsiteY14" fmla="*/ 3746068 h 5795027"/>
+              <a:gd name="connsiteX15" fmla="*/ 0 w 4282900"/>
+              <a:gd name="connsiteY15" fmla="*/ 3441681 h 5795027"/>
+              <a:gd name="connsiteX16" fmla="*/ 0 w 4282900"/>
+              <a:gd name="connsiteY16" fmla="*/ 3042471 h 5795027"/>
+              <a:gd name="connsiteX17" fmla="*/ 0 w 4282900"/>
+              <a:gd name="connsiteY17" fmla="*/ 2752557 h 5795027"/>
+              <a:gd name="connsiteX18" fmla="*/ 0 w 4282900"/>
+              <a:gd name="connsiteY18" fmla="*/ 2231503 h 5795027"/>
+              <a:gd name="connsiteX19" fmla="*/ 0 w 4282900"/>
+              <a:gd name="connsiteY19" fmla="*/ 2048959 h 5795027"/>
+              <a:gd name="connsiteX20" fmla="*/ 559354 w 4282900"/>
+              <a:gd name="connsiteY20" fmla="*/ 855573 h 5795027"/>
+              <a:gd name="connsiteX21" fmla="*/ 1950071 w 4282900"/>
+              <a:gd name="connsiteY21" fmla="*/ 164715 h 5795027"/>
+            </a:gdLst>
+            <a:ahLst/>
+            <a:cxnLst>
+              <a:cxn ang="0">
+                <a:pos x="connsiteX0" y="connsiteY0"/>
+              </a:cxn>
+              <a:cxn ang="0">
+                <a:pos x="connsiteX1" y="connsiteY1"/>
+              </a:cxn>
+              <a:cxn ang="0">
+                <a:pos x="connsiteX2" y="connsiteY2"/>
+              </a:cxn>
+              <a:cxn ang="0">
+                <a:pos x="connsiteX3" y="connsiteY3"/>
+              </a:cxn>
+              <a:cxn ang="0">
+                <a:pos x="connsiteX4" y="connsiteY4"/>
+              </a:cxn>
+              <a:cxn ang="0">
+                <a:pos x="connsiteX5" y="connsiteY5"/>
+              </a:cxn>
+              <a:cxn ang="0">
+                <a:pos x="connsiteX6" y="connsiteY6"/>
+              </a:cxn>
+              <a:cxn ang="0">
+                <a:pos x="connsiteX7" y="connsiteY7"/>
+              </a:cxn>
+              <a:cxn ang="0">
+                <a:pos x="connsiteX8" y="connsiteY8"/>
+              </a:cxn>
+              <a:cxn ang="0">
+                <a:pos x="connsiteX9" y="connsiteY9"/>
+              </a:cxn>
+              <a:cxn ang="0">
+                <a:pos x="connsiteX10" y="connsiteY10"/>
+              </a:cxn>
+              <a:cxn ang="0">
+                <a:pos x="connsiteX11" y="connsiteY11"/>
+              </a:cxn>
+              <a:cxn ang="0">
+                <a:pos x="connsiteX12" y="connsiteY12"/>
+              </a:cxn>
+              <a:cxn ang="0">
+                <a:pos x="connsiteX13" y="connsiteY13"/>
+              </a:cxn>
+              <a:cxn ang="0">
+                <a:pos x="connsiteX14" y="connsiteY14"/>
+              </a:cxn>
+              <a:cxn ang="0">
+                <a:pos x="connsiteX15" y="connsiteY15"/>
+              </a:cxn>
+              <a:cxn ang="0">
+                <a:pos x="connsiteX16" y="connsiteY16"/>
+              </a:cxn>
+              <a:cxn ang="0">
+                <a:pos x="connsiteX17" y="connsiteY17"/>
+              </a:cxn>
+              <a:cxn ang="0">
+                <a:pos x="connsiteX18" y="connsiteY18"/>
+              </a:cxn>
+              <a:cxn ang="0">
+                <a:pos x="connsiteX19" y="connsiteY19"/>
+              </a:cxn>
+              <a:cxn ang="0">
+                <a:pos x="connsiteX20" y="connsiteY20"/>
+              </a:cxn>
+              <a:cxn ang="0">
+                <a:pos x="connsiteX21" y="connsiteY21"/>
+              </a:cxn>
+            </a:cxnLst>
+            <a:rect l="l" t="t" r="r" b="b"/>
+            <a:pathLst>
+              <a:path w="4282900" h="5795027">
+                <a:moveTo>
+                  <a:pt x="2144960" y="0"/>
+                </a:moveTo>
+                <a:lnTo>
+                  <a:pt x="2332832" y="164715"/>
+                </a:lnTo>
+                <a:cubicBezTo>
+                  <a:pt x="2798675" y="524709"/>
+                  <a:pt x="3323620" y="623869"/>
+                  <a:pt x="3723546" y="855573"/>
+                </a:cubicBezTo>
+                <a:cubicBezTo>
+                  <a:pt x="4108105" y="1124469"/>
+                  <a:pt x="4282900" y="1432851"/>
+                  <a:pt x="4282900" y="2048959"/>
+                </a:cubicBezTo>
+                <a:lnTo>
+                  <a:pt x="4282900" y="2231503"/>
+                </a:lnTo>
+                <a:lnTo>
+                  <a:pt x="4282900" y="2752557"/>
+                </a:lnTo>
+                <a:lnTo>
+                  <a:pt x="4282900" y="3042471"/>
+                </a:lnTo>
+                <a:lnTo>
+                  <a:pt x="4282900" y="3441681"/>
+                </a:lnTo>
+                <a:lnTo>
+                  <a:pt x="4282900" y="3746068"/>
+                </a:lnTo>
+                <a:cubicBezTo>
+                  <a:pt x="4282900" y="4362177"/>
+                  <a:pt x="4108103" y="4670559"/>
+                  <a:pt x="3723546" y="4939455"/>
+                </a:cubicBezTo>
+                <a:cubicBezTo>
+                  <a:pt x="3323617" y="5171158"/>
+                  <a:pt x="2798672" y="5270318"/>
+                  <a:pt x="2332829" y="5630311"/>
+                </a:cubicBezTo>
+                <a:lnTo>
+                  <a:pt x="2137940" y="5795027"/>
+                </a:lnTo>
+                <a:lnTo>
+                  <a:pt x="1950069" y="5630311"/>
+                </a:lnTo>
+                <a:cubicBezTo>
+                  <a:pt x="1484225" y="5270318"/>
+                  <a:pt x="959280" y="5171158"/>
+                  <a:pt x="559353" y="4939455"/>
+                </a:cubicBezTo>
+                <a:cubicBezTo>
+                  <a:pt x="174796" y="4670559"/>
+                  <a:pt x="0" y="4362177"/>
+                  <a:pt x="0" y="3746068"/>
+                </a:cubicBezTo>
+                <a:lnTo>
+                  <a:pt x="0" y="3441681"/>
+                </a:lnTo>
+                <a:lnTo>
+                  <a:pt x="0" y="3042471"/>
+                </a:lnTo>
+                <a:lnTo>
+                  <a:pt x="0" y="2752557"/>
+                </a:lnTo>
+                <a:lnTo>
+                  <a:pt x="0" y="2231503"/>
+                </a:lnTo>
+                <a:lnTo>
+                  <a:pt x="0" y="2048959"/>
+                </a:lnTo>
+                <a:cubicBezTo>
+                  <a:pt x="0" y="1432851"/>
+                  <a:pt x="174797" y="1124469"/>
+                  <a:pt x="559354" y="855573"/>
+                </a:cubicBezTo>
+                <a:cubicBezTo>
+                  <a:pt x="959283" y="623869"/>
+                  <a:pt x="1484227" y="524709"/>
+                  <a:pt x="1950071" y="164715"/>
+                </a:cubicBezTo>
+                <a:close/>
+              </a:path>
+            </a:pathLst>
+          </a:custGeom>
+          <a:noFill/>
+          <a:ln w="25400" cap="rnd">
+            <a:solidFill>
+              <a:schemeClr val="bg2">
+                <a:lumMod val="75000"/>
+                <a:alpha val="65000"/>
+              </a:schemeClr>
+            </a:solidFill>
+            <a:prstDash val="sysDot"/>
+          </a:ln>
+        </p:spPr>
+        <p:style>
+          <a:lnRef idx="2">
+            <a:schemeClr val="accent1">
+              <a:shade val="50000"/>
+            </a:schemeClr>
+          </a:lnRef>
+          <a:fillRef idx="1">
+            <a:schemeClr val="accent1"/>
+          </a:fillRef>
+          <a:effectRef idx="0">
+            <a:schemeClr val="accent1"/>
+          </a:effectRef>
+          <a:fontRef idx="minor">
+            <a:schemeClr val="lt1"/>
+          </a:fontRef>
+        </p:style>
+        <p:txBody>
+          <a:bodyPr wrap="square" rtlCol="0" anchor="ctr">
+            <a:noAutofit/>
+          </a:bodyPr>
+          <a:lstStyle/>
+          <a:p>
+            <a:pPr algn="ctr"/>
+            <a:endParaRPr lang="en-US"/>
+          </a:p>
+        </p:txBody>
+      </p:sp>
+      <p:sp>
+        <p:nvSpPr>
+          <p:cNvPr id="17" name="Freeform: Shape 16">
+            <a:extLst>
+              <a:ext uri="{FF2B5EF4-FFF2-40B4-BE49-F238E27FC236}">
+                <a16:creationId xmlns:a16="http://schemas.microsoft.com/office/drawing/2014/main" id="{D65364D3-A1FC-4D96-8C53-EC5E74A3BCD6}"/>
+              </a:ext>
+              <a:ext uri="{C183D7F6-B498-43B3-948B-1728B52AA6E4}">
+                <adec:decorative xmlns:adec="http://schemas.microsoft.com/office/drawing/2017/decorative" val="1"/>
+              </a:ext>
+            </a:extLst>
+          </p:cNvPr>
+          <p:cNvSpPr>
+            <a:spLocks noGrp="1" noRot="1" noChangeAspect="1" noMove="1" noResize="1" noEditPoints="1" noAdjustHandles="1" noChangeArrowheads="1" noChangeShapeType="1" noTextEdit="1"/>
+          </p:cNvSpPr>
+          <p:nvPr>
+            <p:extLst>
+              <p:ext uri="{386F3935-93C4-4BCD-93E2-E3B085C9AB24}">
+                <p16:designElem xmlns:p16="http://schemas.microsoft.com/office/powerpoint/2015/main" val="1"/>
+              </p:ext>
+            </p:extLst>
+          </p:nvPr>
+        </p:nvSpPr>
+        <p:spPr>
+          <a:xfrm>
+            <a:off x="9864544" y="1"/>
+            <a:ext cx="2327457" cy="2580579"/>
+          </a:xfrm>
+          <a:custGeom>
+            <a:avLst/>
+            <a:gdLst>
+              <a:gd name="connsiteX0" fmla="*/ 0 w 2327457"/>
+              <a:gd name="connsiteY0" fmla="*/ 0 h 2580579"/>
+              <a:gd name="connsiteX1" fmla="*/ 2327457 w 2327457"/>
+              <a:gd name="connsiteY1" fmla="*/ 0 h 2580579"/>
+              <a:gd name="connsiteX2" fmla="*/ 2327457 w 2327457"/>
+              <a:gd name="connsiteY2" fmla="*/ 2120387 h 2580579"/>
+              <a:gd name="connsiteX3" fmla="*/ 2172608 w 2327457"/>
+              <a:gd name="connsiteY3" fmla="*/ 2183297 h 2580579"/>
+              <a:gd name="connsiteX4" fmla="*/ 1660163 w 2327457"/>
+              <a:gd name="connsiteY4" fmla="*/ 2463359 h 2580579"/>
+              <a:gd name="connsiteX5" fmla="*/ 1521470 w 2327457"/>
+              <a:gd name="connsiteY5" fmla="*/ 2580579 h 2580579"/>
+              <a:gd name="connsiteX6" fmla="*/ 1387771 w 2327457"/>
+              <a:gd name="connsiteY6" fmla="*/ 2463359 h 2580579"/>
+              <a:gd name="connsiteX7" fmla="*/ 398065 w 2327457"/>
+              <a:gd name="connsiteY7" fmla="*/ 1971709 h 2580579"/>
+              <a:gd name="connsiteX8" fmla="*/ 0 w 2327457"/>
+              <a:gd name="connsiteY8" fmla="*/ 1122433 h 2580579"/>
+              <a:gd name="connsiteX9" fmla="*/ 0 w 2327457"/>
+              <a:gd name="connsiteY9" fmla="*/ 905815 h 2580579"/>
+              <a:gd name="connsiteX10" fmla="*/ 0 w 2327457"/>
+              <a:gd name="connsiteY10" fmla="*/ 621716 h 2580579"/>
+              <a:gd name="connsiteX11" fmla="*/ 0 w 2327457"/>
+              <a:gd name="connsiteY11" fmla="*/ 415399 h 2580579"/>
+              <a:gd name="connsiteX12" fmla="*/ 0 w 2327457"/>
+              <a:gd name="connsiteY12" fmla="*/ 44589 h 2580579"/>
+            </a:gdLst>
+            <a:ahLst/>
+            <a:cxnLst>
+              <a:cxn ang="0">
+                <a:pos x="connsiteX0" y="connsiteY0"/>
+              </a:cxn>
+              <a:cxn ang="0">
+                <a:pos x="connsiteX1" y="connsiteY1"/>
+              </a:cxn>
+              <a:cxn ang="0">
+                <a:pos x="connsiteX2" y="connsiteY2"/>
+              </a:cxn>
+              <a:cxn ang="0">
+                <a:pos x="connsiteX3" y="connsiteY3"/>
+              </a:cxn>
+              <a:cxn ang="0">
+                <a:pos x="connsiteX4" y="connsiteY4"/>
+              </a:cxn>
+              <a:cxn ang="0">
+                <a:pos x="connsiteX5" y="connsiteY5"/>
+              </a:cxn>
+              <a:cxn ang="0">
+                <a:pos x="connsiteX6" y="connsiteY6"/>
+              </a:cxn>
+              <a:cxn ang="0">
+                <a:pos x="connsiteX7" y="connsiteY7"/>
+              </a:cxn>
+              <a:cxn ang="0">
+                <a:pos x="connsiteX8" y="connsiteY8"/>
+              </a:cxn>
+              <a:cxn ang="0">
+                <a:pos x="connsiteX9" y="connsiteY9"/>
+              </a:cxn>
+              <a:cxn ang="0">
+                <a:pos x="connsiteX10" y="connsiteY10"/>
+              </a:cxn>
+              <a:cxn ang="0">
+                <a:pos x="connsiteX11" y="connsiteY11"/>
+              </a:cxn>
+              <a:cxn ang="0">
+                <a:pos x="connsiteX12" y="connsiteY12"/>
+              </a:cxn>
+            </a:cxnLst>
+            <a:rect l="l" t="t" r="r" b="b"/>
+            <a:pathLst>
+              <a:path w="2327457" h="2580579">
+                <a:moveTo>
+                  <a:pt x="0" y="0"/>
+                </a:moveTo>
+                <a:lnTo>
+                  <a:pt x="2327457" y="0"/>
+                </a:lnTo>
+                <a:lnTo>
+                  <a:pt x="2327457" y="2120387"/>
+                </a:lnTo>
+                <a:lnTo>
+                  <a:pt x="2172608" y="2183297"/>
+                </a:lnTo>
+                <a:cubicBezTo>
+                  <a:pt x="2002197" y="2253574"/>
+                  <a:pt x="1825922" y="2335264"/>
+                  <a:pt x="1660163" y="2463359"/>
+                </a:cubicBezTo>
+                <a:lnTo>
+                  <a:pt x="1521470" y="2580579"/>
+                </a:lnTo>
+                <a:lnTo>
+                  <a:pt x="1387771" y="2463359"/>
+                </a:lnTo>
+                <a:cubicBezTo>
+                  <a:pt x="1056252" y="2207169"/>
+                  <a:pt x="682674" y="2136601"/>
+                  <a:pt x="398065" y="1971709"/>
+                </a:cubicBezTo>
+                <a:cubicBezTo>
+                  <a:pt x="124394" y="1780349"/>
+                  <a:pt x="0" y="1560888"/>
+                  <a:pt x="0" y="1122433"/>
+                </a:cubicBezTo>
+                <a:lnTo>
+                  <a:pt x="0" y="905815"/>
+                </a:lnTo>
+                <a:lnTo>
+                  <a:pt x="0" y="621716"/>
+                </a:lnTo>
+                <a:lnTo>
+                  <a:pt x="0" y="415399"/>
+                </a:lnTo>
+                <a:lnTo>
+                  <a:pt x="0" y="44589"/>
+                </a:lnTo>
+                <a:close/>
+              </a:path>
+            </a:pathLst>
+          </a:custGeom>
+          <a:solidFill>
+            <a:schemeClr val="bg2">
+              <a:lumMod val="75000"/>
+              <a:alpha val="15000"/>
+            </a:schemeClr>
+          </a:solidFill>
+          <a:ln w="25400" cap="rnd">
+            <a:noFill/>
+            <a:prstDash val="sysDot"/>
+          </a:ln>
+        </p:spPr>
+        <p:style>
+          <a:lnRef idx="2">
+            <a:schemeClr val="accent1">
+              <a:shade val="50000"/>
+            </a:schemeClr>
+          </a:lnRef>
+          <a:fillRef idx="1">
+            <a:schemeClr val="accent1"/>
+          </a:fillRef>
+          <a:effectRef idx="0">
+            <a:schemeClr val="accent1"/>
+          </a:effectRef>
+          <a:fontRef idx="minor">
+            <a:schemeClr val="lt1"/>
+          </a:fontRef>
+        </p:style>
+        <p:txBody>
+          <a:bodyPr wrap="square" rtlCol="0" anchor="ctr">
+            <a:noAutofit/>
+          </a:bodyPr>
+          <a:lstStyle/>
+          <a:p>
+            <a:pPr algn="ctr"/>
+            <a:endParaRPr lang="en-US"/>
+          </a:p>
+        </p:txBody>
+      </p:sp>
+      <p:sp>
+        <p:nvSpPr>
+          <p:cNvPr id="19" name="Freeform: Shape 18">
+            <a:extLst>
+              <a:ext uri="{FF2B5EF4-FFF2-40B4-BE49-F238E27FC236}">
+                <a16:creationId xmlns:a16="http://schemas.microsoft.com/office/drawing/2014/main" id="{ECD0AC3A-6070-4A37-82F8-F33FE4A002BD}"/>
+              </a:ext>
+              <a:ext uri="{C183D7F6-B498-43B3-948B-1728B52AA6E4}">
+                <adec:decorative xmlns:adec="http://schemas.microsoft.com/office/drawing/2017/decorative" val="1"/>
+              </a:ext>
+            </a:extLst>
+          </p:cNvPr>
+          <p:cNvSpPr>
+            <a:spLocks noGrp="1" noRot="1" noChangeAspect="1" noMove="1" noResize="1" noEditPoints="1" noAdjustHandles="1" noChangeArrowheads="1" noChangeShapeType="1" noTextEdit="1"/>
+          </p:cNvSpPr>
+          <p:nvPr>
+            <p:extLst>
+              <p:ext uri="{386F3935-93C4-4BCD-93E2-E3B085C9AB24}">
+                <p16:designElem xmlns:p16="http://schemas.microsoft.com/office/powerpoint/2015/main" val="1"/>
+              </p:ext>
+            </p:extLst>
+          </p:nvPr>
+        </p:nvSpPr>
+        <p:spPr>
+          <a:xfrm>
+            <a:off x="8203858" y="1919878"/>
+            <a:ext cx="3047936" cy="4124044"/>
+          </a:xfrm>
+          <a:custGeom>
+            <a:avLst/>
+            <a:gdLst>
+              <a:gd name="connsiteX0" fmla="*/ 2144960 w 4282900"/>
+              <a:gd name="connsiteY0" fmla="*/ 0 h 5795027"/>
+              <a:gd name="connsiteX1" fmla="*/ 2332832 w 4282900"/>
+              <a:gd name="connsiteY1" fmla="*/ 164715 h 5795027"/>
+              <a:gd name="connsiteX2" fmla="*/ 3723546 w 4282900"/>
+              <a:gd name="connsiteY2" fmla="*/ 855573 h 5795027"/>
+              <a:gd name="connsiteX3" fmla="*/ 4282900 w 4282900"/>
+              <a:gd name="connsiteY3" fmla="*/ 2048959 h 5795027"/>
+              <a:gd name="connsiteX4" fmla="*/ 4282900 w 4282900"/>
+              <a:gd name="connsiteY4" fmla="*/ 2231503 h 5795027"/>
+              <a:gd name="connsiteX5" fmla="*/ 4282900 w 4282900"/>
+              <a:gd name="connsiteY5" fmla="*/ 2752557 h 5795027"/>
+              <a:gd name="connsiteX6" fmla="*/ 4282900 w 4282900"/>
+              <a:gd name="connsiteY6" fmla="*/ 3042471 h 5795027"/>
+              <a:gd name="connsiteX7" fmla="*/ 4282900 w 4282900"/>
+              <a:gd name="connsiteY7" fmla="*/ 3441681 h 5795027"/>
+              <a:gd name="connsiteX8" fmla="*/ 4282900 w 4282900"/>
+              <a:gd name="connsiteY8" fmla="*/ 3746068 h 5795027"/>
+              <a:gd name="connsiteX9" fmla="*/ 3723546 w 4282900"/>
+              <a:gd name="connsiteY9" fmla="*/ 4939455 h 5795027"/>
+              <a:gd name="connsiteX10" fmla="*/ 2332829 w 4282900"/>
+              <a:gd name="connsiteY10" fmla="*/ 5630311 h 5795027"/>
+              <a:gd name="connsiteX11" fmla="*/ 2137940 w 4282900"/>
+              <a:gd name="connsiteY11" fmla="*/ 5795027 h 5795027"/>
+              <a:gd name="connsiteX12" fmla="*/ 1950069 w 4282900"/>
+              <a:gd name="connsiteY12" fmla="*/ 5630311 h 5795027"/>
+              <a:gd name="connsiteX13" fmla="*/ 559353 w 4282900"/>
+              <a:gd name="connsiteY13" fmla="*/ 4939455 h 5795027"/>
+              <a:gd name="connsiteX14" fmla="*/ 0 w 4282900"/>
+              <a:gd name="connsiteY14" fmla="*/ 3746068 h 5795027"/>
+              <a:gd name="connsiteX15" fmla="*/ 0 w 4282900"/>
+              <a:gd name="connsiteY15" fmla="*/ 3441681 h 5795027"/>
+              <a:gd name="connsiteX16" fmla="*/ 0 w 4282900"/>
+              <a:gd name="connsiteY16" fmla="*/ 3042471 h 5795027"/>
+              <a:gd name="connsiteX17" fmla="*/ 0 w 4282900"/>
+              <a:gd name="connsiteY17" fmla="*/ 2752557 h 5795027"/>
+              <a:gd name="connsiteX18" fmla="*/ 0 w 4282900"/>
+              <a:gd name="connsiteY18" fmla="*/ 2231503 h 5795027"/>
+              <a:gd name="connsiteX19" fmla="*/ 0 w 4282900"/>
+              <a:gd name="connsiteY19" fmla="*/ 2048959 h 5795027"/>
+              <a:gd name="connsiteX20" fmla="*/ 559354 w 4282900"/>
+              <a:gd name="connsiteY20" fmla="*/ 855573 h 5795027"/>
+              <a:gd name="connsiteX21" fmla="*/ 1950071 w 4282900"/>
+              <a:gd name="connsiteY21" fmla="*/ 164715 h 5795027"/>
+            </a:gdLst>
+            <a:ahLst/>
+            <a:cxnLst>
+              <a:cxn ang="0">
+                <a:pos x="connsiteX0" y="connsiteY0"/>
+              </a:cxn>
+              <a:cxn ang="0">
+                <a:pos x="connsiteX1" y="connsiteY1"/>
+              </a:cxn>
+              <a:cxn ang="0">
+                <a:pos x="connsiteX2" y="connsiteY2"/>
+              </a:cxn>
+              <a:cxn ang="0">
+                <a:pos x="connsiteX3" y="connsiteY3"/>
+              </a:cxn>
+              <a:cxn ang="0">
+                <a:pos x="connsiteX4" y="connsiteY4"/>
+              </a:cxn>
+              <a:cxn ang="0">
+                <a:pos x="connsiteX5" y="connsiteY5"/>
+              </a:cxn>
+              <a:cxn ang="0">
+                <a:pos x="connsiteX6" y="connsiteY6"/>
+              </a:cxn>
+              <a:cxn ang="0">
+                <a:pos x="connsiteX7" y="connsiteY7"/>
+              </a:cxn>
+              <a:cxn ang="0">
+                <a:pos x="connsiteX8" y="connsiteY8"/>
+              </a:cxn>
+              <a:cxn ang="0">
+                <a:pos x="connsiteX9" y="connsiteY9"/>
+              </a:cxn>
+              <a:cxn ang="0">
+                <a:pos x="connsiteX10" y="connsiteY10"/>
+              </a:cxn>
+              <a:cxn ang="0">
+                <a:pos x="connsiteX11" y="connsiteY11"/>
+              </a:cxn>
+              <a:cxn ang="0">
+                <a:pos x="connsiteX12" y="connsiteY12"/>
+              </a:cxn>
+              <a:cxn ang="0">
+                <a:pos x="connsiteX13" y="connsiteY13"/>
+              </a:cxn>
+              <a:cxn ang="0">
+                <a:pos x="connsiteX14" y="connsiteY14"/>
+              </a:cxn>
+              <a:cxn ang="0">
+                <a:pos x="connsiteX15" y="connsiteY15"/>
+              </a:cxn>
+              <a:cxn ang="0">
+                <a:pos x="connsiteX16" y="connsiteY16"/>
+              </a:cxn>
+              <a:cxn ang="0">
+                <a:pos x="connsiteX17" y="connsiteY17"/>
+              </a:cxn>
+              <a:cxn ang="0">
+                <a:pos x="connsiteX18" y="connsiteY18"/>
+              </a:cxn>
+              <a:cxn ang="0">
+                <a:pos x="connsiteX19" y="connsiteY19"/>
+              </a:cxn>
+              <a:cxn ang="0">
+                <a:pos x="connsiteX20" y="connsiteY20"/>
+              </a:cxn>
+              <a:cxn ang="0">
+                <a:pos x="connsiteX21" y="connsiteY21"/>
+              </a:cxn>
+            </a:cxnLst>
+            <a:rect l="l" t="t" r="r" b="b"/>
+            <a:pathLst>
+              <a:path w="4282900" h="5795027">
+                <a:moveTo>
+                  <a:pt x="2144960" y="0"/>
+                </a:moveTo>
+                <a:lnTo>
+                  <a:pt x="2332832" y="164715"/>
+                </a:lnTo>
+                <a:cubicBezTo>
+                  <a:pt x="2798675" y="524709"/>
+                  <a:pt x="3323620" y="623869"/>
+                  <a:pt x="3723546" y="855573"/>
+                </a:cubicBezTo>
+                <a:cubicBezTo>
+                  <a:pt x="4108105" y="1124469"/>
+                  <a:pt x="4282900" y="1432851"/>
+                  <a:pt x="4282900" y="2048959"/>
+                </a:cubicBezTo>
+                <a:lnTo>
+                  <a:pt x="4282900" y="2231503"/>
+                </a:lnTo>
+                <a:lnTo>
+                  <a:pt x="4282900" y="2752557"/>
+                </a:lnTo>
+                <a:lnTo>
+                  <a:pt x="4282900" y="3042471"/>
+                </a:lnTo>
+                <a:lnTo>
+                  <a:pt x="4282900" y="3441681"/>
+                </a:lnTo>
+                <a:lnTo>
+                  <a:pt x="4282900" y="3746068"/>
+                </a:lnTo>
+                <a:cubicBezTo>
+                  <a:pt x="4282900" y="4362177"/>
+                  <a:pt x="4108103" y="4670559"/>
+                  <a:pt x="3723546" y="4939455"/>
+                </a:cubicBezTo>
+                <a:cubicBezTo>
+                  <a:pt x="3323617" y="5171158"/>
+                  <a:pt x="2798672" y="5270318"/>
+                  <a:pt x="2332829" y="5630311"/>
+                </a:cubicBezTo>
+                <a:lnTo>
+                  <a:pt x="2137940" y="5795027"/>
+                </a:lnTo>
+                <a:lnTo>
+                  <a:pt x="1950069" y="5630311"/>
+                </a:lnTo>
+                <a:cubicBezTo>
+                  <a:pt x="1484225" y="5270318"/>
+                  <a:pt x="959280" y="5171158"/>
+                  <a:pt x="559353" y="4939455"/>
+                </a:cubicBezTo>
+                <a:cubicBezTo>
+                  <a:pt x="174796" y="4670559"/>
+                  <a:pt x="0" y="4362177"/>
+                  <a:pt x="0" y="3746068"/>
+                </a:cubicBezTo>
+                <a:lnTo>
+                  <a:pt x="0" y="3441681"/>
+                </a:lnTo>
+                <a:lnTo>
+                  <a:pt x="0" y="3042471"/>
+                </a:lnTo>
+                <a:lnTo>
+                  <a:pt x="0" y="2752557"/>
+                </a:lnTo>
+                <a:lnTo>
+                  <a:pt x="0" y="2231503"/>
+                </a:lnTo>
+                <a:lnTo>
+                  <a:pt x="0" y="2048959"/>
+                </a:lnTo>
+                <a:cubicBezTo>
+                  <a:pt x="0" y="1432851"/>
+                  <a:pt x="174797" y="1124469"/>
+                  <a:pt x="559354" y="855573"/>
+                </a:cubicBezTo>
+                <a:cubicBezTo>
+                  <a:pt x="959283" y="623869"/>
+                  <a:pt x="1484227" y="524709"/>
+                  <a:pt x="1950071" y="164715"/>
+                </a:cubicBezTo>
+                <a:close/>
+              </a:path>
+            </a:pathLst>
+          </a:custGeom>
+          <a:solidFill>
+            <a:schemeClr val="bg2">
+              <a:lumMod val="75000"/>
+              <a:alpha val="15000"/>
+            </a:schemeClr>
+          </a:solidFill>
+          <a:ln w="25400" cap="rnd">
+            <a:noFill/>
+            <a:prstDash val="sysDot"/>
+          </a:ln>
+        </p:spPr>
+        <p:style>
+          <a:lnRef idx="2">
+            <a:schemeClr val="accent1">
+              <a:shade val="50000"/>
+            </a:schemeClr>
+          </a:lnRef>
+          <a:fillRef idx="1">
+            <a:schemeClr val="accent1"/>
+          </a:fillRef>
+          <a:effectRef idx="0">
+            <a:schemeClr val="accent1"/>
+          </a:effectRef>
+          <a:fontRef idx="minor">
+            <a:schemeClr val="lt1"/>
+          </a:fontRef>
+        </p:style>
+        <p:txBody>
+          <a:bodyPr wrap="square" rtlCol="0" anchor="ctr">
+            <a:noAutofit/>
+          </a:bodyPr>
+          <a:lstStyle/>
+          <a:p>
+            <a:pPr algn="ctr"/>
+            <a:endParaRPr lang="en-US"/>
+          </a:p>
+        </p:txBody>
+      </p:sp>
+      <p:sp>
+        <p:nvSpPr>
+          <p:cNvPr id="21" name="Freeform: Shape 20">
+            <a:extLst>
+              <a:ext uri="{FF2B5EF4-FFF2-40B4-BE49-F238E27FC236}">
+                <a16:creationId xmlns:a16="http://schemas.microsoft.com/office/drawing/2014/main" id="{CB94D5BB-8A14-495E-8955-C5DBFCF8774C}"/>
+              </a:ext>
+              <a:ext uri="{C183D7F6-B498-43B3-948B-1728B52AA6E4}">
+                <adec:decorative xmlns:adec="http://schemas.microsoft.com/office/drawing/2017/decorative" val="1"/>
+              </a:ext>
+            </a:extLst>
+          </p:cNvPr>
+          <p:cNvSpPr>
+            <a:spLocks noGrp="1" noRot="1" noChangeAspect="1" noMove="1" noResize="1" noEditPoints="1" noAdjustHandles="1" noChangeArrowheads="1" noChangeShapeType="1" noTextEdit="1"/>
+          </p:cNvSpPr>
+          <p:nvPr>
+            <p:extLst>
+              <p:ext uri="{386F3935-93C4-4BCD-93E2-E3B085C9AB24}">
+                <p16:designElem xmlns:p16="http://schemas.microsoft.com/office/powerpoint/2015/main" val="1"/>
+              </p:ext>
+            </p:extLst>
+          </p:nvPr>
+        </p:nvSpPr>
+        <p:spPr>
+          <a:xfrm>
+            <a:off x="6554070" y="0"/>
+            <a:ext cx="3047936" cy="2580579"/>
+          </a:xfrm>
+          <a:custGeom>
+            <a:avLst/>
+            <a:gdLst>
+              <a:gd name="connsiteX0" fmla="*/ 0 w 3047936"/>
+              <a:gd name="connsiteY0" fmla="*/ 0 h 2580579"/>
+              <a:gd name="connsiteX1" fmla="*/ 3047936 w 3047936"/>
+              <a:gd name="connsiteY1" fmla="*/ 0 h 2580579"/>
+              <a:gd name="connsiteX2" fmla="*/ 3047936 w 3047936"/>
+              <a:gd name="connsiteY2" fmla="*/ 44589 h 2580579"/>
+              <a:gd name="connsiteX3" fmla="*/ 3047936 w 3047936"/>
+              <a:gd name="connsiteY3" fmla="*/ 415399 h 2580579"/>
+              <a:gd name="connsiteX4" fmla="*/ 3047936 w 3047936"/>
+              <a:gd name="connsiteY4" fmla="*/ 621716 h 2580579"/>
+              <a:gd name="connsiteX5" fmla="*/ 3047936 w 3047936"/>
+              <a:gd name="connsiteY5" fmla="*/ 905815 h 2580579"/>
+              <a:gd name="connsiteX6" fmla="*/ 3047936 w 3047936"/>
+              <a:gd name="connsiteY6" fmla="*/ 1122433 h 2580579"/>
+              <a:gd name="connsiteX7" fmla="*/ 2649870 w 3047936"/>
+              <a:gd name="connsiteY7" fmla="*/ 1971709 h 2580579"/>
+              <a:gd name="connsiteX8" fmla="*/ 1660164 w 3047936"/>
+              <a:gd name="connsiteY8" fmla="*/ 2463359 h 2580579"/>
+              <a:gd name="connsiteX9" fmla="*/ 1521470 w 3047936"/>
+              <a:gd name="connsiteY9" fmla="*/ 2580579 h 2580579"/>
+              <a:gd name="connsiteX10" fmla="*/ 1387771 w 3047936"/>
+              <a:gd name="connsiteY10" fmla="*/ 2463359 h 2580579"/>
+              <a:gd name="connsiteX11" fmla="*/ 398065 w 3047936"/>
+              <a:gd name="connsiteY11" fmla="*/ 1971709 h 2580579"/>
+              <a:gd name="connsiteX12" fmla="*/ 0 w 3047936"/>
+              <a:gd name="connsiteY12" fmla="*/ 1122433 h 2580579"/>
+              <a:gd name="connsiteX13" fmla="*/ 0 w 3047936"/>
+              <a:gd name="connsiteY13" fmla="*/ 905815 h 2580579"/>
+              <a:gd name="connsiteX14" fmla="*/ 0 w 3047936"/>
+              <a:gd name="connsiteY14" fmla="*/ 621716 h 2580579"/>
+              <a:gd name="connsiteX15" fmla="*/ 0 w 3047936"/>
+              <a:gd name="connsiteY15" fmla="*/ 415399 h 2580579"/>
+              <a:gd name="connsiteX16" fmla="*/ 0 w 3047936"/>
+              <a:gd name="connsiteY16" fmla="*/ 44589 h 2580579"/>
+            </a:gdLst>
+            <a:ahLst/>
+            <a:cxnLst>
+              <a:cxn ang="0">
+                <a:pos x="connsiteX0" y="connsiteY0"/>
+              </a:cxn>
+              <a:cxn ang="0">
+                <a:pos x="connsiteX1" y="connsiteY1"/>
+              </a:cxn>
+              <a:cxn ang="0">
+                <a:pos x="connsiteX2" y="connsiteY2"/>
+              </a:cxn>
+              <a:cxn ang="0">
+                <a:pos x="connsiteX3" y="connsiteY3"/>
+              </a:cxn>
+              <a:cxn ang="0">
+                <a:pos x="connsiteX4" y="connsiteY4"/>
+              </a:cxn>
+              <a:cxn ang="0">
+                <a:pos x="connsiteX5" y="connsiteY5"/>
+              </a:cxn>
+              <a:cxn ang="0">
+                <a:pos x="connsiteX6" y="connsiteY6"/>
+              </a:cxn>
+              <a:cxn ang="0">
+                <a:pos x="connsiteX7" y="connsiteY7"/>
+              </a:cxn>
+              <a:cxn ang="0">
+                <a:pos x="connsiteX8" y="connsiteY8"/>
+              </a:cxn>
+              <a:cxn ang="0">
+                <a:pos x="connsiteX9" y="connsiteY9"/>
+              </a:cxn>
+              <a:cxn ang="0">
+                <a:pos x="connsiteX10" y="connsiteY10"/>
+              </a:cxn>
+              <a:cxn ang="0">
+                <a:pos x="connsiteX11" y="connsiteY11"/>
+              </a:cxn>
+              <a:cxn ang="0">
+                <a:pos x="connsiteX12" y="connsiteY12"/>
+              </a:cxn>
+              <a:cxn ang="0">
+                <a:pos x="connsiteX13" y="connsiteY13"/>
+              </a:cxn>
+              <a:cxn ang="0">
+                <a:pos x="connsiteX14" y="connsiteY14"/>
+              </a:cxn>
+              <a:cxn ang="0">
+                <a:pos x="connsiteX15" y="connsiteY15"/>
+              </a:cxn>
+              <a:cxn ang="0">
+                <a:pos x="connsiteX16" y="connsiteY16"/>
+              </a:cxn>
+            </a:cxnLst>
+            <a:rect l="l" t="t" r="r" b="b"/>
+            <a:pathLst>
+              <a:path w="3047936" h="2580579">
+                <a:moveTo>
+                  <a:pt x="0" y="0"/>
+                </a:moveTo>
+                <a:lnTo>
+                  <a:pt x="3047936" y="0"/>
+                </a:lnTo>
+                <a:lnTo>
+                  <a:pt x="3047936" y="44589"/>
+                </a:lnTo>
+                <a:lnTo>
+                  <a:pt x="3047936" y="415399"/>
+                </a:lnTo>
+                <a:lnTo>
+                  <a:pt x="3047936" y="621716"/>
+                </a:lnTo>
+                <a:lnTo>
+                  <a:pt x="3047936" y="905815"/>
+                </a:lnTo>
+                <a:lnTo>
+                  <a:pt x="3047936" y="1122433"/>
+                </a:lnTo>
+                <a:cubicBezTo>
+                  <a:pt x="3047936" y="1560888"/>
+                  <a:pt x="2923541" y="1780349"/>
+                  <a:pt x="2649870" y="1971709"/>
+                </a:cubicBezTo>
+                <a:cubicBezTo>
+                  <a:pt x="2365260" y="2136601"/>
+                  <a:pt x="1991682" y="2207169"/>
+                  <a:pt x="1660164" y="2463359"/>
+                </a:cubicBezTo>
+                <a:lnTo>
+                  <a:pt x="1521470" y="2580579"/>
+                </a:lnTo>
+                <a:lnTo>
+                  <a:pt x="1387771" y="2463359"/>
+                </a:lnTo>
+                <a:cubicBezTo>
+                  <a:pt x="1056252" y="2207169"/>
+                  <a:pt x="682674" y="2136601"/>
+                  <a:pt x="398065" y="1971709"/>
+                </a:cubicBezTo>
+                <a:cubicBezTo>
+                  <a:pt x="124394" y="1780349"/>
+                  <a:pt x="0" y="1560888"/>
+                  <a:pt x="0" y="1122433"/>
+                </a:cubicBezTo>
+                <a:lnTo>
+                  <a:pt x="0" y="905815"/>
+                </a:lnTo>
+                <a:lnTo>
+                  <a:pt x="0" y="621716"/>
+                </a:lnTo>
+                <a:lnTo>
+                  <a:pt x="0" y="415399"/>
+                </a:lnTo>
+                <a:lnTo>
+                  <a:pt x="0" y="44589"/>
+                </a:lnTo>
+                <a:close/>
+              </a:path>
+            </a:pathLst>
+          </a:custGeom>
+          <a:solidFill>
+            <a:schemeClr val="bg2">
+              <a:lumMod val="75000"/>
+              <a:alpha val="15000"/>
+            </a:schemeClr>
+          </a:solidFill>
+          <a:ln>
+            <a:noFill/>
+          </a:ln>
+        </p:spPr>
+        <p:style>
+          <a:lnRef idx="2">
+            <a:schemeClr val="accent1">
+              <a:shade val="50000"/>
+            </a:schemeClr>
+          </a:lnRef>
+          <a:fillRef idx="1">
+            <a:schemeClr val="accent1"/>
+          </a:fillRef>
+          <a:effectRef idx="0">
+            <a:schemeClr val="accent1"/>
+          </a:effectRef>
+          <a:fontRef idx="minor">
+            <a:schemeClr val="lt1"/>
+          </a:fontRef>
+        </p:style>
+        <p:txBody>
+          <a:bodyPr wrap="square" rtlCol="0" anchor="ctr">
+            <a:noAutofit/>
+          </a:bodyPr>
+          <a:lstStyle/>
+          <a:p>
+            <a:pPr algn="ctr"/>
+            <a:endParaRPr lang="en-US"/>
+          </a:p>
+        </p:txBody>
+      </p:sp>
+      <p:sp>
+        <p:nvSpPr>
+          <p:cNvPr id="23" name="Freeform: Shape 22">
+            <a:extLst>
+              <a:ext uri="{FF2B5EF4-FFF2-40B4-BE49-F238E27FC236}">
+                <a16:creationId xmlns:a16="http://schemas.microsoft.com/office/drawing/2014/main" id="{AD486B01-0E9C-4A3B-9A25-CC905BE28C5B}"/>
+              </a:ext>
+              <a:ext uri="{C183D7F6-B498-43B3-948B-1728B52AA6E4}">
+                <adec:decorative xmlns:adec="http://schemas.microsoft.com/office/drawing/2017/decorative" val="1"/>
+              </a:ext>
+            </a:extLst>
+          </p:cNvPr>
+          <p:cNvSpPr>
+            <a:spLocks noGrp="1" noRot="1" noChangeAspect="1" noMove="1" noResize="1" noEditPoints="1" noAdjustHandles="1" noChangeArrowheads="1" noChangeShapeType="1" noTextEdit="1"/>
+          </p:cNvSpPr>
+          <p:nvPr>
+            <p:extLst>
+              <p:ext uri="{386F3935-93C4-4BCD-93E2-E3B085C9AB24}">
+                <p16:designElem xmlns:p16="http://schemas.microsoft.com/office/powerpoint/2015/main" val="1"/>
+              </p:ext>
+            </p:extLst>
+          </p:nvPr>
+        </p:nvSpPr>
+        <p:spPr>
+          <a:xfrm>
+            <a:off x="6495366" y="0"/>
+            <a:ext cx="3152729" cy="2651130"/>
+          </a:xfrm>
+          <a:custGeom>
+            <a:avLst/>
+            <a:gdLst>
+              <a:gd name="connsiteX0" fmla="*/ 0 w 3152219"/>
+              <a:gd name="connsiteY0" fmla="*/ 0 h 2651130"/>
+              <a:gd name="connsiteX1" fmla="*/ 3152219 w 3152219"/>
+              <a:gd name="connsiteY1" fmla="*/ 0 h 2651130"/>
+              <a:gd name="connsiteX2" fmla="*/ 3152219 w 3152219"/>
+              <a:gd name="connsiteY2" fmla="*/ 28373 h 2651130"/>
+              <a:gd name="connsiteX3" fmla="*/ 3152219 w 3152219"/>
+              <a:gd name="connsiteY3" fmla="*/ 411869 h 2651130"/>
+              <a:gd name="connsiteX4" fmla="*/ 3152219 w 3152219"/>
+              <a:gd name="connsiteY4" fmla="*/ 625246 h 2651130"/>
+              <a:gd name="connsiteX5" fmla="*/ 3152219 w 3152219"/>
+              <a:gd name="connsiteY5" fmla="*/ 919065 h 2651130"/>
+              <a:gd name="connsiteX6" fmla="*/ 3152219 w 3152219"/>
+              <a:gd name="connsiteY6" fmla="*/ 1143094 h 2651130"/>
+              <a:gd name="connsiteX7" fmla="*/ 2740534 w 3152219"/>
+              <a:gd name="connsiteY7" fmla="*/ 2021428 h 2651130"/>
+              <a:gd name="connsiteX8" fmla="*/ 1716965 w 3152219"/>
+              <a:gd name="connsiteY8" fmla="*/ 2529899 h 2651130"/>
+              <a:gd name="connsiteX9" fmla="*/ 1573526 w 3152219"/>
+              <a:gd name="connsiteY9" fmla="*/ 2651130 h 2651130"/>
+              <a:gd name="connsiteX10" fmla="*/ 1435253 w 3152219"/>
+              <a:gd name="connsiteY10" fmla="*/ 2529899 h 2651130"/>
+              <a:gd name="connsiteX11" fmla="*/ 411685 w 3152219"/>
+              <a:gd name="connsiteY11" fmla="*/ 2021428 h 2651130"/>
+              <a:gd name="connsiteX12" fmla="*/ 0 w 3152219"/>
+              <a:gd name="connsiteY12" fmla="*/ 1143094 h 2651130"/>
+              <a:gd name="connsiteX13" fmla="*/ 0 w 3152219"/>
+              <a:gd name="connsiteY13" fmla="*/ 919065 h 2651130"/>
+              <a:gd name="connsiteX14" fmla="*/ 0 w 3152219"/>
+              <a:gd name="connsiteY14" fmla="*/ 625246 h 2651130"/>
+              <a:gd name="connsiteX15" fmla="*/ 0 w 3152219"/>
+              <a:gd name="connsiteY15" fmla="*/ 411869 h 2651130"/>
+              <a:gd name="connsiteX16" fmla="*/ 0 w 3152219"/>
+              <a:gd name="connsiteY16" fmla="*/ 28373 h 2651130"/>
+              <a:gd name="connsiteX0" fmla="*/ 0 w 3152219"/>
+              <a:gd name="connsiteY0" fmla="*/ 0 h 2651130"/>
+              <a:gd name="connsiteX1" fmla="*/ 3152219 w 3152219"/>
+              <a:gd name="connsiteY1" fmla="*/ 0 h 2651130"/>
+              <a:gd name="connsiteX2" fmla="*/ 3152219 w 3152219"/>
+              <a:gd name="connsiteY2" fmla="*/ 28373 h 2651130"/>
+              <a:gd name="connsiteX3" fmla="*/ 3152219 w 3152219"/>
+              <a:gd name="connsiteY3" fmla="*/ 411869 h 2651130"/>
+              <a:gd name="connsiteX4" fmla="*/ 3152219 w 3152219"/>
+              <a:gd name="connsiteY4" fmla="*/ 625246 h 2651130"/>
+              <a:gd name="connsiteX5" fmla="*/ 3152219 w 3152219"/>
+              <a:gd name="connsiteY5" fmla="*/ 919065 h 2651130"/>
+              <a:gd name="connsiteX6" fmla="*/ 3152219 w 3152219"/>
+              <a:gd name="connsiteY6" fmla="*/ 1143094 h 2651130"/>
+              <a:gd name="connsiteX7" fmla="*/ 2740534 w 3152219"/>
+              <a:gd name="connsiteY7" fmla="*/ 2021428 h 2651130"/>
+              <a:gd name="connsiteX8" fmla="*/ 1716965 w 3152219"/>
+              <a:gd name="connsiteY8" fmla="*/ 2529899 h 2651130"/>
+              <a:gd name="connsiteX9" fmla="*/ 1573526 w 3152219"/>
+              <a:gd name="connsiteY9" fmla="*/ 2651130 h 2651130"/>
+              <a:gd name="connsiteX10" fmla="*/ 1435253 w 3152219"/>
+              <a:gd name="connsiteY10" fmla="*/ 2529899 h 2651130"/>
+              <a:gd name="connsiteX11" fmla="*/ 411685 w 3152219"/>
+              <a:gd name="connsiteY11" fmla="*/ 2021428 h 2651130"/>
+              <a:gd name="connsiteX12" fmla="*/ 0 w 3152219"/>
+              <a:gd name="connsiteY12" fmla="*/ 1143094 h 2651130"/>
+              <a:gd name="connsiteX13" fmla="*/ 0 w 3152219"/>
+              <a:gd name="connsiteY13" fmla="*/ 919065 h 2651130"/>
+              <a:gd name="connsiteX14" fmla="*/ 0 w 3152219"/>
+              <a:gd name="connsiteY14" fmla="*/ 625246 h 2651130"/>
+              <a:gd name="connsiteX15" fmla="*/ 0 w 3152219"/>
+              <a:gd name="connsiteY15" fmla="*/ 411869 h 2651130"/>
+              <a:gd name="connsiteX16" fmla="*/ 0 w 3152219"/>
+              <a:gd name="connsiteY16" fmla="*/ 28373 h 2651130"/>
+              <a:gd name="connsiteX17" fmla="*/ 91440 w 3152219"/>
+              <a:gd name="connsiteY17" fmla="*/ 91440 h 2651130"/>
+              <a:gd name="connsiteX0" fmla="*/ 3152219 w 3152219"/>
+              <a:gd name="connsiteY0" fmla="*/ 0 h 2651130"/>
+              <a:gd name="connsiteX1" fmla="*/ 3152219 w 3152219"/>
+              <a:gd name="connsiteY1" fmla="*/ 28373 h 2651130"/>
+              <a:gd name="connsiteX2" fmla="*/ 3152219 w 3152219"/>
+              <a:gd name="connsiteY2" fmla="*/ 411869 h 2651130"/>
+              <a:gd name="connsiteX3" fmla="*/ 3152219 w 3152219"/>
+              <a:gd name="connsiteY3" fmla="*/ 625246 h 2651130"/>
+              <a:gd name="connsiteX4" fmla="*/ 3152219 w 3152219"/>
+              <a:gd name="connsiteY4" fmla="*/ 919065 h 2651130"/>
+              <a:gd name="connsiteX5" fmla="*/ 3152219 w 3152219"/>
+              <a:gd name="connsiteY5" fmla="*/ 1143094 h 2651130"/>
+              <a:gd name="connsiteX6" fmla="*/ 2740534 w 3152219"/>
+              <a:gd name="connsiteY6" fmla="*/ 2021428 h 2651130"/>
+              <a:gd name="connsiteX7" fmla="*/ 1716965 w 3152219"/>
+              <a:gd name="connsiteY7" fmla="*/ 2529899 h 2651130"/>
+              <a:gd name="connsiteX8" fmla="*/ 1573526 w 3152219"/>
+              <a:gd name="connsiteY8" fmla="*/ 2651130 h 2651130"/>
+              <a:gd name="connsiteX9" fmla="*/ 1435253 w 3152219"/>
+              <a:gd name="connsiteY9" fmla="*/ 2529899 h 2651130"/>
+              <a:gd name="connsiteX10" fmla="*/ 411685 w 3152219"/>
+              <a:gd name="connsiteY10" fmla="*/ 2021428 h 2651130"/>
+              <a:gd name="connsiteX11" fmla="*/ 0 w 3152219"/>
+              <a:gd name="connsiteY11" fmla="*/ 1143094 h 2651130"/>
+              <a:gd name="connsiteX12" fmla="*/ 0 w 3152219"/>
+              <a:gd name="connsiteY12" fmla="*/ 919065 h 2651130"/>
+              <a:gd name="connsiteX13" fmla="*/ 0 w 3152219"/>
+              <a:gd name="connsiteY13" fmla="*/ 625246 h 2651130"/>
+              <a:gd name="connsiteX14" fmla="*/ 0 w 3152219"/>
+              <a:gd name="connsiteY14" fmla="*/ 411869 h 2651130"/>
+              <a:gd name="connsiteX15" fmla="*/ 0 w 3152219"/>
+              <a:gd name="connsiteY15" fmla="*/ 28373 h 2651130"/>
+              <a:gd name="connsiteX16" fmla="*/ 91440 w 3152219"/>
+              <a:gd name="connsiteY16" fmla="*/ 91440 h 2651130"/>
+              <a:gd name="connsiteX0" fmla="*/ 3152219 w 3152219"/>
+              <a:gd name="connsiteY0" fmla="*/ 0 h 2651130"/>
+              <a:gd name="connsiteX1" fmla="*/ 3152219 w 3152219"/>
+              <a:gd name="connsiteY1" fmla="*/ 411869 h 2651130"/>
+              <a:gd name="connsiteX2" fmla="*/ 3152219 w 3152219"/>
+              <a:gd name="connsiteY2" fmla="*/ 625246 h 2651130"/>
+              <a:gd name="connsiteX3" fmla="*/ 3152219 w 3152219"/>
+              <a:gd name="connsiteY3" fmla="*/ 919065 h 2651130"/>
+              <a:gd name="connsiteX4" fmla="*/ 3152219 w 3152219"/>
+              <a:gd name="connsiteY4" fmla="*/ 1143094 h 2651130"/>
+              <a:gd name="connsiteX5" fmla="*/ 2740534 w 3152219"/>
+              <a:gd name="connsiteY5" fmla="*/ 2021428 h 2651130"/>
+              <a:gd name="connsiteX6" fmla="*/ 1716965 w 3152219"/>
+              <a:gd name="connsiteY6" fmla="*/ 2529899 h 2651130"/>
+              <a:gd name="connsiteX7" fmla="*/ 1573526 w 3152219"/>
+              <a:gd name="connsiteY7" fmla="*/ 2651130 h 2651130"/>
+              <a:gd name="connsiteX8" fmla="*/ 1435253 w 3152219"/>
+              <a:gd name="connsiteY8" fmla="*/ 2529899 h 2651130"/>
+              <a:gd name="connsiteX9" fmla="*/ 411685 w 3152219"/>
+              <a:gd name="connsiteY9" fmla="*/ 2021428 h 2651130"/>
+              <a:gd name="connsiteX10" fmla="*/ 0 w 3152219"/>
+              <a:gd name="connsiteY10" fmla="*/ 1143094 h 2651130"/>
+              <a:gd name="connsiteX11" fmla="*/ 0 w 3152219"/>
+              <a:gd name="connsiteY11" fmla="*/ 919065 h 2651130"/>
+              <a:gd name="connsiteX12" fmla="*/ 0 w 3152219"/>
+              <a:gd name="connsiteY12" fmla="*/ 625246 h 2651130"/>
+              <a:gd name="connsiteX13" fmla="*/ 0 w 3152219"/>
+              <a:gd name="connsiteY13" fmla="*/ 411869 h 2651130"/>
+              <a:gd name="connsiteX14" fmla="*/ 0 w 3152219"/>
+              <a:gd name="connsiteY14" fmla="*/ 28373 h 2651130"/>
+              <a:gd name="connsiteX15" fmla="*/ 91440 w 3152219"/>
+              <a:gd name="connsiteY15" fmla="*/ 91440 h 2651130"/>
+              <a:gd name="connsiteX0" fmla="*/ 3152219 w 3152219"/>
+              <a:gd name="connsiteY0" fmla="*/ 0 h 2651130"/>
+              <a:gd name="connsiteX1" fmla="*/ 3152219 w 3152219"/>
+              <a:gd name="connsiteY1" fmla="*/ 625246 h 2651130"/>
+              <a:gd name="connsiteX2" fmla="*/ 3152219 w 3152219"/>
+              <a:gd name="connsiteY2" fmla="*/ 919065 h 2651130"/>
+              <a:gd name="connsiteX3" fmla="*/ 3152219 w 3152219"/>
+              <a:gd name="connsiteY3" fmla="*/ 1143094 h 2651130"/>
+              <a:gd name="connsiteX4" fmla="*/ 2740534 w 3152219"/>
+              <a:gd name="connsiteY4" fmla="*/ 2021428 h 2651130"/>
+              <a:gd name="connsiteX5" fmla="*/ 1716965 w 3152219"/>
+              <a:gd name="connsiteY5" fmla="*/ 2529899 h 2651130"/>
+              <a:gd name="connsiteX6" fmla="*/ 1573526 w 3152219"/>
+              <a:gd name="connsiteY6" fmla="*/ 2651130 h 2651130"/>
+              <a:gd name="connsiteX7" fmla="*/ 1435253 w 3152219"/>
+              <a:gd name="connsiteY7" fmla="*/ 2529899 h 2651130"/>
+              <a:gd name="connsiteX8" fmla="*/ 411685 w 3152219"/>
+              <a:gd name="connsiteY8" fmla="*/ 2021428 h 2651130"/>
+              <a:gd name="connsiteX9" fmla="*/ 0 w 3152219"/>
+              <a:gd name="connsiteY9" fmla="*/ 1143094 h 2651130"/>
+              <a:gd name="connsiteX10" fmla="*/ 0 w 3152219"/>
+              <a:gd name="connsiteY10" fmla="*/ 919065 h 2651130"/>
+              <a:gd name="connsiteX11" fmla="*/ 0 w 3152219"/>
+              <a:gd name="connsiteY11" fmla="*/ 625246 h 2651130"/>
+              <a:gd name="connsiteX12" fmla="*/ 0 w 3152219"/>
+              <a:gd name="connsiteY12" fmla="*/ 411869 h 2651130"/>
+              <a:gd name="connsiteX13" fmla="*/ 0 w 3152219"/>
+              <a:gd name="connsiteY13" fmla="*/ 28373 h 2651130"/>
+              <a:gd name="connsiteX14" fmla="*/ 91440 w 3152219"/>
+              <a:gd name="connsiteY14" fmla="*/ 91440 h 2651130"/>
+              <a:gd name="connsiteX0" fmla="*/ 3152219 w 3152219"/>
+              <a:gd name="connsiteY0" fmla="*/ 0 h 2651130"/>
+              <a:gd name="connsiteX1" fmla="*/ 3152219 w 3152219"/>
+              <a:gd name="connsiteY1" fmla="*/ 919065 h 2651130"/>
+              <a:gd name="connsiteX2" fmla="*/ 3152219 w 3152219"/>
+              <a:gd name="connsiteY2" fmla="*/ 1143094 h 2651130"/>
+              <a:gd name="connsiteX3" fmla="*/ 2740534 w 3152219"/>
+              <a:gd name="connsiteY3" fmla="*/ 2021428 h 2651130"/>
+              <a:gd name="connsiteX4" fmla="*/ 1716965 w 3152219"/>
+              <a:gd name="connsiteY4" fmla="*/ 2529899 h 2651130"/>
+              <a:gd name="connsiteX5" fmla="*/ 1573526 w 3152219"/>
+              <a:gd name="connsiteY5" fmla="*/ 2651130 h 2651130"/>
+              <a:gd name="connsiteX6" fmla="*/ 1435253 w 3152219"/>
+              <a:gd name="connsiteY6" fmla="*/ 2529899 h 2651130"/>
+              <a:gd name="connsiteX7" fmla="*/ 411685 w 3152219"/>
+              <a:gd name="connsiteY7" fmla="*/ 2021428 h 2651130"/>
+              <a:gd name="connsiteX8" fmla="*/ 0 w 3152219"/>
+              <a:gd name="connsiteY8" fmla="*/ 1143094 h 2651130"/>
+              <a:gd name="connsiteX9" fmla="*/ 0 w 3152219"/>
+              <a:gd name="connsiteY9" fmla="*/ 919065 h 2651130"/>
+              <a:gd name="connsiteX10" fmla="*/ 0 w 3152219"/>
+              <a:gd name="connsiteY10" fmla="*/ 625246 h 2651130"/>
+              <a:gd name="connsiteX11" fmla="*/ 0 w 3152219"/>
+              <a:gd name="connsiteY11" fmla="*/ 411869 h 2651130"/>
+              <a:gd name="connsiteX12" fmla="*/ 0 w 3152219"/>
+              <a:gd name="connsiteY12" fmla="*/ 28373 h 2651130"/>
+              <a:gd name="connsiteX13" fmla="*/ 91440 w 3152219"/>
+              <a:gd name="connsiteY13" fmla="*/ 91440 h 2651130"/>
+              <a:gd name="connsiteX0" fmla="*/ 3152219 w 3152219"/>
+              <a:gd name="connsiteY0" fmla="*/ 0 h 2651130"/>
+              <a:gd name="connsiteX1" fmla="*/ 3152219 w 3152219"/>
+              <a:gd name="connsiteY1" fmla="*/ 919065 h 2651130"/>
+              <a:gd name="connsiteX2" fmla="*/ 3152219 w 3152219"/>
+              <a:gd name="connsiteY2" fmla="*/ 1143094 h 2651130"/>
+              <a:gd name="connsiteX3" fmla="*/ 2740534 w 3152219"/>
+              <a:gd name="connsiteY3" fmla="*/ 2021428 h 2651130"/>
+              <a:gd name="connsiteX4" fmla="*/ 1716965 w 3152219"/>
+              <a:gd name="connsiteY4" fmla="*/ 2529899 h 2651130"/>
+              <a:gd name="connsiteX5" fmla="*/ 1573526 w 3152219"/>
+              <a:gd name="connsiteY5" fmla="*/ 2651130 h 2651130"/>
+              <a:gd name="connsiteX6" fmla="*/ 1435253 w 3152219"/>
+              <a:gd name="connsiteY6" fmla="*/ 2529899 h 2651130"/>
+              <a:gd name="connsiteX7" fmla="*/ 411685 w 3152219"/>
+              <a:gd name="connsiteY7" fmla="*/ 2021428 h 2651130"/>
+              <a:gd name="connsiteX8" fmla="*/ 0 w 3152219"/>
+              <a:gd name="connsiteY8" fmla="*/ 1143094 h 2651130"/>
+              <a:gd name="connsiteX9" fmla="*/ 0 w 3152219"/>
+              <a:gd name="connsiteY9" fmla="*/ 919065 h 2651130"/>
+              <a:gd name="connsiteX10" fmla="*/ 0 w 3152219"/>
+              <a:gd name="connsiteY10" fmla="*/ 625246 h 2651130"/>
+              <a:gd name="connsiteX11" fmla="*/ 0 w 3152219"/>
+              <a:gd name="connsiteY11" fmla="*/ 28373 h 2651130"/>
+              <a:gd name="connsiteX12" fmla="*/ 91440 w 3152219"/>
+              <a:gd name="connsiteY12" fmla="*/ 91440 h 2651130"/>
+              <a:gd name="connsiteX0" fmla="*/ 3152219 w 3152219"/>
+              <a:gd name="connsiteY0" fmla="*/ 0 h 2651130"/>
+              <a:gd name="connsiteX1" fmla="*/ 3152219 w 3152219"/>
+              <a:gd name="connsiteY1" fmla="*/ 919065 h 2651130"/>
+              <a:gd name="connsiteX2" fmla="*/ 3152219 w 3152219"/>
+              <a:gd name="connsiteY2" fmla="*/ 1143094 h 2651130"/>
+              <a:gd name="connsiteX3" fmla="*/ 2740534 w 3152219"/>
+              <a:gd name="connsiteY3" fmla="*/ 2021428 h 2651130"/>
+              <a:gd name="connsiteX4" fmla="*/ 1716965 w 3152219"/>
+              <a:gd name="connsiteY4" fmla="*/ 2529899 h 2651130"/>
+              <a:gd name="connsiteX5" fmla="*/ 1573526 w 3152219"/>
+              <a:gd name="connsiteY5" fmla="*/ 2651130 h 2651130"/>
+              <a:gd name="connsiteX6" fmla="*/ 1435253 w 3152219"/>
+              <a:gd name="connsiteY6" fmla="*/ 2529899 h 2651130"/>
+              <a:gd name="connsiteX7" fmla="*/ 411685 w 3152219"/>
+              <a:gd name="connsiteY7" fmla="*/ 2021428 h 2651130"/>
+              <a:gd name="connsiteX8" fmla="*/ 0 w 3152219"/>
+              <a:gd name="connsiteY8" fmla="*/ 1143094 h 2651130"/>
+              <a:gd name="connsiteX9" fmla="*/ 0 w 3152219"/>
+              <a:gd name="connsiteY9" fmla="*/ 919065 h 2651130"/>
+              <a:gd name="connsiteX10" fmla="*/ 0 w 3152219"/>
+              <a:gd name="connsiteY10" fmla="*/ 28373 h 2651130"/>
+              <a:gd name="connsiteX11" fmla="*/ 91440 w 3152219"/>
+              <a:gd name="connsiteY11" fmla="*/ 91440 h 2651130"/>
+              <a:gd name="connsiteX0" fmla="*/ 3152729 w 3152729"/>
+              <a:gd name="connsiteY0" fmla="*/ 0 h 2651130"/>
+              <a:gd name="connsiteX1" fmla="*/ 3152729 w 3152729"/>
+              <a:gd name="connsiteY1" fmla="*/ 919065 h 2651130"/>
+              <a:gd name="connsiteX2" fmla="*/ 3152729 w 3152729"/>
+              <a:gd name="connsiteY2" fmla="*/ 1143094 h 2651130"/>
+              <a:gd name="connsiteX3" fmla="*/ 2741044 w 3152729"/>
+              <a:gd name="connsiteY3" fmla="*/ 2021428 h 2651130"/>
+              <a:gd name="connsiteX4" fmla="*/ 1717475 w 3152729"/>
+              <a:gd name="connsiteY4" fmla="*/ 2529899 h 2651130"/>
+              <a:gd name="connsiteX5" fmla="*/ 1574036 w 3152729"/>
+              <a:gd name="connsiteY5" fmla="*/ 2651130 h 2651130"/>
+              <a:gd name="connsiteX6" fmla="*/ 1435763 w 3152729"/>
+              <a:gd name="connsiteY6" fmla="*/ 2529899 h 2651130"/>
+              <a:gd name="connsiteX7" fmla="*/ 412195 w 3152729"/>
+              <a:gd name="connsiteY7" fmla="*/ 2021428 h 2651130"/>
+              <a:gd name="connsiteX8" fmla="*/ 510 w 3152729"/>
+              <a:gd name="connsiteY8" fmla="*/ 1143094 h 2651130"/>
+              <a:gd name="connsiteX9" fmla="*/ 510 w 3152729"/>
+              <a:gd name="connsiteY9" fmla="*/ 919065 h 2651130"/>
+              <a:gd name="connsiteX10" fmla="*/ 510 w 3152729"/>
+              <a:gd name="connsiteY10" fmla="*/ 28373 h 2651130"/>
+              <a:gd name="connsiteX11" fmla="*/ 0 w 3152729"/>
+              <a:gd name="connsiteY11" fmla="*/ 6301 h 2651130"/>
+              <a:gd name="connsiteX0" fmla="*/ 3152729 w 3152729"/>
+              <a:gd name="connsiteY0" fmla="*/ 0 h 2651130"/>
+              <a:gd name="connsiteX1" fmla="*/ 3152729 w 3152729"/>
+              <a:gd name="connsiteY1" fmla="*/ 919065 h 2651130"/>
+              <a:gd name="connsiteX2" fmla="*/ 3152729 w 3152729"/>
+              <a:gd name="connsiteY2" fmla="*/ 1143094 h 2651130"/>
+              <a:gd name="connsiteX3" fmla="*/ 2741044 w 3152729"/>
+              <a:gd name="connsiteY3" fmla="*/ 2021428 h 2651130"/>
+              <a:gd name="connsiteX4" fmla="*/ 1717475 w 3152729"/>
+              <a:gd name="connsiteY4" fmla="*/ 2529899 h 2651130"/>
+              <a:gd name="connsiteX5" fmla="*/ 1574036 w 3152729"/>
+              <a:gd name="connsiteY5" fmla="*/ 2651130 h 2651130"/>
+              <a:gd name="connsiteX6" fmla="*/ 1435763 w 3152729"/>
+              <a:gd name="connsiteY6" fmla="*/ 2529899 h 2651130"/>
+              <a:gd name="connsiteX7" fmla="*/ 412195 w 3152729"/>
+              <a:gd name="connsiteY7" fmla="*/ 2021428 h 2651130"/>
+              <a:gd name="connsiteX8" fmla="*/ 510 w 3152729"/>
+              <a:gd name="connsiteY8" fmla="*/ 1143094 h 2651130"/>
+              <a:gd name="connsiteX9" fmla="*/ 510 w 3152729"/>
+              <a:gd name="connsiteY9" fmla="*/ 28373 h 2651130"/>
+              <a:gd name="connsiteX10" fmla="*/ 0 w 3152729"/>
+              <a:gd name="connsiteY10" fmla="*/ 6301 h 2651130"/>
+            </a:gdLst>
+            <a:ahLst/>
+            <a:cxnLst>
+              <a:cxn ang="0">
+                <a:pos x="connsiteX0" y="connsiteY0"/>
+              </a:cxn>
+              <a:cxn ang="0">
+                <a:pos x="connsiteX1" y="connsiteY1"/>
+              </a:cxn>
+              <a:cxn ang="0">
+                <a:pos x="connsiteX2" y="connsiteY2"/>
+              </a:cxn>
+              <a:cxn ang="0">
+                <a:pos x="connsiteX3" y="connsiteY3"/>
+              </a:cxn>
+              <a:cxn ang="0">
+                <a:pos x="connsiteX4" y="connsiteY4"/>
+              </a:cxn>
+              <a:cxn ang="0">
+                <a:pos x="connsiteX5" y="connsiteY5"/>
+              </a:cxn>
+              <a:cxn ang="0">
+                <a:pos x="connsiteX6" y="connsiteY6"/>
+              </a:cxn>
+              <a:cxn ang="0">
+                <a:pos x="connsiteX7" y="connsiteY7"/>
+              </a:cxn>
+              <a:cxn ang="0">
+                <a:pos x="connsiteX8" y="connsiteY8"/>
+              </a:cxn>
+              <a:cxn ang="0">
+                <a:pos x="connsiteX9" y="connsiteY9"/>
+              </a:cxn>
+              <a:cxn ang="0">
+                <a:pos x="connsiteX10" y="connsiteY10"/>
+              </a:cxn>
+            </a:cxnLst>
+            <a:rect l="l" t="t" r="r" b="b"/>
+            <a:pathLst>
+              <a:path w="3152729" h="2651130">
+                <a:moveTo>
+                  <a:pt x="3152729" y="0"/>
+                </a:moveTo>
+                <a:lnTo>
+                  <a:pt x="3152729" y="919065"/>
+                </a:lnTo>
+                <a:lnTo>
+                  <a:pt x="3152729" y="1143094"/>
+                </a:lnTo>
+                <a:cubicBezTo>
+                  <a:pt x="3152729" y="1596551"/>
+                  <a:pt x="3024078" y="1823520"/>
+                  <a:pt x="2741044" y="2021428"/>
+                </a:cubicBezTo>
+                <a:cubicBezTo>
+                  <a:pt x="2446696" y="2191962"/>
+                  <a:pt x="2060336" y="2264944"/>
+                  <a:pt x="1717475" y="2529899"/>
+                </a:cubicBezTo>
+                <a:lnTo>
+                  <a:pt x="1574036" y="2651130"/>
+                </a:lnTo>
+                <a:lnTo>
+                  <a:pt x="1435763" y="2529899"/>
+                </a:lnTo>
+                <a:cubicBezTo>
+                  <a:pt x="1092901" y="2264944"/>
+                  <a:pt x="706541" y="2191962"/>
+                  <a:pt x="412195" y="2021428"/>
+                </a:cubicBezTo>
+                <a:cubicBezTo>
+                  <a:pt x="129160" y="1823520"/>
+                  <a:pt x="510" y="1596551"/>
+                  <a:pt x="510" y="1143094"/>
+                </a:cubicBezTo>
+                <a:lnTo>
+                  <a:pt x="510" y="28373"/>
+                </a:lnTo>
+                <a:cubicBezTo>
+                  <a:pt x="510" y="18915"/>
+                  <a:pt x="0" y="6301"/>
+                  <a:pt x="0" y="6301"/>
+                </a:cubicBezTo>
+              </a:path>
+            </a:pathLst>
+          </a:custGeom>
+          <a:noFill/>
+          <a:ln w="25400" cap="rnd">
+            <a:solidFill>
+              <a:schemeClr val="bg2">
+                <a:lumMod val="75000"/>
+                <a:alpha val="65000"/>
+              </a:schemeClr>
+            </a:solidFill>
+            <a:prstDash val="sysDot"/>
+          </a:ln>
+        </p:spPr>
+        <p:style>
+          <a:lnRef idx="2">
+            <a:schemeClr val="accent1">
+              <a:shade val="50000"/>
+            </a:schemeClr>
+          </a:lnRef>
+          <a:fillRef idx="1">
+            <a:schemeClr val="accent1"/>
+          </a:fillRef>
+          <a:effectRef idx="0">
+            <a:schemeClr val="accent1"/>
+          </a:effectRef>
+          <a:fontRef idx="minor">
+            <a:schemeClr val="lt1"/>
+          </a:fontRef>
+        </p:style>
+        <p:txBody>
+          <a:bodyPr wrap="square" rtlCol="0" anchor="ctr">
+            <a:noAutofit/>
+          </a:bodyPr>
+          <a:lstStyle/>
+          <a:p>
+            <a:pPr algn="ctr"/>
+            <a:endParaRPr lang="en-US"/>
+          </a:p>
+        </p:txBody>
+      </p:sp>
+      <p:sp>
+        <p:nvSpPr>
+          <p:cNvPr id="25" name="Freeform: Shape 24">
+            <a:extLst>
+              <a:ext uri="{FF2B5EF4-FFF2-40B4-BE49-F238E27FC236}">
+                <a16:creationId xmlns:a16="http://schemas.microsoft.com/office/drawing/2014/main" id="{C20D07CE-31A7-40DF-B0AD-9864AE18EBCC}"/>
+              </a:ext>
+              <a:ext uri="{C183D7F6-B498-43B3-948B-1728B52AA6E4}">
+                <adec:decorative xmlns:adec="http://schemas.microsoft.com/office/drawing/2017/decorative" val="1"/>
+              </a:ext>
+            </a:extLst>
+          </p:cNvPr>
+          <p:cNvSpPr>
+            <a:spLocks noGrp="1" noRot="1" noChangeAspect="1" noMove="1" noResize="1" noEditPoints="1" noAdjustHandles="1" noChangeArrowheads="1" noChangeShapeType="1" noTextEdit="1"/>
+          </p:cNvSpPr>
+          <p:nvPr>
+            <p:extLst>
+              <p:ext uri="{386F3935-93C4-4BCD-93E2-E3B085C9AB24}">
+                <p16:designElem xmlns:p16="http://schemas.microsoft.com/office/powerpoint/2015/main" val="1"/>
+              </p:ext>
+            </p:extLst>
+          </p:nvPr>
+        </p:nvSpPr>
+        <p:spPr>
+          <a:xfrm>
+            <a:off x="9812402" y="0"/>
+            <a:ext cx="2379598" cy="2651130"/>
+          </a:xfrm>
+          <a:custGeom>
+            <a:avLst/>
+            <a:gdLst>
+              <a:gd name="connsiteX0" fmla="*/ 0 w 2379598"/>
+              <a:gd name="connsiteY0" fmla="*/ 0 h 2651130"/>
+              <a:gd name="connsiteX1" fmla="*/ 2379598 w 2379598"/>
+              <a:gd name="connsiteY1" fmla="*/ 0 h 2651130"/>
+              <a:gd name="connsiteX2" fmla="*/ 2379598 w 2379598"/>
+              <a:gd name="connsiteY2" fmla="*/ 2186361 h 2651130"/>
+              <a:gd name="connsiteX3" fmla="*/ 2246942 w 2379598"/>
+              <a:gd name="connsiteY3" fmla="*/ 2240255 h 2651130"/>
+              <a:gd name="connsiteX4" fmla="*/ 1716965 w 2379598"/>
+              <a:gd name="connsiteY4" fmla="*/ 2529899 h 2651130"/>
+              <a:gd name="connsiteX5" fmla="*/ 1573526 w 2379598"/>
+              <a:gd name="connsiteY5" fmla="*/ 2651130 h 2651130"/>
+              <a:gd name="connsiteX6" fmla="*/ 1435253 w 2379598"/>
+              <a:gd name="connsiteY6" fmla="*/ 2529899 h 2651130"/>
+              <a:gd name="connsiteX7" fmla="*/ 411684 w 2379598"/>
+              <a:gd name="connsiteY7" fmla="*/ 2021428 h 2651130"/>
+              <a:gd name="connsiteX8" fmla="*/ 0 w 2379598"/>
+              <a:gd name="connsiteY8" fmla="*/ 1143094 h 2651130"/>
+              <a:gd name="connsiteX9" fmla="*/ 0 w 2379598"/>
+              <a:gd name="connsiteY9" fmla="*/ 919065 h 2651130"/>
+              <a:gd name="connsiteX10" fmla="*/ 0 w 2379598"/>
+              <a:gd name="connsiteY10" fmla="*/ 625246 h 2651130"/>
+              <a:gd name="connsiteX11" fmla="*/ 0 w 2379598"/>
+              <a:gd name="connsiteY11" fmla="*/ 411869 h 2651130"/>
+              <a:gd name="connsiteX12" fmla="*/ 0 w 2379598"/>
+              <a:gd name="connsiteY12" fmla="*/ 28373 h 2651130"/>
+              <a:gd name="connsiteX0" fmla="*/ 2379598 w 2471038"/>
+              <a:gd name="connsiteY0" fmla="*/ 0 h 2651130"/>
+              <a:gd name="connsiteX1" fmla="*/ 2379598 w 2471038"/>
+              <a:gd name="connsiteY1" fmla="*/ 2186361 h 2651130"/>
+              <a:gd name="connsiteX2" fmla="*/ 2246942 w 2471038"/>
+              <a:gd name="connsiteY2" fmla="*/ 2240255 h 2651130"/>
+              <a:gd name="connsiteX3" fmla="*/ 1716965 w 2471038"/>
+              <a:gd name="connsiteY3" fmla="*/ 2529899 h 2651130"/>
+              <a:gd name="connsiteX4" fmla="*/ 1573526 w 2471038"/>
+              <a:gd name="connsiteY4" fmla="*/ 2651130 h 2651130"/>
+              <a:gd name="connsiteX5" fmla="*/ 1435253 w 2471038"/>
+              <a:gd name="connsiteY5" fmla="*/ 2529899 h 2651130"/>
+              <a:gd name="connsiteX6" fmla="*/ 411684 w 2471038"/>
+              <a:gd name="connsiteY6" fmla="*/ 2021428 h 2651130"/>
+              <a:gd name="connsiteX7" fmla="*/ 0 w 2471038"/>
+              <a:gd name="connsiteY7" fmla="*/ 1143094 h 2651130"/>
+              <a:gd name="connsiteX8" fmla="*/ 0 w 2471038"/>
+              <a:gd name="connsiteY8" fmla="*/ 919065 h 2651130"/>
+              <a:gd name="connsiteX9" fmla="*/ 0 w 2471038"/>
+              <a:gd name="connsiteY9" fmla="*/ 625246 h 2651130"/>
+              <a:gd name="connsiteX10" fmla="*/ 0 w 2471038"/>
+              <a:gd name="connsiteY10" fmla="*/ 411869 h 2651130"/>
+              <a:gd name="connsiteX11" fmla="*/ 0 w 2471038"/>
+              <a:gd name="connsiteY11" fmla="*/ 28373 h 2651130"/>
+              <a:gd name="connsiteX12" fmla="*/ 0 w 2471038"/>
+              <a:gd name="connsiteY12" fmla="*/ 0 h 2651130"/>
+              <a:gd name="connsiteX13" fmla="*/ 2471038 w 2471038"/>
+              <a:gd name="connsiteY13" fmla="*/ 91440 h 2651130"/>
+              <a:gd name="connsiteX0" fmla="*/ 2379598 w 2379598"/>
+              <a:gd name="connsiteY0" fmla="*/ 0 h 2651130"/>
+              <a:gd name="connsiteX1" fmla="*/ 2379598 w 2379598"/>
+              <a:gd name="connsiteY1" fmla="*/ 2186361 h 2651130"/>
+              <a:gd name="connsiteX2" fmla="*/ 2246942 w 2379598"/>
+              <a:gd name="connsiteY2" fmla="*/ 2240255 h 2651130"/>
+              <a:gd name="connsiteX3" fmla="*/ 1716965 w 2379598"/>
+              <a:gd name="connsiteY3" fmla="*/ 2529899 h 2651130"/>
+              <a:gd name="connsiteX4" fmla="*/ 1573526 w 2379598"/>
+              <a:gd name="connsiteY4" fmla="*/ 2651130 h 2651130"/>
+              <a:gd name="connsiteX5" fmla="*/ 1435253 w 2379598"/>
+              <a:gd name="connsiteY5" fmla="*/ 2529899 h 2651130"/>
+              <a:gd name="connsiteX6" fmla="*/ 411684 w 2379598"/>
+              <a:gd name="connsiteY6" fmla="*/ 2021428 h 2651130"/>
+              <a:gd name="connsiteX7" fmla="*/ 0 w 2379598"/>
+              <a:gd name="connsiteY7" fmla="*/ 1143094 h 2651130"/>
+              <a:gd name="connsiteX8" fmla="*/ 0 w 2379598"/>
+              <a:gd name="connsiteY8" fmla="*/ 919065 h 2651130"/>
+              <a:gd name="connsiteX9" fmla="*/ 0 w 2379598"/>
+              <a:gd name="connsiteY9" fmla="*/ 625246 h 2651130"/>
+              <a:gd name="connsiteX10" fmla="*/ 0 w 2379598"/>
+              <a:gd name="connsiteY10" fmla="*/ 411869 h 2651130"/>
+              <a:gd name="connsiteX11" fmla="*/ 0 w 2379598"/>
+              <a:gd name="connsiteY11" fmla="*/ 28373 h 2651130"/>
+              <a:gd name="connsiteX12" fmla="*/ 0 w 2379598"/>
+              <a:gd name="connsiteY12" fmla="*/ 0 h 2651130"/>
+              <a:gd name="connsiteX0" fmla="*/ 2379598 w 2379598"/>
+              <a:gd name="connsiteY0" fmla="*/ 2186361 h 2651130"/>
+              <a:gd name="connsiteX1" fmla="*/ 2246942 w 2379598"/>
+              <a:gd name="connsiteY1" fmla="*/ 2240255 h 2651130"/>
+              <a:gd name="connsiteX2" fmla="*/ 1716965 w 2379598"/>
+              <a:gd name="connsiteY2" fmla="*/ 2529899 h 2651130"/>
+              <a:gd name="connsiteX3" fmla="*/ 1573526 w 2379598"/>
+              <a:gd name="connsiteY3" fmla="*/ 2651130 h 2651130"/>
+              <a:gd name="connsiteX4" fmla="*/ 1435253 w 2379598"/>
+              <a:gd name="connsiteY4" fmla="*/ 2529899 h 2651130"/>
+              <a:gd name="connsiteX5" fmla="*/ 411684 w 2379598"/>
+              <a:gd name="connsiteY5" fmla="*/ 2021428 h 2651130"/>
+              <a:gd name="connsiteX6" fmla="*/ 0 w 2379598"/>
+              <a:gd name="connsiteY6" fmla="*/ 1143094 h 2651130"/>
+              <a:gd name="connsiteX7" fmla="*/ 0 w 2379598"/>
+              <a:gd name="connsiteY7" fmla="*/ 919065 h 2651130"/>
+              <a:gd name="connsiteX8" fmla="*/ 0 w 2379598"/>
+              <a:gd name="connsiteY8" fmla="*/ 625246 h 2651130"/>
+              <a:gd name="connsiteX9" fmla="*/ 0 w 2379598"/>
+              <a:gd name="connsiteY9" fmla="*/ 411869 h 2651130"/>
+              <a:gd name="connsiteX10" fmla="*/ 0 w 2379598"/>
+              <a:gd name="connsiteY10" fmla="*/ 28373 h 2651130"/>
+              <a:gd name="connsiteX11" fmla="*/ 0 w 2379598"/>
+              <a:gd name="connsiteY11" fmla="*/ 0 h 2651130"/>
+              <a:gd name="connsiteX0" fmla="*/ 2379598 w 2379598"/>
+              <a:gd name="connsiteY0" fmla="*/ 2186361 h 2651130"/>
+              <a:gd name="connsiteX1" fmla="*/ 2246942 w 2379598"/>
+              <a:gd name="connsiteY1" fmla="*/ 2240255 h 2651130"/>
+              <a:gd name="connsiteX2" fmla="*/ 1716965 w 2379598"/>
+              <a:gd name="connsiteY2" fmla="*/ 2529899 h 2651130"/>
+              <a:gd name="connsiteX3" fmla="*/ 1573526 w 2379598"/>
+              <a:gd name="connsiteY3" fmla="*/ 2651130 h 2651130"/>
+              <a:gd name="connsiteX4" fmla="*/ 1435253 w 2379598"/>
+              <a:gd name="connsiteY4" fmla="*/ 2529899 h 2651130"/>
+              <a:gd name="connsiteX5" fmla="*/ 411684 w 2379598"/>
+              <a:gd name="connsiteY5" fmla="*/ 2021428 h 2651130"/>
+              <a:gd name="connsiteX6" fmla="*/ 0 w 2379598"/>
+              <a:gd name="connsiteY6" fmla="*/ 1143094 h 2651130"/>
+              <a:gd name="connsiteX7" fmla="*/ 0 w 2379598"/>
+              <a:gd name="connsiteY7" fmla="*/ 919065 h 2651130"/>
+              <a:gd name="connsiteX8" fmla="*/ 0 w 2379598"/>
+              <a:gd name="connsiteY8" fmla="*/ 625246 h 2651130"/>
+              <a:gd name="connsiteX9" fmla="*/ 0 w 2379598"/>
+              <a:gd name="connsiteY9" fmla="*/ 28373 h 2651130"/>
+              <a:gd name="connsiteX10" fmla="*/ 0 w 2379598"/>
+              <a:gd name="connsiteY10" fmla="*/ 0 h 2651130"/>
+              <a:gd name="connsiteX0" fmla="*/ 2379598 w 2379598"/>
+              <a:gd name="connsiteY0" fmla="*/ 2186361 h 2651130"/>
+              <a:gd name="connsiteX1" fmla="*/ 2246942 w 2379598"/>
+              <a:gd name="connsiteY1" fmla="*/ 2240255 h 2651130"/>
+              <a:gd name="connsiteX2" fmla="*/ 1716965 w 2379598"/>
+              <a:gd name="connsiteY2" fmla="*/ 2529899 h 2651130"/>
+              <a:gd name="connsiteX3" fmla="*/ 1573526 w 2379598"/>
+              <a:gd name="connsiteY3" fmla="*/ 2651130 h 2651130"/>
+              <a:gd name="connsiteX4" fmla="*/ 1435253 w 2379598"/>
+              <a:gd name="connsiteY4" fmla="*/ 2529899 h 2651130"/>
+              <a:gd name="connsiteX5" fmla="*/ 411684 w 2379598"/>
+              <a:gd name="connsiteY5" fmla="*/ 2021428 h 2651130"/>
+              <a:gd name="connsiteX6" fmla="*/ 0 w 2379598"/>
+              <a:gd name="connsiteY6" fmla="*/ 1143094 h 2651130"/>
+              <a:gd name="connsiteX7" fmla="*/ 0 w 2379598"/>
+              <a:gd name="connsiteY7" fmla="*/ 919065 h 2651130"/>
+              <a:gd name="connsiteX8" fmla="*/ 0 w 2379598"/>
+              <a:gd name="connsiteY8" fmla="*/ 28373 h 2651130"/>
+              <a:gd name="connsiteX9" fmla="*/ 0 w 2379598"/>
+              <a:gd name="connsiteY9" fmla="*/ 0 h 2651130"/>
+              <a:gd name="connsiteX0" fmla="*/ 2379598 w 2379598"/>
+              <a:gd name="connsiteY0" fmla="*/ 2186361 h 2651130"/>
+              <a:gd name="connsiteX1" fmla="*/ 2246942 w 2379598"/>
+              <a:gd name="connsiteY1" fmla="*/ 2240255 h 2651130"/>
+              <a:gd name="connsiteX2" fmla="*/ 1716965 w 2379598"/>
+              <a:gd name="connsiteY2" fmla="*/ 2529899 h 2651130"/>
+              <a:gd name="connsiteX3" fmla="*/ 1573526 w 2379598"/>
+              <a:gd name="connsiteY3" fmla="*/ 2651130 h 2651130"/>
+              <a:gd name="connsiteX4" fmla="*/ 1435253 w 2379598"/>
+              <a:gd name="connsiteY4" fmla="*/ 2529899 h 2651130"/>
+              <a:gd name="connsiteX5" fmla="*/ 411684 w 2379598"/>
+              <a:gd name="connsiteY5" fmla="*/ 2021428 h 2651130"/>
+              <a:gd name="connsiteX6" fmla="*/ 0 w 2379598"/>
+              <a:gd name="connsiteY6" fmla="*/ 1143094 h 2651130"/>
+              <a:gd name="connsiteX7" fmla="*/ 0 w 2379598"/>
+              <a:gd name="connsiteY7" fmla="*/ 28373 h 2651130"/>
+              <a:gd name="connsiteX8" fmla="*/ 0 w 2379598"/>
+              <a:gd name="connsiteY8" fmla="*/ 0 h 2651130"/>
+            </a:gdLst>
+            <a:ahLst/>
+            <a:cxnLst>
+              <a:cxn ang="0">
+                <a:pos x="connsiteX0" y="connsiteY0"/>
+              </a:cxn>
+              <a:cxn ang="0">
+                <a:pos x="connsiteX1" y="connsiteY1"/>
+              </a:cxn>
+              <a:cxn ang="0">
+                <a:pos x="connsiteX2" y="connsiteY2"/>
+              </a:cxn>
+              <a:cxn ang="0">
+                <a:pos x="connsiteX3" y="connsiteY3"/>
+              </a:cxn>
+              <a:cxn ang="0">
+                <a:pos x="connsiteX4" y="connsiteY4"/>
+              </a:cxn>
+              <a:cxn ang="0">
+                <a:pos x="connsiteX5" y="connsiteY5"/>
+              </a:cxn>
+              <a:cxn ang="0">
+                <a:pos x="connsiteX6" y="connsiteY6"/>
+              </a:cxn>
+              <a:cxn ang="0">
+                <a:pos x="connsiteX7" y="connsiteY7"/>
+              </a:cxn>
+              <a:cxn ang="0">
+                <a:pos x="connsiteX8" y="connsiteY8"/>
+              </a:cxn>
+            </a:cxnLst>
+            <a:rect l="l" t="t" r="r" b="b"/>
+            <a:pathLst>
+              <a:path w="2379598" h="2651130">
+                <a:moveTo>
+                  <a:pt x="2379598" y="2186361"/>
+                </a:moveTo>
+                <a:lnTo>
+                  <a:pt x="2246942" y="2240255"/>
+                </a:lnTo>
+                <a:cubicBezTo>
+                  <a:pt x="2070701" y="2312937"/>
+                  <a:pt x="1888395" y="2397421"/>
+                  <a:pt x="1716965" y="2529899"/>
+                </a:cubicBezTo>
+                <a:lnTo>
+                  <a:pt x="1573526" y="2651130"/>
+                </a:lnTo>
+                <a:lnTo>
+                  <a:pt x="1435253" y="2529899"/>
+                </a:lnTo>
+                <a:cubicBezTo>
+                  <a:pt x="1092391" y="2264944"/>
+                  <a:pt x="706031" y="2191962"/>
+                  <a:pt x="411684" y="2021428"/>
+                </a:cubicBezTo>
+                <a:cubicBezTo>
+                  <a:pt x="128650" y="1823520"/>
+                  <a:pt x="0" y="1596551"/>
+                  <a:pt x="0" y="1143094"/>
+                </a:cubicBezTo>
+                <a:lnTo>
+                  <a:pt x="0" y="28373"/>
+                </a:lnTo>
+                <a:lnTo>
+                  <a:pt x="0" y="0"/>
+                </a:lnTo>
+              </a:path>
+            </a:pathLst>
+          </a:custGeom>
+          <a:noFill/>
+          <a:ln w="25400" cap="rnd">
+            <a:solidFill>
+              <a:schemeClr val="bg2">
+                <a:lumMod val="75000"/>
+                <a:alpha val="65000"/>
+              </a:schemeClr>
+            </a:solidFill>
+            <a:prstDash val="sysDot"/>
+          </a:ln>
+        </p:spPr>
+        <p:style>
+          <a:lnRef idx="2">
+            <a:schemeClr val="accent1">
+              <a:shade val="50000"/>
+            </a:schemeClr>
+          </a:lnRef>
+          <a:fillRef idx="1">
+            <a:schemeClr val="accent1"/>
+          </a:fillRef>
+          <a:effectRef idx="0">
+            <a:schemeClr val="accent1"/>
+          </a:effectRef>
+          <a:fontRef idx="minor">
+            <a:schemeClr val="lt1"/>
+          </a:fontRef>
+        </p:style>
+        <p:txBody>
+          <a:bodyPr wrap="square" rtlCol="0" anchor="ctr">
+            <a:noAutofit/>
+          </a:bodyPr>
+          <a:lstStyle/>
+          <a:p>
+            <a:pPr algn="ctr"/>
+            <a:endParaRPr lang="en-US"/>
+          </a:p>
+        </p:txBody>
+      </p:sp>
+      <p:sp>
+        <p:nvSpPr>
+          <p:cNvPr id="16" name="Marcador de contenido 2">
+            <a:extLst>
+              <a:ext uri="{FF2B5EF4-FFF2-40B4-BE49-F238E27FC236}">
+                <a16:creationId xmlns:a16="http://schemas.microsoft.com/office/drawing/2014/main" id="{A546A4A7-B5DA-49FB-8957-CE036143BA7A}"/>
+              </a:ext>
+            </a:extLst>
+          </p:cNvPr>
+          <p:cNvSpPr>
+            <a:spLocks noGrp="1"/>
+          </p:cNvSpPr>
+          <p:nvPr>
+            <p:ph idx="1"/>
+          </p:nvPr>
+        </p:nvSpPr>
+        <p:spPr>
+          <a:xfrm>
+            <a:off x="2676883" y="2505711"/>
+            <a:ext cx="6838234" cy="1018726"/>
+          </a:xfrm>
+        </p:spPr>
+        <p:txBody>
+          <a:bodyPr/>
+          <a:lstStyle/>
+          <a:p>
+            <a:r>
+              <a:rPr lang="es-ES" dirty="0"/>
+              <a:t>El sprint fue validado por la product owner, la cual confirmó que se cumplían todos los criterios de aceptación. </a:t>
+            </a:r>
+            <a:endParaRPr lang="en-US" dirty="0"/>
+          </a:p>
+        </p:txBody>
+      </p:sp>
+    </p:spTree>
+    <p:extLst>
+      <p:ext uri="{BB962C8B-B14F-4D97-AF65-F5344CB8AC3E}">
+        <p14:creationId xmlns:p14="http://schemas.microsoft.com/office/powerpoint/2010/main" val="4039904698"/>
+      </p:ext>
+    </p:extLst>
+  </p:cSld>
+  <p:clrMapOvr>
+    <a:masterClrMapping/>
+  </p:clrMapOvr>
+</p:sld>
+</file>
+
+<file path=ppt/slides/slide6.xml><?xml version="1.0" encoding="utf-8"?>
+<p:sld xmlns:a="http://schemas.openxmlformats.org/drawingml/2006/main" xmlns:r="http://schemas.openxmlformats.org/officeDocument/2006/relationships" xmlns:p="http://schemas.openxmlformats.org/presentationml/2006/main">
+  <p:cSld>
+    <p:bg>
+      <p:bgPr>
+        <a:solidFill>
+          <a:schemeClr val="bg2"/>
+        </a:solidFill>
+        <a:effectLst/>
+      </p:bgPr>
+    </p:bg>
+    <p:spTree>
+      <p:nvGrpSpPr>
+        <p:cNvPr id="1" name=""/>
+        <p:cNvGrpSpPr/>
+        <p:nvPr/>
+      </p:nvGrpSpPr>
+      <p:grpSpPr>
+        <a:xfrm>
+          <a:off x="0" y="0"/>
+          <a:ext cx="0" cy="0"/>
+          <a:chOff x="0" y="0"/>
+          <a:chExt cx="0" cy="0"/>
+        </a:xfrm>
+      </p:grpSpPr>
+      <p:grpSp>
+        <p:nvGrpSpPr>
+          <p:cNvPr id="7" name="Group 6">
+            <a:extLst>
+              <a:ext uri="{FF2B5EF4-FFF2-40B4-BE49-F238E27FC236}">
+                <a16:creationId xmlns:a16="http://schemas.microsoft.com/office/drawing/2014/main" id="{D206359A-F1E3-49EE-BBC2-40888C4A3628}"/>
+              </a:ext>
+              <a:ext uri="{C183D7F6-B498-43B3-948B-1728B52AA6E4}">
+                <adec:decorative xmlns:adec="http://schemas.microsoft.com/office/drawing/2017/decorative" val="1"/>
+              </a:ext>
+            </a:extLst>
+          </p:cNvPr>
+          <p:cNvGrpSpPr>
+            <a:grpSpLocks noGrp="1" noUngrp="1" noRot="1" noChangeAspect="1" noMove="1" noResize="1"/>
+          </p:cNvGrpSpPr>
+          <p:nvPr>
+            <p:extLst>
+              <p:ext uri="{386F3935-93C4-4BCD-93E2-E3B085C9AB24}">
+                <p16:designElem xmlns:p16="http://schemas.microsoft.com/office/powerpoint/2015/main" val="1"/>
+              </p:ext>
+            </p:extLst>
+          </p:nvPr>
+        </p:nvGrpSpPr>
+        <p:grpSpPr>
+          <a:xfrm>
+            <a:off x="9265700" y="2026"/>
+            <a:ext cx="2926300" cy="5030922"/>
+            <a:chOff x="9265700" y="2026"/>
+            <a:chExt cx="2926300" cy="5030922"/>
+          </a:xfrm>
+        </p:grpSpPr>
+        <p:sp>
+          <p:nvSpPr>
+            <p:cNvPr id="8" name="Freeform: Shape 7">
+              <a:extLst>
+                <a:ext uri="{FF2B5EF4-FFF2-40B4-BE49-F238E27FC236}">
+                  <a16:creationId xmlns:a16="http://schemas.microsoft.com/office/drawing/2014/main" id="{CED90C42-6A0F-48E8-BF96-7D3E2A395EC7}"/>
+                </a:ext>
+                <a:ext uri="{C183D7F6-B498-43B3-948B-1728B52AA6E4}">
+                  <adec:decorative xmlns:adec="http://schemas.microsoft.com/office/drawing/2017/decorative" val="1"/>
+                </a:ext>
+              </a:extLst>
+            </p:cNvPr>
+            <p:cNvSpPr/>
+            <p:nvPr>
+              <p:extLst>
+                <p:ext uri="{386F3935-93C4-4BCD-93E2-E3B085C9AB24}">
+                  <p16:designElem xmlns:p16="http://schemas.microsoft.com/office/powerpoint/2015/main" val="1"/>
+                </p:ext>
+              </p:extLst>
+            </p:nvPr>
+          </p:nvSpPr>
+          <p:spPr>
+            <a:xfrm>
+              <a:off x="9326904" y="2026"/>
+              <a:ext cx="2249810" cy="2294745"/>
+            </a:xfrm>
+            <a:custGeom>
+              <a:avLst/>
+              <a:gdLst>
+                <a:gd name="connsiteX0" fmla="*/ 49162 w 2249810"/>
+                <a:gd name="connsiteY0" fmla="*/ 0 h 2294745"/>
+                <a:gd name="connsiteX1" fmla="*/ 2200648 w 2249810"/>
+                <a:gd name="connsiteY1" fmla="*/ 0 h 2294745"/>
+                <a:gd name="connsiteX2" fmla="*/ 2210105 w 2249810"/>
+                <a:gd name="connsiteY2" fmla="*/ 23601 h 2294745"/>
+                <a:gd name="connsiteX3" fmla="*/ 2249810 w 2249810"/>
+                <a:gd name="connsiteY3" fmla="*/ 326934 h 2294745"/>
+                <a:gd name="connsiteX4" fmla="*/ 2249810 w 2249810"/>
+                <a:gd name="connsiteY4" fmla="*/ 422824 h 2294745"/>
+                <a:gd name="connsiteX5" fmla="*/ 2249810 w 2249810"/>
+                <a:gd name="connsiteY5" fmla="*/ 696534 h 2294745"/>
+                <a:gd name="connsiteX6" fmla="*/ 2249810 w 2249810"/>
+                <a:gd name="connsiteY6" fmla="*/ 848826 h 2294745"/>
+                <a:gd name="connsiteX7" fmla="*/ 2249810 w 2249810"/>
+                <a:gd name="connsiteY7" fmla="*/ 1058531 h 2294745"/>
+                <a:gd name="connsiteX8" fmla="*/ 2249810 w 2249810"/>
+                <a:gd name="connsiteY8" fmla="*/ 1218426 h 2294745"/>
+                <a:gd name="connsiteX9" fmla="*/ 1955981 w 2249810"/>
+                <a:gd name="connsiteY9" fmla="*/ 1845313 h 2294745"/>
+                <a:gd name="connsiteX10" fmla="*/ 1225437 w 2249810"/>
+                <a:gd name="connsiteY10" fmla="*/ 2208220 h 2294745"/>
+                <a:gd name="connsiteX11" fmla="*/ 1123061 w 2249810"/>
+                <a:gd name="connsiteY11" fmla="*/ 2294745 h 2294745"/>
+                <a:gd name="connsiteX12" fmla="*/ 1024372 w 2249810"/>
+                <a:gd name="connsiteY12" fmla="*/ 2208220 h 2294745"/>
+                <a:gd name="connsiteX13" fmla="*/ 293828 w 2249810"/>
+                <a:gd name="connsiteY13" fmla="*/ 1845313 h 2294745"/>
+                <a:gd name="connsiteX14" fmla="*/ 0 w 2249810"/>
+                <a:gd name="connsiteY14" fmla="*/ 1218426 h 2294745"/>
+                <a:gd name="connsiteX15" fmla="*/ 0 w 2249810"/>
+                <a:gd name="connsiteY15" fmla="*/ 1058531 h 2294745"/>
+                <a:gd name="connsiteX16" fmla="*/ 0 w 2249810"/>
+                <a:gd name="connsiteY16" fmla="*/ 848826 h 2294745"/>
+                <a:gd name="connsiteX17" fmla="*/ 0 w 2249810"/>
+                <a:gd name="connsiteY17" fmla="*/ 696534 h 2294745"/>
+                <a:gd name="connsiteX18" fmla="*/ 0 w 2249810"/>
+                <a:gd name="connsiteY18" fmla="*/ 422824 h 2294745"/>
+                <a:gd name="connsiteX19" fmla="*/ 0 w 2249810"/>
+                <a:gd name="connsiteY19" fmla="*/ 326934 h 2294745"/>
+                <a:gd name="connsiteX20" fmla="*/ 39705 w 2249810"/>
+                <a:gd name="connsiteY20" fmla="*/ 23601 h 2294745"/>
+              </a:gdLst>
+              <a:ahLst/>
+              <a:cxnLst>
+                <a:cxn ang="0">
+                  <a:pos x="connsiteX0" y="connsiteY0"/>
+                </a:cxn>
+                <a:cxn ang="0">
+                  <a:pos x="connsiteX1" y="connsiteY1"/>
+                </a:cxn>
+                <a:cxn ang="0">
+                  <a:pos x="connsiteX2" y="connsiteY2"/>
+                </a:cxn>
+                <a:cxn ang="0">
+                  <a:pos x="connsiteX3" y="connsiteY3"/>
+                </a:cxn>
+                <a:cxn ang="0">
+                  <a:pos x="connsiteX4" y="connsiteY4"/>
+                </a:cxn>
+                <a:cxn ang="0">
+                  <a:pos x="connsiteX5" y="connsiteY5"/>
+                </a:cxn>
+                <a:cxn ang="0">
+                  <a:pos x="connsiteX6" y="connsiteY6"/>
+                </a:cxn>
+                <a:cxn ang="0">
+                  <a:pos x="connsiteX7" y="connsiteY7"/>
+                </a:cxn>
+                <a:cxn ang="0">
+                  <a:pos x="connsiteX8" y="connsiteY8"/>
+                </a:cxn>
+                <a:cxn ang="0">
+                  <a:pos x="connsiteX9" y="connsiteY9"/>
+                </a:cxn>
+                <a:cxn ang="0">
+                  <a:pos x="connsiteX10" y="connsiteY10"/>
+                </a:cxn>
+                <a:cxn ang="0">
+                  <a:pos x="connsiteX11" y="connsiteY11"/>
+                </a:cxn>
+                <a:cxn ang="0">
+                  <a:pos x="connsiteX12" y="connsiteY12"/>
+                </a:cxn>
+                <a:cxn ang="0">
+                  <a:pos x="connsiteX13" y="connsiteY13"/>
+                </a:cxn>
+                <a:cxn ang="0">
+                  <a:pos x="connsiteX14" y="connsiteY14"/>
+                </a:cxn>
+                <a:cxn ang="0">
+                  <a:pos x="connsiteX15" y="connsiteY15"/>
+                </a:cxn>
+                <a:cxn ang="0">
+                  <a:pos x="connsiteX16" y="connsiteY16"/>
+                </a:cxn>
+                <a:cxn ang="0">
+                  <a:pos x="connsiteX17" y="connsiteY17"/>
+                </a:cxn>
+                <a:cxn ang="0">
+                  <a:pos x="connsiteX18" y="connsiteY18"/>
+                </a:cxn>
+                <a:cxn ang="0">
+                  <a:pos x="connsiteX19" y="connsiteY19"/>
+                </a:cxn>
+                <a:cxn ang="0">
+                  <a:pos x="connsiteX20" y="connsiteY20"/>
+                </a:cxn>
+              </a:cxnLst>
+              <a:rect l="l" t="t" r="r" b="b"/>
+              <a:pathLst>
+                <a:path w="2249810" h="2294745">
+                  <a:moveTo>
+                    <a:pt x="49162" y="0"/>
+                  </a:moveTo>
+                  <a:lnTo>
+                    <a:pt x="2200648" y="0"/>
+                  </a:lnTo>
+                  <a:lnTo>
+                    <a:pt x="2210105" y="23601"/>
+                  </a:lnTo>
+                  <a:cubicBezTo>
+                    <a:pt x="2236898" y="106934"/>
+                    <a:pt x="2249810" y="205568"/>
+                    <a:pt x="2249810" y="326934"/>
+                  </a:cubicBezTo>
+                  <a:lnTo>
+                    <a:pt x="2249810" y="422824"/>
+                  </a:lnTo>
+                  <a:lnTo>
+                    <a:pt x="2249810" y="696534"/>
+                  </a:lnTo>
+                  <a:lnTo>
+                    <a:pt x="2249810" y="848826"/>
+                  </a:lnTo>
+                  <a:lnTo>
+                    <a:pt x="2249810" y="1058531"/>
+                  </a:lnTo>
+                  <a:lnTo>
+                    <a:pt x="2249810" y="1218426"/>
+                  </a:lnTo>
+                  <a:cubicBezTo>
+                    <a:pt x="2249810" y="1542068"/>
+                    <a:pt x="2157989" y="1704061"/>
+                    <a:pt x="1955981" y="1845313"/>
+                  </a:cubicBezTo>
+                  <a:cubicBezTo>
+                    <a:pt x="1745898" y="1967026"/>
+                    <a:pt x="1470144" y="2019115"/>
+                    <a:pt x="1225437" y="2208220"/>
+                  </a:cubicBezTo>
+                  <a:lnTo>
+                    <a:pt x="1123061" y="2294745"/>
+                  </a:lnTo>
+                  <a:lnTo>
+                    <a:pt x="1024372" y="2208220"/>
+                  </a:lnTo>
+                  <a:cubicBezTo>
+                    <a:pt x="779664" y="2019115"/>
+                    <a:pt x="503910" y="1967026"/>
+                    <a:pt x="293828" y="1845313"/>
+                  </a:cubicBezTo>
+                  <a:cubicBezTo>
+                    <a:pt x="91820" y="1704061"/>
+                    <a:pt x="0" y="1542068"/>
+                    <a:pt x="0" y="1218426"/>
+                  </a:cubicBezTo>
+                  <a:lnTo>
+                    <a:pt x="0" y="1058531"/>
+                  </a:lnTo>
+                  <a:lnTo>
+                    <a:pt x="0" y="848826"/>
+                  </a:lnTo>
+                  <a:lnTo>
+                    <a:pt x="0" y="696534"/>
+                  </a:lnTo>
+                  <a:lnTo>
+                    <a:pt x="0" y="422824"/>
+                  </a:lnTo>
+                  <a:lnTo>
+                    <a:pt x="0" y="326934"/>
+                  </a:lnTo>
+                  <a:cubicBezTo>
+                    <a:pt x="0" y="205568"/>
+                    <a:pt x="12912" y="106934"/>
+                    <a:pt x="39705" y="23601"/>
+                  </a:cubicBezTo>
+                  <a:close/>
+                </a:path>
+              </a:pathLst>
+            </a:custGeom>
+            <a:solidFill>
+              <a:schemeClr val="bg2">
+                <a:lumMod val="75000"/>
+                <a:alpha val="15000"/>
+              </a:schemeClr>
+            </a:solidFill>
+            <a:ln w="12700" cap="flat" cmpd="sng" algn="ctr">
+              <a:noFill/>
+              <a:prstDash val="solid"/>
+              <a:miter lim="800000"/>
+            </a:ln>
+            <a:effectLst/>
+          </p:spPr>
+          <p:style>
+            <a:lnRef idx="2">
+              <a:schemeClr val="accent1">
+                <a:shade val="50000"/>
+              </a:schemeClr>
+            </a:lnRef>
+            <a:fillRef idx="1">
+              <a:schemeClr val="accent1"/>
+            </a:fillRef>
+            <a:effectRef idx="0">
+              <a:schemeClr val="accent1"/>
+            </a:effectRef>
+            <a:fontRef idx="minor">
+              <a:schemeClr val="lt1"/>
+            </a:fontRef>
+          </p:style>
+          <p:txBody>
+            <a:bodyPr rtlCol="0" anchor="ctr"/>
+            <a:lstStyle/>
+            <a:p>
+              <a:pPr algn="ctr"/>
+              <a:endParaRPr lang="en-US"/>
+            </a:p>
+          </p:txBody>
+        </p:sp>
+        <p:sp>
+          <p:nvSpPr>
+            <p:cNvPr id="9" name="Freeform: Shape 8">
+              <a:extLst>
+                <a:ext uri="{FF2B5EF4-FFF2-40B4-BE49-F238E27FC236}">
+                  <a16:creationId xmlns:a16="http://schemas.microsoft.com/office/drawing/2014/main" id="{5DA0863A-55F7-4EB0-9451-F3EE4D65DBDB}"/>
+                </a:ext>
+                <a:ext uri="{C183D7F6-B498-43B3-948B-1728B52AA6E4}">
+                  <adec:decorative xmlns:adec="http://schemas.microsoft.com/office/drawing/2017/decorative" val="1"/>
+                </a:ext>
+              </a:extLst>
+            </p:cNvPr>
+            <p:cNvSpPr/>
+            <p:nvPr>
+              <p:extLst>
+                <p:ext uri="{386F3935-93C4-4BCD-93E2-E3B085C9AB24}">
+                  <p16:designElem xmlns:p16="http://schemas.microsoft.com/office/powerpoint/2015/main" val="1"/>
+                </p:ext>
+              </p:extLst>
+            </p:nvPr>
+          </p:nvSpPr>
+          <p:spPr>
+            <a:xfrm>
+              <a:off x="10597154" y="1907348"/>
+              <a:ext cx="1594846" cy="3044131"/>
+            </a:xfrm>
+            <a:custGeom>
+              <a:avLst/>
+              <a:gdLst>
+                <a:gd name="connsiteX0" fmla="*/ 1126749 w 1594846"/>
+                <a:gd name="connsiteY0" fmla="*/ 0 h 3044131"/>
+                <a:gd name="connsiteX1" fmla="*/ 1225438 w 1594846"/>
+                <a:gd name="connsiteY1" fmla="*/ 86525 h 3044131"/>
+                <a:gd name="connsiteX2" fmla="*/ 1413279 w 1594846"/>
+                <a:gd name="connsiteY2" fmla="*/ 205892 h 3044131"/>
+                <a:gd name="connsiteX3" fmla="*/ 1594846 w 1594846"/>
+                <a:gd name="connsiteY3" fmla="*/ 289191 h 3044131"/>
+                <a:gd name="connsiteX4" fmla="*/ 1594846 w 1594846"/>
+                <a:gd name="connsiteY4" fmla="*/ 2754939 h 3044131"/>
+                <a:gd name="connsiteX5" fmla="*/ 1413277 w 1594846"/>
+                <a:gd name="connsiteY5" fmla="*/ 2838239 h 3044131"/>
+                <a:gd name="connsiteX6" fmla="*/ 1225436 w 1594846"/>
+                <a:gd name="connsiteY6" fmla="*/ 2957606 h 3044131"/>
+                <a:gd name="connsiteX7" fmla="*/ 1123061 w 1594846"/>
+                <a:gd name="connsiteY7" fmla="*/ 3044131 h 3044131"/>
+                <a:gd name="connsiteX8" fmla="*/ 1024372 w 1594846"/>
+                <a:gd name="connsiteY8" fmla="*/ 2957606 h 3044131"/>
+                <a:gd name="connsiteX9" fmla="*/ 293828 w 1594846"/>
+                <a:gd name="connsiteY9" fmla="*/ 2594699 h 3044131"/>
+                <a:gd name="connsiteX10" fmla="*/ 0 w 1594846"/>
+                <a:gd name="connsiteY10" fmla="*/ 1967812 h 3044131"/>
+                <a:gd name="connsiteX11" fmla="*/ 0 w 1594846"/>
+                <a:gd name="connsiteY11" fmla="*/ 1807917 h 3044131"/>
+                <a:gd name="connsiteX12" fmla="*/ 0 w 1594846"/>
+                <a:gd name="connsiteY12" fmla="*/ 1598212 h 3044131"/>
+                <a:gd name="connsiteX13" fmla="*/ 0 w 1594846"/>
+                <a:gd name="connsiteY13" fmla="*/ 1445920 h 3044131"/>
+                <a:gd name="connsiteX14" fmla="*/ 0 w 1594846"/>
+                <a:gd name="connsiteY14" fmla="*/ 1172210 h 3044131"/>
+                <a:gd name="connsiteX15" fmla="*/ 0 w 1594846"/>
+                <a:gd name="connsiteY15" fmla="*/ 1076320 h 3044131"/>
+                <a:gd name="connsiteX16" fmla="*/ 293829 w 1594846"/>
+                <a:gd name="connsiteY16" fmla="*/ 449433 h 3044131"/>
+                <a:gd name="connsiteX17" fmla="*/ 1024374 w 1594846"/>
+                <a:gd name="connsiteY17" fmla="*/ 86525 h 3044131"/>
+              </a:gdLst>
+              <a:ahLst/>
+              <a:cxnLst>
+                <a:cxn ang="0">
+                  <a:pos x="connsiteX0" y="connsiteY0"/>
+                </a:cxn>
+                <a:cxn ang="0">
+                  <a:pos x="connsiteX1" y="connsiteY1"/>
+                </a:cxn>
+                <a:cxn ang="0">
+                  <a:pos x="connsiteX2" y="connsiteY2"/>
+                </a:cxn>
+                <a:cxn ang="0">
+                  <a:pos x="connsiteX3" y="connsiteY3"/>
+                </a:cxn>
+                <a:cxn ang="0">
+                  <a:pos x="connsiteX4" y="connsiteY4"/>
+                </a:cxn>
+                <a:cxn ang="0">
+                  <a:pos x="connsiteX5" y="connsiteY5"/>
+                </a:cxn>
+                <a:cxn ang="0">
+                  <a:pos x="connsiteX6" y="connsiteY6"/>
+                </a:cxn>
+                <a:cxn ang="0">
+                  <a:pos x="connsiteX7" y="connsiteY7"/>
+                </a:cxn>
+                <a:cxn ang="0">
+                  <a:pos x="connsiteX8" y="connsiteY8"/>
+                </a:cxn>
+                <a:cxn ang="0">
+                  <a:pos x="connsiteX9" y="connsiteY9"/>
+                </a:cxn>
+                <a:cxn ang="0">
+                  <a:pos x="connsiteX10" y="connsiteY10"/>
+                </a:cxn>
+                <a:cxn ang="0">
+                  <a:pos x="connsiteX11" y="connsiteY11"/>
+                </a:cxn>
+                <a:cxn ang="0">
+                  <a:pos x="connsiteX12" y="connsiteY12"/>
+                </a:cxn>
+                <a:cxn ang="0">
+                  <a:pos x="connsiteX13" y="connsiteY13"/>
+                </a:cxn>
+                <a:cxn ang="0">
+                  <a:pos x="connsiteX14" y="connsiteY14"/>
+                </a:cxn>
+                <a:cxn ang="0">
+                  <a:pos x="connsiteX15" y="connsiteY15"/>
+                </a:cxn>
+                <a:cxn ang="0">
+                  <a:pos x="connsiteX16" y="connsiteY16"/>
+                </a:cxn>
+                <a:cxn ang="0">
+                  <a:pos x="connsiteX17" y="connsiteY17"/>
+                </a:cxn>
+              </a:cxnLst>
+              <a:rect l="l" t="t" r="r" b="b"/>
+              <a:pathLst>
+                <a:path w="1594846" h="3044131">
+                  <a:moveTo>
+                    <a:pt x="1126749" y="0"/>
+                  </a:moveTo>
+                  <a:lnTo>
+                    <a:pt x="1225438" y="86525"/>
+                  </a:lnTo>
+                  <a:cubicBezTo>
+                    <a:pt x="1286615" y="133801"/>
+                    <a:pt x="1349732" y="172514"/>
+                    <a:pt x="1413279" y="205892"/>
+                  </a:cubicBezTo>
+                  <a:lnTo>
+                    <a:pt x="1594846" y="289191"/>
+                  </a:lnTo>
+                  <a:lnTo>
+                    <a:pt x="1594846" y="2754939"/>
+                  </a:lnTo>
+                  <a:lnTo>
+                    <a:pt x="1413277" y="2838239"/>
+                  </a:lnTo>
+                  <a:cubicBezTo>
+                    <a:pt x="1349730" y="2871617"/>
+                    <a:pt x="1286613" y="2910330"/>
+                    <a:pt x="1225436" y="2957606"/>
+                  </a:cubicBezTo>
+                  <a:lnTo>
+                    <a:pt x="1123061" y="3044131"/>
+                  </a:lnTo>
+                  <a:lnTo>
+                    <a:pt x="1024372" y="2957606"/>
+                  </a:lnTo>
+                  <a:cubicBezTo>
+                    <a:pt x="779664" y="2768501"/>
+                    <a:pt x="503910" y="2716412"/>
+                    <a:pt x="293828" y="2594699"/>
+                  </a:cubicBezTo>
+                  <a:cubicBezTo>
+                    <a:pt x="91820" y="2453447"/>
+                    <a:pt x="0" y="2291454"/>
+                    <a:pt x="0" y="1967812"/>
+                  </a:cubicBezTo>
+                  <a:lnTo>
+                    <a:pt x="0" y="1807917"/>
+                  </a:lnTo>
+                  <a:lnTo>
+                    <a:pt x="0" y="1598212"/>
+                  </a:lnTo>
+                  <a:lnTo>
+                    <a:pt x="0" y="1445920"/>
+                  </a:lnTo>
+                  <a:lnTo>
+                    <a:pt x="0" y="1172210"/>
+                  </a:lnTo>
+                  <a:lnTo>
+                    <a:pt x="0" y="1076320"/>
+                  </a:lnTo>
+                  <a:cubicBezTo>
+                    <a:pt x="0" y="752678"/>
+                    <a:pt x="91821" y="590684"/>
+                    <a:pt x="293829" y="449433"/>
+                  </a:cubicBezTo>
+                  <a:cubicBezTo>
+                    <a:pt x="503912" y="327719"/>
+                    <a:pt x="779665" y="275630"/>
+                    <a:pt x="1024374" y="86525"/>
+                  </a:cubicBezTo>
+                  <a:close/>
+                </a:path>
+              </a:pathLst>
+            </a:custGeom>
+            <a:solidFill>
+              <a:schemeClr val="bg2">
+                <a:lumMod val="75000"/>
+                <a:alpha val="15000"/>
+              </a:schemeClr>
+            </a:solidFill>
+            <a:ln>
+              <a:noFill/>
+            </a:ln>
+          </p:spPr>
+          <p:style>
+            <a:lnRef idx="2">
+              <a:schemeClr val="accent1">
+                <a:shade val="50000"/>
+              </a:schemeClr>
+            </a:lnRef>
+            <a:fillRef idx="1">
+              <a:schemeClr val="accent1"/>
+            </a:fillRef>
+            <a:effectRef idx="0">
+              <a:schemeClr val="accent1"/>
+            </a:effectRef>
+            <a:fontRef idx="minor">
+              <a:schemeClr val="lt1"/>
+            </a:fontRef>
+          </p:style>
+          <p:txBody>
+            <a:bodyPr wrap="square" rtlCol="0" anchor="ctr">
+              <a:noAutofit/>
+            </a:bodyPr>
+            <a:lstStyle/>
+            <a:p>
+              <a:pPr algn="ctr"/>
+              <a:endParaRPr lang="en-US"/>
+            </a:p>
+          </p:txBody>
+        </p:sp>
+        <p:sp>
+          <p:nvSpPr>
+            <p:cNvPr id="10" name="Freeform: Shape 9">
+              <a:extLst>
+                <a:ext uri="{FF2B5EF4-FFF2-40B4-BE49-F238E27FC236}">
+                  <a16:creationId xmlns:a16="http://schemas.microsoft.com/office/drawing/2014/main" id="{5FE7CFE2-40F6-44B2-8AAD-0C384EEFCF7E}"/>
+                </a:ext>
+                <a:ext uri="{C183D7F6-B498-43B3-948B-1728B52AA6E4}">
+                  <adec:decorative xmlns:adec="http://schemas.microsoft.com/office/drawing/2017/decorative" val="1"/>
+                </a:ext>
+              </a:extLst>
+            </p:cNvPr>
+            <p:cNvSpPr/>
+            <p:nvPr>
+              <p:extLst>
+                <p:ext uri="{386F3935-93C4-4BCD-93E2-E3B085C9AB24}">
+                  <p16:designElem xmlns:p16="http://schemas.microsoft.com/office/powerpoint/2015/main" val="1"/>
+                </p:ext>
+              </p:extLst>
+            </p:nvPr>
+          </p:nvSpPr>
+          <p:spPr>
+            <a:xfrm>
+              <a:off x="9265700" y="7622"/>
+              <a:ext cx="2372219" cy="2371961"/>
+            </a:xfrm>
+            <a:custGeom>
+              <a:avLst/>
+              <a:gdLst>
+                <a:gd name="connsiteX0" fmla="*/ 2144960 w 4282900"/>
+                <a:gd name="connsiteY0" fmla="*/ 0 h 5795027"/>
+                <a:gd name="connsiteX1" fmla="*/ 2332832 w 4282900"/>
+                <a:gd name="connsiteY1" fmla="*/ 164715 h 5795027"/>
+                <a:gd name="connsiteX2" fmla="*/ 3723546 w 4282900"/>
+                <a:gd name="connsiteY2" fmla="*/ 855573 h 5795027"/>
+                <a:gd name="connsiteX3" fmla="*/ 4282900 w 4282900"/>
+                <a:gd name="connsiteY3" fmla="*/ 2048959 h 5795027"/>
+                <a:gd name="connsiteX4" fmla="*/ 4282900 w 4282900"/>
+                <a:gd name="connsiteY4" fmla="*/ 2231503 h 5795027"/>
+                <a:gd name="connsiteX5" fmla="*/ 4282900 w 4282900"/>
+                <a:gd name="connsiteY5" fmla="*/ 2752557 h 5795027"/>
+                <a:gd name="connsiteX6" fmla="*/ 4282900 w 4282900"/>
+                <a:gd name="connsiteY6" fmla="*/ 3042471 h 5795027"/>
+                <a:gd name="connsiteX7" fmla="*/ 4282900 w 4282900"/>
+                <a:gd name="connsiteY7" fmla="*/ 3441681 h 5795027"/>
+                <a:gd name="connsiteX8" fmla="*/ 4282900 w 4282900"/>
+                <a:gd name="connsiteY8" fmla="*/ 3746068 h 5795027"/>
+                <a:gd name="connsiteX9" fmla="*/ 3723546 w 4282900"/>
+                <a:gd name="connsiteY9" fmla="*/ 4939455 h 5795027"/>
+                <a:gd name="connsiteX10" fmla="*/ 2332829 w 4282900"/>
+                <a:gd name="connsiteY10" fmla="*/ 5630311 h 5795027"/>
+                <a:gd name="connsiteX11" fmla="*/ 2137940 w 4282900"/>
+                <a:gd name="connsiteY11" fmla="*/ 5795027 h 5795027"/>
+                <a:gd name="connsiteX12" fmla="*/ 1950069 w 4282900"/>
+                <a:gd name="connsiteY12" fmla="*/ 5630311 h 5795027"/>
+                <a:gd name="connsiteX13" fmla="*/ 559353 w 4282900"/>
+                <a:gd name="connsiteY13" fmla="*/ 4939455 h 5795027"/>
+                <a:gd name="connsiteX14" fmla="*/ 0 w 4282900"/>
+                <a:gd name="connsiteY14" fmla="*/ 3746068 h 5795027"/>
+                <a:gd name="connsiteX15" fmla="*/ 0 w 4282900"/>
+                <a:gd name="connsiteY15" fmla="*/ 3441681 h 5795027"/>
+                <a:gd name="connsiteX16" fmla="*/ 0 w 4282900"/>
+                <a:gd name="connsiteY16" fmla="*/ 3042471 h 5795027"/>
+                <a:gd name="connsiteX17" fmla="*/ 0 w 4282900"/>
+                <a:gd name="connsiteY17" fmla="*/ 2752557 h 5795027"/>
+                <a:gd name="connsiteX18" fmla="*/ 0 w 4282900"/>
+                <a:gd name="connsiteY18" fmla="*/ 2231503 h 5795027"/>
+                <a:gd name="connsiteX19" fmla="*/ 0 w 4282900"/>
+                <a:gd name="connsiteY19" fmla="*/ 2048959 h 5795027"/>
+                <a:gd name="connsiteX20" fmla="*/ 559354 w 4282900"/>
+                <a:gd name="connsiteY20" fmla="*/ 855573 h 5795027"/>
+                <a:gd name="connsiteX21" fmla="*/ 1950071 w 4282900"/>
+                <a:gd name="connsiteY21" fmla="*/ 164715 h 5795027"/>
+                <a:gd name="connsiteX0" fmla="*/ 4282900 w 4447989"/>
+                <a:gd name="connsiteY0" fmla="*/ 2048959 h 5795027"/>
+                <a:gd name="connsiteX1" fmla="*/ 4282900 w 4447989"/>
+                <a:gd name="connsiteY1" fmla="*/ 2231503 h 5795027"/>
+                <a:gd name="connsiteX2" fmla="*/ 4282900 w 4447989"/>
+                <a:gd name="connsiteY2" fmla="*/ 2752557 h 5795027"/>
+                <a:gd name="connsiteX3" fmla="*/ 4282900 w 4447989"/>
+                <a:gd name="connsiteY3" fmla="*/ 3042471 h 5795027"/>
+                <a:gd name="connsiteX4" fmla="*/ 4282900 w 4447989"/>
+                <a:gd name="connsiteY4" fmla="*/ 3441681 h 5795027"/>
+                <a:gd name="connsiteX5" fmla="*/ 4282900 w 4447989"/>
+                <a:gd name="connsiteY5" fmla="*/ 3746068 h 5795027"/>
+                <a:gd name="connsiteX6" fmla="*/ 3723546 w 4447989"/>
+                <a:gd name="connsiteY6" fmla="*/ 4939455 h 5795027"/>
+                <a:gd name="connsiteX7" fmla="*/ 2332829 w 4447989"/>
+                <a:gd name="connsiteY7" fmla="*/ 5630311 h 5795027"/>
+                <a:gd name="connsiteX8" fmla="*/ 2137940 w 4447989"/>
+                <a:gd name="connsiteY8" fmla="*/ 5795027 h 5795027"/>
+                <a:gd name="connsiteX9" fmla="*/ 1950069 w 4447989"/>
+                <a:gd name="connsiteY9" fmla="*/ 5630311 h 5795027"/>
+                <a:gd name="connsiteX10" fmla="*/ 559353 w 4447989"/>
+                <a:gd name="connsiteY10" fmla="*/ 4939455 h 5795027"/>
+                <a:gd name="connsiteX11" fmla="*/ 0 w 4447989"/>
+                <a:gd name="connsiteY11" fmla="*/ 3746068 h 5795027"/>
+                <a:gd name="connsiteX12" fmla="*/ 0 w 4447989"/>
+                <a:gd name="connsiteY12" fmla="*/ 3441681 h 5795027"/>
+                <a:gd name="connsiteX13" fmla="*/ 0 w 4447989"/>
+                <a:gd name="connsiteY13" fmla="*/ 3042471 h 5795027"/>
+                <a:gd name="connsiteX14" fmla="*/ 0 w 4447989"/>
+                <a:gd name="connsiteY14" fmla="*/ 2752557 h 5795027"/>
+                <a:gd name="connsiteX15" fmla="*/ 0 w 4447989"/>
+                <a:gd name="connsiteY15" fmla="*/ 2231503 h 5795027"/>
+                <a:gd name="connsiteX16" fmla="*/ 0 w 4447989"/>
+                <a:gd name="connsiteY16" fmla="*/ 2048959 h 5795027"/>
+                <a:gd name="connsiteX17" fmla="*/ 559354 w 4447989"/>
+                <a:gd name="connsiteY17" fmla="*/ 855573 h 5795027"/>
+                <a:gd name="connsiteX18" fmla="*/ 1950071 w 4447989"/>
+                <a:gd name="connsiteY18" fmla="*/ 164715 h 5795027"/>
+                <a:gd name="connsiteX19" fmla="*/ 2144960 w 4447989"/>
+                <a:gd name="connsiteY19" fmla="*/ 0 h 5795027"/>
+                <a:gd name="connsiteX20" fmla="*/ 2332832 w 4447989"/>
+                <a:gd name="connsiteY20" fmla="*/ 164715 h 5795027"/>
+                <a:gd name="connsiteX21" fmla="*/ 3723546 w 4447989"/>
+                <a:gd name="connsiteY21" fmla="*/ 855573 h 5795027"/>
+                <a:gd name="connsiteX22" fmla="*/ 4447989 w 4447989"/>
+                <a:gd name="connsiteY22" fmla="*/ 2214048 h 5795027"/>
+                <a:gd name="connsiteX0" fmla="*/ 4282900 w 4282900"/>
+                <a:gd name="connsiteY0" fmla="*/ 2048959 h 5795027"/>
+                <a:gd name="connsiteX1" fmla="*/ 4282900 w 4282900"/>
+                <a:gd name="connsiteY1" fmla="*/ 2231503 h 5795027"/>
+                <a:gd name="connsiteX2" fmla="*/ 4282900 w 4282900"/>
+                <a:gd name="connsiteY2" fmla="*/ 2752557 h 5795027"/>
+                <a:gd name="connsiteX3" fmla="*/ 4282900 w 4282900"/>
+                <a:gd name="connsiteY3" fmla="*/ 3042471 h 5795027"/>
+                <a:gd name="connsiteX4" fmla="*/ 4282900 w 4282900"/>
+                <a:gd name="connsiteY4" fmla="*/ 3441681 h 5795027"/>
+                <a:gd name="connsiteX5" fmla="*/ 4282900 w 4282900"/>
+                <a:gd name="connsiteY5" fmla="*/ 3746068 h 5795027"/>
+                <a:gd name="connsiteX6" fmla="*/ 3723546 w 4282900"/>
+                <a:gd name="connsiteY6" fmla="*/ 4939455 h 5795027"/>
+                <a:gd name="connsiteX7" fmla="*/ 2332829 w 4282900"/>
+                <a:gd name="connsiteY7" fmla="*/ 5630311 h 5795027"/>
+                <a:gd name="connsiteX8" fmla="*/ 2137940 w 4282900"/>
+                <a:gd name="connsiteY8" fmla="*/ 5795027 h 5795027"/>
+                <a:gd name="connsiteX9" fmla="*/ 1950069 w 4282900"/>
+                <a:gd name="connsiteY9" fmla="*/ 5630311 h 5795027"/>
+                <a:gd name="connsiteX10" fmla="*/ 559353 w 4282900"/>
+                <a:gd name="connsiteY10" fmla="*/ 4939455 h 5795027"/>
+                <a:gd name="connsiteX11" fmla="*/ 0 w 4282900"/>
+                <a:gd name="connsiteY11" fmla="*/ 3746068 h 5795027"/>
+                <a:gd name="connsiteX12" fmla="*/ 0 w 4282900"/>
+                <a:gd name="connsiteY12" fmla="*/ 3441681 h 5795027"/>
+                <a:gd name="connsiteX13" fmla="*/ 0 w 4282900"/>
+                <a:gd name="connsiteY13" fmla="*/ 3042471 h 5795027"/>
+                <a:gd name="connsiteX14" fmla="*/ 0 w 4282900"/>
+                <a:gd name="connsiteY14" fmla="*/ 2752557 h 5795027"/>
+                <a:gd name="connsiteX15" fmla="*/ 0 w 4282900"/>
+                <a:gd name="connsiteY15" fmla="*/ 2231503 h 5795027"/>
+                <a:gd name="connsiteX16" fmla="*/ 0 w 4282900"/>
+                <a:gd name="connsiteY16" fmla="*/ 2048959 h 5795027"/>
+                <a:gd name="connsiteX17" fmla="*/ 559354 w 4282900"/>
+                <a:gd name="connsiteY17" fmla="*/ 855573 h 5795027"/>
+                <a:gd name="connsiteX18" fmla="*/ 1950071 w 4282900"/>
+                <a:gd name="connsiteY18" fmla="*/ 164715 h 5795027"/>
+                <a:gd name="connsiteX19" fmla="*/ 2144960 w 4282900"/>
+                <a:gd name="connsiteY19" fmla="*/ 0 h 5795027"/>
+                <a:gd name="connsiteX20" fmla="*/ 2332832 w 4282900"/>
+                <a:gd name="connsiteY20" fmla="*/ 164715 h 5795027"/>
+                <a:gd name="connsiteX21" fmla="*/ 3723546 w 4282900"/>
+                <a:gd name="connsiteY21" fmla="*/ 855573 h 5795027"/>
+                <a:gd name="connsiteX0" fmla="*/ 4248071 w 4282900"/>
+                <a:gd name="connsiteY0" fmla="*/ 1519558 h 5795027"/>
+                <a:gd name="connsiteX1" fmla="*/ 4282900 w 4282900"/>
+                <a:gd name="connsiteY1" fmla="*/ 2231503 h 5795027"/>
+                <a:gd name="connsiteX2" fmla="*/ 4282900 w 4282900"/>
+                <a:gd name="connsiteY2" fmla="*/ 2752557 h 5795027"/>
+                <a:gd name="connsiteX3" fmla="*/ 4282900 w 4282900"/>
+                <a:gd name="connsiteY3" fmla="*/ 3042471 h 5795027"/>
+                <a:gd name="connsiteX4" fmla="*/ 4282900 w 4282900"/>
+                <a:gd name="connsiteY4" fmla="*/ 3441681 h 5795027"/>
+                <a:gd name="connsiteX5" fmla="*/ 4282900 w 4282900"/>
+                <a:gd name="connsiteY5" fmla="*/ 3746068 h 5795027"/>
+                <a:gd name="connsiteX6" fmla="*/ 3723546 w 4282900"/>
+                <a:gd name="connsiteY6" fmla="*/ 4939455 h 5795027"/>
+                <a:gd name="connsiteX7" fmla="*/ 2332829 w 4282900"/>
+                <a:gd name="connsiteY7" fmla="*/ 5630311 h 5795027"/>
+                <a:gd name="connsiteX8" fmla="*/ 2137940 w 4282900"/>
+                <a:gd name="connsiteY8" fmla="*/ 5795027 h 5795027"/>
+                <a:gd name="connsiteX9" fmla="*/ 1950069 w 4282900"/>
+                <a:gd name="connsiteY9" fmla="*/ 5630311 h 5795027"/>
+                <a:gd name="connsiteX10" fmla="*/ 559353 w 4282900"/>
+                <a:gd name="connsiteY10" fmla="*/ 4939455 h 5795027"/>
+                <a:gd name="connsiteX11" fmla="*/ 0 w 4282900"/>
+                <a:gd name="connsiteY11" fmla="*/ 3746068 h 5795027"/>
+                <a:gd name="connsiteX12" fmla="*/ 0 w 4282900"/>
+                <a:gd name="connsiteY12" fmla="*/ 3441681 h 5795027"/>
+                <a:gd name="connsiteX13" fmla="*/ 0 w 4282900"/>
+                <a:gd name="connsiteY13" fmla="*/ 3042471 h 5795027"/>
+                <a:gd name="connsiteX14" fmla="*/ 0 w 4282900"/>
+                <a:gd name="connsiteY14" fmla="*/ 2752557 h 5795027"/>
+                <a:gd name="connsiteX15" fmla="*/ 0 w 4282900"/>
+                <a:gd name="connsiteY15" fmla="*/ 2231503 h 5795027"/>
+                <a:gd name="connsiteX16" fmla="*/ 0 w 4282900"/>
+                <a:gd name="connsiteY16" fmla="*/ 2048959 h 5795027"/>
+                <a:gd name="connsiteX17" fmla="*/ 559354 w 4282900"/>
+                <a:gd name="connsiteY17" fmla="*/ 855573 h 5795027"/>
+                <a:gd name="connsiteX18" fmla="*/ 1950071 w 4282900"/>
+                <a:gd name="connsiteY18" fmla="*/ 164715 h 5795027"/>
+                <a:gd name="connsiteX19" fmla="*/ 2144960 w 4282900"/>
+                <a:gd name="connsiteY19" fmla="*/ 0 h 5795027"/>
+                <a:gd name="connsiteX20" fmla="*/ 2332832 w 4282900"/>
+                <a:gd name="connsiteY20" fmla="*/ 164715 h 5795027"/>
+                <a:gd name="connsiteX21" fmla="*/ 3723546 w 4282900"/>
+                <a:gd name="connsiteY21" fmla="*/ 855573 h 5795027"/>
+                <a:gd name="connsiteX0" fmla="*/ 4248071 w 4292243"/>
+                <a:gd name="connsiteY0" fmla="*/ 1519558 h 5795027"/>
+                <a:gd name="connsiteX1" fmla="*/ 4282900 w 4292243"/>
+                <a:gd name="connsiteY1" fmla="*/ 2231503 h 5795027"/>
+                <a:gd name="connsiteX2" fmla="*/ 4282900 w 4292243"/>
+                <a:gd name="connsiteY2" fmla="*/ 2752557 h 5795027"/>
+                <a:gd name="connsiteX3" fmla="*/ 4282900 w 4292243"/>
+                <a:gd name="connsiteY3" fmla="*/ 3042471 h 5795027"/>
+                <a:gd name="connsiteX4" fmla="*/ 4282900 w 4292243"/>
+                <a:gd name="connsiteY4" fmla="*/ 3441681 h 5795027"/>
+                <a:gd name="connsiteX5" fmla="*/ 4282900 w 4292243"/>
+                <a:gd name="connsiteY5" fmla="*/ 3746068 h 5795027"/>
+                <a:gd name="connsiteX6" fmla="*/ 3723546 w 4292243"/>
+                <a:gd name="connsiteY6" fmla="*/ 4939455 h 5795027"/>
+                <a:gd name="connsiteX7" fmla="*/ 2332829 w 4292243"/>
+                <a:gd name="connsiteY7" fmla="*/ 5630311 h 5795027"/>
+                <a:gd name="connsiteX8" fmla="*/ 2137940 w 4292243"/>
+                <a:gd name="connsiteY8" fmla="*/ 5795027 h 5795027"/>
+                <a:gd name="connsiteX9" fmla="*/ 1950069 w 4292243"/>
+                <a:gd name="connsiteY9" fmla="*/ 5630311 h 5795027"/>
+                <a:gd name="connsiteX10" fmla="*/ 559353 w 4292243"/>
+                <a:gd name="connsiteY10" fmla="*/ 4939455 h 5795027"/>
+                <a:gd name="connsiteX11" fmla="*/ 0 w 4292243"/>
+                <a:gd name="connsiteY11" fmla="*/ 3746068 h 5795027"/>
+                <a:gd name="connsiteX12" fmla="*/ 0 w 4292243"/>
+                <a:gd name="connsiteY12" fmla="*/ 3441681 h 5795027"/>
+                <a:gd name="connsiteX13" fmla="*/ 0 w 4292243"/>
+                <a:gd name="connsiteY13" fmla="*/ 3042471 h 5795027"/>
+                <a:gd name="connsiteX14" fmla="*/ 0 w 4292243"/>
+                <a:gd name="connsiteY14" fmla="*/ 2752557 h 5795027"/>
+                <a:gd name="connsiteX15" fmla="*/ 0 w 4292243"/>
+                <a:gd name="connsiteY15" fmla="*/ 2231503 h 5795027"/>
+                <a:gd name="connsiteX16" fmla="*/ 0 w 4292243"/>
+                <a:gd name="connsiteY16" fmla="*/ 2048959 h 5795027"/>
+                <a:gd name="connsiteX17" fmla="*/ 559354 w 4292243"/>
+                <a:gd name="connsiteY17" fmla="*/ 855573 h 5795027"/>
+                <a:gd name="connsiteX18" fmla="*/ 1950071 w 4292243"/>
+                <a:gd name="connsiteY18" fmla="*/ 164715 h 5795027"/>
+                <a:gd name="connsiteX19" fmla="*/ 2144960 w 4292243"/>
+                <a:gd name="connsiteY19" fmla="*/ 0 h 5795027"/>
+                <a:gd name="connsiteX20" fmla="*/ 2332832 w 4292243"/>
+                <a:gd name="connsiteY20" fmla="*/ 164715 h 5795027"/>
+                <a:gd name="connsiteX21" fmla="*/ 3723546 w 4292243"/>
+                <a:gd name="connsiteY21" fmla="*/ 855573 h 5795027"/>
+                <a:gd name="connsiteX0" fmla="*/ 4213242 w 4282900"/>
+                <a:gd name="connsiteY0" fmla="*/ 1512593 h 5795027"/>
+                <a:gd name="connsiteX1" fmla="*/ 4282900 w 4282900"/>
+                <a:gd name="connsiteY1" fmla="*/ 2231503 h 5795027"/>
+                <a:gd name="connsiteX2" fmla="*/ 4282900 w 4282900"/>
+                <a:gd name="connsiteY2" fmla="*/ 2752557 h 5795027"/>
+                <a:gd name="connsiteX3" fmla="*/ 4282900 w 4282900"/>
+                <a:gd name="connsiteY3" fmla="*/ 3042471 h 5795027"/>
+                <a:gd name="connsiteX4" fmla="*/ 4282900 w 4282900"/>
+                <a:gd name="connsiteY4" fmla="*/ 3441681 h 5795027"/>
+                <a:gd name="connsiteX5" fmla="*/ 4282900 w 4282900"/>
+                <a:gd name="connsiteY5" fmla="*/ 3746068 h 5795027"/>
+                <a:gd name="connsiteX6" fmla="*/ 3723546 w 4282900"/>
+                <a:gd name="connsiteY6" fmla="*/ 4939455 h 5795027"/>
+                <a:gd name="connsiteX7" fmla="*/ 2332829 w 4282900"/>
+                <a:gd name="connsiteY7" fmla="*/ 5630311 h 5795027"/>
+                <a:gd name="connsiteX8" fmla="*/ 2137940 w 4282900"/>
+                <a:gd name="connsiteY8" fmla="*/ 5795027 h 5795027"/>
+                <a:gd name="connsiteX9" fmla="*/ 1950069 w 4282900"/>
+                <a:gd name="connsiteY9" fmla="*/ 5630311 h 5795027"/>
+                <a:gd name="connsiteX10" fmla="*/ 559353 w 4282900"/>
+                <a:gd name="connsiteY10" fmla="*/ 4939455 h 5795027"/>
+                <a:gd name="connsiteX11" fmla="*/ 0 w 4282900"/>
+                <a:gd name="connsiteY11" fmla="*/ 3746068 h 5795027"/>
+                <a:gd name="connsiteX12" fmla="*/ 0 w 4282900"/>
+                <a:gd name="connsiteY12" fmla="*/ 3441681 h 5795027"/>
+                <a:gd name="connsiteX13" fmla="*/ 0 w 4282900"/>
+                <a:gd name="connsiteY13" fmla="*/ 3042471 h 5795027"/>
+                <a:gd name="connsiteX14" fmla="*/ 0 w 4282900"/>
+                <a:gd name="connsiteY14" fmla="*/ 2752557 h 5795027"/>
+                <a:gd name="connsiteX15" fmla="*/ 0 w 4282900"/>
+                <a:gd name="connsiteY15" fmla="*/ 2231503 h 5795027"/>
+                <a:gd name="connsiteX16" fmla="*/ 0 w 4282900"/>
+                <a:gd name="connsiteY16" fmla="*/ 2048959 h 5795027"/>
+                <a:gd name="connsiteX17" fmla="*/ 559354 w 4282900"/>
+                <a:gd name="connsiteY17" fmla="*/ 855573 h 5795027"/>
+                <a:gd name="connsiteX18" fmla="*/ 1950071 w 4282900"/>
+                <a:gd name="connsiteY18" fmla="*/ 164715 h 5795027"/>
+                <a:gd name="connsiteX19" fmla="*/ 2144960 w 4282900"/>
+                <a:gd name="connsiteY19" fmla="*/ 0 h 5795027"/>
+                <a:gd name="connsiteX20" fmla="*/ 2332832 w 4282900"/>
+                <a:gd name="connsiteY20" fmla="*/ 164715 h 5795027"/>
+                <a:gd name="connsiteX21" fmla="*/ 3723546 w 4282900"/>
+                <a:gd name="connsiteY21" fmla="*/ 855573 h 5795027"/>
+                <a:gd name="connsiteX0" fmla="*/ 4213242 w 4282900"/>
+                <a:gd name="connsiteY0" fmla="*/ 1512593 h 5795027"/>
+                <a:gd name="connsiteX1" fmla="*/ 4282900 w 4282900"/>
+                <a:gd name="connsiteY1" fmla="*/ 2231503 h 5795027"/>
+                <a:gd name="connsiteX2" fmla="*/ 4282900 w 4282900"/>
+                <a:gd name="connsiteY2" fmla="*/ 2752557 h 5795027"/>
+                <a:gd name="connsiteX3" fmla="*/ 4282900 w 4282900"/>
+                <a:gd name="connsiteY3" fmla="*/ 3042471 h 5795027"/>
+                <a:gd name="connsiteX4" fmla="*/ 4282900 w 4282900"/>
+                <a:gd name="connsiteY4" fmla="*/ 3441681 h 5795027"/>
+                <a:gd name="connsiteX5" fmla="*/ 4282900 w 4282900"/>
+                <a:gd name="connsiteY5" fmla="*/ 3746068 h 5795027"/>
+                <a:gd name="connsiteX6" fmla="*/ 3723546 w 4282900"/>
+                <a:gd name="connsiteY6" fmla="*/ 4939455 h 5795027"/>
+                <a:gd name="connsiteX7" fmla="*/ 2332829 w 4282900"/>
+                <a:gd name="connsiteY7" fmla="*/ 5630311 h 5795027"/>
+                <a:gd name="connsiteX8" fmla="*/ 2137940 w 4282900"/>
+                <a:gd name="connsiteY8" fmla="*/ 5795027 h 5795027"/>
+                <a:gd name="connsiteX9" fmla="*/ 1950069 w 4282900"/>
+                <a:gd name="connsiteY9" fmla="*/ 5630311 h 5795027"/>
+                <a:gd name="connsiteX10" fmla="*/ 559353 w 4282900"/>
+                <a:gd name="connsiteY10" fmla="*/ 4939455 h 5795027"/>
+                <a:gd name="connsiteX11" fmla="*/ 0 w 4282900"/>
+                <a:gd name="connsiteY11" fmla="*/ 3746068 h 5795027"/>
+                <a:gd name="connsiteX12" fmla="*/ 0 w 4282900"/>
+                <a:gd name="connsiteY12" fmla="*/ 3441681 h 5795027"/>
+                <a:gd name="connsiteX13" fmla="*/ 0 w 4282900"/>
+                <a:gd name="connsiteY13" fmla="*/ 3042471 h 5795027"/>
+                <a:gd name="connsiteX14" fmla="*/ 0 w 4282900"/>
+                <a:gd name="connsiteY14" fmla="*/ 2752557 h 5795027"/>
+                <a:gd name="connsiteX15" fmla="*/ 0 w 4282900"/>
+                <a:gd name="connsiteY15" fmla="*/ 2231503 h 5795027"/>
+                <a:gd name="connsiteX16" fmla="*/ 0 w 4282900"/>
+                <a:gd name="connsiteY16" fmla="*/ 2048959 h 5795027"/>
+                <a:gd name="connsiteX17" fmla="*/ 559354 w 4282900"/>
+                <a:gd name="connsiteY17" fmla="*/ 855573 h 5795027"/>
+                <a:gd name="connsiteX18" fmla="*/ 1950071 w 4282900"/>
+                <a:gd name="connsiteY18" fmla="*/ 164715 h 5795027"/>
+                <a:gd name="connsiteX19" fmla="*/ 2144960 w 4282900"/>
+                <a:gd name="connsiteY19" fmla="*/ 0 h 5795027"/>
+                <a:gd name="connsiteX20" fmla="*/ 2332832 w 4282900"/>
+                <a:gd name="connsiteY20" fmla="*/ 164715 h 5795027"/>
+                <a:gd name="connsiteX0" fmla="*/ 4213242 w 4282900"/>
+                <a:gd name="connsiteY0" fmla="*/ 1512593 h 5795027"/>
+                <a:gd name="connsiteX1" fmla="*/ 4282900 w 4282900"/>
+                <a:gd name="connsiteY1" fmla="*/ 2231503 h 5795027"/>
+                <a:gd name="connsiteX2" fmla="*/ 4282900 w 4282900"/>
+                <a:gd name="connsiteY2" fmla="*/ 2752557 h 5795027"/>
+                <a:gd name="connsiteX3" fmla="*/ 4282900 w 4282900"/>
+                <a:gd name="connsiteY3" fmla="*/ 3042471 h 5795027"/>
+                <a:gd name="connsiteX4" fmla="*/ 4282900 w 4282900"/>
+                <a:gd name="connsiteY4" fmla="*/ 3441681 h 5795027"/>
+                <a:gd name="connsiteX5" fmla="*/ 4282900 w 4282900"/>
+                <a:gd name="connsiteY5" fmla="*/ 3746068 h 5795027"/>
+                <a:gd name="connsiteX6" fmla="*/ 3723546 w 4282900"/>
+                <a:gd name="connsiteY6" fmla="*/ 4939455 h 5795027"/>
+                <a:gd name="connsiteX7" fmla="*/ 2332829 w 4282900"/>
+                <a:gd name="connsiteY7" fmla="*/ 5630311 h 5795027"/>
+                <a:gd name="connsiteX8" fmla="*/ 2137940 w 4282900"/>
+                <a:gd name="connsiteY8" fmla="*/ 5795027 h 5795027"/>
+                <a:gd name="connsiteX9" fmla="*/ 1950069 w 4282900"/>
+                <a:gd name="connsiteY9" fmla="*/ 5630311 h 5795027"/>
+                <a:gd name="connsiteX10" fmla="*/ 559353 w 4282900"/>
+                <a:gd name="connsiteY10" fmla="*/ 4939455 h 5795027"/>
+                <a:gd name="connsiteX11" fmla="*/ 0 w 4282900"/>
+                <a:gd name="connsiteY11" fmla="*/ 3746068 h 5795027"/>
+                <a:gd name="connsiteX12" fmla="*/ 0 w 4282900"/>
+                <a:gd name="connsiteY12" fmla="*/ 3441681 h 5795027"/>
+                <a:gd name="connsiteX13" fmla="*/ 0 w 4282900"/>
+                <a:gd name="connsiteY13" fmla="*/ 3042471 h 5795027"/>
+                <a:gd name="connsiteX14" fmla="*/ 0 w 4282900"/>
+                <a:gd name="connsiteY14" fmla="*/ 2752557 h 5795027"/>
+                <a:gd name="connsiteX15" fmla="*/ 0 w 4282900"/>
+                <a:gd name="connsiteY15" fmla="*/ 2231503 h 5795027"/>
+                <a:gd name="connsiteX16" fmla="*/ 0 w 4282900"/>
+                <a:gd name="connsiteY16" fmla="*/ 2048959 h 5795027"/>
+                <a:gd name="connsiteX17" fmla="*/ 559354 w 4282900"/>
+                <a:gd name="connsiteY17" fmla="*/ 855573 h 5795027"/>
+                <a:gd name="connsiteX18" fmla="*/ 1950071 w 4282900"/>
+                <a:gd name="connsiteY18" fmla="*/ 164715 h 5795027"/>
+                <a:gd name="connsiteX19" fmla="*/ 2144960 w 4282900"/>
+                <a:gd name="connsiteY19" fmla="*/ 0 h 5795027"/>
+                <a:gd name="connsiteX0" fmla="*/ 4213242 w 4282900"/>
+                <a:gd name="connsiteY0" fmla="*/ 1512593 h 5795027"/>
+                <a:gd name="connsiteX1" fmla="*/ 4282900 w 4282900"/>
+                <a:gd name="connsiteY1" fmla="*/ 2231503 h 5795027"/>
+                <a:gd name="connsiteX2" fmla="*/ 4282900 w 4282900"/>
+                <a:gd name="connsiteY2" fmla="*/ 2752557 h 5795027"/>
+                <a:gd name="connsiteX3" fmla="*/ 4282900 w 4282900"/>
+                <a:gd name="connsiteY3" fmla="*/ 3042471 h 5795027"/>
+                <a:gd name="connsiteX4" fmla="*/ 4282900 w 4282900"/>
+                <a:gd name="connsiteY4" fmla="*/ 3441681 h 5795027"/>
+                <a:gd name="connsiteX5" fmla="*/ 4282900 w 4282900"/>
+                <a:gd name="connsiteY5" fmla="*/ 3746068 h 5795027"/>
+                <a:gd name="connsiteX6" fmla="*/ 3723546 w 4282900"/>
+                <a:gd name="connsiteY6" fmla="*/ 4939455 h 5795027"/>
+                <a:gd name="connsiteX7" fmla="*/ 2332829 w 4282900"/>
+                <a:gd name="connsiteY7" fmla="*/ 5630311 h 5795027"/>
+                <a:gd name="connsiteX8" fmla="*/ 2137940 w 4282900"/>
+                <a:gd name="connsiteY8" fmla="*/ 5795027 h 5795027"/>
+                <a:gd name="connsiteX9" fmla="*/ 1950069 w 4282900"/>
+                <a:gd name="connsiteY9" fmla="*/ 5630311 h 5795027"/>
+                <a:gd name="connsiteX10" fmla="*/ 559353 w 4282900"/>
+                <a:gd name="connsiteY10" fmla="*/ 4939455 h 5795027"/>
+                <a:gd name="connsiteX11" fmla="*/ 0 w 4282900"/>
+                <a:gd name="connsiteY11" fmla="*/ 3746068 h 5795027"/>
+                <a:gd name="connsiteX12" fmla="*/ 0 w 4282900"/>
+                <a:gd name="connsiteY12" fmla="*/ 3441681 h 5795027"/>
+                <a:gd name="connsiteX13" fmla="*/ 0 w 4282900"/>
+                <a:gd name="connsiteY13" fmla="*/ 3042471 h 5795027"/>
+                <a:gd name="connsiteX14" fmla="*/ 0 w 4282900"/>
+                <a:gd name="connsiteY14" fmla="*/ 2752557 h 5795027"/>
+                <a:gd name="connsiteX15" fmla="*/ 0 w 4282900"/>
+                <a:gd name="connsiteY15" fmla="*/ 2231503 h 5795027"/>
+                <a:gd name="connsiteX16" fmla="*/ 0 w 4282900"/>
+                <a:gd name="connsiteY16" fmla="*/ 2048959 h 5795027"/>
+                <a:gd name="connsiteX17" fmla="*/ 559354 w 4282900"/>
+                <a:gd name="connsiteY17" fmla="*/ 855573 h 5795027"/>
+                <a:gd name="connsiteX18" fmla="*/ 2144960 w 4282900"/>
+                <a:gd name="connsiteY18" fmla="*/ 0 h 5795027"/>
+                <a:gd name="connsiteX0" fmla="*/ 4213242 w 4282900"/>
+                <a:gd name="connsiteY0" fmla="*/ 1512593 h 5795027"/>
+                <a:gd name="connsiteX1" fmla="*/ 4282900 w 4282900"/>
+                <a:gd name="connsiteY1" fmla="*/ 2231503 h 5795027"/>
+                <a:gd name="connsiteX2" fmla="*/ 4282900 w 4282900"/>
+                <a:gd name="connsiteY2" fmla="*/ 2752557 h 5795027"/>
+                <a:gd name="connsiteX3" fmla="*/ 4282900 w 4282900"/>
+                <a:gd name="connsiteY3" fmla="*/ 3042471 h 5795027"/>
+                <a:gd name="connsiteX4" fmla="*/ 4282900 w 4282900"/>
+                <a:gd name="connsiteY4" fmla="*/ 3441681 h 5795027"/>
+                <a:gd name="connsiteX5" fmla="*/ 4282900 w 4282900"/>
+                <a:gd name="connsiteY5" fmla="*/ 3746068 h 5795027"/>
+                <a:gd name="connsiteX6" fmla="*/ 3723546 w 4282900"/>
+                <a:gd name="connsiteY6" fmla="*/ 4939455 h 5795027"/>
+                <a:gd name="connsiteX7" fmla="*/ 2332829 w 4282900"/>
+                <a:gd name="connsiteY7" fmla="*/ 5630311 h 5795027"/>
+                <a:gd name="connsiteX8" fmla="*/ 2137940 w 4282900"/>
+                <a:gd name="connsiteY8" fmla="*/ 5795027 h 5795027"/>
+                <a:gd name="connsiteX9" fmla="*/ 1950069 w 4282900"/>
+                <a:gd name="connsiteY9" fmla="*/ 5630311 h 5795027"/>
+                <a:gd name="connsiteX10" fmla="*/ 559353 w 4282900"/>
+                <a:gd name="connsiteY10" fmla="*/ 4939455 h 5795027"/>
+                <a:gd name="connsiteX11" fmla="*/ 0 w 4282900"/>
+                <a:gd name="connsiteY11" fmla="*/ 3746068 h 5795027"/>
+                <a:gd name="connsiteX12" fmla="*/ 0 w 4282900"/>
+                <a:gd name="connsiteY12" fmla="*/ 3441681 h 5795027"/>
+                <a:gd name="connsiteX13" fmla="*/ 0 w 4282900"/>
+                <a:gd name="connsiteY13" fmla="*/ 3042471 h 5795027"/>
+                <a:gd name="connsiteX14" fmla="*/ 0 w 4282900"/>
+                <a:gd name="connsiteY14" fmla="*/ 2752557 h 5795027"/>
+                <a:gd name="connsiteX15" fmla="*/ 0 w 4282900"/>
+                <a:gd name="connsiteY15" fmla="*/ 2231503 h 5795027"/>
+                <a:gd name="connsiteX16" fmla="*/ 0 w 4282900"/>
+                <a:gd name="connsiteY16" fmla="*/ 2048959 h 5795027"/>
+                <a:gd name="connsiteX17" fmla="*/ 64279 w 4282900"/>
+                <a:gd name="connsiteY17" fmla="*/ 1516418 h 5795027"/>
+                <a:gd name="connsiteX18" fmla="*/ 559354 w 4282900"/>
+                <a:gd name="connsiteY18" fmla="*/ 855573 h 5795027"/>
+                <a:gd name="connsiteX19" fmla="*/ 2144960 w 4282900"/>
+                <a:gd name="connsiteY19" fmla="*/ 0 h 5795027"/>
+                <a:gd name="connsiteX0" fmla="*/ 4213242 w 4282900"/>
+                <a:gd name="connsiteY0" fmla="*/ 657020 h 4939454"/>
+                <a:gd name="connsiteX1" fmla="*/ 4282900 w 4282900"/>
+                <a:gd name="connsiteY1" fmla="*/ 1375930 h 4939454"/>
+                <a:gd name="connsiteX2" fmla="*/ 4282900 w 4282900"/>
+                <a:gd name="connsiteY2" fmla="*/ 1896984 h 4939454"/>
+                <a:gd name="connsiteX3" fmla="*/ 4282900 w 4282900"/>
+                <a:gd name="connsiteY3" fmla="*/ 2186898 h 4939454"/>
+                <a:gd name="connsiteX4" fmla="*/ 4282900 w 4282900"/>
+                <a:gd name="connsiteY4" fmla="*/ 2586108 h 4939454"/>
+                <a:gd name="connsiteX5" fmla="*/ 4282900 w 4282900"/>
+                <a:gd name="connsiteY5" fmla="*/ 2890495 h 4939454"/>
+                <a:gd name="connsiteX6" fmla="*/ 3723546 w 4282900"/>
+                <a:gd name="connsiteY6" fmla="*/ 4083882 h 4939454"/>
+                <a:gd name="connsiteX7" fmla="*/ 2332829 w 4282900"/>
+                <a:gd name="connsiteY7" fmla="*/ 4774738 h 4939454"/>
+                <a:gd name="connsiteX8" fmla="*/ 2137940 w 4282900"/>
+                <a:gd name="connsiteY8" fmla="*/ 4939454 h 4939454"/>
+                <a:gd name="connsiteX9" fmla="*/ 1950069 w 4282900"/>
+                <a:gd name="connsiteY9" fmla="*/ 4774738 h 4939454"/>
+                <a:gd name="connsiteX10" fmla="*/ 559353 w 4282900"/>
+                <a:gd name="connsiteY10" fmla="*/ 4083882 h 4939454"/>
+                <a:gd name="connsiteX11" fmla="*/ 0 w 4282900"/>
+                <a:gd name="connsiteY11" fmla="*/ 2890495 h 4939454"/>
+                <a:gd name="connsiteX12" fmla="*/ 0 w 4282900"/>
+                <a:gd name="connsiteY12" fmla="*/ 2586108 h 4939454"/>
+                <a:gd name="connsiteX13" fmla="*/ 0 w 4282900"/>
+                <a:gd name="connsiteY13" fmla="*/ 2186898 h 4939454"/>
+                <a:gd name="connsiteX14" fmla="*/ 0 w 4282900"/>
+                <a:gd name="connsiteY14" fmla="*/ 1896984 h 4939454"/>
+                <a:gd name="connsiteX15" fmla="*/ 0 w 4282900"/>
+                <a:gd name="connsiteY15" fmla="*/ 1375930 h 4939454"/>
+                <a:gd name="connsiteX16" fmla="*/ 0 w 4282900"/>
+                <a:gd name="connsiteY16" fmla="*/ 1193386 h 4939454"/>
+                <a:gd name="connsiteX17" fmla="*/ 64279 w 4282900"/>
+                <a:gd name="connsiteY17" fmla="*/ 660845 h 4939454"/>
+                <a:gd name="connsiteX18" fmla="*/ 559354 w 4282900"/>
+                <a:gd name="connsiteY18" fmla="*/ 0 h 4939454"/>
+                <a:gd name="connsiteX0" fmla="*/ 4213242 w 4282900"/>
+                <a:gd name="connsiteY0" fmla="*/ 0 h 4282434"/>
+                <a:gd name="connsiteX1" fmla="*/ 4282900 w 4282900"/>
+                <a:gd name="connsiteY1" fmla="*/ 718910 h 4282434"/>
+                <a:gd name="connsiteX2" fmla="*/ 4282900 w 4282900"/>
+                <a:gd name="connsiteY2" fmla="*/ 1239964 h 4282434"/>
+                <a:gd name="connsiteX3" fmla="*/ 4282900 w 4282900"/>
+                <a:gd name="connsiteY3" fmla="*/ 1529878 h 4282434"/>
+                <a:gd name="connsiteX4" fmla="*/ 4282900 w 4282900"/>
+                <a:gd name="connsiteY4" fmla="*/ 1929088 h 4282434"/>
+                <a:gd name="connsiteX5" fmla="*/ 4282900 w 4282900"/>
+                <a:gd name="connsiteY5" fmla="*/ 2233475 h 4282434"/>
+                <a:gd name="connsiteX6" fmla="*/ 3723546 w 4282900"/>
+                <a:gd name="connsiteY6" fmla="*/ 3426862 h 4282434"/>
+                <a:gd name="connsiteX7" fmla="*/ 2332829 w 4282900"/>
+                <a:gd name="connsiteY7" fmla="*/ 4117718 h 4282434"/>
+                <a:gd name="connsiteX8" fmla="*/ 2137940 w 4282900"/>
+                <a:gd name="connsiteY8" fmla="*/ 4282434 h 4282434"/>
+                <a:gd name="connsiteX9" fmla="*/ 1950069 w 4282900"/>
+                <a:gd name="connsiteY9" fmla="*/ 4117718 h 4282434"/>
+                <a:gd name="connsiteX10" fmla="*/ 559353 w 4282900"/>
+                <a:gd name="connsiteY10" fmla="*/ 3426862 h 4282434"/>
+                <a:gd name="connsiteX11" fmla="*/ 0 w 4282900"/>
+                <a:gd name="connsiteY11" fmla="*/ 2233475 h 4282434"/>
+                <a:gd name="connsiteX12" fmla="*/ 0 w 4282900"/>
+                <a:gd name="connsiteY12" fmla="*/ 1929088 h 4282434"/>
+                <a:gd name="connsiteX13" fmla="*/ 0 w 4282900"/>
+                <a:gd name="connsiteY13" fmla="*/ 1529878 h 4282434"/>
+                <a:gd name="connsiteX14" fmla="*/ 0 w 4282900"/>
+                <a:gd name="connsiteY14" fmla="*/ 1239964 h 4282434"/>
+                <a:gd name="connsiteX15" fmla="*/ 0 w 4282900"/>
+                <a:gd name="connsiteY15" fmla="*/ 718910 h 4282434"/>
+                <a:gd name="connsiteX16" fmla="*/ 0 w 4282900"/>
+                <a:gd name="connsiteY16" fmla="*/ 536366 h 4282434"/>
+                <a:gd name="connsiteX17" fmla="*/ 64279 w 4282900"/>
+                <a:gd name="connsiteY17" fmla="*/ 3825 h 4282434"/>
+                <a:gd name="connsiteX0" fmla="*/ 4213242 w 4282900"/>
+                <a:gd name="connsiteY0" fmla="*/ 0 h 4282434"/>
+                <a:gd name="connsiteX1" fmla="*/ 4282900 w 4282900"/>
+                <a:gd name="connsiteY1" fmla="*/ 718910 h 4282434"/>
+                <a:gd name="connsiteX2" fmla="*/ 4282900 w 4282900"/>
+                <a:gd name="connsiteY2" fmla="*/ 1239964 h 4282434"/>
+                <a:gd name="connsiteX3" fmla="*/ 4282900 w 4282900"/>
+                <a:gd name="connsiteY3" fmla="*/ 1529878 h 4282434"/>
+                <a:gd name="connsiteX4" fmla="*/ 4282900 w 4282900"/>
+                <a:gd name="connsiteY4" fmla="*/ 1929088 h 4282434"/>
+                <a:gd name="connsiteX5" fmla="*/ 4282900 w 4282900"/>
+                <a:gd name="connsiteY5" fmla="*/ 2233475 h 4282434"/>
+                <a:gd name="connsiteX6" fmla="*/ 3723546 w 4282900"/>
+                <a:gd name="connsiteY6" fmla="*/ 3426862 h 4282434"/>
+                <a:gd name="connsiteX7" fmla="*/ 2332829 w 4282900"/>
+                <a:gd name="connsiteY7" fmla="*/ 4117718 h 4282434"/>
+                <a:gd name="connsiteX8" fmla="*/ 2137940 w 4282900"/>
+                <a:gd name="connsiteY8" fmla="*/ 4282434 h 4282434"/>
+                <a:gd name="connsiteX9" fmla="*/ 1950069 w 4282900"/>
+                <a:gd name="connsiteY9" fmla="*/ 4117718 h 4282434"/>
+                <a:gd name="connsiteX10" fmla="*/ 559353 w 4282900"/>
+                <a:gd name="connsiteY10" fmla="*/ 3426862 h 4282434"/>
+                <a:gd name="connsiteX11" fmla="*/ 0 w 4282900"/>
+                <a:gd name="connsiteY11" fmla="*/ 2233475 h 4282434"/>
+                <a:gd name="connsiteX12" fmla="*/ 0 w 4282900"/>
+                <a:gd name="connsiteY12" fmla="*/ 1929088 h 4282434"/>
+                <a:gd name="connsiteX13" fmla="*/ 0 w 4282900"/>
+                <a:gd name="connsiteY13" fmla="*/ 1529878 h 4282434"/>
+                <a:gd name="connsiteX14" fmla="*/ 0 w 4282900"/>
+                <a:gd name="connsiteY14" fmla="*/ 1239964 h 4282434"/>
+                <a:gd name="connsiteX15" fmla="*/ 0 w 4282900"/>
+                <a:gd name="connsiteY15" fmla="*/ 718910 h 4282434"/>
+                <a:gd name="connsiteX16" fmla="*/ 0 w 4282900"/>
+                <a:gd name="connsiteY16" fmla="*/ 536366 h 4282434"/>
+                <a:gd name="connsiteX17" fmla="*/ 64279 w 4282900"/>
+                <a:gd name="connsiteY17" fmla="*/ 3825 h 4282434"/>
+              </a:gdLst>
+              <a:ahLst/>
+              <a:cxnLst>
+                <a:cxn ang="0">
+                  <a:pos x="connsiteX0" y="connsiteY0"/>
+                </a:cxn>
+                <a:cxn ang="0">
+                  <a:pos x="connsiteX1" y="connsiteY1"/>
+                </a:cxn>
+                <a:cxn ang="0">
+                  <a:pos x="connsiteX2" y="connsiteY2"/>
+                </a:cxn>
+                <a:cxn ang="0">
+                  <a:pos x="connsiteX3" y="connsiteY3"/>
+                </a:cxn>
+                <a:cxn ang="0">
+                  <a:pos x="connsiteX4" y="connsiteY4"/>
+                </a:cxn>
+                <a:cxn ang="0">
+                  <a:pos x="connsiteX5" y="connsiteY5"/>
+                </a:cxn>
+                <a:cxn ang="0">
+                  <a:pos x="connsiteX6" y="connsiteY6"/>
+                </a:cxn>
+                <a:cxn ang="0">
+                  <a:pos x="connsiteX7" y="connsiteY7"/>
+                </a:cxn>
+                <a:cxn ang="0">
+                  <a:pos x="connsiteX8" y="connsiteY8"/>
+                </a:cxn>
+                <a:cxn ang="0">
+                  <a:pos x="connsiteX9" y="connsiteY9"/>
+                </a:cxn>
+                <a:cxn ang="0">
+                  <a:pos x="connsiteX10" y="connsiteY10"/>
+                </a:cxn>
+                <a:cxn ang="0">
+                  <a:pos x="connsiteX11" y="connsiteY11"/>
+                </a:cxn>
+                <a:cxn ang="0">
+                  <a:pos x="connsiteX12" y="connsiteY12"/>
+                </a:cxn>
+                <a:cxn ang="0">
+                  <a:pos x="connsiteX13" y="connsiteY13"/>
+                </a:cxn>
+                <a:cxn ang="0">
+                  <a:pos x="connsiteX14" y="connsiteY14"/>
+                </a:cxn>
+                <a:cxn ang="0">
+                  <a:pos x="connsiteX15" y="connsiteY15"/>
+                </a:cxn>
+                <a:cxn ang="0">
+                  <a:pos x="connsiteX16" y="connsiteY16"/>
+                </a:cxn>
+                <a:cxn ang="0">
+                  <a:pos x="connsiteX17" y="connsiteY17"/>
+                </a:cxn>
+              </a:cxnLst>
+              <a:rect l="l" t="t" r="r" b="b"/>
+              <a:pathLst>
+                <a:path w="4282900" h="4282434">
+                  <a:moveTo>
+                    <a:pt x="4213242" y="0"/>
+                  </a:moveTo>
+                  <a:cubicBezTo>
+                    <a:pt x="4294511" y="306972"/>
+                    <a:pt x="4271290" y="481595"/>
+                    <a:pt x="4282900" y="718910"/>
+                  </a:cubicBezTo>
+                  <a:lnTo>
+                    <a:pt x="4282900" y="1239964"/>
+                  </a:lnTo>
+                  <a:lnTo>
+                    <a:pt x="4282900" y="1529878"/>
+                  </a:lnTo>
+                  <a:lnTo>
+                    <a:pt x="4282900" y="1929088"/>
+                  </a:lnTo>
+                  <a:lnTo>
+                    <a:pt x="4282900" y="2233475"/>
+                  </a:lnTo>
+                  <a:cubicBezTo>
+                    <a:pt x="4282900" y="2849584"/>
+                    <a:pt x="4108103" y="3157966"/>
+                    <a:pt x="3723546" y="3426862"/>
+                  </a:cubicBezTo>
+                  <a:cubicBezTo>
+                    <a:pt x="3323617" y="3658565"/>
+                    <a:pt x="2798672" y="3757725"/>
+                    <a:pt x="2332829" y="4117718"/>
+                  </a:cubicBezTo>
+                  <a:lnTo>
+                    <a:pt x="2137940" y="4282434"/>
+                  </a:lnTo>
+                  <a:lnTo>
+                    <a:pt x="1950069" y="4117718"/>
+                  </a:lnTo>
+                  <a:cubicBezTo>
+                    <a:pt x="1484225" y="3757725"/>
+                    <a:pt x="959280" y="3658565"/>
+                    <a:pt x="559353" y="3426862"/>
+                  </a:cubicBezTo>
+                  <a:cubicBezTo>
+                    <a:pt x="174796" y="3157966"/>
+                    <a:pt x="0" y="2849584"/>
+                    <a:pt x="0" y="2233475"/>
+                  </a:cubicBezTo>
+                  <a:lnTo>
+                    <a:pt x="0" y="1929088"/>
+                  </a:lnTo>
+                  <a:lnTo>
+                    <a:pt x="0" y="1529878"/>
+                  </a:lnTo>
+                  <a:lnTo>
+                    <a:pt x="0" y="1239964"/>
+                  </a:lnTo>
+                  <a:lnTo>
+                    <a:pt x="0" y="718910"/>
+                  </a:lnTo>
+                  <a:lnTo>
+                    <a:pt x="0" y="536366"/>
+                  </a:lnTo>
+                  <a:cubicBezTo>
+                    <a:pt x="10713" y="417185"/>
+                    <a:pt x="19813" y="133066"/>
+                    <a:pt x="64279" y="3825"/>
+                  </a:cubicBezTo>
+                </a:path>
+              </a:pathLst>
+            </a:custGeom>
+            <a:noFill/>
+            <a:ln w="25400" cap="rnd">
+              <a:solidFill>
+                <a:schemeClr val="bg2">
+                  <a:lumMod val="75000"/>
+                  <a:alpha val="65000"/>
+                </a:schemeClr>
+              </a:solidFill>
+              <a:prstDash val="sysDot"/>
+            </a:ln>
+          </p:spPr>
+          <p:style>
+            <a:lnRef idx="2">
+              <a:schemeClr val="accent1">
+                <a:shade val="50000"/>
+              </a:schemeClr>
+            </a:lnRef>
+            <a:fillRef idx="1">
+              <a:schemeClr val="accent1"/>
+            </a:fillRef>
+            <a:effectRef idx="0">
+              <a:schemeClr val="accent1"/>
+            </a:effectRef>
+            <a:fontRef idx="minor">
+              <a:schemeClr val="lt1"/>
+            </a:fontRef>
+          </p:style>
+          <p:txBody>
+            <a:bodyPr wrap="square" rtlCol="0" anchor="ctr">
+              <a:noAutofit/>
+            </a:bodyPr>
+            <a:lstStyle/>
+            <a:p>
+              <a:pPr algn="ctr"/>
+              <a:endParaRPr lang="en-US"/>
+            </a:p>
+          </p:txBody>
+        </p:sp>
+        <p:sp>
+          <p:nvSpPr>
+            <p:cNvPr id="11" name="Freeform: Shape 10">
+              <a:extLst>
+                <a:ext uri="{FF2B5EF4-FFF2-40B4-BE49-F238E27FC236}">
+                  <a16:creationId xmlns:a16="http://schemas.microsoft.com/office/drawing/2014/main" id="{9F0D6A17-AA80-4608-8660-8D1587A17704}"/>
+                </a:ext>
+                <a:ext uri="{C183D7F6-B498-43B3-948B-1728B52AA6E4}">
+                  <adec:decorative xmlns:adec="http://schemas.microsoft.com/office/drawing/2017/decorative" val="1"/>
+                </a:ext>
+              </a:extLst>
+            </p:cNvPr>
+            <p:cNvSpPr/>
+            <p:nvPr>
+              <p:extLst>
+                <p:ext uri="{386F3935-93C4-4BCD-93E2-E3B085C9AB24}">
+                  <p16:designElem xmlns:p16="http://schemas.microsoft.com/office/powerpoint/2015/main" val="1"/>
+                </p:ext>
+              </p:extLst>
+            </p:nvPr>
+          </p:nvSpPr>
+          <p:spPr>
+            <a:xfrm>
+              <a:off x="10536649" y="1823190"/>
+              <a:ext cx="1654608" cy="3209758"/>
+            </a:xfrm>
+            <a:custGeom>
+              <a:avLst/>
+              <a:gdLst>
+                <a:gd name="connsiteX0" fmla="*/ 2144960 w 4282900"/>
+                <a:gd name="connsiteY0" fmla="*/ 0 h 5795027"/>
+                <a:gd name="connsiteX1" fmla="*/ 2332832 w 4282900"/>
+                <a:gd name="connsiteY1" fmla="*/ 164715 h 5795027"/>
+                <a:gd name="connsiteX2" fmla="*/ 3723546 w 4282900"/>
+                <a:gd name="connsiteY2" fmla="*/ 855573 h 5795027"/>
+                <a:gd name="connsiteX3" fmla="*/ 4282900 w 4282900"/>
+                <a:gd name="connsiteY3" fmla="*/ 2048959 h 5795027"/>
+                <a:gd name="connsiteX4" fmla="*/ 4282900 w 4282900"/>
+                <a:gd name="connsiteY4" fmla="*/ 2231503 h 5795027"/>
+                <a:gd name="connsiteX5" fmla="*/ 4282900 w 4282900"/>
+                <a:gd name="connsiteY5" fmla="*/ 2752557 h 5795027"/>
+                <a:gd name="connsiteX6" fmla="*/ 4282900 w 4282900"/>
+                <a:gd name="connsiteY6" fmla="*/ 3042471 h 5795027"/>
+                <a:gd name="connsiteX7" fmla="*/ 4282900 w 4282900"/>
+                <a:gd name="connsiteY7" fmla="*/ 3441681 h 5795027"/>
+                <a:gd name="connsiteX8" fmla="*/ 4282900 w 4282900"/>
+                <a:gd name="connsiteY8" fmla="*/ 3746068 h 5795027"/>
+                <a:gd name="connsiteX9" fmla="*/ 3723546 w 4282900"/>
+                <a:gd name="connsiteY9" fmla="*/ 4939455 h 5795027"/>
+                <a:gd name="connsiteX10" fmla="*/ 2332829 w 4282900"/>
+                <a:gd name="connsiteY10" fmla="*/ 5630311 h 5795027"/>
+                <a:gd name="connsiteX11" fmla="*/ 2137940 w 4282900"/>
+                <a:gd name="connsiteY11" fmla="*/ 5795027 h 5795027"/>
+                <a:gd name="connsiteX12" fmla="*/ 1950069 w 4282900"/>
+                <a:gd name="connsiteY12" fmla="*/ 5630311 h 5795027"/>
+                <a:gd name="connsiteX13" fmla="*/ 559353 w 4282900"/>
+                <a:gd name="connsiteY13" fmla="*/ 4939455 h 5795027"/>
+                <a:gd name="connsiteX14" fmla="*/ 0 w 4282900"/>
+                <a:gd name="connsiteY14" fmla="*/ 3746068 h 5795027"/>
+                <a:gd name="connsiteX15" fmla="*/ 0 w 4282900"/>
+                <a:gd name="connsiteY15" fmla="*/ 3441681 h 5795027"/>
+                <a:gd name="connsiteX16" fmla="*/ 0 w 4282900"/>
+                <a:gd name="connsiteY16" fmla="*/ 3042471 h 5795027"/>
+                <a:gd name="connsiteX17" fmla="*/ 0 w 4282900"/>
+                <a:gd name="connsiteY17" fmla="*/ 2752557 h 5795027"/>
+                <a:gd name="connsiteX18" fmla="*/ 0 w 4282900"/>
+                <a:gd name="connsiteY18" fmla="*/ 2231503 h 5795027"/>
+                <a:gd name="connsiteX19" fmla="*/ 0 w 4282900"/>
+                <a:gd name="connsiteY19" fmla="*/ 2048959 h 5795027"/>
+                <a:gd name="connsiteX20" fmla="*/ 559354 w 4282900"/>
+                <a:gd name="connsiteY20" fmla="*/ 855573 h 5795027"/>
+                <a:gd name="connsiteX21" fmla="*/ 1950071 w 4282900"/>
+                <a:gd name="connsiteY21" fmla="*/ 164715 h 5795027"/>
+                <a:gd name="connsiteX0" fmla="*/ 2144960 w 4282900"/>
+                <a:gd name="connsiteY0" fmla="*/ 0 h 5795027"/>
+                <a:gd name="connsiteX1" fmla="*/ 2332832 w 4282900"/>
+                <a:gd name="connsiteY1" fmla="*/ 164715 h 5795027"/>
+                <a:gd name="connsiteX2" fmla="*/ 2976290 w 4282900"/>
+                <a:gd name="connsiteY2" fmla="*/ 524033 h 5795027"/>
+                <a:gd name="connsiteX3" fmla="*/ 3723546 w 4282900"/>
+                <a:gd name="connsiteY3" fmla="*/ 855573 h 5795027"/>
+                <a:gd name="connsiteX4" fmla="*/ 4282900 w 4282900"/>
+                <a:gd name="connsiteY4" fmla="*/ 2048959 h 5795027"/>
+                <a:gd name="connsiteX5" fmla="*/ 4282900 w 4282900"/>
+                <a:gd name="connsiteY5" fmla="*/ 2231503 h 5795027"/>
+                <a:gd name="connsiteX6" fmla="*/ 4282900 w 4282900"/>
+                <a:gd name="connsiteY6" fmla="*/ 2752557 h 5795027"/>
+                <a:gd name="connsiteX7" fmla="*/ 4282900 w 4282900"/>
+                <a:gd name="connsiteY7" fmla="*/ 3042471 h 5795027"/>
+                <a:gd name="connsiteX8" fmla="*/ 4282900 w 4282900"/>
+                <a:gd name="connsiteY8" fmla="*/ 3441681 h 5795027"/>
+                <a:gd name="connsiteX9" fmla="*/ 4282900 w 4282900"/>
+                <a:gd name="connsiteY9" fmla="*/ 3746068 h 5795027"/>
+                <a:gd name="connsiteX10" fmla="*/ 3723546 w 4282900"/>
+                <a:gd name="connsiteY10" fmla="*/ 4939455 h 5795027"/>
+                <a:gd name="connsiteX11" fmla="*/ 2332829 w 4282900"/>
+                <a:gd name="connsiteY11" fmla="*/ 5630311 h 5795027"/>
+                <a:gd name="connsiteX12" fmla="*/ 2137940 w 4282900"/>
+                <a:gd name="connsiteY12" fmla="*/ 5795027 h 5795027"/>
+                <a:gd name="connsiteX13" fmla="*/ 1950069 w 4282900"/>
+                <a:gd name="connsiteY13" fmla="*/ 5630311 h 5795027"/>
+                <a:gd name="connsiteX14" fmla="*/ 559353 w 4282900"/>
+                <a:gd name="connsiteY14" fmla="*/ 4939455 h 5795027"/>
+                <a:gd name="connsiteX15" fmla="*/ 0 w 4282900"/>
+                <a:gd name="connsiteY15" fmla="*/ 3746068 h 5795027"/>
+                <a:gd name="connsiteX16" fmla="*/ 0 w 4282900"/>
+                <a:gd name="connsiteY16" fmla="*/ 3441681 h 5795027"/>
+                <a:gd name="connsiteX17" fmla="*/ 0 w 4282900"/>
+                <a:gd name="connsiteY17" fmla="*/ 3042471 h 5795027"/>
+                <a:gd name="connsiteX18" fmla="*/ 0 w 4282900"/>
+                <a:gd name="connsiteY18" fmla="*/ 2752557 h 5795027"/>
+                <a:gd name="connsiteX19" fmla="*/ 0 w 4282900"/>
+                <a:gd name="connsiteY19" fmla="*/ 2231503 h 5795027"/>
+                <a:gd name="connsiteX20" fmla="*/ 0 w 4282900"/>
+                <a:gd name="connsiteY20" fmla="*/ 2048959 h 5795027"/>
+                <a:gd name="connsiteX21" fmla="*/ 559354 w 4282900"/>
+                <a:gd name="connsiteY21" fmla="*/ 855573 h 5795027"/>
+                <a:gd name="connsiteX22" fmla="*/ 1950071 w 4282900"/>
+                <a:gd name="connsiteY22" fmla="*/ 164715 h 5795027"/>
+                <a:gd name="connsiteX23" fmla="*/ 2144960 w 4282900"/>
+                <a:gd name="connsiteY23" fmla="*/ 0 h 5795027"/>
+                <a:gd name="connsiteX0" fmla="*/ 3723546 w 4282900"/>
+                <a:gd name="connsiteY0" fmla="*/ 855573 h 5795027"/>
+                <a:gd name="connsiteX1" fmla="*/ 4282900 w 4282900"/>
+                <a:gd name="connsiteY1" fmla="*/ 2048959 h 5795027"/>
+                <a:gd name="connsiteX2" fmla="*/ 4282900 w 4282900"/>
+                <a:gd name="connsiteY2" fmla="*/ 2231503 h 5795027"/>
+                <a:gd name="connsiteX3" fmla="*/ 4282900 w 4282900"/>
+                <a:gd name="connsiteY3" fmla="*/ 2752557 h 5795027"/>
+                <a:gd name="connsiteX4" fmla="*/ 4282900 w 4282900"/>
+                <a:gd name="connsiteY4" fmla="*/ 3042471 h 5795027"/>
+                <a:gd name="connsiteX5" fmla="*/ 4282900 w 4282900"/>
+                <a:gd name="connsiteY5" fmla="*/ 3441681 h 5795027"/>
+                <a:gd name="connsiteX6" fmla="*/ 4282900 w 4282900"/>
+                <a:gd name="connsiteY6" fmla="*/ 3746068 h 5795027"/>
+                <a:gd name="connsiteX7" fmla="*/ 3723546 w 4282900"/>
+                <a:gd name="connsiteY7" fmla="*/ 4939455 h 5795027"/>
+                <a:gd name="connsiteX8" fmla="*/ 2332829 w 4282900"/>
+                <a:gd name="connsiteY8" fmla="*/ 5630311 h 5795027"/>
+                <a:gd name="connsiteX9" fmla="*/ 2137940 w 4282900"/>
+                <a:gd name="connsiteY9" fmla="*/ 5795027 h 5795027"/>
+                <a:gd name="connsiteX10" fmla="*/ 1950069 w 4282900"/>
+                <a:gd name="connsiteY10" fmla="*/ 5630311 h 5795027"/>
+                <a:gd name="connsiteX11" fmla="*/ 559353 w 4282900"/>
+                <a:gd name="connsiteY11" fmla="*/ 4939455 h 5795027"/>
+                <a:gd name="connsiteX12" fmla="*/ 0 w 4282900"/>
+                <a:gd name="connsiteY12" fmla="*/ 3746068 h 5795027"/>
+                <a:gd name="connsiteX13" fmla="*/ 0 w 4282900"/>
+                <a:gd name="connsiteY13" fmla="*/ 3441681 h 5795027"/>
+                <a:gd name="connsiteX14" fmla="*/ 0 w 4282900"/>
+                <a:gd name="connsiteY14" fmla="*/ 3042471 h 5795027"/>
+                <a:gd name="connsiteX15" fmla="*/ 0 w 4282900"/>
+                <a:gd name="connsiteY15" fmla="*/ 2752557 h 5795027"/>
+                <a:gd name="connsiteX16" fmla="*/ 0 w 4282900"/>
+                <a:gd name="connsiteY16" fmla="*/ 2231503 h 5795027"/>
+                <a:gd name="connsiteX17" fmla="*/ 0 w 4282900"/>
+                <a:gd name="connsiteY17" fmla="*/ 2048959 h 5795027"/>
+                <a:gd name="connsiteX18" fmla="*/ 559354 w 4282900"/>
+                <a:gd name="connsiteY18" fmla="*/ 855573 h 5795027"/>
+                <a:gd name="connsiteX19" fmla="*/ 1950071 w 4282900"/>
+                <a:gd name="connsiteY19" fmla="*/ 164715 h 5795027"/>
+                <a:gd name="connsiteX20" fmla="*/ 2144960 w 4282900"/>
+                <a:gd name="connsiteY20" fmla="*/ 0 h 5795027"/>
+                <a:gd name="connsiteX21" fmla="*/ 2332832 w 4282900"/>
+                <a:gd name="connsiteY21" fmla="*/ 164715 h 5795027"/>
+                <a:gd name="connsiteX22" fmla="*/ 2976290 w 4282900"/>
+                <a:gd name="connsiteY22" fmla="*/ 524033 h 5795027"/>
+                <a:gd name="connsiteX23" fmla="*/ 3888635 w 4282900"/>
+                <a:gd name="connsiteY23" fmla="*/ 1020662 h 5795027"/>
+                <a:gd name="connsiteX0" fmla="*/ 4282900 w 4282900"/>
+                <a:gd name="connsiteY0" fmla="*/ 2048959 h 5795027"/>
+                <a:gd name="connsiteX1" fmla="*/ 4282900 w 4282900"/>
+                <a:gd name="connsiteY1" fmla="*/ 2231503 h 5795027"/>
+                <a:gd name="connsiteX2" fmla="*/ 4282900 w 4282900"/>
+                <a:gd name="connsiteY2" fmla="*/ 2752557 h 5795027"/>
+                <a:gd name="connsiteX3" fmla="*/ 4282900 w 4282900"/>
+                <a:gd name="connsiteY3" fmla="*/ 3042471 h 5795027"/>
+                <a:gd name="connsiteX4" fmla="*/ 4282900 w 4282900"/>
+                <a:gd name="connsiteY4" fmla="*/ 3441681 h 5795027"/>
+                <a:gd name="connsiteX5" fmla="*/ 4282900 w 4282900"/>
+                <a:gd name="connsiteY5" fmla="*/ 3746068 h 5795027"/>
+                <a:gd name="connsiteX6" fmla="*/ 3723546 w 4282900"/>
+                <a:gd name="connsiteY6" fmla="*/ 4939455 h 5795027"/>
+                <a:gd name="connsiteX7" fmla="*/ 2332829 w 4282900"/>
+                <a:gd name="connsiteY7" fmla="*/ 5630311 h 5795027"/>
+                <a:gd name="connsiteX8" fmla="*/ 2137940 w 4282900"/>
+                <a:gd name="connsiteY8" fmla="*/ 5795027 h 5795027"/>
+                <a:gd name="connsiteX9" fmla="*/ 1950069 w 4282900"/>
+                <a:gd name="connsiteY9" fmla="*/ 5630311 h 5795027"/>
+                <a:gd name="connsiteX10" fmla="*/ 559353 w 4282900"/>
+                <a:gd name="connsiteY10" fmla="*/ 4939455 h 5795027"/>
+                <a:gd name="connsiteX11" fmla="*/ 0 w 4282900"/>
+                <a:gd name="connsiteY11" fmla="*/ 3746068 h 5795027"/>
+                <a:gd name="connsiteX12" fmla="*/ 0 w 4282900"/>
+                <a:gd name="connsiteY12" fmla="*/ 3441681 h 5795027"/>
+                <a:gd name="connsiteX13" fmla="*/ 0 w 4282900"/>
+                <a:gd name="connsiteY13" fmla="*/ 3042471 h 5795027"/>
+                <a:gd name="connsiteX14" fmla="*/ 0 w 4282900"/>
+                <a:gd name="connsiteY14" fmla="*/ 2752557 h 5795027"/>
+                <a:gd name="connsiteX15" fmla="*/ 0 w 4282900"/>
+                <a:gd name="connsiteY15" fmla="*/ 2231503 h 5795027"/>
+                <a:gd name="connsiteX16" fmla="*/ 0 w 4282900"/>
+                <a:gd name="connsiteY16" fmla="*/ 2048959 h 5795027"/>
+                <a:gd name="connsiteX17" fmla="*/ 559354 w 4282900"/>
+                <a:gd name="connsiteY17" fmla="*/ 855573 h 5795027"/>
+                <a:gd name="connsiteX18" fmla="*/ 1950071 w 4282900"/>
+                <a:gd name="connsiteY18" fmla="*/ 164715 h 5795027"/>
+                <a:gd name="connsiteX19" fmla="*/ 2144960 w 4282900"/>
+                <a:gd name="connsiteY19" fmla="*/ 0 h 5795027"/>
+                <a:gd name="connsiteX20" fmla="*/ 2332832 w 4282900"/>
+                <a:gd name="connsiteY20" fmla="*/ 164715 h 5795027"/>
+                <a:gd name="connsiteX21" fmla="*/ 2976290 w 4282900"/>
+                <a:gd name="connsiteY21" fmla="*/ 524033 h 5795027"/>
+                <a:gd name="connsiteX22" fmla="*/ 3888635 w 4282900"/>
+                <a:gd name="connsiteY22" fmla="*/ 1020662 h 5795027"/>
+                <a:gd name="connsiteX0" fmla="*/ 4282900 w 4282900"/>
+                <a:gd name="connsiteY0" fmla="*/ 2048959 h 5795027"/>
+                <a:gd name="connsiteX1" fmla="*/ 4282900 w 4282900"/>
+                <a:gd name="connsiteY1" fmla="*/ 2231503 h 5795027"/>
+                <a:gd name="connsiteX2" fmla="*/ 4282900 w 4282900"/>
+                <a:gd name="connsiteY2" fmla="*/ 2752557 h 5795027"/>
+                <a:gd name="connsiteX3" fmla="*/ 4282900 w 4282900"/>
+                <a:gd name="connsiteY3" fmla="*/ 3042471 h 5795027"/>
+                <a:gd name="connsiteX4" fmla="*/ 4282900 w 4282900"/>
+                <a:gd name="connsiteY4" fmla="*/ 3441681 h 5795027"/>
+                <a:gd name="connsiteX5" fmla="*/ 4282900 w 4282900"/>
+                <a:gd name="connsiteY5" fmla="*/ 3746068 h 5795027"/>
+                <a:gd name="connsiteX6" fmla="*/ 3723546 w 4282900"/>
+                <a:gd name="connsiteY6" fmla="*/ 4939455 h 5795027"/>
+                <a:gd name="connsiteX7" fmla="*/ 2332829 w 4282900"/>
+                <a:gd name="connsiteY7" fmla="*/ 5630311 h 5795027"/>
+                <a:gd name="connsiteX8" fmla="*/ 2137940 w 4282900"/>
+                <a:gd name="connsiteY8" fmla="*/ 5795027 h 5795027"/>
+                <a:gd name="connsiteX9" fmla="*/ 1950069 w 4282900"/>
+                <a:gd name="connsiteY9" fmla="*/ 5630311 h 5795027"/>
+                <a:gd name="connsiteX10" fmla="*/ 559353 w 4282900"/>
+                <a:gd name="connsiteY10" fmla="*/ 4939455 h 5795027"/>
+                <a:gd name="connsiteX11" fmla="*/ 0 w 4282900"/>
+                <a:gd name="connsiteY11" fmla="*/ 3746068 h 5795027"/>
+                <a:gd name="connsiteX12" fmla="*/ 0 w 4282900"/>
+                <a:gd name="connsiteY12" fmla="*/ 3441681 h 5795027"/>
+                <a:gd name="connsiteX13" fmla="*/ 0 w 4282900"/>
+                <a:gd name="connsiteY13" fmla="*/ 3042471 h 5795027"/>
+                <a:gd name="connsiteX14" fmla="*/ 0 w 4282900"/>
+                <a:gd name="connsiteY14" fmla="*/ 2752557 h 5795027"/>
+                <a:gd name="connsiteX15" fmla="*/ 0 w 4282900"/>
+                <a:gd name="connsiteY15" fmla="*/ 2231503 h 5795027"/>
+                <a:gd name="connsiteX16" fmla="*/ 0 w 4282900"/>
+                <a:gd name="connsiteY16" fmla="*/ 2048959 h 5795027"/>
+                <a:gd name="connsiteX17" fmla="*/ 559354 w 4282900"/>
+                <a:gd name="connsiteY17" fmla="*/ 855573 h 5795027"/>
+                <a:gd name="connsiteX18" fmla="*/ 1950071 w 4282900"/>
+                <a:gd name="connsiteY18" fmla="*/ 164715 h 5795027"/>
+                <a:gd name="connsiteX19" fmla="*/ 2144960 w 4282900"/>
+                <a:gd name="connsiteY19" fmla="*/ 0 h 5795027"/>
+                <a:gd name="connsiteX20" fmla="*/ 2332832 w 4282900"/>
+                <a:gd name="connsiteY20" fmla="*/ 164715 h 5795027"/>
+                <a:gd name="connsiteX21" fmla="*/ 2976290 w 4282900"/>
+                <a:gd name="connsiteY21" fmla="*/ 524033 h 5795027"/>
+                <a:gd name="connsiteX0" fmla="*/ 4282900 w 4282900"/>
+                <a:gd name="connsiteY0" fmla="*/ 2231503 h 5795027"/>
+                <a:gd name="connsiteX1" fmla="*/ 4282900 w 4282900"/>
+                <a:gd name="connsiteY1" fmla="*/ 2752557 h 5795027"/>
+                <a:gd name="connsiteX2" fmla="*/ 4282900 w 4282900"/>
+                <a:gd name="connsiteY2" fmla="*/ 3042471 h 5795027"/>
+                <a:gd name="connsiteX3" fmla="*/ 4282900 w 4282900"/>
+                <a:gd name="connsiteY3" fmla="*/ 3441681 h 5795027"/>
+                <a:gd name="connsiteX4" fmla="*/ 4282900 w 4282900"/>
+                <a:gd name="connsiteY4" fmla="*/ 3746068 h 5795027"/>
+                <a:gd name="connsiteX5" fmla="*/ 3723546 w 4282900"/>
+                <a:gd name="connsiteY5" fmla="*/ 4939455 h 5795027"/>
+                <a:gd name="connsiteX6" fmla="*/ 2332829 w 4282900"/>
+                <a:gd name="connsiteY6" fmla="*/ 5630311 h 5795027"/>
+                <a:gd name="connsiteX7" fmla="*/ 2137940 w 4282900"/>
+                <a:gd name="connsiteY7" fmla="*/ 5795027 h 5795027"/>
+                <a:gd name="connsiteX8" fmla="*/ 1950069 w 4282900"/>
+                <a:gd name="connsiteY8" fmla="*/ 5630311 h 5795027"/>
+                <a:gd name="connsiteX9" fmla="*/ 559353 w 4282900"/>
+                <a:gd name="connsiteY9" fmla="*/ 4939455 h 5795027"/>
+                <a:gd name="connsiteX10" fmla="*/ 0 w 4282900"/>
+                <a:gd name="connsiteY10" fmla="*/ 3746068 h 5795027"/>
+                <a:gd name="connsiteX11" fmla="*/ 0 w 4282900"/>
+                <a:gd name="connsiteY11" fmla="*/ 3441681 h 5795027"/>
+                <a:gd name="connsiteX12" fmla="*/ 0 w 4282900"/>
+                <a:gd name="connsiteY12" fmla="*/ 3042471 h 5795027"/>
+                <a:gd name="connsiteX13" fmla="*/ 0 w 4282900"/>
+                <a:gd name="connsiteY13" fmla="*/ 2752557 h 5795027"/>
+                <a:gd name="connsiteX14" fmla="*/ 0 w 4282900"/>
+                <a:gd name="connsiteY14" fmla="*/ 2231503 h 5795027"/>
+                <a:gd name="connsiteX15" fmla="*/ 0 w 4282900"/>
+                <a:gd name="connsiteY15" fmla="*/ 2048959 h 5795027"/>
+                <a:gd name="connsiteX16" fmla="*/ 559354 w 4282900"/>
+                <a:gd name="connsiteY16" fmla="*/ 855573 h 5795027"/>
+                <a:gd name="connsiteX17" fmla="*/ 1950071 w 4282900"/>
+                <a:gd name="connsiteY17" fmla="*/ 164715 h 5795027"/>
+                <a:gd name="connsiteX18" fmla="*/ 2144960 w 4282900"/>
+                <a:gd name="connsiteY18" fmla="*/ 0 h 5795027"/>
+                <a:gd name="connsiteX19" fmla="*/ 2332832 w 4282900"/>
+                <a:gd name="connsiteY19" fmla="*/ 164715 h 5795027"/>
+                <a:gd name="connsiteX20" fmla="*/ 2976290 w 4282900"/>
+                <a:gd name="connsiteY20" fmla="*/ 524033 h 5795027"/>
+                <a:gd name="connsiteX0" fmla="*/ 4282900 w 4282900"/>
+                <a:gd name="connsiteY0" fmla="*/ 2752557 h 5795027"/>
+                <a:gd name="connsiteX1" fmla="*/ 4282900 w 4282900"/>
+                <a:gd name="connsiteY1" fmla="*/ 3042471 h 5795027"/>
+                <a:gd name="connsiteX2" fmla="*/ 4282900 w 4282900"/>
+                <a:gd name="connsiteY2" fmla="*/ 3441681 h 5795027"/>
+                <a:gd name="connsiteX3" fmla="*/ 4282900 w 4282900"/>
+                <a:gd name="connsiteY3" fmla="*/ 3746068 h 5795027"/>
+                <a:gd name="connsiteX4" fmla="*/ 3723546 w 4282900"/>
+                <a:gd name="connsiteY4" fmla="*/ 4939455 h 5795027"/>
+                <a:gd name="connsiteX5" fmla="*/ 2332829 w 4282900"/>
+                <a:gd name="connsiteY5" fmla="*/ 5630311 h 5795027"/>
+                <a:gd name="connsiteX6" fmla="*/ 2137940 w 4282900"/>
+                <a:gd name="connsiteY6" fmla="*/ 5795027 h 5795027"/>
+                <a:gd name="connsiteX7" fmla="*/ 1950069 w 4282900"/>
+                <a:gd name="connsiteY7" fmla="*/ 5630311 h 5795027"/>
+                <a:gd name="connsiteX8" fmla="*/ 559353 w 4282900"/>
+                <a:gd name="connsiteY8" fmla="*/ 4939455 h 5795027"/>
+                <a:gd name="connsiteX9" fmla="*/ 0 w 4282900"/>
+                <a:gd name="connsiteY9" fmla="*/ 3746068 h 5795027"/>
+                <a:gd name="connsiteX10" fmla="*/ 0 w 4282900"/>
+                <a:gd name="connsiteY10" fmla="*/ 3441681 h 5795027"/>
+                <a:gd name="connsiteX11" fmla="*/ 0 w 4282900"/>
+                <a:gd name="connsiteY11" fmla="*/ 3042471 h 5795027"/>
+                <a:gd name="connsiteX12" fmla="*/ 0 w 4282900"/>
+                <a:gd name="connsiteY12" fmla="*/ 2752557 h 5795027"/>
+                <a:gd name="connsiteX13" fmla="*/ 0 w 4282900"/>
+                <a:gd name="connsiteY13" fmla="*/ 2231503 h 5795027"/>
+                <a:gd name="connsiteX14" fmla="*/ 0 w 4282900"/>
+                <a:gd name="connsiteY14" fmla="*/ 2048959 h 5795027"/>
+                <a:gd name="connsiteX15" fmla="*/ 559354 w 4282900"/>
+                <a:gd name="connsiteY15" fmla="*/ 855573 h 5795027"/>
+                <a:gd name="connsiteX16" fmla="*/ 1950071 w 4282900"/>
+                <a:gd name="connsiteY16" fmla="*/ 164715 h 5795027"/>
+                <a:gd name="connsiteX17" fmla="*/ 2144960 w 4282900"/>
+                <a:gd name="connsiteY17" fmla="*/ 0 h 5795027"/>
+                <a:gd name="connsiteX18" fmla="*/ 2332832 w 4282900"/>
+                <a:gd name="connsiteY18" fmla="*/ 164715 h 5795027"/>
+                <a:gd name="connsiteX19" fmla="*/ 2976290 w 4282900"/>
+                <a:gd name="connsiteY19" fmla="*/ 524033 h 5795027"/>
+                <a:gd name="connsiteX0" fmla="*/ 4282900 w 4282900"/>
+                <a:gd name="connsiteY0" fmla="*/ 3042471 h 5795027"/>
+                <a:gd name="connsiteX1" fmla="*/ 4282900 w 4282900"/>
+                <a:gd name="connsiteY1" fmla="*/ 3441681 h 5795027"/>
+                <a:gd name="connsiteX2" fmla="*/ 4282900 w 4282900"/>
+                <a:gd name="connsiteY2" fmla="*/ 3746068 h 5795027"/>
+                <a:gd name="connsiteX3" fmla="*/ 3723546 w 4282900"/>
+                <a:gd name="connsiteY3" fmla="*/ 4939455 h 5795027"/>
+                <a:gd name="connsiteX4" fmla="*/ 2332829 w 4282900"/>
+                <a:gd name="connsiteY4" fmla="*/ 5630311 h 5795027"/>
+                <a:gd name="connsiteX5" fmla="*/ 2137940 w 4282900"/>
+                <a:gd name="connsiteY5" fmla="*/ 5795027 h 5795027"/>
+                <a:gd name="connsiteX6" fmla="*/ 1950069 w 4282900"/>
+                <a:gd name="connsiteY6" fmla="*/ 5630311 h 5795027"/>
+                <a:gd name="connsiteX7" fmla="*/ 559353 w 4282900"/>
+                <a:gd name="connsiteY7" fmla="*/ 4939455 h 5795027"/>
+                <a:gd name="connsiteX8" fmla="*/ 0 w 4282900"/>
+                <a:gd name="connsiteY8" fmla="*/ 3746068 h 5795027"/>
+                <a:gd name="connsiteX9" fmla="*/ 0 w 4282900"/>
+                <a:gd name="connsiteY9" fmla="*/ 3441681 h 5795027"/>
+                <a:gd name="connsiteX10" fmla="*/ 0 w 4282900"/>
+                <a:gd name="connsiteY10" fmla="*/ 3042471 h 5795027"/>
+                <a:gd name="connsiteX11" fmla="*/ 0 w 4282900"/>
+                <a:gd name="connsiteY11" fmla="*/ 2752557 h 5795027"/>
+                <a:gd name="connsiteX12" fmla="*/ 0 w 4282900"/>
+                <a:gd name="connsiteY12" fmla="*/ 2231503 h 5795027"/>
+                <a:gd name="connsiteX13" fmla="*/ 0 w 4282900"/>
+                <a:gd name="connsiteY13" fmla="*/ 2048959 h 5795027"/>
+                <a:gd name="connsiteX14" fmla="*/ 559354 w 4282900"/>
+                <a:gd name="connsiteY14" fmla="*/ 855573 h 5795027"/>
+                <a:gd name="connsiteX15" fmla="*/ 1950071 w 4282900"/>
+                <a:gd name="connsiteY15" fmla="*/ 164715 h 5795027"/>
+                <a:gd name="connsiteX16" fmla="*/ 2144960 w 4282900"/>
+                <a:gd name="connsiteY16" fmla="*/ 0 h 5795027"/>
+                <a:gd name="connsiteX17" fmla="*/ 2332832 w 4282900"/>
+                <a:gd name="connsiteY17" fmla="*/ 164715 h 5795027"/>
+                <a:gd name="connsiteX18" fmla="*/ 2976290 w 4282900"/>
+                <a:gd name="connsiteY18" fmla="*/ 524033 h 5795027"/>
+                <a:gd name="connsiteX0" fmla="*/ 4282900 w 4282900"/>
+                <a:gd name="connsiteY0" fmla="*/ 3441681 h 5795027"/>
+                <a:gd name="connsiteX1" fmla="*/ 4282900 w 4282900"/>
+                <a:gd name="connsiteY1" fmla="*/ 3746068 h 5795027"/>
+                <a:gd name="connsiteX2" fmla="*/ 3723546 w 4282900"/>
+                <a:gd name="connsiteY2" fmla="*/ 4939455 h 5795027"/>
+                <a:gd name="connsiteX3" fmla="*/ 2332829 w 4282900"/>
+                <a:gd name="connsiteY3" fmla="*/ 5630311 h 5795027"/>
+                <a:gd name="connsiteX4" fmla="*/ 2137940 w 4282900"/>
+                <a:gd name="connsiteY4" fmla="*/ 5795027 h 5795027"/>
+                <a:gd name="connsiteX5" fmla="*/ 1950069 w 4282900"/>
+                <a:gd name="connsiteY5" fmla="*/ 5630311 h 5795027"/>
+                <a:gd name="connsiteX6" fmla="*/ 559353 w 4282900"/>
+                <a:gd name="connsiteY6" fmla="*/ 4939455 h 5795027"/>
+                <a:gd name="connsiteX7" fmla="*/ 0 w 4282900"/>
+                <a:gd name="connsiteY7" fmla="*/ 3746068 h 5795027"/>
+                <a:gd name="connsiteX8" fmla="*/ 0 w 4282900"/>
+                <a:gd name="connsiteY8" fmla="*/ 3441681 h 5795027"/>
+                <a:gd name="connsiteX9" fmla="*/ 0 w 4282900"/>
+                <a:gd name="connsiteY9" fmla="*/ 3042471 h 5795027"/>
+                <a:gd name="connsiteX10" fmla="*/ 0 w 4282900"/>
+                <a:gd name="connsiteY10" fmla="*/ 2752557 h 5795027"/>
+                <a:gd name="connsiteX11" fmla="*/ 0 w 4282900"/>
+                <a:gd name="connsiteY11" fmla="*/ 2231503 h 5795027"/>
+                <a:gd name="connsiteX12" fmla="*/ 0 w 4282900"/>
+                <a:gd name="connsiteY12" fmla="*/ 2048959 h 5795027"/>
+                <a:gd name="connsiteX13" fmla="*/ 559354 w 4282900"/>
+                <a:gd name="connsiteY13" fmla="*/ 855573 h 5795027"/>
+                <a:gd name="connsiteX14" fmla="*/ 1950071 w 4282900"/>
+                <a:gd name="connsiteY14" fmla="*/ 164715 h 5795027"/>
+                <a:gd name="connsiteX15" fmla="*/ 2144960 w 4282900"/>
+                <a:gd name="connsiteY15" fmla="*/ 0 h 5795027"/>
+                <a:gd name="connsiteX16" fmla="*/ 2332832 w 4282900"/>
+                <a:gd name="connsiteY16" fmla="*/ 164715 h 5795027"/>
+                <a:gd name="connsiteX17" fmla="*/ 2976290 w 4282900"/>
+                <a:gd name="connsiteY17" fmla="*/ 524033 h 5795027"/>
+                <a:gd name="connsiteX0" fmla="*/ 4282900 w 4282900"/>
+                <a:gd name="connsiteY0" fmla="*/ 3441681 h 5795027"/>
+                <a:gd name="connsiteX1" fmla="*/ 3723546 w 4282900"/>
+                <a:gd name="connsiteY1" fmla="*/ 4939455 h 5795027"/>
+                <a:gd name="connsiteX2" fmla="*/ 2332829 w 4282900"/>
+                <a:gd name="connsiteY2" fmla="*/ 5630311 h 5795027"/>
+                <a:gd name="connsiteX3" fmla="*/ 2137940 w 4282900"/>
+                <a:gd name="connsiteY3" fmla="*/ 5795027 h 5795027"/>
+                <a:gd name="connsiteX4" fmla="*/ 1950069 w 4282900"/>
+                <a:gd name="connsiteY4" fmla="*/ 5630311 h 5795027"/>
+                <a:gd name="connsiteX5" fmla="*/ 559353 w 4282900"/>
+                <a:gd name="connsiteY5" fmla="*/ 4939455 h 5795027"/>
+                <a:gd name="connsiteX6" fmla="*/ 0 w 4282900"/>
+                <a:gd name="connsiteY6" fmla="*/ 3746068 h 5795027"/>
+                <a:gd name="connsiteX7" fmla="*/ 0 w 4282900"/>
+                <a:gd name="connsiteY7" fmla="*/ 3441681 h 5795027"/>
+                <a:gd name="connsiteX8" fmla="*/ 0 w 4282900"/>
+                <a:gd name="connsiteY8" fmla="*/ 3042471 h 5795027"/>
+                <a:gd name="connsiteX9" fmla="*/ 0 w 4282900"/>
+                <a:gd name="connsiteY9" fmla="*/ 2752557 h 5795027"/>
+                <a:gd name="connsiteX10" fmla="*/ 0 w 4282900"/>
+                <a:gd name="connsiteY10" fmla="*/ 2231503 h 5795027"/>
+                <a:gd name="connsiteX11" fmla="*/ 0 w 4282900"/>
+                <a:gd name="connsiteY11" fmla="*/ 2048959 h 5795027"/>
+                <a:gd name="connsiteX12" fmla="*/ 559354 w 4282900"/>
+                <a:gd name="connsiteY12" fmla="*/ 855573 h 5795027"/>
+                <a:gd name="connsiteX13" fmla="*/ 1950071 w 4282900"/>
+                <a:gd name="connsiteY13" fmla="*/ 164715 h 5795027"/>
+                <a:gd name="connsiteX14" fmla="*/ 2144960 w 4282900"/>
+                <a:gd name="connsiteY14" fmla="*/ 0 h 5795027"/>
+                <a:gd name="connsiteX15" fmla="*/ 2332832 w 4282900"/>
+                <a:gd name="connsiteY15" fmla="*/ 164715 h 5795027"/>
+                <a:gd name="connsiteX16" fmla="*/ 2976290 w 4282900"/>
+                <a:gd name="connsiteY16" fmla="*/ 524033 h 5795027"/>
+                <a:gd name="connsiteX0" fmla="*/ 3723546 w 3723546"/>
+                <a:gd name="connsiteY0" fmla="*/ 4939455 h 5795027"/>
+                <a:gd name="connsiteX1" fmla="*/ 2332829 w 3723546"/>
+                <a:gd name="connsiteY1" fmla="*/ 5630311 h 5795027"/>
+                <a:gd name="connsiteX2" fmla="*/ 2137940 w 3723546"/>
+                <a:gd name="connsiteY2" fmla="*/ 5795027 h 5795027"/>
+                <a:gd name="connsiteX3" fmla="*/ 1950069 w 3723546"/>
+                <a:gd name="connsiteY3" fmla="*/ 5630311 h 5795027"/>
+                <a:gd name="connsiteX4" fmla="*/ 559353 w 3723546"/>
+                <a:gd name="connsiteY4" fmla="*/ 4939455 h 5795027"/>
+                <a:gd name="connsiteX5" fmla="*/ 0 w 3723546"/>
+                <a:gd name="connsiteY5" fmla="*/ 3746068 h 5795027"/>
+                <a:gd name="connsiteX6" fmla="*/ 0 w 3723546"/>
+                <a:gd name="connsiteY6" fmla="*/ 3441681 h 5795027"/>
+                <a:gd name="connsiteX7" fmla="*/ 0 w 3723546"/>
+                <a:gd name="connsiteY7" fmla="*/ 3042471 h 5795027"/>
+                <a:gd name="connsiteX8" fmla="*/ 0 w 3723546"/>
+                <a:gd name="connsiteY8" fmla="*/ 2752557 h 5795027"/>
+                <a:gd name="connsiteX9" fmla="*/ 0 w 3723546"/>
+                <a:gd name="connsiteY9" fmla="*/ 2231503 h 5795027"/>
+                <a:gd name="connsiteX10" fmla="*/ 0 w 3723546"/>
+                <a:gd name="connsiteY10" fmla="*/ 2048959 h 5795027"/>
+                <a:gd name="connsiteX11" fmla="*/ 559354 w 3723546"/>
+                <a:gd name="connsiteY11" fmla="*/ 855573 h 5795027"/>
+                <a:gd name="connsiteX12" fmla="*/ 1950071 w 3723546"/>
+                <a:gd name="connsiteY12" fmla="*/ 164715 h 5795027"/>
+                <a:gd name="connsiteX13" fmla="*/ 2144960 w 3723546"/>
+                <a:gd name="connsiteY13" fmla="*/ 0 h 5795027"/>
+                <a:gd name="connsiteX14" fmla="*/ 2332832 w 3723546"/>
+                <a:gd name="connsiteY14" fmla="*/ 164715 h 5795027"/>
+                <a:gd name="connsiteX15" fmla="*/ 2976290 w 3723546"/>
+                <a:gd name="connsiteY15" fmla="*/ 524033 h 5795027"/>
+                <a:gd name="connsiteX0" fmla="*/ 3723546 w 3723546"/>
+                <a:gd name="connsiteY0" fmla="*/ 4939455 h 5795027"/>
+                <a:gd name="connsiteX1" fmla="*/ 2989878 w 3723546"/>
+                <a:gd name="connsiteY1" fmla="*/ 5266109 h 5795027"/>
+                <a:gd name="connsiteX2" fmla="*/ 2332829 w 3723546"/>
+                <a:gd name="connsiteY2" fmla="*/ 5630311 h 5795027"/>
+                <a:gd name="connsiteX3" fmla="*/ 2137940 w 3723546"/>
+                <a:gd name="connsiteY3" fmla="*/ 5795027 h 5795027"/>
+                <a:gd name="connsiteX4" fmla="*/ 1950069 w 3723546"/>
+                <a:gd name="connsiteY4" fmla="*/ 5630311 h 5795027"/>
+                <a:gd name="connsiteX5" fmla="*/ 559353 w 3723546"/>
+                <a:gd name="connsiteY5" fmla="*/ 4939455 h 5795027"/>
+                <a:gd name="connsiteX6" fmla="*/ 0 w 3723546"/>
+                <a:gd name="connsiteY6" fmla="*/ 3746068 h 5795027"/>
+                <a:gd name="connsiteX7" fmla="*/ 0 w 3723546"/>
+                <a:gd name="connsiteY7" fmla="*/ 3441681 h 5795027"/>
+                <a:gd name="connsiteX8" fmla="*/ 0 w 3723546"/>
+                <a:gd name="connsiteY8" fmla="*/ 3042471 h 5795027"/>
+                <a:gd name="connsiteX9" fmla="*/ 0 w 3723546"/>
+                <a:gd name="connsiteY9" fmla="*/ 2752557 h 5795027"/>
+                <a:gd name="connsiteX10" fmla="*/ 0 w 3723546"/>
+                <a:gd name="connsiteY10" fmla="*/ 2231503 h 5795027"/>
+                <a:gd name="connsiteX11" fmla="*/ 0 w 3723546"/>
+                <a:gd name="connsiteY11" fmla="*/ 2048959 h 5795027"/>
+                <a:gd name="connsiteX12" fmla="*/ 559354 w 3723546"/>
+                <a:gd name="connsiteY12" fmla="*/ 855573 h 5795027"/>
+                <a:gd name="connsiteX13" fmla="*/ 1950071 w 3723546"/>
+                <a:gd name="connsiteY13" fmla="*/ 164715 h 5795027"/>
+                <a:gd name="connsiteX14" fmla="*/ 2144960 w 3723546"/>
+                <a:gd name="connsiteY14" fmla="*/ 0 h 5795027"/>
+                <a:gd name="connsiteX15" fmla="*/ 2332832 w 3723546"/>
+                <a:gd name="connsiteY15" fmla="*/ 164715 h 5795027"/>
+                <a:gd name="connsiteX16" fmla="*/ 2976290 w 3723546"/>
+                <a:gd name="connsiteY16" fmla="*/ 524033 h 5795027"/>
+                <a:gd name="connsiteX0" fmla="*/ 2989878 w 2989878"/>
+                <a:gd name="connsiteY0" fmla="*/ 5266109 h 5795027"/>
+                <a:gd name="connsiteX1" fmla="*/ 2332829 w 2989878"/>
+                <a:gd name="connsiteY1" fmla="*/ 5630311 h 5795027"/>
+                <a:gd name="connsiteX2" fmla="*/ 2137940 w 2989878"/>
+                <a:gd name="connsiteY2" fmla="*/ 5795027 h 5795027"/>
+                <a:gd name="connsiteX3" fmla="*/ 1950069 w 2989878"/>
+                <a:gd name="connsiteY3" fmla="*/ 5630311 h 5795027"/>
+                <a:gd name="connsiteX4" fmla="*/ 559353 w 2989878"/>
+                <a:gd name="connsiteY4" fmla="*/ 4939455 h 5795027"/>
+                <a:gd name="connsiteX5" fmla="*/ 0 w 2989878"/>
+                <a:gd name="connsiteY5" fmla="*/ 3746068 h 5795027"/>
+                <a:gd name="connsiteX6" fmla="*/ 0 w 2989878"/>
+                <a:gd name="connsiteY6" fmla="*/ 3441681 h 5795027"/>
+                <a:gd name="connsiteX7" fmla="*/ 0 w 2989878"/>
+                <a:gd name="connsiteY7" fmla="*/ 3042471 h 5795027"/>
+                <a:gd name="connsiteX8" fmla="*/ 0 w 2989878"/>
+                <a:gd name="connsiteY8" fmla="*/ 2752557 h 5795027"/>
+                <a:gd name="connsiteX9" fmla="*/ 0 w 2989878"/>
+                <a:gd name="connsiteY9" fmla="*/ 2231503 h 5795027"/>
+                <a:gd name="connsiteX10" fmla="*/ 0 w 2989878"/>
+                <a:gd name="connsiteY10" fmla="*/ 2048959 h 5795027"/>
+                <a:gd name="connsiteX11" fmla="*/ 559354 w 2989878"/>
+                <a:gd name="connsiteY11" fmla="*/ 855573 h 5795027"/>
+                <a:gd name="connsiteX12" fmla="*/ 1950071 w 2989878"/>
+                <a:gd name="connsiteY12" fmla="*/ 164715 h 5795027"/>
+                <a:gd name="connsiteX13" fmla="*/ 2144960 w 2989878"/>
+                <a:gd name="connsiteY13" fmla="*/ 0 h 5795027"/>
+                <a:gd name="connsiteX14" fmla="*/ 2332832 w 2989878"/>
+                <a:gd name="connsiteY14" fmla="*/ 164715 h 5795027"/>
+                <a:gd name="connsiteX15" fmla="*/ 2976290 w 2989878"/>
+                <a:gd name="connsiteY15" fmla="*/ 524033 h 5795027"/>
+                <a:gd name="connsiteX0" fmla="*/ 2989878 w 2989878"/>
+                <a:gd name="connsiteY0" fmla="*/ 5266109 h 5795027"/>
+                <a:gd name="connsiteX1" fmla="*/ 2332829 w 2989878"/>
+                <a:gd name="connsiteY1" fmla="*/ 5630311 h 5795027"/>
+                <a:gd name="connsiteX2" fmla="*/ 2137940 w 2989878"/>
+                <a:gd name="connsiteY2" fmla="*/ 5795027 h 5795027"/>
+                <a:gd name="connsiteX3" fmla="*/ 1950069 w 2989878"/>
+                <a:gd name="connsiteY3" fmla="*/ 5630311 h 5795027"/>
+                <a:gd name="connsiteX4" fmla="*/ 559353 w 2989878"/>
+                <a:gd name="connsiteY4" fmla="*/ 4939455 h 5795027"/>
+                <a:gd name="connsiteX5" fmla="*/ 0 w 2989878"/>
+                <a:gd name="connsiteY5" fmla="*/ 3746068 h 5795027"/>
+                <a:gd name="connsiteX6" fmla="*/ 0 w 2989878"/>
+                <a:gd name="connsiteY6" fmla="*/ 3441681 h 5795027"/>
+                <a:gd name="connsiteX7" fmla="*/ 0 w 2989878"/>
+                <a:gd name="connsiteY7" fmla="*/ 3042471 h 5795027"/>
+                <a:gd name="connsiteX8" fmla="*/ 0 w 2989878"/>
+                <a:gd name="connsiteY8" fmla="*/ 2752557 h 5795027"/>
+                <a:gd name="connsiteX9" fmla="*/ 0 w 2989878"/>
+                <a:gd name="connsiteY9" fmla="*/ 2231503 h 5795027"/>
+                <a:gd name="connsiteX10" fmla="*/ 0 w 2989878"/>
+                <a:gd name="connsiteY10" fmla="*/ 2048959 h 5795027"/>
+                <a:gd name="connsiteX11" fmla="*/ 559354 w 2989878"/>
+                <a:gd name="connsiteY11" fmla="*/ 855573 h 5795027"/>
+                <a:gd name="connsiteX12" fmla="*/ 1950071 w 2989878"/>
+                <a:gd name="connsiteY12" fmla="*/ 164715 h 5795027"/>
+                <a:gd name="connsiteX13" fmla="*/ 2144960 w 2989878"/>
+                <a:gd name="connsiteY13" fmla="*/ 0 h 5795027"/>
+                <a:gd name="connsiteX14" fmla="*/ 2332832 w 2989878"/>
+                <a:gd name="connsiteY14" fmla="*/ 164715 h 5795027"/>
+                <a:gd name="connsiteX15" fmla="*/ 2976290 w 2989878"/>
+                <a:gd name="connsiteY15" fmla="*/ 524033 h 5795027"/>
+                <a:gd name="connsiteX0" fmla="*/ 2955049 w 2976290"/>
+                <a:gd name="connsiteY0" fmla="*/ 5266109 h 5795027"/>
+                <a:gd name="connsiteX1" fmla="*/ 2332829 w 2976290"/>
+                <a:gd name="connsiteY1" fmla="*/ 5630311 h 5795027"/>
+                <a:gd name="connsiteX2" fmla="*/ 2137940 w 2976290"/>
+                <a:gd name="connsiteY2" fmla="*/ 5795027 h 5795027"/>
+                <a:gd name="connsiteX3" fmla="*/ 1950069 w 2976290"/>
+                <a:gd name="connsiteY3" fmla="*/ 5630311 h 5795027"/>
+                <a:gd name="connsiteX4" fmla="*/ 559353 w 2976290"/>
+                <a:gd name="connsiteY4" fmla="*/ 4939455 h 5795027"/>
+                <a:gd name="connsiteX5" fmla="*/ 0 w 2976290"/>
+                <a:gd name="connsiteY5" fmla="*/ 3746068 h 5795027"/>
+                <a:gd name="connsiteX6" fmla="*/ 0 w 2976290"/>
+                <a:gd name="connsiteY6" fmla="*/ 3441681 h 5795027"/>
+                <a:gd name="connsiteX7" fmla="*/ 0 w 2976290"/>
+                <a:gd name="connsiteY7" fmla="*/ 3042471 h 5795027"/>
+                <a:gd name="connsiteX8" fmla="*/ 0 w 2976290"/>
+                <a:gd name="connsiteY8" fmla="*/ 2752557 h 5795027"/>
+                <a:gd name="connsiteX9" fmla="*/ 0 w 2976290"/>
+                <a:gd name="connsiteY9" fmla="*/ 2231503 h 5795027"/>
+                <a:gd name="connsiteX10" fmla="*/ 0 w 2976290"/>
+                <a:gd name="connsiteY10" fmla="*/ 2048959 h 5795027"/>
+                <a:gd name="connsiteX11" fmla="*/ 559354 w 2976290"/>
+                <a:gd name="connsiteY11" fmla="*/ 855573 h 5795027"/>
+                <a:gd name="connsiteX12" fmla="*/ 1950071 w 2976290"/>
+                <a:gd name="connsiteY12" fmla="*/ 164715 h 5795027"/>
+                <a:gd name="connsiteX13" fmla="*/ 2144960 w 2976290"/>
+                <a:gd name="connsiteY13" fmla="*/ 0 h 5795027"/>
+                <a:gd name="connsiteX14" fmla="*/ 2332832 w 2976290"/>
+                <a:gd name="connsiteY14" fmla="*/ 164715 h 5795027"/>
+                <a:gd name="connsiteX15" fmla="*/ 2976290 w 2976290"/>
+                <a:gd name="connsiteY15" fmla="*/ 524033 h 5795027"/>
+                <a:gd name="connsiteX0" fmla="*/ 2955049 w 2976290"/>
+                <a:gd name="connsiteY0" fmla="*/ 5266109 h 5795027"/>
+                <a:gd name="connsiteX1" fmla="*/ 2332829 w 2976290"/>
+                <a:gd name="connsiteY1" fmla="*/ 5630311 h 5795027"/>
+                <a:gd name="connsiteX2" fmla="*/ 2137940 w 2976290"/>
+                <a:gd name="connsiteY2" fmla="*/ 5795027 h 5795027"/>
+                <a:gd name="connsiteX3" fmla="*/ 1950069 w 2976290"/>
+                <a:gd name="connsiteY3" fmla="*/ 5630311 h 5795027"/>
+                <a:gd name="connsiteX4" fmla="*/ 559353 w 2976290"/>
+                <a:gd name="connsiteY4" fmla="*/ 4939455 h 5795027"/>
+                <a:gd name="connsiteX5" fmla="*/ 0 w 2976290"/>
+                <a:gd name="connsiteY5" fmla="*/ 3746068 h 5795027"/>
+                <a:gd name="connsiteX6" fmla="*/ 0 w 2976290"/>
+                <a:gd name="connsiteY6" fmla="*/ 3441681 h 5795027"/>
+                <a:gd name="connsiteX7" fmla="*/ 0 w 2976290"/>
+                <a:gd name="connsiteY7" fmla="*/ 3042471 h 5795027"/>
+                <a:gd name="connsiteX8" fmla="*/ 0 w 2976290"/>
+                <a:gd name="connsiteY8" fmla="*/ 2752557 h 5795027"/>
+                <a:gd name="connsiteX9" fmla="*/ 0 w 2976290"/>
+                <a:gd name="connsiteY9" fmla="*/ 2231503 h 5795027"/>
+                <a:gd name="connsiteX10" fmla="*/ 0 w 2976290"/>
+                <a:gd name="connsiteY10" fmla="*/ 2048959 h 5795027"/>
+                <a:gd name="connsiteX11" fmla="*/ 559354 w 2976290"/>
+                <a:gd name="connsiteY11" fmla="*/ 855573 h 5795027"/>
+                <a:gd name="connsiteX12" fmla="*/ 1950071 w 2976290"/>
+                <a:gd name="connsiteY12" fmla="*/ 164715 h 5795027"/>
+                <a:gd name="connsiteX13" fmla="*/ 2144960 w 2976290"/>
+                <a:gd name="connsiteY13" fmla="*/ 0 h 5795027"/>
+                <a:gd name="connsiteX14" fmla="*/ 2332832 w 2976290"/>
+                <a:gd name="connsiteY14" fmla="*/ 164715 h 5795027"/>
+                <a:gd name="connsiteX15" fmla="*/ 2976290 w 2976290"/>
+                <a:gd name="connsiteY15" fmla="*/ 524033 h 5795027"/>
+                <a:gd name="connsiteX0" fmla="*/ 2955049 w 2976290"/>
+                <a:gd name="connsiteY0" fmla="*/ 5266109 h 5795027"/>
+                <a:gd name="connsiteX1" fmla="*/ 2332829 w 2976290"/>
+                <a:gd name="connsiteY1" fmla="*/ 5630311 h 5795027"/>
+                <a:gd name="connsiteX2" fmla="*/ 2137940 w 2976290"/>
+                <a:gd name="connsiteY2" fmla="*/ 5795027 h 5795027"/>
+                <a:gd name="connsiteX3" fmla="*/ 1950069 w 2976290"/>
+                <a:gd name="connsiteY3" fmla="*/ 5630311 h 5795027"/>
+                <a:gd name="connsiteX4" fmla="*/ 559353 w 2976290"/>
+                <a:gd name="connsiteY4" fmla="*/ 4939455 h 5795027"/>
+                <a:gd name="connsiteX5" fmla="*/ 0 w 2976290"/>
+                <a:gd name="connsiteY5" fmla="*/ 3746068 h 5795027"/>
+                <a:gd name="connsiteX6" fmla="*/ 0 w 2976290"/>
+                <a:gd name="connsiteY6" fmla="*/ 3441681 h 5795027"/>
+                <a:gd name="connsiteX7" fmla="*/ 0 w 2976290"/>
+                <a:gd name="connsiteY7" fmla="*/ 3042471 h 5795027"/>
+                <a:gd name="connsiteX8" fmla="*/ 0 w 2976290"/>
+                <a:gd name="connsiteY8" fmla="*/ 2752557 h 5795027"/>
+                <a:gd name="connsiteX9" fmla="*/ 0 w 2976290"/>
+                <a:gd name="connsiteY9" fmla="*/ 2231503 h 5795027"/>
+                <a:gd name="connsiteX10" fmla="*/ 0 w 2976290"/>
+                <a:gd name="connsiteY10" fmla="*/ 2048959 h 5795027"/>
+                <a:gd name="connsiteX11" fmla="*/ 559354 w 2976290"/>
+                <a:gd name="connsiteY11" fmla="*/ 855573 h 5795027"/>
+                <a:gd name="connsiteX12" fmla="*/ 1950071 w 2976290"/>
+                <a:gd name="connsiteY12" fmla="*/ 164715 h 5795027"/>
+                <a:gd name="connsiteX13" fmla="*/ 2144960 w 2976290"/>
+                <a:gd name="connsiteY13" fmla="*/ 0 h 5795027"/>
+                <a:gd name="connsiteX14" fmla="*/ 2332832 w 2976290"/>
+                <a:gd name="connsiteY14" fmla="*/ 164715 h 5795027"/>
+                <a:gd name="connsiteX15" fmla="*/ 2976290 w 2976290"/>
+                <a:gd name="connsiteY15" fmla="*/ 524033 h 5795027"/>
+                <a:gd name="connsiteX0" fmla="*/ 2955049 w 2976290"/>
+                <a:gd name="connsiteY0" fmla="*/ 5266109 h 5795027"/>
+                <a:gd name="connsiteX1" fmla="*/ 2332829 w 2976290"/>
+                <a:gd name="connsiteY1" fmla="*/ 5630311 h 5795027"/>
+                <a:gd name="connsiteX2" fmla="*/ 2137940 w 2976290"/>
+                <a:gd name="connsiteY2" fmla="*/ 5795027 h 5795027"/>
+                <a:gd name="connsiteX3" fmla="*/ 1950069 w 2976290"/>
+                <a:gd name="connsiteY3" fmla="*/ 5630311 h 5795027"/>
+                <a:gd name="connsiteX4" fmla="*/ 559353 w 2976290"/>
+                <a:gd name="connsiteY4" fmla="*/ 4939455 h 5795027"/>
+                <a:gd name="connsiteX5" fmla="*/ 0 w 2976290"/>
+                <a:gd name="connsiteY5" fmla="*/ 3746068 h 5795027"/>
+                <a:gd name="connsiteX6" fmla="*/ 0 w 2976290"/>
+                <a:gd name="connsiteY6" fmla="*/ 3441681 h 5795027"/>
+                <a:gd name="connsiteX7" fmla="*/ 0 w 2976290"/>
+                <a:gd name="connsiteY7" fmla="*/ 3042471 h 5795027"/>
+                <a:gd name="connsiteX8" fmla="*/ 0 w 2976290"/>
+                <a:gd name="connsiteY8" fmla="*/ 2752557 h 5795027"/>
+                <a:gd name="connsiteX9" fmla="*/ 0 w 2976290"/>
+                <a:gd name="connsiteY9" fmla="*/ 2231503 h 5795027"/>
+                <a:gd name="connsiteX10" fmla="*/ 0 w 2976290"/>
+                <a:gd name="connsiteY10" fmla="*/ 2048959 h 5795027"/>
+                <a:gd name="connsiteX11" fmla="*/ 559354 w 2976290"/>
+                <a:gd name="connsiteY11" fmla="*/ 855573 h 5795027"/>
+                <a:gd name="connsiteX12" fmla="*/ 1950071 w 2976290"/>
+                <a:gd name="connsiteY12" fmla="*/ 164715 h 5795027"/>
+                <a:gd name="connsiteX13" fmla="*/ 2144960 w 2976290"/>
+                <a:gd name="connsiteY13" fmla="*/ 0 h 5795027"/>
+                <a:gd name="connsiteX14" fmla="*/ 2332832 w 2976290"/>
+                <a:gd name="connsiteY14" fmla="*/ 164715 h 5795027"/>
+                <a:gd name="connsiteX15" fmla="*/ 2976290 w 2976290"/>
+                <a:gd name="connsiteY15" fmla="*/ 524033 h 5795027"/>
+                <a:gd name="connsiteX0" fmla="*/ 2955049 w 2976290"/>
+                <a:gd name="connsiteY0" fmla="*/ 5266109 h 5795027"/>
+                <a:gd name="connsiteX1" fmla="*/ 2332829 w 2976290"/>
+                <a:gd name="connsiteY1" fmla="*/ 5630311 h 5795027"/>
+                <a:gd name="connsiteX2" fmla="*/ 2137940 w 2976290"/>
+                <a:gd name="connsiteY2" fmla="*/ 5795027 h 5795027"/>
+                <a:gd name="connsiteX3" fmla="*/ 1950069 w 2976290"/>
+                <a:gd name="connsiteY3" fmla="*/ 5630311 h 5795027"/>
+                <a:gd name="connsiteX4" fmla="*/ 559353 w 2976290"/>
+                <a:gd name="connsiteY4" fmla="*/ 4939455 h 5795027"/>
+                <a:gd name="connsiteX5" fmla="*/ 0 w 2976290"/>
+                <a:gd name="connsiteY5" fmla="*/ 3746068 h 5795027"/>
+                <a:gd name="connsiteX6" fmla="*/ 0 w 2976290"/>
+                <a:gd name="connsiteY6" fmla="*/ 3441681 h 5795027"/>
+                <a:gd name="connsiteX7" fmla="*/ 0 w 2976290"/>
+                <a:gd name="connsiteY7" fmla="*/ 3042471 h 5795027"/>
+                <a:gd name="connsiteX8" fmla="*/ 0 w 2976290"/>
+                <a:gd name="connsiteY8" fmla="*/ 2752557 h 5795027"/>
+                <a:gd name="connsiteX9" fmla="*/ 0 w 2976290"/>
+                <a:gd name="connsiteY9" fmla="*/ 2231503 h 5795027"/>
+                <a:gd name="connsiteX10" fmla="*/ 0 w 2976290"/>
+                <a:gd name="connsiteY10" fmla="*/ 2048959 h 5795027"/>
+                <a:gd name="connsiteX11" fmla="*/ 559354 w 2976290"/>
+                <a:gd name="connsiteY11" fmla="*/ 855573 h 5795027"/>
+                <a:gd name="connsiteX12" fmla="*/ 1950071 w 2976290"/>
+                <a:gd name="connsiteY12" fmla="*/ 164715 h 5795027"/>
+                <a:gd name="connsiteX13" fmla="*/ 2144960 w 2976290"/>
+                <a:gd name="connsiteY13" fmla="*/ 0 h 5795027"/>
+                <a:gd name="connsiteX14" fmla="*/ 2332832 w 2976290"/>
+                <a:gd name="connsiteY14" fmla="*/ 164715 h 5795027"/>
+                <a:gd name="connsiteX15" fmla="*/ 2976290 w 2976290"/>
+                <a:gd name="connsiteY15" fmla="*/ 524033 h 5795027"/>
+                <a:gd name="connsiteX0" fmla="*/ 2955049 w 2987296"/>
+                <a:gd name="connsiteY0" fmla="*/ 5266109 h 5795027"/>
+                <a:gd name="connsiteX1" fmla="*/ 2332829 w 2987296"/>
+                <a:gd name="connsiteY1" fmla="*/ 5630311 h 5795027"/>
+                <a:gd name="connsiteX2" fmla="*/ 2137940 w 2987296"/>
+                <a:gd name="connsiteY2" fmla="*/ 5795027 h 5795027"/>
+                <a:gd name="connsiteX3" fmla="*/ 1950069 w 2987296"/>
+                <a:gd name="connsiteY3" fmla="*/ 5630311 h 5795027"/>
+                <a:gd name="connsiteX4" fmla="*/ 559353 w 2987296"/>
+                <a:gd name="connsiteY4" fmla="*/ 4939455 h 5795027"/>
+                <a:gd name="connsiteX5" fmla="*/ 0 w 2987296"/>
+                <a:gd name="connsiteY5" fmla="*/ 3746068 h 5795027"/>
+                <a:gd name="connsiteX6" fmla="*/ 0 w 2987296"/>
+                <a:gd name="connsiteY6" fmla="*/ 3441681 h 5795027"/>
+                <a:gd name="connsiteX7" fmla="*/ 0 w 2987296"/>
+                <a:gd name="connsiteY7" fmla="*/ 3042471 h 5795027"/>
+                <a:gd name="connsiteX8" fmla="*/ 0 w 2987296"/>
+                <a:gd name="connsiteY8" fmla="*/ 2752557 h 5795027"/>
+                <a:gd name="connsiteX9" fmla="*/ 0 w 2987296"/>
+                <a:gd name="connsiteY9" fmla="*/ 2231503 h 5795027"/>
+                <a:gd name="connsiteX10" fmla="*/ 0 w 2987296"/>
+                <a:gd name="connsiteY10" fmla="*/ 2048959 h 5795027"/>
+                <a:gd name="connsiteX11" fmla="*/ 559354 w 2987296"/>
+                <a:gd name="connsiteY11" fmla="*/ 855573 h 5795027"/>
+                <a:gd name="connsiteX12" fmla="*/ 1950071 w 2987296"/>
+                <a:gd name="connsiteY12" fmla="*/ 164715 h 5795027"/>
+                <a:gd name="connsiteX13" fmla="*/ 2144960 w 2987296"/>
+                <a:gd name="connsiteY13" fmla="*/ 0 h 5795027"/>
+                <a:gd name="connsiteX14" fmla="*/ 2332832 w 2987296"/>
+                <a:gd name="connsiteY14" fmla="*/ 164715 h 5795027"/>
+                <a:gd name="connsiteX15" fmla="*/ 2987296 w 2987296"/>
+                <a:gd name="connsiteY15" fmla="*/ 557051 h 5795027"/>
+              </a:gdLst>
+              <a:ahLst/>
+              <a:cxnLst>
+                <a:cxn ang="0">
+                  <a:pos x="connsiteX0" y="connsiteY0"/>
+                </a:cxn>
+                <a:cxn ang="0">
+                  <a:pos x="connsiteX1" y="connsiteY1"/>
+                </a:cxn>
+                <a:cxn ang="0">
+                  <a:pos x="connsiteX2" y="connsiteY2"/>
+                </a:cxn>
+                <a:cxn ang="0">
+                  <a:pos x="connsiteX3" y="connsiteY3"/>
+                </a:cxn>
+                <a:cxn ang="0">
+                  <a:pos x="connsiteX4" y="connsiteY4"/>
+                </a:cxn>
+                <a:cxn ang="0">
+                  <a:pos x="connsiteX5" y="connsiteY5"/>
+                </a:cxn>
+                <a:cxn ang="0">
+                  <a:pos x="connsiteX6" y="connsiteY6"/>
+                </a:cxn>
+                <a:cxn ang="0">
+                  <a:pos x="connsiteX7" y="connsiteY7"/>
+                </a:cxn>
+                <a:cxn ang="0">
+                  <a:pos x="connsiteX8" y="connsiteY8"/>
+                </a:cxn>
+                <a:cxn ang="0">
+                  <a:pos x="connsiteX9" y="connsiteY9"/>
+                </a:cxn>
+                <a:cxn ang="0">
+                  <a:pos x="connsiteX10" y="connsiteY10"/>
+                </a:cxn>
+                <a:cxn ang="0">
+                  <a:pos x="connsiteX11" y="connsiteY11"/>
+                </a:cxn>
+                <a:cxn ang="0">
+                  <a:pos x="connsiteX12" y="connsiteY12"/>
+                </a:cxn>
+                <a:cxn ang="0">
+                  <a:pos x="connsiteX13" y="connsiteY13"/>
+                </a:cxn>
+                <a:cxn ang="0">
+                  <a:pos x="connsiteX14" y="connsiteY14"/>
+                </a:cxn>
+                <a:cxn ang="0">
+                  <a:pos x="connsiteX15" y="connsiteY15"/>
+                </a:cxn>
+              </a:cxnLst>
+              <a:rect l="l" t="t" r="r" b="b"/>
+              <a:pathLst>
+                <a:path w="2987296" h="5795027">
+                  <a:moveTo>
+                    <a:pt x="2955049" y="5266109"/>
+                  </a:moveTo>
+                  <a:cubicBezTo>
+                    <a:pt x="2737194" y="5332489"/>
+                    <a:pt x="2474819" y="5542158"/>
+                    <a:pt x="2332829" y="5630311"/>
+                  </a:cubicBezTo>
+                  <a:lnTo>
+                    <a:pt x="2137940" y="5795027"/>
+                  </a:lnTo>
+                  <a:lnTo>
+                    <a:pt x="1950069" y="5630311"/>
+                  </a:lnTo>
+                  <a:cubicBezTo>
+                    <a:pt x="1484225" y="5270318"/>
+                    <a:pt x="959280" y="5171158"/>
+                    <a:pt x="559353" y="4939455"/>
+                  </a:cubicBezTo>
+                  <a:cubicBezTo>
+                    <a:pt x="174796" y="4670559"/>
+                    <a:pt x="0" y="4362177"/>
+                    <a:pt x="0" y="3746068"/>
+                  </a:cubicBezTo>
+                  <a:lnTo>
+                    <a:pt x="0" y="3441681"/>
+                  </a:lnTo>
+                  <a:lnTo>
+                    <a:pt x="0" y="3042471"/>
+                  </a:lnTo>
+                  <a:lnTo>
+                    <a:pt x="0" y="2752557"/>
+                  </a:lnTo>
+                  <a:lnTo>
+                    <a:pt x="0" y="2231503"/>
+                  </a:lnTo>
+                  <a:lnTo>
+                    <a:pt x="0" y="2048959"/>
+                  </a:lnTo>
+                  <a:cubicBezTo>
+                    <a:pt x="0" y="1432851"/>
+                    <a:pt x="174797" y="1124469"/>
+                    <a:pt x="559354" y="855573"/>
+                  </a:cubicBezTo>
+                  <a:cubicBezTo>
+                    <a:pt x="959283" y="623869"/>
+                    <a:pt x="1484227" y="524709"/>
+                    <a:pt x="1950071" y="164715"/>
+                  </a:cubicBezTo>
+                  <a:lnTo>
+                    <a:pt x="2144960" y="0"/>
+                  </a:lnTo>
+                  <a:lnTo>
+                    <a:pt x="2332832" y="164715"/>
+                  </a:lnTo>
+                  <a:cubicBezTo>
+                    <a:pt x="2471387" y="252054"/>
+                    <a:pt x="2755510" y="441908"/>
+                    <a:pt x="2987296" y="557051"/>
+                  </a:cubicBezTo>
+                </a:path>
+              </a:pathLst>
+            </a:custGeom>
+            <a:noFill/>
+            <a:ln w="25400" cap="rnd">
+              <a:solidFill>
+                <a:schemeClr val="bg2">
+                  <a:lumMod val="75000"/>
+                  <a:alpha val="65000"/>
+                </a:schemeClr>
+              </a:solidFill>
+              <a:prstDash val="sysDot"/>
+            </a:ln>
+          </p:spPr>
+          <p:style>
+            <a:lnRef idx="2">
+              <a:schemeClr val="accent1">
+                <a:shade val="50000"/>
+              </a:schemeClr>
+            </a:lnRef>
+            <a:fillRef idx="1">
+              <a:schemeClr val="accent1"/>
+            </a:fillRef>
+            <a:effectRef idx="0">
+              <a:schemeClr val="accent1"/>
+            </a:effectRef>
+            <a:fontRef idx="minor">
+              <a:schemeClr val="lt1"/>
+            </a:fontRef>
+          </p:style>
+          <p:txBody>
+            <a:bodyPr wrap="square" rtlCol="0" anchor="ctr">
+              <a:noAutofit/>
+            </a:bodyPr>
+            <a:lstStyle/>
+            <a:p>
+              <a:pPr algn="ctr"/>
+              <a:endParaRPr lang="en-US"/>
+            </a:p>
+          </p:txBody>
+        </p:sp>
+      </p:grpSp>
+      <p:sp useBgFill="1">
+        <p:nvSpPr>
+          <p:cNvPr id="13" name="Rectangle 12">
+            <a:extLst>
+              <a:ext uri="{FF2B5EF4-FFF2-40B4-BE49-F238E27FC236}">
+                <a16:creationId xmlns:a16="http://schemas.microsoft.com/office/drawing/2014/main" id="{B813991F-3DC0-4191-8251-8C2FABD4A9DF}"/>
+              </a:ext>
+              <a:ext uri="{C183D7F6-B498-43B3-948B-1728B52AA6E4}">
+                <adec:decorative xmlns:adec="http://schemas.microsoft.com/office/drawing/2017/decorative" val="1"/>
+              </a:ext>
+            </a:extLst>
+          </p:cNvPr>
+          <p:cNvSpPr>
+            <a:spLocks noGrp="1" noRot="1" noChangeAspect="1" noMove="1" noResize="1" noEditPoints="1" noAdjustHandles="1" noChangeArrowheads="1" noChangeShapeType="1" noTextEdit="1"/>
+          </p:cNvSpPr>
+          <p:nvPr>
+            <p:extLst>
+              <p:ext uri="{386F3935-93C4-4BCD-93E2-E3B085C9AB24}">
+                <p16:designElem xmlns:p16="http://schemas.microsoft.com/office/powerpoint/2015/main" val="1"/>
+              </p:ext>
+            </p:extLst>
+          </p:nvPr>
+        </p:nvSpPr>
+        <p:spPr>
+          <a:xfrm>
+            <a:off x="0" y="0"/>
+            <a:ext cx="12192000" cy="6858000"/>
+          </a:xfrm>
+          <a:prstGeom prst="rect">
+            <a:avLst/>
+          </a:prstGeom>
+          <a:ln w="12700" cap="flat" cmpd="sng" algn="ctr">
+            <a:noFill/>
+            <a:prstDash val="solid"/>
+            <a:miter lim="800000"/>
+          </a:ln>
+          <a:effectLst/>
+          <a:extLst>
+            <a:ext uri="{91240B29-F687-4F45-9708-019B960494DF}">
+              <a14:hiddenLine xmlns:a14="http://schemas.microsoft.com/office/drawing/2010/main" w="12700" cap="flat" cmpd="sng" algn="ctr">
+                <a:solidFill>
+                  <a:schemeClr val="accent1">
+                    <a:shade val="50000"/>
+                  </a:schemeClr>
+                </a:solidFill>
+                <a:prstDash val="solid"/>
+                <a:miter lim="800000"/>
+              </a14:hiddenLine>
+            </a:ext>
+          </a:extLst>
+        </p:spPr>
+        <p:style>
+          <a:lnRef idx="2">
+            <a:schemeClr val="accent1">
+              <a:shade val="50000"/>
+            </a:schemeClr>
+          </a:lnRef>
+          <a:fillRef idx="1">
+            <a:schemeClr val="accent1"/>
+          </a:fillRef>
+          <a:effectRef idx="0">
+            <a:schemeClr val="accent1"/>
+          </a:effectRef>
+          <a:fontRef idx="minor">
+            <a:schemeClr val="lt1"/>
+          </a:fontRef>
+        </p:style>
+        <p:txBody>
+          <a:bodyPr rtlCol="0" anchor="ctr"/>
+          <a:lstStyle/>
+          <a:p>
+            <a:pPr algn="ctr"/>
+            <a:endParaRPr lang="en-US"/>
+          </a:p>
+        </p:txBody>
+      </p:sp>
+      <p:sp>
+        <p:nvSpPr>
+          <p:cNvPr id="2" name="Título 1">
+            <a:extLst>
+              <a:ext uri="{FF2B5EF4-FFF2-40B4-BE49-F238E27FC236}">
+                <a16:creationId xmlns:a16="http://schemas.microsoft.com/office/drawing/2014/main" id="{D289317B-84A1-441E-9672-C3A28863F987}"/>
+              </a:ext>
+            </a:extLst>
+          </p:cNvPr>
+          <p:cNvSpPr>
+            <a:spLocks noGrp="1"/>
+          </p:cNvSpPr>
+          <p:nvPr>
+            <p:ph type="title"/>
+          </p:nvPr>
+        </p:nvSpPr>
+        <p:spPr>
+          <a:xfrm>
+            <a:off x="952501" y="2836069"/>
+            <a:ext cx="5143499" cy="2486025"/>
+          </a:xfrm>
+        </p:spPr>
+        <p:txBody>
+          <a:bodyPr vert="horz" lIns="91440" tIns="45720" rIns="91440" bIns="45720" rtlCol="0" anchor="b">
+            <a:normAutofit/>
+          </a:bodyPr>
+          <a:lstStyle/>
+          <a:p>
+            <a:r>
+              <a:rPr lang="en-US" sz="4400"/>
+              <a:t>Sprint Retrospective</a:t>
+            </a:r>
+          </a:p>
+        </p:txBody>
+      </p:sp>
+      <p:sp>
+        <p:nvSpPr>
+          <p:cNvPr id="15" name="Freeform: Shape 14">
+            <a:extLst>
+              <a:ext uri="{FF2B5EF4-FFF2-40B4-BE49-F238E27FC236}">
+                <a16:creationId xmlns:a16="http://schemas.microsoft.com/office/drawing/2014/main" id="{AD400090-7C6D-4220-B926-CDF308793837}"/>
+              </a:ext>
+              <a:ext uri="{C183D7F6-B498-43B3-948B-1728B52AA6E4}">
+                <adec:decorative xmlns:adec="http://schemas.microsoft.com/office/drawing/2017/decorative" val="1"/>
+              </a:ext>
+            </a:extLst>
+          </p:cNvPr>
+          <p:cNvSpPr>
+            <a:spLocks noGrp="1" noRot="1" noChangeAspect="1" noMove="1" noResize="1" noEditPoints="1" noAdjustHandles="1" noChangeArrowheads="1" noChangeShapeType="1" noTextEdit="1"/>
+          </p:cNvSpPr>
+          <p:nvPr>
+            <p:extLst>
+              <p:ext uri="{386F3935-93C4-4BCD-93E2-E3B085C9AB24}">
+                <p16:designElem xmlns:p16="http://schemas.microsoft.com/office/powerpoint/2015/main" val="1"/>
+              </p:ext>
+            </p:extLst>
+          </p:nvPr>
+        </p:nvSpPr>
+        <p:spPr>
+          <a:xfrm>
+            <a:off x="8151717" y="1849327"/>
+            <a:ext cx="3152219" cy="4265146"/>
+          </a:xfrm>
+          <a:custGeom>
+            <a:avLst/>
+            <a:gdLst>
+              <a:gd name="connsiteX0" fmla="*/ 2144960 w 4282900"/>
+              <a:gd name="connsiteY0" fmla="*/ 0 h 5795027"/>
+              <a:gd name="connsiteX1" fmla="*/ 2332832 w 4282900"/>
+              <a:gd name="connsiteY1" fmla="*/ 164715 h 5795027"/>
+              <a:gd name="connsiteX2" fmla="*/ 3723546 w 4282900"/>
+              <a:gd name="connsiteY2" fmla="*/ 855573 h 5795027"/>
+              <a:gd name="connsiteX3" fmla="*/ 4282900 w 4282900"/>
+              <a:gd name="connsiteY3" fmla="*/ 2048959 h 5795027"/>
+              <a:gd name="connsiteX4" fmla="*/ 4282900 w 4282900"/>
+              <a:gd name="connsiteY4" fmla="*/ 2231503 h 5795027"/>
+              <a:gd name="connsiteX5" fmla="*/ 4282900 w 4282900"/>
+              <a:gd name="connsiteY5" fmla="*/ 2752557 h 5795027"/>
+              <a:gd name="connsiteX6" fmla="*/ 4282900 w 4282900"/>
+              <a:gd name="connsiteY6" fmla="*/ 3042471 h 5795027"/>
+              <a:gd name="connsiteX7" fmla="*/ 4282900 w 4282900"/>
+              <a:gd name="connsiteY7" fmla="*/ 3441681 h 5795027"/>
+              <a:gd name="connsiteX8" fmla="*/ 4282900 w 4282900"/>
+              <a:gd name="connsiteY8" fmla="*/ 3746068 h 5795027"/>
+              <a:gd name="connsiteX9" fmla="*/ 3723546 w 4282900"/>
+              <a:gd name="connsiteY9" fmla="*/ 4939455 h 5795027"/>
+              <a:gd name="connsiteX10" fmla="*/ 2332829 w 4282900"/>
+              <a:gd name="connsiteY10" fmla="*/ 5630311 h 5795027"/>
+              <a:gd name="connsiteX11" fmla="*/ 2137940 w 4282900"/>
+              <a:gd name="connsiteY11" fmla="*/ 5795027 h 5795027"/>
+              <a:gd name="connsiteX12" fmla="*/ 1950069 w 4282900"/>
+              <a:gd name="connsiteY12" fmla="*/ 5630311 h 5795027"/>
+              <a:gd name="connsiteX13" fmla="*/ 559353 w 4282900"/>
+              <a:gd name="connsiteY13" fmla="*/ 4939455 h 5795027"/>
+              <a:gd name="connsiteX14" fmla="*/ 0 w 4282900"/>
+              <a:gd name="connsiteY14" fmla="*/ 3746068 h 5795027"/>
+              <a:gd name="connsiteX15" fmla="*/ 0 w 4282900"/>
+              <a:gd name="connsiteY15" fmla="*/ 3441681 h 5795027"/>
+              <a:gd name="connsiteX16" fmla="*/ 0 w 4282900"/>
+              <a:gd name="connsiteY16" fmla="*/ 3042471 h 5795027"/>
+              <a:gd name="connsiteX17" fmla="*/ 0 w 4282900"/>
+              <a:gd name="connsiteY17" fmla="*/ 2752557 h 5795027"/>
+              <a:gd name="connsiteX18" fmla="*/ 0 w 4282900"/>
+              <a:gd name="connsiteY18" fmla="*/ 2231503 h 5795027"/>
+              <a:gd name="connsiteX19" fmla="*/ 0 w 4282900"/>
+              <a:gd name="connsiteY19" fmla="*/ 2048959 h 5795027"/>
+              <a:gd name="connsiteX20" fmla="*/ 559354 w 4282900"/>
+              <a:gd name="connsiteY20" fmla="*/ 855573 h 5795027"/>
+              <a:gd name="connsiteX21" fmla="*/ 1950071 w 4282900"/>
+              <a:gd name="connsiteY21" fmla="*/ 164715 h 5795027"/>
+            </a:gdLst>
+            <a:ahLst/>
+            <a:cxnLst>
+              <a:cxn ang="0">
+                <a:pos x="connsiteX0" y="connsiteY0"/>
+              </a:cxn>
+              <a:cxn ang="0">
+                <a:pos x="connsiteX1" y="connsiteY1"/>
+              </a:cxn>
+              <a:cxn ang="0">
+                <a:pos x="connsiteX2" y="connsiteY2"/>
+              </a:cxn>
+              <a:cxn ang="0">
+                <a:pos x="connsiteX3" y="connsiteY3"/>
+              </a:cxn>
+              <a:cxn ang="0">
+                <a:pos x="connsiteX4" y="connsiteY4"/>
+              </a:cxn>
+              <a:cxn ang="0">
+                <a:pos x="connsiteX5" y="connsiteY5"/>
+              </a:cxn>
+              <a:cxn ang="0">
+                <a:pos x="connsiteX6" y="connsiteY6"/>
+              </a:cxn>
+              <a:cxn ang="0">
+                <a:pos x="connsiteX7" y="connsiteY7"/>
+              </a:cxn>
+              <a:cxn ang="0">
+                <a:pos x="connsiteX8" y="connsiteY8"/>
+              </a:cxn>
+              <a:cxn ang="0">
+                <a:pos x="connsiteX9" y="connsiteY9"/>
+              </a:cxn>
+              <a:cxn ang="0">
+                <a:pos x="connsiteX10" y="connsiteY10"/>
+              </a:cxn>
+              <a:cxn ang="0">
+                <a:pos x="connsiteX11" y="connsiteY11"/>
+              </a:cxn>
+              <a:cxn ang="0">
+                <a:pos x="connsiteX12" y="connsiteY12"/>
+              </a:cxn>
+              <a:cxn ang="0">
+                <a:pos x="connsiteX13" y="connsiteY13"/>
+              </a:cxn>
+              <a:cxn ang="0">
+                <a:pos x="connsiteX14" y="connsiteY14"/>
+              </a:cxn>
+              <a:cxn ang="0">
+                <a:pos x="connsiteX15" y="connsiteY15"/>
+              </a:cxn>
+              <a:cxn ang="0">
+                <a:pos x="connsiteX16" y="connsiteY16"/>
+              </a:cxn>
+              <a:cxn ang="0">
+                <a:pos x="connsiteX17" y="connsiteY17"/>
+              </a:cxn>
+              <a:cxn ang="0">
+                <a:pos x="connsiteX18" y="connsiteY18"/>
+              </a:cxn>
+              <a:cxn ang="0">
+                <a:pos x="connsiteX19" y="connsiteY19"/>
+              </a:cxn>
+              <a:cxn ang="0">
+                <a:pos x="connsiteX20" y="connsiteY20"/>
+              </a:cxn>
+              <a:cxn ang="0">
+                <a:pos x="connsiteX21" y="connsiteY21"/>
+              </a:cxn>
+            </a:cxnLst>
+            <a:rect l="l" t="t" r="r" b="b"/>
+            <a:pathLst>
+              <a:path w="4282900" h="5795027">
+                <a:moveTo>
+                  <a:pt x="2144960" y="0"/>
+                </a:moveTo>
+                <a:lnTo>
+                  <a:pt x="2332832" y="164715"/>
+                </a:lnTo>
+                <a:cubicBezTo>
+                  <a:pt x="2798675" y="524709"/>
+                  <a:pt x="3323620" y="623869"/>
+                  <a:pt x="3723546" y="855573"/>
+                </a:cubicBezTo>
+                <a:cubicBezTo>
+                  <a:pt x="4108105" y="1124469"/>
+                  <a:pt x="4282900" y="1432851"/>
+                  <a:pt x="4282900" y="2048959"/>
+                </a:cubicBezTo>
+                <a:lnTo>
+                  <a:pt x="4282900" y="2231503"/>
+                </a:lnTo>
+                <a:lnTo>
+                  <a:pt x="4282900" y="2752557"/>
+                </a:lnTo>
+                <a:lnTo>
+                  <a:pt x="4282900" y="3042471"/>
+                </a:lnTo>
+                <a:lnTo>
+                  <a:pt x="4282900" y="3441681"/>
+                </a:lnTo>
+                <a:lnTo>
+                  <a:pt x="4282900" y="3746068"/>
+                </a:lnTo>
+                <a:cubicBezTo>
+                  <a:pt x="4282900" y="4362177"/>
+                  <a:pt x="4108103" y="4670559"/>
+                  <a:pt x="3723546" y="4939455"/>
+                </a:cubicBezTo>
+                <a:cubicBezTo>
+                  <a:pt x="3323617" y="5171158"/>
+                  <a:pt x="2798672" y="5270318"/>
+                  <a:pt x="2332829" y="5630311"/>
+                </a:cubicBezTo>
+                <a:lnTo>
+                  <a:pt x="2137940" y="5795027"/>
+                </a:lnTo>
+                <a:lnTo>
+                  <a:pt x="1950069" y="5630311"/>
+                </a:lnTo>
+                <a:cubicBezTo>
+                  <a:pt x="1484225" y="5270318"/>
+                  <a:pt x="959280" y="5171158"/>
+                  <a:pt x="559353" y="4939455"/>
+                </a:cubicBezTo>
+                <a:cubicBezTo>
+                  <a:pt x="174796" y="4670559"/>
+                  <a:pt x="0" y="4362177"/>
+                  <a:pt x="0" y="3746068"/>
+                </a:cubicBezTo>
+                <a:lnTo>
+                  <a:pt x="0" y="3441681"/>
+                </a:lnTo>
+                <a:lnTo>
+                  <a:pt x="0" y="3042471"/>
+                </a:lnTo>
+                <a:lnTo>
+                  <a:pt x="0" y="2752557"/>
+                </a:lnTo>
+                <a:lnTo>
+                  <a:pt x="0" y="2231503"/>
+                </a:lnTo>
+                <a:lnTo>
+                  <a:pt x="0" y="2048959"/>
+                </a:lnTo>
+                <a:cubicBezTo>
+                  <a:pt x="0" y="1432851"/>
+                  <a:pt x="174797" y="1124469"/>
+                  <a:pt x="559354" y="855573"/>
+                </a:cubicBezTo>
+                <a:cubicBezTo>
+                  <a:pt x="959283" y="623869"/>
+                  <a:pt x="1484227" y="524709"/>
+                  <a:pt x="1950071" y="164715"/>
+                </a:cubicBezTo>
+                <a:close/>
+              </a:path>
+            </a:pathLst>
+          </a:custGeom>
+          <a:noFill/>
+          <a:ln w="25400" cap="rnd">
+            <a:solidFill>
+              <a:schemeClr val="bg2">
+                <a:lumMod val="75000"/>
+                <a:alpha val="65000"/>
+              </a:schemeClr>
+            </a:solidFill>
+            <a:prstDash val="sysDot"/>
+          </a:ln>
+        </p:spPr>
+        <p:style>
+          <a:lnRef idx="2">
+            <a:schemeClr val="accent1">
+              <a:shade val="50000"/>
+            </a:schemeClr>
+          </a:lnRef>
+          <a:fillRef idx="1">
+            <a:schemeClr val="accent1"/>
+          </a:fillRef>
+          <a:effectRef idx="0">
+            <a:schemeClr val="accent1"/>
+          </a:effectRef>
+          <a:fontRef idx="minor">
+            <a:schemeClr val="lt1"/>
+          </a:fontRef>
+        </p:style>
+        <p:txBody>
+          <a:bodyPr wrap="square" rtlCol="0" anchor="ctr">
+            <a:noAutofit/>
+          </a:bodyPr>
+          <a:lstStyle/>
+          <a:p>
+            <a:pPr algn="ctr"/>
+            <a:endParaRPr lang="en-US"/>
+          </a:p>
+        </p:txBody>
+      </p:sp>
+      <p:sp>
+        <p:nvSpPr>
+          <p:cNvPr id="17" name="Freeform: Shape 16">
+            <a:extLst>
+              <a:ext uri="{FF2B5EF4-FFF2-40B4-BE49-F238E27FC236}">
+                <a16:creationId xmlns:a16="http://schemas.microsoft.com/office/drawing/2014/main" id="{D65364D3-A1FC-4D96-8C53-EC5E74A3BCD6}"/>
+              </a:ext>
+              <a:ext uri="{C183D7F6-B498-43B3-948B-1728B52AA6E4}">
+                <adec:decorative xmlns:adec="http://schemas.microsoft.com/office/drawing/2017/decorative" val="1"/>
+              </a:ext>
+            </a:extLst>
+          </p:cNvPr>
+          <p:cNvSpPr>
+            <a:spLocks noGrp="1" noRot="1" noChangeAspect="1" noMove="1" noResize="1" noEditPoints="1" noAdjustHandles="1" noChangeArrowheads="1" noChangeShapeType="1" noTextEdit="1"/>
+          </p:cNvSpPr>
+          <p:nvPr>
+            <p:extLst>
+              <p:ext uri="{386F3935-93C4-4BCD-93E2-E3B085C9AB24}">
+                <p16:designElem xmlns:p16="http://schemas.microsoft.com/office/powerpoint/2015/main" val="1"/>
+              </p:ext>
+            </p:extLst>
+          </p:nvPr>
+        </p:nvSpPr>
+        <p:spPr>
+          <a:xfrm>
+            <a:off x="9864544" y="1"/>
+            <a:ext cx="2327457" cy="2580579"/>
+          </a:xfrm>
+          <a:custGeom>
+            <a:avLst/>
+            <a:gdLst>
+              <a:gd name="connsiteX0" fmla="*/ 0 w 2327457"/>
+              <a:gd name="connsiteY0" fmla="*/ 0 h 2580579"/>
+              <a:gd name="connsiteX1" fmla="*/ 2327457 w 2327457"/>
+              <a:gd name="connsiteY1" fmla="*/ 0 h 2580579"/>
+              <a:gd name="connsiteX2" fmla="*/ 2327457 w 2327457"/>
+              <a:gd name="connsiteY2" fmla="*/ 2120387 h 2580579"/>
+              <a:gd name="connsiteX3" fmla="*/ 2172608 w 2327457"/>
+              <a:gd name="connsiteY3" fmla="*/ 2183297 h 2580579"/>
+              <a:gd name="connsiteX4" fmla="*/ 1660163 w 2327457"/>
+              <a:gd name="connsiteY4" fmla="*/ 2463359 h 2580579"/>
+              <a:gd name="connsiteX5" fmla="*/ 1521470 w 2327457"/>
+              <a:gd name="connsiteY5" fmla="*/ 2580579 h 2580579"/>
+              <a:gd name="connsiteX6" fmla="*/ 1387771 w 2327457"/>
+              <a:gd name="connsiteY6" fmla="*/ 2463359 h 2580579"/>
+              <a:gd name="connsiteX7" fmla="*/ 398065 w 2327457"/>
+              <a:gd name="connsiteY7" fmla="*/ 1971709 h 2580579"/>
+              <a:gd name="connsiteX8" fmla="*/ 0 w 2327457"/>
+              <a:gd name="connsiteY8" fmla="*/ 1122433 h 2580579"/>
+              <a:gd name="connsiteX9" fmla="*/ 0 w 2327457"/>
+              <a:gd name="connsiteY9" fmla="*/ 905815 h 2580579"/>
+              <a:gd name="connsiteX10" fmla="*/ 0 w 2327457"/>
+              <a:gd name="connsiteY10" fmla="*/ 621716 h 2580579"/>
+              <a:gd name="connsiteX11" fmla="*/ 0 w 2327457"/>
+              <a:gd name="connsiteY11" fmla="*/ 415399 h 2580579"/>
+              <a:gd name="connsiteX12" fmla="*/ 0 w 2327457"/>
+              <a:gd name="connsiteY12" fmla="*/ 44589 h 2580579"/>
+            </a:gdLst>
+            <a:ahLst/>
+            <a:cxnLst>
+              <a:cxn ang="0">
+                <a:pos x="connsiteX0" y="connsiteY0"/>
+              </a:cxn>
+              <a:cxn ang="0">
+                <a:pos x="connsiteX1" y="connsiteY1"/>
+              </a:cxn>
+              <a:cxn ang="0">
+                <a:pos x="connsiteX2" y="connsiteY2"/>
+              </a:cxn>
+              <a:cxn ang="0">
+                <a:pos x="connsiteX3" y="connsiteY3"/>
+              </a:cxn>
+              <a:cxn ang="0">
+                <a:pos x="connsiteX4" y="connsiteY4"/>
+              </a:cxn>
+              <a:cxn ang="0">
+                <a:pos x="connsiteX5" y="connsiteY5"/>
+              </a:cxn>
+              <a:cxn ang="0">
+                <a:pos x="connsiteX6" y="connsiteY6"/>
+              </a:cxn>
+              <a:cxn ang="0">
+                <a:pos x="connsiteX7" y="connsiteY7"/>
+              </a:cxn>
+              <a:cxn ang="0">
+                <a:pos x="connsiteX8" y="connsiteY8"/>
+              </a:cxn>
+              <a:cxn ang="0">
+                <a:pos x="connsiteX9" y="connsiteY9"/>
+              </a:cxn>
+              <a:cxn ang="0">
+                <a:pos x="connsiteX10" y="connsiteY10"/>
+              </a:cxn>
+              <a:cxn ang="0">
+                <a:pos x="connsiteX11" y="connsiteY11"/>
+              </a:cxn>
+              <a:cxn ang="0">
+                <a:pos x="connsiteX12" y="connsiteY12"/>
+              </a:cxn>
+            </a:cxnLst>
+            <a:rect l="l" t="t" r="r" b="b"/>
+            <a:pathLst>
+              <a:path w="2327457" h="2580579">
+                <a:moveTo>
+                  <a:pt x="0" y="0"/>
+                </a:moveTo>
+                <a:lnTo>
+                  <a:pt x="2327457" y="0"/>
+                </a:lnTo>
+                <a:lnTo>
+                  <a:pt x="2327457" y="2120387"/>
+                </a:lnTo>
+                <a:lnTo>
+                  <a:pt x="2172608" y="2183297"/>
+                </a:lnTo>
+                <a:cubicBezTo>
+                  <a:pt x="2002197" y="2253574"/>
+                  <a:pt x="1825922" y="2335264"/>
+                  <a:pt x="1660163" y="2463359"/>
+                </a:cubicBezTo>
+                <a:lnTo>
+                  <a:pt x="1521470" y="2580579"/>
+                </a:lnTo>
+                <a:lnTo>
+                  <a:pt x="1387771" y="2463359"/>
+                </a:lnTo>
+                <a:cubicBezTo>
+                  <a:pt x="1056252" y="2207169"/>
+                  <a:pt x="682674" y="2136601"/>
+                  <a:pt x="398065" y="1971709"/>
+                </a:cubicBezTo>
+                <a:cubicBezTo>
+                  <a:pt x="124394" y="1780349"/>
+                  <a:pt x="0" y="1560888"/>
+                  <a:pt x="0" y="1122433"/>
+                </a:cubicBezTo>
+                <a:lnTo>
+                  <a:pt x="0" y="905815"/>
+                </a:lnTo>
+                <a:lnTo>
+                  <a:pt x="0" y="621716"/>
+                </a:lnTo>
+                <a:lnTo>
+                  <a:pt x="0" y="415399"/>
+                </a:lnTo>
+                <a:lnTo>
+                  <a:pt x="0" y="44589"/>
+                </a:lnTo>
+                <a:close/>
+              </a:path>
+            </a:pathLst>
+          </a:custGeom>
+          <a:solidFill>
+            <a:schemeClr val="bg2">
+              <a:lumMod val="75000"/>
+              <a:alpha val="15000"/>
+            </a:schemeClr>
+          </a:solidFill>
+          <a:ln w="25400" cap="rnd">
+            <a:noFill/>
+            <a:prstDash val="sysDot"/>
+          </a:ln>
+        </p:spPr>
+        <p:style>
+          <a:lnRef idx="2">
+            <a:schemeClr val="accent1">
+              <a:shade val="50000"/>
+            </a:schemeClr>
+          </a:lnRef>
+          <a:fillRef idx="1">
+            <a:schemeClr val="accent1"/>
+          </a:fillRef>
+          <a:effectRef idx="0">
+            <a:schemeClr val="accent1"/>
+          </a:effectRef>
+          <a:fontRef idx="minor">
+            <a:schemeClr val="lt1"/>
+          </a:fontRef>
+        </p:style>
+        <p:txBody>
+          <a:bodyPr wrap="square" rtlCol="0" anchor="ctr">
+            <a:noAutofit/>
+          </a:bodyPr>
+          <a:lstStyle/>
+          <a:p>
+            <a:pPr algn="ctr"/>
+            <a:endParaRPr lang="en-US"/>
+          </a:p>
+        </p:txBody>
+      </p:sp>
+      <p:sp>
+        <p:nvSpPr>
+          <p:cNvPr id="19" name="Freeform: Shape 18">
+            <a:extLst>
+              <a:ext uri="{FF2B5EF4-FFF2-40B4-BE49-F238E27FC236}">
+                <a16:creationId xmlns:a16="http://schemas.microsoft.com/office/drawing/2014/main" id="{ECD0AC3A-6070-4A37-82F8-F33FE4A002BD}"/>
+              </a:ext>
+              <a:ext uri="{C183D7F6-B498-43B3-948B-1728B52AA6E4}">
+                <adec:decorative xmlns:adec="http://schemas.microsoft.com/office/drawing/2017/decorative" val="1"/>
+              </a:ext>
+            </a:extLst>
+          </p:cNvPr>
+          <p:cNvSpPr>
+            <a:spLocks noGrp="1" noRot="1" noChangeAspect="1" noMove="1" noResize="1" noEditPoints="1" noAdjustHandles="1" noChangeArrowheads="1" noChangeShapeType="1" noTextEdit="1"/>
+          </p:cNvSpPr>
+          <p:nvPr>
+            <p:extLst>
+              <p:ext uri="{386F3935-93C4-4BCD-93E2-E3B085C9AB24}">
+                <p16:designElem xmlns:p16="http://schemas.microsoft.com/office/powerpoint/2015/main" val="1"/>
+              </p:ext>
+            </p:extLst>
+          </p:nvPr>
+        </p:nvSpPr>
+        <p:spPr>
+          <a:xfrm>
+            <a:off x="8203858" y="1919878"/>
+            <a:ext cx="3047936" cy="4124044"/>
+          </a:xfrm>
+          <a:custGeom>
+            <a:avLst/>
+            <a:gdLst>
+              <a:gd name="connsiteX0" fmla="*/ 2144960 w 4282900"/>
+              <a:gd name="connsiteY0" fmla="*/ 0 h 5795027"/>
+              <a:gd name="connsiteX1" fmla="*/ 2332832 w 4282900"/>
+              <a:gd name="connsiteY1" fmla="*/ 164715 h 5795027"/>
+              <a:gd name="connsiteX2" fmla="*/ 3723546 w 4282900"/>
+              <a:gd name="connsiteY2" fmla="*/ 855573 h 5795027"/>
+              <a:gd name="connsiteX3" fmla="*/ 4282900 w 4282900"/>
+              <a:gd name="connsiteY3" fmla="*/ 2048959 h 5795027"/>
+              <a:gd name="connsiteX4" fmla="*/ 4282900 w 4282900"/>
+              <a:gd name="connsiteY4" fmla="*/ 2231503 h 5795027"/>
+              <a:gd name="connsiteX5" fmla="*/ 4282900 w 4282900"/>
+              <a:gd name="connsiteY5" fmla="*/ 2752557 h 5795027"/>
+              <a:gd name="connsiteX6" fmla="*/ 4282900 w 4282900"/>
+              <a:gd name="connsiteY6" fmla="*/ 3042471 h 5795027"/>
+              <a:gd name="connsiteX7" fmla="*/ 4282900 w 4282900"/>
+              <a:gd name="connsiteY7" fmla="*/ 3441681 h 5795027"/>
+              <a:gd name="connsiteX8" fmla="*/ 4282900 w 4282900"/>
+              <a:gd name="connsiteY8" fmla="*/ 3746068 h 5795027"/>
+              <a:gd name="connsiteX9" fmla="*/ 3723546 w 4282900"/>
+              <a:gd name="connsiteY9" fmla="*/ 4939455 h 5795027"/>
+              <a:gd name="connsiteX10" fmla="*/ 2332829 w 4282900"/>
+              <a:gd name="connsiteY10" fmla="*/ 5630311 h 5795027"/>
+              <a:gd name="connsiteX11" fmla="*/ 2137940 w 4282900"/>
+              <a:gd name="connsiteY11" fmla="*/ 5795027 h 5795027"/>
+              <a:gd name="connsiteX12" fmla="*/ 1950069 w 4282900"/>
+              <a:gd name="connsiteY12" fmla="*/ 5630311 h 5795027"/>
+              <a:gd name="connsiteX13" fmla="*/ 559353 w 4282900"/>
+              <a:gd name="connsiteY13" fmla="*/ 4939455 h 5795027"/>
+              <a:gd name="connsiteX14" fmla="*/ 0 w 4282900"/>
+              <a:gd name="connsiteY14" fmla="*/ 3746068 h 5795027"/>
+              <a:gd name="connsiteX15" fmla="*/ 0 w 4282900"/>
+              <a:gd name="connsiteY15" fmla="*/ 3441681 h 5795027"/>
+              <a:gd name="connsiteX16" fmla="*/ 0 w 4282900"/>
+              <a:gd name="connsiteY16" fmla="*/ 3042471 h 5795027"/>
+              <a:gd name="connsiteX17" fmla="*/ 0 w 4282900"/>
+              <a:gd name="connsiteY17" fmla="*/ 2752557 h 5795027"/>
+              <a:gd name="connsiteX18" fmla="*/ 0 w 4282900"/>
+              <a:gd name="connsiteY18" fmla="*/ 2231503 h 5795027"/>
+              <a:gd name="connsiteX19" fmla="*/ 0 w 4282900"/>
+              <a:gd name="connsiteY19" fmla="*/ 2048959 h 5795027"/>
+              <a:gd name="connsiteX20" fmla="*/ 559354 w 4282900"/>
+              <a:gd name="connsiteY20" fmla="*/ 855573 h 5795027"/>
+              <a:gd name="connsiteX21" fmla="*/ 1950071 w 4282900"/>
+              <a:gd name="connsiteY21" fmla="*/ 164715 h 5795027"/>
+            </a:gdLst>
+            <a:ahLst/>
+            <a:cxnLst>
+              <a:cxn ang="0">
+                <a:pos x="connsiteX0" y="connsiteY0"/>
+              </a:cxn>
+              <a:cxn ang="0">
+                <a:pos x="connsiteX1" y="connsiteY1"/>
+              </a:cxn>
+              <a:cxn ang="0">
+                <a:pos x="connsiteX2" y="connsiteY2"/>
+              </a:cxn>
+              <a:cxn ang="0">
+                <a:pos x="connsiteX3" y="connsiteY3"/>
+              </a:cxn>
+              <a:cxn ang="0">
+                <a:pos x="connsiteX4" y="connsiteY4"/>
+              </a:cxn>
+              <a:cxn ang="0">
+                <a:pos x="connsiteX5" y="connsiteY5"/>
+              </a:cxn>
+              <a:cxn ang="0">
+                <a:pos x="connsiteX6" y="connsiteY6"/>
+              </a:cxn>
+              <a:cxn ang="0">
+                <a:pos x="connsiteX7" y="connsiteY7"/>
+              </a:cxn>
+              <a:cxn ang="0">
+                <a:pos x="connsiteX8" y="connsiteY8"/>
+              </a:cxn>
+              <a:cxn ang="0">
+                <a:pos x="connsiteX9" y="connsiteY9"/>
+              </a:cxn>
+              <a:cxn ang="0">
+                <a:pos x="connsiteX10" y="connsiteY10"/>
+              </a:cxn>
+              <a:cxn ang="0">
+                <a:pos x="connsiteX11" y="connsiteY11"/>
+              </a:cxn>
+              <a:cxn ang="0">
+                <a:pos x="connsiteX12" y="connsiteY12"/>
+              </a:cxn>
+              <a:cxn ang="0">
+                <a:pos x="connsiteX13" y="connsiteY13"/>
+              </a:cxn>
+              <a:cxn ang="0">
+                <a:pos x="connsiteX14" y="connsiteY14"/>
+              </a:cxn>
+              <a:cxn ang="0">
+                <a:pos x="connsiteX15" y="connsiteY15"/>
+              </a:cxn>
+              <a:cxn ang="0">
+                <a:pos x="connsiteX16" y="connsiteY16"/>
+              </a:cxn>
+              <a:cxn ang="0">
+                <a:pos x="connsiteX17" y="connsiteY17"/>
+              </a:cxn>
+              <a:cxn ang="0">
+                <a:pos x="connsiteX18" y="connsiteY18"/>
+              </a:cxn>
+              <a:cxn ang="0">
+                <a:pos x="connsiteX19" y="connsiteY19"/>
+              </a:cxn>
+              <a:cxn ang="0">
+                <a:pos x="connsiteX20" y="connsiteY20"/>
+              </a:cxn>
+              <a:cxn ang="0">
+                <a:pos x="connsiteX21" y="connsiteY21"/>
+              </a:cxn>
+            </a:cxnLst>
+            <a:rect l="l" t="t" r="r" b="b"/>
+            <a:pathLst>
+              <a:path w="4282900" h="5795027">
+                <a:moveTo>
+                  <a:pt x="2144960" y="0"/>
+                </a:moveTo>
+                <a:lnTo>
+                  <a:pt x="2332832" y="164715"/>
+                </a:lnTo>
+                <a:cubicBezTo>
+                  <a:pt x="2798675" y="524709"/>
+                  <a:pt x="3323620" y="623869"/>
+                  <a:pt x="3723546" y="855573"/>
+                </a:cubicBezTo>
+                <a:cubicBezTo>
+                  <a:pt x="4108105" y="1124469"/>
+                  <a:pt x="4282900" y="1432851"/>
+                  <a:pt x="4282900" y="2048959"/>
+                </a:cubicBezTo>
+                <a:lnTo>
+                  <a:pt x="4282900" y="2231503"/>
+                </a:lnTo>
+                <a:lnTo>
+                  <a:pt x="4282900" y="2752557"/>
+                </a:lnTo>
+                <a:lnTo>
+                  <a:pt x="4282900" y="3042471"/>
+                </a:lnTo>
+                <a:lnTo>
+                  <a:pt x="4282900" y="3441681"/>
+                </a:lnTo>
+                <a:lnTo>
+                  <a:pt x="4282900" y="3746068"/>
+                </a:lnTo>
+                <a:cubicBezTo>
+                  <a:pt x="4282900" y="4362177"/>
+                  <a:pt x="4108103" y="4670559"/>
+                  <a:pt x="3723546" y="4939455"/>
+                </a:cubicBezTo>
+                <a:cubicBezTo>
+                  <a:pt x="3323617" y="5171158"/>
+                  <a:pt x="2798672" y="5270318"/>
+                  <a:pt x="2332829" y="5630311"/>
+                </a:cubicBezTo>
+                <a:lnTo>
+                  <a:pt x="2137940" y="5795027"/>
+                </a:lnTo>
+                <a:lnTo>
+                  <a:pt x="1950069" y="5630311"/>
+                </a:lnTo>
+                <a:cubicBezTo>
+                  <a:pt x="1484225" y="5270318"/>
+                  <a:pt x="959280" y="5171158"/>
+                  <a:pt x="559353" y="4939455"/>
+                </a:cubicBezTo>
+                <a:cubicBezTo>
+                  <a:pt x="174796" y="4670559"/>
+                  <a:pt x="0" y="4362177"/>
+                  <a:pt x="0" y="3746068"/>
+                </a:cubicBezTo>
+                <a:lnTo>
+                  <a:pt x="0" y="3441681"/>
+                </a:lnTo>
+                <a:lnTo>
+                  <a:pt x="0" y="3042471"/>
+                </a:lnTo>
+                <a:lnTo>
+                  <a:pt x="0" y="2752557"/>
+                </a:lnTo>
+                <a:lnTo>
+                  <a:pt x="0" y="2231503"/>
+                </a:lnTo>
+                <a:lnTo>
+                  <a:pt x="0" y="2048959"/>
+                </a:lnTo>
+                <a:cubicBezTo>
+                  <a:pt x="0" y="1432851"/>
+                  <a:pt x="174797" y="1124469"/>
+                  <a:pt x="559354" y="855573"/>
+                </a:cubicBezTo>
+                <a:cubicBezTo>
+                  <a:pt x="959283" y="623869"/>
+                  <a:pt x="1484227" y="524709"/>
+                  <a:pt x="1950071" y="164715"/>
+                </a:cubicBezTo>
+                <a:close/>
+              </a:path>
+            </a:pathLst>
+          </a:custGeom>
+          <a:solidFill>
+            <a:schemeClr val="bg2">
+              <a:lumMod val="75000"/>
+              <a:alpha val="15000"/>
+            </a:schemeClr>
+          </a:solidFill>
+          <a:ln w="25400" cap="rnd">
+            <a:noFill/>
+            <a:prstDash val="sysDot"/>
+          </a:ln>
+        </p:spPr>
+        <p:style>
+          <a:lnRef idx="2">
+            <a:schemeClr val="accent1">
+              <a:shade val="50000"/>
+            </a:schemeClr>
+          </a:lnRef>
+          <a:fillRef idx="1">
+            <a:schemeClr val="accent1"/>
+          </a:fillRef>
+          <a:effectRef idx="0">
+            <a:schemeClr val="accent1"/>
+          </a:effectRef>
+          <a:fontRef idx="minor">
+            <a:schemeClr val="lt1"/>
+          </a:fontRef>
+        </p:style>
+        <p:txBody>
+          <a:bodyPr wrap="square" rtlCol="0" anchor="ctr">
+            <a:noAutofit/>
+          </a:bodyPr>
+          <a:lstStyle/>
+          <a:p>
+            <a:pPr algn="ctr"/>
+            <a:endParaRPr lang="en-US"/>
+          </a:p>
+        </p:txBody>
+      </p:sp>
+      <p:sp>
+        <p:nvSpPr>
+          <p:cNvPr id="21" name="Freeform: Shape 20">
+            <a:extLst>
+              <a:ext uri="{FF2B5EF4-FFF2-40B4-BE49-F238E27FC236}">
+                <a16:creationId xmlns:a16="http://schemas.microsoft.com/office/drawing/2014/main" id="{CB94D5BB-8A14-495E-8955-C5DBFCF8774C}"/>
+              </a:ext>
+              <a:ext uri="{C183D7F6-B498-43B3-948B-1728B52AA6E4}">
+                <adec:decorative xmlns:adec="http://schemas.microsoft.com/office/drawing/2017/decorative" val="1"/>
+              </a:ext>
+            </a:extLst>
+          </p:cNvPr>
+          <p:cNvSpPr>
+            <a:spLocks noGrp="1" noRot="1" noChangeAspect="1" noMove="1" noResize="1" noEditPoints="1" noAdjustHandles="1" noChangeArrowheads="1" noChangeShapeType="1" noTextEdit="1"/>
+          </p:cNvSpPr>
+          <p:nvPr>
+            <p:extLst>
+              <p:ext uri="{386F3935-93C4-4BCD-93E2-E3B085C9AB24}">
+                <p16:designElem xmlns:p16="http://schemas.microsoft.com/office/powerpoint/2015/main" val="1"/>
+              </p:ext>
+            </p:extLst>
+          </p:nvPr>
+        </p:nvSpPr>
+        <p:spPr>
+          <a:xfrm>
+            <a:off x="6554070" y="0"/>
+            <a:ext cx="3047936" cy="2580579"/>
+          </a:xfrm>
+          <a:custGeom>
+            <a:avLst/>
+            <a:gdLst>
+              <a:gd name="connsiteX0" fmla="*/ 0 w 3047936"/>
+              <a:gd name="connsiteY0" fmla="*/ 0 h 2580579"/>
+              <a:gd name="connsiteX1" fmla="*/ 3047936 w 3047936"/>
+              <a:gd name="connsiteY1" fmla="*/ 0 h 2580579"/>
+              <a:gd name="connsiteX2" fmla="*/ 3047936 w 3047936"/>
+              <a:gd name="connsiteY2" fmla="*/ 44589 h 2580579"/>
+              <a:gd name="connsiteX3" fmla="*/ 3047936 w 3047936"/>
+              <a:gd name="connsiteY3" fmla="*/ 415399 h 2580579"/>
+              <a:gd name="connsiteX4" fmla="*/ 3047936 w 3047936"/>
+              <a:gd name="connsiteY4" fmla="*/ 621716 h 2580579"/>
+              <a:gd name="connsiteX5" fmla="*/ 3047936 w 3047936"/>
+              <a:gd name="connsiteY5" fmla="*/ 905815 h 2580579"/>
+              <a:gd name="connsiteX6" fmla="*/ 3047936 w 3047936"/>
+              <a:gd name="connsiteY6" fmla="*/ 1122433 h 2580579"/>
+              <a:gd name="connsiteX7" fmla="*/ 2649870 w 3047936"/>
+              <a:gd name="connsiteY7" fmla="*/ 1971709 h 2580579"/>
+              <a:gd name="connsiteX8" fmla="*/ 1660164 w 3047936"/>
+              <a:gd name="connsiteY8" fmla="*/ 2463359 h 2580579"/>
+              <a:gd name="connsiteX9" fmla="*/ 1521470 w 3047936"/>
+              <a:gd name="connsiteY9" fmla="*/ 2580579 h 2580579"/>
+              <a:gd name="connsiteX10" fmla="*/ 1387771 w 3047936"/>
+              <a:gd name="connsiteY10" fmla="*/ 2463359 h 2580579"/>
+              <a:gd name="connsiteX11" fmla="*/ 398065 w 3047936"/>
+              <a:gd name="connsiteY11" fmla="*/ 1971709 h 2580579"/>
+              <a:gd name="connsiteX12" fmla="*/ 0 w 3047936"/>
+              <a:gd name="connsiteY12" fmla="*/ 1122433 h 2580579"/>
+              <a:gd name="connsiteX13" fmla="*/ 0 w 3047936"/>
+              <a:gd name="connsiteY13" fmla="*/ 905815 h 2580579"/>
+              <a:gd name="connsiteX14" fmla="*/ 0 w 3047936"/>
+              <a:gd name="connsiteY14" fmla="*/ 621716 h 2580579"/>
+              <a:gd name="connsiteX15" fmla="*/ 0 w 3047936"/>
+              <a:gd name="connsiteY15" fmla="*/ 415399 h 2580579"/>
+              <a:gd name="connsiteX16" fmla="*/ 0 w 3047936"/>
+              <a:gd name="connsiteY16" fmla="*/ 44589 h 2580579"/>
+            </a:gdLst>
+            <a:ahLst/>
+            <a:cxnLst>
+              <a:cxn ang="0">
+                <a:pos x="connsiteX0" y="connsiteY0"/>
+              </a:cxn>
+              <a:cxn ang="0">
+                <a:pos x="connsiteX1" y="connsiteY1"/>
+              </a:cxn>
+              <a:cxn ang="0">
+                <a:pos x="connsiteX2" y="connsiteY2"/>
+              </a:cxn>
+              <a:cxn ang="0">
+                <a:pos x="connsiteX3" y="connsiteY3"/>
+              </a:cxn>
+              <a:cxn ang="0">
+                <a:pos x="connsiteX4" y="connsiteY4"/>
+              </a:cxn>
+              <a:cxn ang="0">
+                <a:pos x="connsiteX5" y="connsiteY5"/>
+              </a:cxn>
+              <a:cxn ang="0">
+                <a:pos x="connsiteX6" y="connsiteY6"/>
+              </a:cxn>
+              <a:cxn ang="0">
+                <a:pos x="connsiteX7" y="connsiteY7"/>
+              </a:cxn>
+              <a:cxn ang="0">
+                <a:pos x="connsiteX8" y="connsiteY8"/>
+              </a:cxn>
+              <a:cxn ang="0">
+                <a:pos x="connsiteX9" y="connsiteY9"/>
+              </a:cxn>
+              <a:cxn ang="0">
+                <a:pos x="connsiteX10" y="connsiteY10"/>
+              </a:cxn>
+              <a:cxn ang="0">
+                <a:pos x="connsiteX11" y="connsiteY11"/>
+              </a:cxn>
+              <a:cxn ang="0">
+                <a:pos x="connsiteX12" y="connsiteY12"/>
+              </a:cxn>
+              <a:cxn ang="0">
+                <a:pos x="connsiteX13" y="connsiteY13"/>
+              </a:cxn>
+              <a:cxn ang="0">
+                <a:pos x="connsiteX14" y="connsiteY14"/>
+              </a:cxn>
+              <a:cxn ang="0">
+                <a:pos x="connsiteX15" y="connsiteY15"/>
+              </a:cxn>
+              <a:cxn ang="0">
+                <a:pos x="connsiteX16" y="connsiteY16"/>
+              </a:cxn>
+            </a:cxnLst>
+            <a:rect l="l" t="t" r="r" b="b"/>
+            <a:pathLst>
+              <a:path w="3047936" h="2580579">
+                <a:moveTo>
+                  <a:pt x="0" y="0"/>
+                </a:moveTo>
+                <a:lnTo>
+                  <a:pt x="3047936" y="0"/>
+                </a:lnTo>
+                <a:lnTo>
+                  <a:pt x="3047936" y="44589"/>
+                </a:lnTo>
+                <a:lnTo>
+                  <a:pt x="3047936" y="415399"/>
+                </a:lnTo>
+                <a:lnTo>
+                  <a:pt x="3047936" y="621716"/>
+                </a:lnTo>
+                <a:lnTo>
+                  <a:pt x="3047936" y="905815"/>
+                </a:lnTo>
+                <a:lnTo>
+                  <a:pt x="3047936" y="1122433"/>
+                </a:lnTo>
+                <a:cubicBezTo>
+                  <a:pt x="3047936" y="1560888"/>
+                  <a:pt x="2923541" y="1780349"/>
+                  <a:pt x="2649870" y="1971709"/>
+                </a:cubicBezTo>
+                <a:cubicBezTo>
+                  <a:pt x="2365260" y="2136601"/>
+                  <a:pt x="1991682" y="2207169"/>
+                  <a:pt x="1660164" y="2463359"/>
+                </a:cubicBezTo>
+                <a:lnTo>
+                  <a:pt x="1521470" y="2580579"/>
+                </a:lnTo>
+                <a:lnTo>
+                  <a:pt x="1387771" y="2463359"/>
+                </a:lnTo>
+                <a:cubicBezTo>
+                  <a:pt x="1056252" y="2207169"/>
+                  <a:pt x="682674" y="2136601"/>
+                  <a:pt x="398065" y="1971709"/>
+                </a:cubicBezTo>
+                <a:cubicBezTo>
+                  <a:pt x="124394" y="1780349"/>
+                  <a:pt x="0" y="1560888"/>
+                  <a:pt x="0" y="1122433"/>
+                </a:cubicBezTo>
+                <a:lnTo>
+                  <a:pt x="0" y="905815"/>
+                </a:lnTo>
+                <a:lnTo>
+                  <a:pt x="0" y="621716"/>
+                </a:lnTo>
+                <a:lnTo>
+                  <a:pt x="0" y="415399"/>
+                </a:lnTo>
+                <a:lnTo>
+                  <a:pt x="0" y="44589"/>
+                </a:lnTo>
+                <a:close/>
+              </a:path>
+            </a:pathLst>
+          </a:custGeom>
+          <a:solidFill>
+            <a:schemeClr val="bg2">
+              <a:lumMod val="75000"/>
+              <a:alpha val="15000"/>
+            </a:schemeClr>
+          </a:solidFill>
+          <a:ln>
+            <a:noFill/>
+          </a:ln>
+        </p:spPr>
+        <p:style>
+          <a:lnRef idx="2">
+            <a:schemeClr val="accent1">
+              <a:shade val="50000"/>
+            </a:schemeClr>
+          </a:lnRef>
+          <a:fillRef idx="1">
+            <a:schemeClr val="accent1"/>
+          </a:fillRef>
+          <a:effectRef idx="0">
+            <a:schemeClr val="accent1"/>
+          </a:effectRef>
+          <a:fontRef idx="minor">
+            <a:schemeClr val="lt1"/>
+          </a:fontRef>
+        </p:style>
+        <p:txBody>
+          <a:bodyPr wrap="square" rtlCol="0" anchor="ctr">
+            <a:noAutofit/>
+          </a:bodyPr>
+          <a:lstStyle/>
+          <a:p>
+            <a:pPr algn="ctr"/>
+            <a:endParaRPr lang="en-US"/>
+          </a:p>
+        </p:txBody>
+      </p:sp>
+      <p:sp>
+        <p:nvSpPr>
+          <p:cNvPr id="23" name="Freeform: Shape 22">
+            <a:extLst>
+              <a:ext uri="{FF2B5EF4-FFF2-40B4-BE49-F238E27FC236}">
+                <a16:creationId xmlns:a16="http://schemas.microsoft.com/office/drawing/2014/main" id="{AD486B01-0E9C-4A3B-9A25-CC905BE28C5B}"/>
+              </a:ext>
+              <a:ext uri="{C183D7F6-B498-43B3-948B-1728B52AA6E4}">
+                <adec:decorative xmlns:adec="http://schemas.microsoft.com/office/drawing/2017/decorative" val="1"/>
+              </a:ext>
+            </a:extLst>
+          </p:cNvPr>
+          <p:cNvSpPr>
+            <a:spLocks noGrp="1" noRot="1" noChangeAspect="1" noMove="1" noResize="1" noEditPoints="1" noAdjustHandles="1" noChangeArrowheads="1" noChangeShapeType="1" noTextEdit="1"/>
+          </p:cNvSpPr>
+          <p:nvPr>
+            <p:extLst>
+              <p:ext uri="{386F3935-93C4-4BCD-93E2-E3B085C9AB24}">
+                <p16:designElem xmlns:p16="http://schemas.microsoft.com/office/powerpoint/2015/main" val="1"/>
+              </p:ext>
+            </p:extLst>
+          </p:nvPr>
+        </p:nvSpPr>
+        <p:spPr>
+          <a:xfrm>
+            <a:off x="6495366" y="0"/>
+            <a:ext cx="3152729" cy="2651130"/>
+          </a:xfrm>
+          <a:custGeom>
+            <a:avLst/>
+            <a:gdLst>
+              <a:gd name="connsiteX0" fmla="*/ 0 w 3152219"/>
+              <a:gd name="connsiteY0" fmla="*/ 0 h 2651130"/>
+              <a:gd name="connsiteX1" fmla="*/ 3152219 w 3152219"/>
+              <a:gd name="connsiteY1" fmla="*/ 0 h 2651130"/>
+              <a:gd name="connsiteX2" fmla="*/ 3152219 w 3152219"/>
+              <a:gd name="connsiteY2" fmla="*/ 28373 h 2651130"/>
+              <a:gd name="connsiteX3" fmla="*/ 3152219 w 3152219"/>
+              <a:gd name="connsiteY3" fmla="*/ 411869 h 2651130"/>
+              <a:gd name="connsiteX4" fmla="*/ 3152219 w 3152219"/>
+              <a:gd name="connsiteY4" fmla="*/ 625246 h 2651130"/>
+              <a:gd name="connsiteX5" fmla="*/ 3152219 w 3152219"/>
+              <a:gd name="connsiteY5" fmla="*/ 919065 h 2651130"/>
+              <a:gd name="connsiteX6" fmla="*/ 3152219 w 3152219"/>
+              <a:gd name="connsiteY6" fmla="*/ 1143094 h 2651130"/>
+              <a:gd name="connsiteX7" fmla="*/ 2740534 w 3152219"/>
+              <a:gd name="connsiteY7" fmla="*/ 2021428 h 2651130"/>
+              <a:gd name="connsiteX8" fmla="*/ 1716965 w 3152219"/>
+              <a:gd name="connsiteY8" fmla="*/ 2529899 h 2651130"/>
+              <a:gd name="connsiteX9" fmla="*/ 1573526 w 3152219"/>
+              <a:gd name="connsiteY9" fmla="*/ 2651130 h 2651130"/>
+              <a:gd name="connsiteX10" fmla="*/ 1435253 w 3152219"/>
+              <a:gd name="connsiteY10" fmla="*/ 2529899 h 2651130"/>
+              <a:gd name="connsiteX11" fmla="*/ 411685 w 3152219"/>
+              <a:gd name="connsiteY11" fmla="*/ 2021428 h 2651130"/>
+              <a:gd name="connsiteX12" fmla="*/ 0 w 3152219"/>
+              <a:gd name="connsiteY12" fmla="*/ 1143094 h 2651130"/>
+              <a:gd name="connsiteX13" fmla="*/ 0 w 3152219"/>
+              <a:gd name="connsiteY13" fmla="*/ 919065 h 2651130"/>
+              <a:gd name="connsiteX14" fmla="*/ 0 w 3152219"/>
+              <a:gd name="connsiteY14" fmla="*/ 625246 h 2651130"/>
+              <a:gd name="connsiteX15" fmla="*/ 0 w 3152219"/>
+              <a:gd name="connsiteY15" fmla="*/ 411869 h 2651130"/>
+              <a:gd name="connsiteX16" fmla="*/ 0 w 3152219"/>
+              <a:gd name="connsiteY16" fmla="*/ 28373 h 2651130"/>
+              <a:gd name="connsiteX0" fmla="*/ 0 w 3152219"/>
+              <a:gd name="connsiteY0" fmla="*/ 0 h 2651130"/>
+              <a:gd name="connsiteX1" fmla="*/ 3152219 w 3152219"/>
+              <a:gd name="connsiteY1" fmla="*/ 0 h 2651130"/>
+              <a:gd name="connsiteX2" fmla="*/ 3152219 w 3152219"/>
+              <a:gd name="connsiteY2" fmla="*/ 28373 h 2651130"/>
+              <a:gd name="connsiteX3" fmla="*/ 3152219 w 3152219"/>
+              <a:gd name="connsiteY3" fmla="*/ 411869 h 2651130"/>
+              <a:gd name="connsiteX4" fmla="*/ 3152219 w 3152219"/>
+              <a:gd name="connsiteY4" fmla="*/ 625246 h 2651130"/>
+              <a:gd name="connsiteX5" fmla="*/ 3152219 w 3152219"/>
+              <a:gd name="connsiteY5" fmla="*/ 919065 h 2651130"/>
+              <a:gd name="connsiteX6" fmla="*/ 3152219 w 3152219"/>
+              <a:gd name="connsiteY6" fmla="*/ 1143094 h 2651130"/>
+              <a:gd name="connsiteX7" fmla="*/ 2740534 w 3152219"/>
+              <a:gd name="connsiteY7" fmla="*/ 2021428 h 2651130"/>
+              <a:gd name="connsiteX8" fmla="*/ 1716965 w 3152219"/>
+              <a:gd name="connsiteY8" fmla="*/ 2529899 h 2651130"/>
+              <a:gd name="connsiteX9" fmla="*/ 1573526 w 3152219"/>
+              <a:gd name="connsiteY9" fmla="*/ 2651130 h 2651130"/>
+              <a:gd name="connsiteX10" fmla="*/ 1435253 w 3152219"/>
+              <a:gd name="connsiteY10" fmla="*/ 2529899 h 2651130"/>
+              <a:gd name="connsiteX11" fmla="*/ 411685 w 3152219"/>
+              <a:gd name="connsiteY11" fmla="*/ 2021428 h 2651130"/>
+              <a:gd name="connsiteX12" fmla="*/ 0 w 3152219"/>
+              <a:gd name="connsiteY12" fmla="*/ 1143094 h 2651130"/>
+              <a:gd name="connsiteX13" fmla="*/ 0 w 3152219"/>
+              <a:gd name="connsiteY13" fmla="*/ 919065 h 2651130"/>
+              <a:gd name="connsiteX14" fmla="*/ 0 w 3152219"/>
+              <a:gd name="connsiteY14" fmla="*/ 625246 h 2651130"/>
+              <a:gd name="connsiteX15" fmla="*/ 0 w 3152219"/>
+              <a:gd name="connsiteY15" fmla="*/ 411869 h 2651130"/>
+              <a:gd name="connsiteX16" fmla="*/ 0 w 3152219"/>
+              <a:gd name="connsiteY16" fmla="*/ 28373 h 2651130"/>
+              <a:gd name="connsiteX17" fmla="*/ 91440 w 3152219"/>
+              <a:gd name="connsiteY17" fmla="*/ 91440 h 2651130"/>
+              <a:gd name="connsiteX0" fmla="*/ 3152219 w 3152219"/>
+              <a:gd name="connsiteY0" fmla="*/ 0 h 2651130"/>
+              <a:gd name="connsiteX1" fmla="*/ 3152219 w 3152219"/>
+              <a:gd name="connsiteY1" fmla="*/ 28373 h 2651130"/>
+              <a:gd name="connsiteX2" fmla="*/ 3152219 w 3152219"/>
+              <a:gd name="connsiteY2" fmla="*/ 411869 h 2651130"/>
+              <a:gd name="connsiteX3" fmla="*/ 3152219 w 3152219"/>
+              <a:gd name="connsiteY3" fmla="*/ 625246 h 2651130"/>
+              <a:gd name="connsiteX4" fmla="*/ 3152219 w 3152219"/>
+              <a:gd name="connsiteY4" fmla="*/ 919065 h 2651130"/>
+              <a:gd name="connsiteX5" fmla="*/ 3152219 w 3152219"/>
+              <a:gd name="connsiteY5" fmla="*/ 1143094 h 2651130"/>
+              <a:gd name="connsiteX6" fmla="*/ 2740534 w 3152219"/>
+              <a:gd name="connsiteY6" fmla="*/ 2021428 h 2651130"/>
+              <a:gd name="connsiteX7" fmla="*/ 1716965 w 3152219"/>
+              <a:gd name="connsiteY7" fmla="*/ 2529899 h 2651130"/>
+              <a:gd name="connsiteX8" fmla="*/ 1573526 w 3152219"/>
+              <a:gd name="connsiteY8" fmla="*/ 2651130 h 2651130"/>
+              <a:gd name="connsiteX9" fmla="*/ 1435253 w 3152219"/>
+              <a:gd name="connsiteY9" fmla="*/ 2529899 h 2651130"/>
+              <a:gd name="connsiteX10" fmla="*/ 411685 w 3152219"/>
+              <a:gd name="connsiteY10" fmla="*/ 2021428 h 2651130"/>
+              <a:gd name="connsiteX11" fmla="*/ 0 w 3152219"/>
+              <a:gd name="connsiteY11" fmla="*/ 1143094 h 2651130"/>
+              <a:gd name="connsiteX12" fmla="*/ 0 w 3152219"/>
+              <a:gd name="connsiteY12" fmla="*/ 919065 h 2651130"/>
+              <a:gd name="connsiteX13" fmla="*/ 0 w 3152219"/>
+              <a:gd name="connsiteY13" fmla="*/ 625246 h 2651130"/>
+              <a:gd name="connsiteX14" fmla="*/ 0 w 3152219"/>
+              <a:gd name="connsiteY14" fmla="*/ 411869 h 2651130"/>
+              <a:gd name="connsiteX15" fmla="*/ 0 w 3152219"/>
+              <a:gd name="connsiteY15" fmla="*/ 28373 h 2651130"/>
+              <a:gd name="connsiteX16" fmla="*/ 91440 w 3152219"/>
+              <a:gd name="connsiteY16" fmla="*/ 91440 h 2651130"/>
+              <a:gd name="connsiteX0" fmla="*/ 3152219 w 3152219"/>
+              <a:gd name="connsiteY0" fmla="*/ 0 h 2651130"/>
+              <a:gd name="connsiteX1" fmla="*/ 3152219 w 3152219"/>
+              <a:gd name="connsiteY1" fmla="*/ 411869 h 2651130"/>
+              <a:gd name="connsiteX2" fmla="*/ 3152219 w 3152219"/>
+              <a:gd name="connsiteY2" fmla="*/ 625246 h 2651130"/>
+              <a:gd name="connsiteX3" fmla="*/ 3152219 w 3152219"/>
+              <a:gd name="connsiteY3" fmla="*/ 919065 h 2651130"/>
+              <a:gd name="connsiteX4" fmla="*/ 3152219 w 3152219"/>
+              <a:gd name="connsiteY4" fmla="*/ 1143094 h 2651130"/>
+              <a:gd name="connsiteX5" fmla="*/ 2740534 w 3152219"/>
+              <a:gd name="connsiteY5" fmla="*/ 2021428 h 2651130"/>
+              <a:gd name="connsiteX6" fmla="*/ 1716965 w 3152219"/>
+              <a:gd name="connsiteY6" fmla="*/ 2529899 h 2651130"/>
+              <a:gd name="connsiteX7" fmla="*/ 1573526 w 3152219"/>
+              <a:gd name="connsiteY7" fmla="*/ 2651130 h 2651130"/>
+              <a:gd name="connsiteX8" fmla="*/ 1435253 w 3152219"/>
+              <a:gd name="connsiteY8" fmla="*/ 2529899 h 2651130"/>
+              <a:gd name="connsiteX9" fmla="*/ 411685 w 3152219"/>
+              <a:gd name="connsiteY9" fmla="*/ 2021428 h 2651130"/>
+              <a:gd name="connsiteX10" fmla="*/ 0 w 3152219"/>
+              <a:gd name="connsiteY10" fmla="*/ 1143094 h 2651130"/>
+              <a:gd name="connsiteX11" fmla="*/ 0 w 3152219"/>
+              <a:gd name="connsiteY11" fmla="*/ 919065 h 2651130"/>
+              <a:gd name="connsiteX12" fmla="*/ 0 w 3152219"/>
+              <a:gd name="connsiteY12" fmla="*/ 625246 h 2651130"/>
+              <a:gd name="connsiteX13" fmla="*/ 0 w 3152219"/>
+              <a:gd name="connsiteY13" fmla="*/ 411869 h 2651130"/>
+              <a:gd name="connsiteX14" fmla="*/ 0 w 3152219"/>
+              <a:gd name="connsiteY14" fmla="*/ 28373 h 2651130"/>
+              <a:gd name="connsiteX15" fmla="*/ 91440 w 3152219"/>
+              <a:gd name="connsiteY15" fmla="*/ 91440 h 2651130"/>
+              <a:gd name="connsiteX0" fmla="*/ 3152219 w 3152219"/>
+              <a:gd name="connsiteY0" fmla="*/ 0 h 2651130"/>
+              <a:gd name="connsiteX1" fmla="*/ 3152219 w 3152219"/>
+              <a:gd name="connsiteY1" fmla="*/ 625246 h 2651130"/>
+              <a:gd name="connsiteX2" fmla="*/ 3152219 w 3152219"/>
+              <a:gd name="connsiteY2" fmla="*/ 919065 h 2651130"/>
+              <a:gd name="connsiteX3" fmla="*/ 3152219 w 3152219"/>
+              <a:gd name="connsiteY3" fmla="*/ 1143094 h 2651130"/>
+              <a:gd name="connsiteX4" fmla="*/ 2740534 w 3152219"/>
+              <a:gd name="connsiteY4" fmla="*/ 2021428 h 2651130"/>
+              <a:gd name="connsiteX5" fmla="*/ 1716965 w 3152219"/>
+              <a:gd name="connsiteY5" fmla="*/ 2529899 h 2651130"/>
+              <a:gd name="connsiteX6" fmla="*/ 1573526 w 3152219"/>
+              <a:gd name="connsiteY6" fmla="*/ 2651130 h 2651130"/>
+              <a:gd name="connsiteX7" fmla="*/ 1435253 w 3152219"/>
+              <a:gd name="connsiteY7" fmla="*/ 2529899 h 2651130"/>
+              <a:gd name="connsiteX8" fmla="*/ 411685 w 3152219"/>
+              <a:gd name="connsiteY8" fmla="*/ 2021428 h 2651130"/>
+              <a:gd name="connsiteX9" fmla="*/ 0 w 3152219"/>
+              <a:gd name="connsiteY9" fmla="*/ 1143094 h 2651130"/>
+              <a:gd name="connsiteX10" fmla="*/ 0 w 3152219"/>
+              <a:gd name="connsiteY10" fmla="*/ 919065 h 2651130"/>
+              <a:gd name="connsiteX11" fmla="*/ 0 w 3152219"/>
+              <a:gd name="connsiteY11" fmla="*/ 625246 h 2651130"/>
+              <a:gd name="connsiteX12" fmla="*/ 0 w 3152219"/>
+              <a:gd name="connsiteY12" fmla="*/ 411869 h 2651130"/>
+              <a:gd name="connsiteX13" fmla="*/ 0 w 3152219"/>
+              <a:gd name="connsiteY13" fmla="*/ 28373 h 2651130"/>
+              <a:gd name="connsiteX14" fmla="*/ 91440 w 3152219"/>
+              <a:gd name="connsiteY14" fmla="*/ 91440 h 2651130"/>
+              <a:gd name="connsiteX0" fmla="*/ 3152219 w 3152219"/>
+              <a:gd name="connsiteY0" fmla="*/ 0 h 2651130"/>
+              <a:gd name="connsiteX1" fmla="*/ 3152219 w 3152219"/>
+              <a:gd name="connsiteY1" fmla="*/ 919065 h 2651130"/>
+              <a:gd name="connsiteX2" fmla="*/ 3152219 w 3152219"/>
+              <a:gd name="connsiteY2" fmla="*/ 1143094 h 2651130"/>
+              <a:gd name="connsiteX3" fmla="*/ 2740534 w 3152219"/>
+              <a:gd name="connsiteY3" fmla="*/ 2021428 h 2651130"/>
+              <a:gd name="connsiteX4" fmla="*/ 1716965 w 3152219"/>
+              <a:gd name="connsiteY4" fmla="*/ 2529899 h 2651130"/>
+              <a:gd name="connsiteX5" fmla="*/ 1573526 w 3152219"/>
+              <a:gd name="connsiteY5" fmla="*/ 2651130 h 2651130"/>
+              <a:gd name="connsiteX6" fmla="*/ 1435253 w 3152219"/>
+              <a:gd name="connsiteY6" fmla="*/ 2529899 h 2651130"/>
+              <a:gd name="connsiteX7" fmla="*/ 411685 w 3152219"/>
+              <a:gd name="connsiteY7" fmla="*/ 2021428 h 2651130"/>
+              <a:gd name="connsiteX8" fmla="*/ 0 w 3152219"/>
+              <a:gd name="connsiteY8" fmla="*/ 1143094 h 2651130"/>
+              <a:gd name="connsiteX9" fmla="*/ 0 w 3152219"/>
+              <a:gd name="connsiteY9" fmla="*/ 919065 h 2651130"/>
+              <a:gd name="connsiteX10" fmla="*/ 0 w 3152219"/>
+              <a:gd name="connsiteY10" fmla="*/ 625246 h 2651130"/>
+              <a:gd name="connsiteX11" fmla="*/ 0 w 3152219"/>
+              <a:gd name="connsiteY11" fmla="*/ 411869 h 2651130"/>
+              <a:gd name="connsiteX12" fmla="*/ 0 w 3152219"/>
+              <a:gd name="connsiteY12" fmla="*/ 28373 h 2651130"/>
+              <a:gd name="connsiteX13" fmla="*/ 91440 w 3152219"/>
+              <a:gd name="connsiteY13" fmla="*/ 91440 h 2651130"/>
+              <a:gd name="connsiteX0" fmla="*/ 3152219 w 3152219"/>
+              <a:gd name="connsiteY0" fmla="*/ 0 h 2651130"/>
+              <a:gd name="connsiteX1" fmla="*/ 3152219 w 3152219"/>
+              <a:gd name="connsiteY1" fmla="*/ 919065 h 2651130"/>
+              <a:gd name="connsiteX2" fmla="*/ 3152219 w 3152219"/>
+              <a:gd name="connsiteY2" fmla="*/ 1143094 h 2651130"/>
+              <a:gd name="connsiteX3" fmla="*/ 2740534 w 3152219"/>
+              <a:gd name="connsiteY3" fmla="*/ 2021428 h 2651130"/>
+              <a:gd name="connsiteX4" fmla="*/ 1716965 w 3152219"/>
+              <a:gd name="connsiteY4" fmla="*/ 2529899 h 2651130"/>
+              <a:gd name="connsiteX5" fmla="*/ 1573526 w 3152219"/>
+              <a:gd name="connsiteY5" fmla="*/ 2651130 h 2651130"/>
+              <a:gd name="connsiteX6" fmla="*/ 1435253 w 3152219"/>
+              <a:gd name="connsiteY6" fmla="*/ 2529899 h 2651130"/>
+              <a:gd name="connsiteX7" fmla="*/ 411685 w 3152219"/>
+              <a:gd name="connsiteY7" fmla="*/ 2021428 h 2651130"/>
+              <a:gd name="connsiteX8" fmla="*/ 0 w 3152219"/>
+              <a:gd name="connsiteY8" fmla="*/ 1143094 h 2651130"/>
+              <a:gd name="connsiteX9" fmla="*/ 0 w 3152219"/>
+              <a:gd name="connsiteY9" fmla="*/ 919065 h 2651130"/>
+              <a:gd name="connsiteX10" fmla="*/ 0 w 3152219"/>
+              <a:gd name="connsiteY10" fmla="*/ 625246 h 2651130"/>
+              <a:gd name="connsiteX11" fmla="*/ 0 w 3152219"/>
+              <a:gd name="connsiteY11" fmla="*/ 28373 h 2651130"/>
+              <a:gd name="connsiteX12" fmla="*/ 91440 w 3152219"/>
+              <a:gd name="connsiteY12" fmla="*/ 91440 h 2651130"/>
+              <a:gd name="connsiteX0" fmla="*/ 3152219 w 3152219"/>
+              <a:gd name="connsiteY0" fmla="*/ 0 h 2651130"/>
+              <a:gd name="connsiteX1" fmla="*/ 3152219 w 3152219"/>
+              <a:gd name="connsiteY1" fmla="*/ 919065 h 2651130"/>
+              <a:gd name="connsiteX2" fmla="*/ 3152219 w 3152219"/>
+              <a:gd name="connsiteY2" fmla="*/ 1143094 h 2651130"/>
+              <a:gd name="connsiteX3" fmla="*/ 2740534 w 3152219"/>
+              <a:gd name="connsiteY3" fmla="*/ 2021428 h 2651130"/>
+              <a:gd name="connsiteX4" fmla="*/ 1716965 w 3152219"/>
+              <a:gd name="connsiteY4" fmla="*/ 2529899 h 2651130"/>
+              <a:gd name="connsiteX5" fmla="*/ 1573526 w 3152219"/>
+              <a:gd name="connsiteY5" fmla="*/ 2651130 h 2651130"/>
+              <a:gd name="connsiteX6" fmla="*/ 1435253 w 3152219"/>
+              <a:gd name="connsiteY6" fmla="*/ 2529899 h 2651130"/>
+              <a:gd name="connsiteX7" fmla="*/ 411685 w 3152219"/>
+              <a:gd name="connsiteY7" fmla="*/ 2021428 h 2651130"/>
+              <a:gd name="connsiteX8" fmla="*/ 0 w 3152219"/>
+              <a:gd name="connsiteY8" fmla="*/ 1143094 h 2651130"/>
+              <a:gd name="connsiteX9" fmla="*/ 0 w 3152219"/>
+              <a:gd name="connsiteY9" fmla="*/ 919065 h 2651130"/>
+              <a:gd name="connsiteX10" fmla="*/ 0 w 3152219"/>
+              <a:gd name="connsiteY10" fmla="*/ 28373 h 2651130"/>
+              <a:gd name="connsiteX11" fmla="*/ 91440 w 3152219"/>
+              <a:gd name="connsiteY11" fmla="*/ 91440 h 2651130"/>
+              <a:gd name="connsiteX0" fmla="*/ 3152729 w 3152729"/>
+              <a:gd name="connsiteY0" fmla="*/ 0 h 2651130"/>
+              <a:gd name="connsiteX1" fmla="*/ 3152729 w 3152729"/>
+              <a:gd name="connsiteY1" fmla="*/ 919065 h 2651130"/>
+              <a:gd name="connsiteX2" fmla="*/ 3152729 w 3152729"/>
+              <a:gd name="connsiteY2" fmla="*/ 1143094 h 2651130"/>
+              <a:gd name="connsiteX3" fmla="*/ 2741044 w 3152729"/>
+              <a:gd name="connsiteY3" fmla="*/ 2021428 h 2651130"/>
+              <a:gd name="connsiteX4" fmla="*/ 1717475 w 3152729"/>
+              <a:gd name="connsiteY4" fmla="*/ 2529899 h 2651130"/>
+              <a:gd name="connsiteX5" fmla="*/ 1574036 w 3152729"/>
+              <a:gd name="connsiteY5" fmla="*/ 2651130 h 2651130"/>
+              <a:gd name="connsiteX6" fmla="*/ 1435763 w 3152729"/>
+              <a:gd name="connsiteY6" fmla="*/ 2529899 h 2651130"/>
+              <a:gd name="connsiteX7" fmla="*/ 412195 w 3152729"/>
+              <a:gd name="connsiteY7" fmla="*/ 2021428 h 2651130"/>
+              <a:gd name="connsiteX8" fmla="*/ 510 w 3152729"/>
+              <a:gd name="connsiteY8" fmla="*/ 1143094 h 2651130"/>
+              <a:gd name="connsiteX9" fmla="*/ 510 w 3152729"/>
+              <a:gd name="connsiteY9" fmla="*/ 919065 h 2651130"/>
+              <a:gd name="connsiteX10" fmla="*/ 510 w 3152729"/>
+              <a:gd name="connsiteY10" fmla="*/ 28373 h 2651130"/>
+              <a:gd name="connsiteX11" fmla="*/ 0 w 3152729"/>
+              <a:gd name="connsiteY11" fmla="*/ 6301 h 2651130"/>
+              <a:gd name="connsiteX0" fmla="*/ 3152729 w 3152729"/>
+              <a:gd name="connsiteY0" fmla="*/ 0 h 2651130"/>
+              <a:gd name="connsiteX1" fmla="*/ 3152729 w 3152729"/>
+              <a:gd name="connsiteY1" fmla="*/ 919065 h 2651130"/>
+              <a:gd name="connsiteX2" fmla="*/ 3152729 w 3152729"/>
+              <a:gd name="connsiteY2" fmla="*/ 1143094 h 2651130"/>
+              <a:gd name="connsiteX3" fmla="*/ 2741044 w 3152729"/>
+              <a:gd name="connsiteY3" fmla="*/ 2021428 h 2651130"/>
+              <a:gd name="connsiteX4" fmla="*/ 1717475 w 3152729"/>
+              <a:gd name="connsiteY4" fmla="*/ 2529899 h 2651130"/>
+              <a:gd name="connsiteX5" fmla="*/ 1574036 w 3152729"/>
+              <a:gd name="connsiteY5" fmla="*/ 2651130 h 2651130"/>
+              <a:gd name="connsiteX6" fmla="*/ 1435763 w 3152729"/>
+              <a:gd name="connsiteY6" fmla="*/ 2529899 h 2651130"/>
+              <a:gd name="connsiteX7" fmla="*/ 412195 w 3152729"/>
+              <a:gd name="connsiteY7" fmla="*/ 2021428 h 2651130"/>
+              <a:gd name="connsiteX8" fmla="*/ 510 w 3152729"/>
+              <a:gd name="connsiteY8" fmla="*/ 1143094 h 2651130"/>
+              <a:gd name="connsiteX9" fmla="*/ 510 w 3152729"/>
+              <a:gd name="connsiteY9" fmla="*/ 28373 h 2651130"/>
+              <a:gd name="connsiteX10" fmla="*/ 0 w 3152729"/>
+              <a:gd name="connsiteY10" fmla="*/ 6301 h 2651130"/>
+            </a:gdLst>
+            <a:ahLst/>
+            <a:cxnLst>
+              <a:cxn ang="0">
+                <a:pos x="connsiteX0" y="connsiteY0"/>
+              </a:cxn>
+              <a:cxn ang="0">
+                <a:pos x="connsiteX1" y="connsiteY1"/>
+              </a:cxn>
+              <a:cxn ang="0">
+                <a:pos x="connsiteX2" y="connsiteY2"/>
+              </a:cxn>
+              <a:cxn ang="0">
+                <a:pos x="connsiteX3" y="connsiteY3"/>
+              </a:cxn>
+              <a:cxn ang="0">
+                <a:pos x="connsiteX4" y="connsiteY4"/>
+              </a:cxn>
+              <a:cxn ang="0">
+                <a:pos x="connsiteX5" y="connsiteY5"/>
+              </a:cxn>
+              <a:cxn ang="0">
+                <a:pos x="connsiteX6" y="connsiteY6"/>
+              </a:cxn>
+              <a:cxn ang="0">
+                <a:pos x="connsiteX7" y="connsiteY7"/>
+              </a:cxn>
+              <a:cxn ang="0">
+                <a:pos x="connsiteX8" y="connsiteY8"/>
+              </a:cxn>
+              <a:cxn ang="0">
+                <a:pos x="connsiteX9" y="connsiteY9"/>
+              </a:cxn>
+              <a:cxn ang="0">
+                <a:pos x="connsiteX10" y="connsiteY10"/>
+              </a:cxn>
+            </a:cxnLst>
+            <a:rect l="l" t="t" r="r" b="b"/>
+            <a:pathLst>
+              <a:path w="3152729" h="2651130">
+                <a:moveTo>
+                  <a:pt x="3152729" y="0"/>
+                </a:moveTo>
+                <a:lnTo>
+                  <a:pt x="3152729" y="919065"/>
+                </a:lnTo>
+                <a:lnTo>
+                  <a:pt x="3152729" y="1143094"/>
+                </a:lnTo>
+                <a:cubicBezTo>
+                  <a:pt x="3152729" y="1596551"/>
+                  <a:pt x="3024078" y="1823520"/>
+                  <a:pt x="2741044" y="2021428"/>
+                </a:cubicBezTo>
+                <a:cubicBezTo>
+                  <a:pt x="2446696" y="2191962"/>
+                  <a:pt x="2060336" y="2264944"/>
+                  <a:pt x="1717475" y="2529899"/>
+                </a:cubicBezTo>
+                <a:lnTo>
+                  <a:pt x="1574036" y="2651130"/>
+                </a:lnTo>
+                <a:lnTo>
+                  <a:pt x="1435763" y="2529899"/>
+                </a:lnTo>
+                <a:cubicBezTo>
+                  <a:pt x="1092901" y="2264944"/>
+                  <a:pt x="706541" y="2191962"/>
+                  <a:pt x="412195" y="2021428"/>
+                </a:cubicBezTo>
+                <a:cubicBezTo>
+                  <a:pt x="129160" y="1823520"/>
+                  <a:pt x="510" y="1596551"/>
+                  <a:pt x="510" y="1143094"/>
+                </a:cubicBezTo>
+                <a:lnTo>
+                  <a:pt x="510" y="28373"/>
+                </a:lnTo>
+                <a:cubicBezTo>
+                  <a:pt x="510" y="18915"/>
+                  <a:pt x="0" y="6301"/>
+                  <a:pt x="0" y="6301"/>
+                </a:cubicBezTo>
+              </a:path>
+            </a:pathLst>
+          </a:custGeom>
+          <a:noFill/>
+          <a:ln w="25400" cap="rnd">
+            <a:solidFill>
+              <a:schemeClr val="bg2">
+                <a:lumMod val="75000"/>
+                <a:alpha val="65000"/>
+              </a:schemeClr>
+            </a:solidFill>
+            <a:prstDash val="sysDot"/>
+          </a:ln>
+        </p:spPr>
+        <p:style>
+          <a:lnRef idx="2">
+            <a:schemeClr val="accent1">
+              <a:shade val="50000"/>
+            </a:schemeClr>
+          </a:lnRef>
+          <a:fillRef idx="1">
+            <a:schemeClr val="accent1"/>
+          </a:fillRef>
+          <a:effectRef idx="0">
+            <a:schemeClr val="accent1"/>
+          </a:effectRef>
+          <a:fontRef idx="minor">
+            <a:schemeClr val="lt1"/>
+          </a:fontRef>
+        </p:style>
+        <p:txBody>
+          <a:bodyPr wrap="square" rtlCol="0" anchor="ctr">
+            <a:noAutofit/>
+          </a:bodyPr>
+          <a:lstStyle/>
+          <a:p>
+            <a:pPr algn="ctr"/>
+            <a:endParaRPr lang="en-US"/>
+          </a:p>
+        </p:txBody>
+      </p:sp>
+      <p:sp>
+        <p:nvSpPr>
+          <p:cNvPr id="25" name="Freeform: Shape 24">
+            <a:extLst>
+              <a:ext uri="{FF2B5EF4-FFF2-40B4-BE49-F238E27FC236}">
+                <a16:creationId xmlns:a16="http://schemas.microsoft.com/office/drawing/2014/main" id="{C20D07CE-31A7-40DF-B0AD-9864AE18EBCC}"/>
+              </a:ext>
+              <a:ext uri="{C183D7F6-B498-43B3-948B-1728B52AA6E4}">
+                <adec:decorative xmlns:adec="http://schemas.microsoft.com/office/drawing/2017/decorative" val="1"/>
+              </a:ext>
+            </a:extLst>
+          </p:cNvPr>
+          <p:cNvSpPr>
+            <a:spLocks noGrp="1" noRot="1" noChangeAspect="1" noMove="1" noResize="1" noEditPoints="1" noAdjustHandles="1" noChangeArrowheads="1" noChangeShapeType="1" noTextEdit="1"/>
+          </p:cNvSpPr>
+          <p:nvPr>
+            <p:extLst>
+              <p:ext uri="{386F3935-93C4-4BCD-93E2-E3B085C9AB24}">
+                <p16:designElem xmlns:p16="http://schemas.microsoft.com/office/powerpoint/2015/main" val="1"/>
+              </p:ext>
+            </p:extLst>
+          </p:nvPr>
+        </p:nvSpPr>
+        <p:spPr>
+          <a:xfrm>
+            <a:off x="9812402" y="0"/>
+            <a:ext cx="2379598" cy="2651130"/>
+          </a:xfrm>
+          <a:custGeom>
+            <a:avLst/>
+            <a:gdLst>
+              <a:gd name="connsiteX0" fmla="*/ 0 w 2379598"/>
+              <a:gd name="connsiteY0" fmla="*/ 0 h 2651130"/>
+              <a:gd name="connsiteX1" fmla="*/ 2379598 w 2379598"/>
+              <a:gd name="connsiteY1" fmla="*/ 0 h 2651130"/>
+              <a:gd name="connsiteX2" fmla="*/ 2379598 w 2379598"/>
+              <a:gd name="connsiteY2" fmla="*/ 2186361 h 2651130"/>
+              <a:gd name="connsiteX3" fmla="*/ 2246942 w 2379598"/>
+              <a:gd name="connsiteY3" fmla="*/ 2240255 h 2651130"/>
+              <a:gd name="connsiteX4" fmla="*/ 1716965 w 2379598"/>
+              <a:gd name="connsiteY4" fmla="*/ 2529899 h 2651130"/>
+              <a:gd name="connsiteX5" fmla="*/ 1573526 w 2379598"/>
+              <a:gd name="connsiteY5" fmla="*/ 2651130 h 2651130"/>
+              <a:gd name="connsiteX6" fmla="*/ 1435253 w 2379598"/>
+              <a:gd name="connsiteY6" fmla="*/ 2529899 h 2651130"/>
+              <a:gd name="connsiteX7" fmla="*/ 411684 w 2379598"/>
+              <a:gd name="connsiteY7" fmla="*/ 2021428 h 2651130"/>
+              <a:gd name="connsiteX8" fmla="*/ 0 w 2379598"/>
+              <a:gd name="connsiteY8" fmla="*/ 1143094 h 2651130"/>
+              <a:gd name="connsiteX9" fmla="*/ 0 w 2379598"/>
+              <a:gd name="connsiteY9" fmla="*/ 919065 h 2651130"/>
+              <a:gd name="connsiteX10" fmla="*/ 0 w 2379598"/>
+              <a:gd name="connsiteY10" fmla="*/ 625246 h 2651130"/>
+              <a:gd name="connsiteX11" fmla="*/ 0 w 2379598"/>
+              <a:gd name="connsiteY11" fmla="*/ 411869 h 2651130"/>
+              <a:gd name="connsiteX12" fmla="*/ 0 w 2379598"/>
+              <a:gd name="connsiteY12" fmla="*/ 28373 h 2651130"/>
+              <a:gd name="connsiteX0" fmla="*/ 2379598 w 2471038"/>
+              <a:gd name="connsiteY0" fmla="*/ 0 h 2651130"/>
+              <a:gd name="connsiteX1" fmla="*/ 2379598 w 2471038"/>
+              <a:gd name="connsiteY1" fmla="*/ 2186361 h 2651130"/>
+              <a:gd name="connsiteX2" fmla="*/ 2246942 w 2471038"/>
+              <a:gd name="connsiteY2" fmla="*/ 2240255 h 2651130"/>
+              <a:gd name="connsiteX3" fmla="*/ 1716965 w 2471038"/>
+              <a:gd name="connsiteY3" fmla="*/ 2529899 h 2651130"/>
+              <a:gd name="connsiteX4" fmla="*/ 1573526 w 2471038"/>
+              <a:gd name="connsiteY4" fmla="*/ 2651130 h 2651130"/>
+              <a:gd name="connsiteX5" fmla="*/ 1435253 w 2471038"/>
+              <a:gd name="connsiteY5" fmla="*/ 2529899 h 2651130"/>
+              <a:gd name="connsiteX6" fmla="*/ 411684 w 2471038"/>
+              <a:gd name="connsiteY6" fmla="*/ 2021428 h 2651130"/>
+              <a:gd name="connsiteX7" fmla="*/ 0 w 2471038"/>
+              <a:gd name="connsiteY7" fmla="*/ 1143094 h 2651130"/>
+              <a:gd name="connsiteX8" fmla="*/ 0 w 2471038"/>
+              <a:gd name="connsiteY8" fmla="*/ 919065 h 2651130"/>
+              <a:gd name="connsiteX9" fmla="*/ 0 w 2471038"/>
+              <a:gd name="connsiteY9" fmla="*/ 625246 h 2651130"/>
+              <a:gd name="connsiteX10" fmla="*/ 0 w 2471038"/>
+              <a:gd name="connsiteY10" fmla="*/ 411869 h 2651130"/>
+              <a:gd name="connsiteX11" fmla="*/ 0 w 2471038"/>
+              <a:gd name="connsiteY11" fmla="*/ 28373 h 2651130"/>
+              <a:gd name="connsiteX12" fmla="*/ 0 w 2471038"/>
+              <a:gd name="connsiteY12" fmla="*/ 0 h 2651130"/>
+              <a:gd name="connsiteX13" fmla="*/ 2471038 w 2471038"/>
+              <a:gd name="connsiteY13" fmla="*/ 91440 h 2651130"/>
+              <a:gd name="connsiteX0" fmla="*/ 2379598 w 2379598"/>
+              <a:gd name="connsiteY0" fmla="*/ 0 h 2651130"/>
+              <a:gd name="connsiteX1" fmla="*/ 2379598 w 2379598"/>
+              <a:gd name="connsiteY1" fmla="*/ 2186361 h 2651130"/>
+              <a:gd name="connsiteX2" fmla="*/ 2246942 w 2379598"/>
+              <a:gd name="connsiteY2" fmla="*/ 2240255 h 2651130"/>
+              <a:gd name="connsiteX3" fmla="*/ 1716965 w 2379598"/>
+              <a:gd name="connsiteY3" fmla="*/ 2529899 h 2651130"/>
+              <a:gd name="connsiteX4" fmla="*/ 1573526 w 2379598"/>
+              <a:gd name="connsiteY4" fmla="*/ 2651130 h 2651130"/>
+              <a:gd name="connsiteX5" fmla="*/ 1435253 w 2379598"/>
+              <a:gd name="connsiteY5" fmla="*/ 2529899 h 2651130"/>
+              <a:gd name="connsiteX6" fmla="*/ 411684 w 2379598"/>
+              <a:gd name="connsiteY6" fmla="*/ 2021428 h 2651130"/>
+              <a:gd name="connsiteX7" fmla="*/ 0 w 2379598"/>
+              <a:gd name="connsiteY7" fmla="*/ 1143094 h 2651130"/>
+              <a:gd name="connsiteX8" fmla="*/ 0 w 2379598"/>
+              <a:gd name="connsiteY8" fmla="*/ 919065 h 2651130"/>
+              <a:gd name="connsiteX9" fmla="*/ 0 w 2379598"/>
+              <a:gd name="connsiteY9" fmla="*/ 625246 h 2651130"/>
+              <a:gd name="connsiteX10" fmla="*/ 0 w 2379598"/>
+              <a:gd name="connsiteY10" fmla="*/ 411869 h 2651130"/>
+              <a:gd name="connsiteX11" fmla="*/ 0 w 2379598"/>
+              <a:gd name="connsiteY11" fmla="*/ 28373 h 2651130"/>
+              <a:gd name="connsiteX12" fmla="*/ 0 w 2379598"/>
+              <a:gd name="connsiteY12" fmla="*/ 0 h 2651130"/>
+              <a:gd name="connsiteX0" fmla="*/ 2379598 w 2379598"/>
+              <a:gd name="connsiteY0" fmla="*/ 2186361 h 2651130"/>
+              <a:gd name="connsiteX1" fmla="*/ 2246942 w 2379598"/>
+              <a:gd name="connsiteY1" fmla="*/ 2240255 h 2651130"/>
+              <a:gd name="connsiteX2" fmla="*/ 1716965 w 2379598"/>
+              <a:gd name="connsiteY2" fmla="*/ 2529899 h 2651130"/>
+              <a:gd name="connsiteX3" fmla="*/ 1573526 w 2379598"/>
+              <a:gd name="connsiteY3" fmla="*/ 2651130 h 2651130"/>
+              <a:gd name="connsiteX4" fmla="*/ 1435253 w 2379598"/>
+              <a:gd name="connsiteY4" fmla="*/ 2529899 h 2651130"/>
+              <a:gd name="connsiteX5" fmla="*/ 411684 w 2379598"/>
+              <a:gd name="connsiteY5" fmla="*/ 2021428 h 2651130"/>
+              <a:gd name="connsiteX6" fmla="*/ 0 w 2379598"/>
+              <a:gd name="connsiteY6" fmla="*/ 1143094 h 2651130"/>
+              <a:gd name="connsiteX7" fmla="*/ 0 w 2379598"/>
+              <a:gd name="connsiteY7" fmla="*/ 919065 h 2651130"/>
+              <a:gd name="connsiteX8" fmla="*/ 0 w 2379598"/>
+              <a:gd name="connsiteY8" fmla="*/ 625246 h 2651130"/>
+              <a:gd name="connsiteX9" fmla="*/ 0 w 2379598"/>
+              <a:gd name="connsiteY9" fmla="*/ 411869 h 2651130"/>
+              <a:gd name="connsiteX10" fmla="*/ 0 w 2379598"/>
+              <a:gd name="connsiteY10" fmla="*/ 28373 h 2651130"/>
+              <a:gd name="connsiteX11" fmla="*/ 0 w 2379598"/>
+              <a:gd name="connsiteY11" fmla="*/ 0 h 2651130"/>
+              <a:gd name="connsiteX0" fmla="*/ 2379598 w 2379598"/>
+              <a:gd name="connsiteY0" fmla="*/ 2186361 h 2651130"/>
+              <a:gd name="connsiteX1" fmla="*/ 2246942 w 2379598"/>
+              <a:gd name="connsiteY1" fmla="*/ 2240255 h 2651130"/>
+              <a:gd name="connsiteX2" fmla="*/ 1716965 w 2379598"/>
+              <a:gd name="connsiteY2" fmla="*/ 2529899 h 2651130"/>
+              <a:gd name="connsiteX3" fmla="*/ 1573526 w 2379598"/>
+              <a:gd name="connsiteY3" fmla="*/ 2651130 h 2651130"/>
+              <a:gd name="connsiteX4" fmla="*/ 1435253 w 2379598"/>
+              <a:gd name="connsiteY4" fmla="*/ 2529899 h 2651130"/>
+              <a:gd name="connsiteX5" fmla="*/ 411684 w 2379598"/>
+              <a:gd name="connsiteY5" fmla="*/ 2021428 h 2651130"/>
+              <a:gd name="connsiteX6" fmla="*/ 0 w 2379598"/>
+              <a:gd name="connsiteY6" fmla="*/ 1143094 h 2651130"/>
+              <a:gd name="connsiteX7" fmla="*/ 0 w 2379598"/>
+              <a:gd name="connsiteY7" fmla="*/ 919065 h 2651130"/>
+              <a:gd name="connsiteX8" fmla="*/ 0 w 2379598"/>
+              <a:gd name="connsiteY8" fmla="*/ 625246 h 2651130"/>
+              <a:gd name="connsiteX9" fmla="*/ 0 w 2379598"/>
+              <a:gd name="connsiteY9" fmla="*/ 28373 h 2651130"/>
+              <a:gd name="connsiteX10" fmla="*/ 0 w 2379598"/>
+              <a:gd name="connsiteY10" fmla="*/ 0 h 2651130"/>
+              <a:gd name="connsiteX0" fmla="*/ 2379598 w 2379598"/>
+              <a:gd name="connsiteY0" fmla="*/ 2186361 h 2651130"/>
+              <a:gd name="connsiteX1" fmla="*/ 2246942 w 2379598"/>
+              <a:gd name="connsiteY1" fmla="*/ 2240255 h 2651130"/>
+              <a:gd name="connsiteX2" fmla="*/ 1716965 w 2379598"/>
+              <a:gd name="connsiteY2" fmla="*/ 2529899 h 2651130"/>
+              <a:gd name="connsiteX3" fmla="*/ 1573526 w 2379598"/>
+              <a:gd name="connsiteY3" fmla="*/ 2651130 h 2651130"/>
+              <a:gd name="connsiteX4" fmla="*/ 1435253 w 2379598"/>
+              <a:gd name="connsiteY4" fmla="*/ 2529899 h 2651130"/>
+              <a:gd name="connsiteX5" fmla="*/ 411684 w 2379598"/>
+              <a:gd name="connsiteY5" fmla="*/ 2021428 h 2651130"/>
+              <a:gd name="connsiteX6" fmla="*/ 0 w 2379598"/>
+              <a:gd name="connsiteY6" fmla="*/ 1143094 h 2651130"/>
+              <a:gd name="connsiteX7" fmla="*/ 0 w 2379598"/>
+              <a:gd name="connsiteY7" fmla="*/ 919065 h 2651130"/>
+              <a:gd name="connsiteX8" fmla="*/ 0 w 2379598"/>
+              <a:gd name="connsiteY8" fmla="*/ 28373 h 2651130"/>
+              <a:gd name="connsiteX9" fmla="*/ 0 w 2379598"/>
+              <a:gd name="connsiteY9" fmla="*/ 0 h 2651130"/>
+              <a:gd name="connsiteX0" fmla="*/ 2379598 w 2379598"/>
+              <a:gd name="connsiteY0" fmla="*/ 2186361 h 2651130"/>
+              <a:gd name="connsiteX1" fmla="*/ 2246942 w 2379598"/>
+              <a:gd name="connsiteY1" fmla="*/ 2240255 h 2651130"/>
+              <a:gd name="connsiteX2" fmla="*/ 1716965 w 2379598"/>
+              <a:gd name="connsiteY2" fmla="*/ 2529899 h 2651130"/>
+              <a:gd name="connsiteX3" fmla="*/ 1573526 w 2379598"/>
+              <a:gd name="connsiteY3" fmla="*/ 2651130 h 2651130"/>
+              <a:gd name="connsiteX4" fmla="*/ 1435253 w 2379598"/>
+              <a:gd name="connsiteY4" fmla="*/ 2529899 h 2651130"/>
+              <a:gd name="connsiteX5" fmla="*/ 411684 w 2379598"/>
+              <a:gd name="connsiteY5" fmla="*/ 2021428 h 2651130"/>
+              <a:gd name="connsiteX6" fmla="*/ 0 w 2379598"/>
+              <a:gd name="connsiteY6" fmla="*/ 1143094 h 2651130"/>
+              <a:gd name="connsiteX7" fmla="*/ 0 w 2379598"/>
+              <a:gd name="connsiteY7" fmla="*/ 28373 h 2651130"/>
+              <a:gd name="connsiteX8" fmla="*/ 0 w 2379598"/>
+              <a:gd name="connsiteY8" fmla="*/ 0 h 2651130"/>
+            </a:gdLst>
+            <a:ahLst/>
+            <a:cxnLst>
+              <a:cxn ang="0">
+                <a:pos x="connsiteX0" y="connsiteY0"/>
+              </a:cxn>
+              <a:cxn ang="0">
+                <a:pos x="connsiteX1" y="connsiteY1"/>
+              </a:cxn>
+              <a:cxn ang="0">
+                <a:pos x="connsiteX2" y="connsiteY2"/>
+              </a:cxn>
+              <a:cxn ang="0">
+                <a:pos x="connsiteX3" y="connsiteY3"/>
+              </a:cxn>
+              <a:cxn ang="0">
+                <a:pos x="connsiteX4" y="connsiteY4"/>
+              </a:cxn>
+              <a:cxn ang="0">
+                <a:pos x="connsiteX5" y="connsiteY5"/>
+              </a:cxn>
+              <a:cxn ang="0">
+                <a:pos x="connsiteX6" y="connsiteY6"/>
+              </a:cxn>
+              <a:cxn ang="0">
+                <a:pos x="connsiteX7" y="connsiteY7"/>
+              </a:cxn>
+              <a:cxn ang="0">
+                <a:pos x="connsiteX8" y="connsiteY8"/>
+              </a:cxn>
+            </a:cxnLst>
+            <a:rect l="l" t="t" r="r" b="b"/>
+            <a:pathLst>
+              <a:path w="2379598" h="2651130">
+                <a:moveTo>
+                  <a:pt x="2379598" y="2186361"/>
+                </a:moveTo>
+                <a:lnTo>
+                  <a:pt x="2246942" y="2240255"/>
+                </a:lnTo>
+                <a:cubicBezTo>
+                  <a:pt x="2070701" y="2312937"/>
+                  <a:pt x="1888395" y="2397421"/>
+                  <a:pt x="1716965" y="2529899"/>
+                </a:cubicBezTo>
+                <a:lnTo>
+                  <a:pt x="1573526" y="2651130"/>
+                </a:lnTo>
+                <a:lnTo>
+                  <a:pt x="1435253" y="2529899"/>
+                </a:lnTo>
+                <a:cubicBezTo>
+                  <a:pt x="1092391" y="2264944"/>
+                  <a:pt x="706031" y="2191962"/>
+                  <a:pt x="411684" y="2021428"/>
+                </a:cubicBezTo>
+                <a:cubicBezTo>
+                  <a:pt x="128650" y="1823520"/>
+                  <a:pt x="0" y="1596551"/>
+                  <a:pt x="0" y="1143094"/>
+                </a:cubicBezTo>
+                <a:lnTo>
+                  <a:pt x="0" y="28373"/>
+                </a:lnTo>
+                <a:lnTo>
+                  <a:pt x="0" y="0"/>
+                </a:lnTo>
+              </a:path>
+            </a:pathLst>
+          </a:custGeom>
+          <a:noFill/>
+          <a:ln w="25400" cap="rnd">
+            <a:solidFill>
+              <a:schemeClr val="bg2">
+                <a:lumMod val="75000"/>
+                <a:alpha val="65000"/>
+              </a:schemeClr>
+            </a:solidFill>
+            <a:prstDash val="sysDot"/>
+          </a:ln>
+        </p:spPr>
+        <p:style>
+          <a:lnRef idx="2">
+            <a:schemeClr val="accent1">
+              <a:shade val="50000"/>
+            </a:schemeClr>
+          </a:lnRef>
+          <a:fillRef idx="1">
+            <a:schemeClr val="accent1"/>
+          </a:fillRef>
+          <a:effectRef idx="0">
+            <a:schemeClr val="accent1"/>
+          </a:effectRef>
+          <a:fontRef idx="minor">
+            <a:schemeClr val="lt1"/>
+          </a:fontRef>
+        </p:style>
+        <p:txBody>
+          <a:bodyPr wrap="square" rtlCol="0" anchor="ctr">
+            <a:noAutofit/>
+          </a:bodyPr>
+          <a:lstStyle/>
+          <a:p>
+            <a:pPr algn="ctr"/>
+            <a:endParaRPr lang="en-US"/>
+          </a:p>
+        </p:txBody>
+      </p:sp>
+    </p:spTree>
+    <p:extLst>
+      <p:ext uri="{BB962C8B-B14F-4D97-AF65-F5344CB8AC3E}">
         <p14:creationId xmlns:p14="http://schemas.microsoft.com/office/powerpoint/2010/main" val="1969488146"/>
+      </p:ext>
+    </p:extLst>
+  </p:cSld>
+  <p:clrMapOvr>
+    <a:masterClrMapping/>
+  </p:clrMapOvr>
+</p:sld>
+</file>
+
+<file path=ppt/slides/slide7.xml><?xml version="1.0" encoding="utf-8"?>
+<p:sld xmlns:a="http://schemas.openxmlformats.org/drawingml/2006/main" xmlns:r="http://schemas.openxmlformats.org/officeDocument/2006/relationships" xmlns:p="http://schemas.openxmlformats.org/presentationml/2006/main">
+  <p:cSld>
+    <p:spTree>
+      <p:nvGrpSpPr>
+        <p:cNvPr id="1" name=""/>
+        <p:cNvGrpSpPr/>
+        <p:nvPr/>
+      </p:nvGrpSpPr>
+      <p:grpSpPr>
+        <a:xfrm>
+          <a:off x="0" y="0"/>
+          <a:ext cx="0" cy="0"/>
+          <a:chOff x="0" y="0"/>
+          <a:chExt cx="0" cy="0"/>
+        </a:xfrm>
+      </p:grpSpPr>
+      <p:sp>
+        <p:nvSpPr>
+          <p:cNvPr id="4" name="CuadroTexto 3">
+            <a:extLst>
+              <a:ext uri="{FF2B5EF4-FFF2-40B4-BE49-F238E27FC236}">
+                <a16:creationId xmlns:a16="http://schemas.microsoft.com/office/drawing/2014/main" id="{DAB6CE97-FB2A-40DC-BD7B-BF8911C7752D}"/>
+              </a:ext>
+            </a:extLst>
+          </p:cNvPr>
+          <p:cNvSpPr txBox="1"/>
+          <p:nvPr/>
+        </p:nvSpPr>
+        <p:spPr>
+          <a:xfrm>
+            <a:off x="2121764" y="1189608"/>
+            <a:ext cx="6951215" cy="523220"/>
+          </a:xfrm>
+          <a:prstGeom prst="rect">
+            <a:avLst/>
+          </a:prstGeom>
+          <a:noFill/>
+        </p:spPr>
+        <p:txBody>
+          <a:bodyPr wrap="square" rtlCol="0">
+            <a:spAutoFit/>
+          </a:bodyPr>
+          <a:lstStyle/>
+          <a:p>
+            <a:pPr algn="ctr"/>
+            <a:r>
+              <a:rPr lang="es-ES" sz="2800" dirty="0"/>
+              <a:t>Retrospectiva:</a:t>
+            </a:r>
+            <a:r>
+              <a:rPr lang="en-US" sz="2800" dirty="0"/>
+              <a:t> </a:t>
+            </a:r>
+            <a:r>
+              <a:rPr lang="es-ES" sz="2800" dirty="0"/>
+              <a:t>¿Qué aprendimos de este Sprint?</a:t>
+            </a:r>
+          </a:p>
+        </p:txBody>
+      </p:sp>
+      <p:sp>
+        <p:nvSpPr>
+          <p:cNvPr id="8" name="CuadroTexto 7">
+            <a:extLst>
+              <a:ext uri="{FF2B5EF4-FFF2-40B4-BE49-F238E27FC236}">
+                <a16:creationId xmlns:a16="http://schemas.microsoft.com/office/drawing/2014/main" id="{F057F834-D02E-4DE7-924E-31C2FB708DB2}"/>
+              </a:ext>
+            </a:extLst>
+          </p:cNvPr>
+          <p:cNvSpPr txBox="1"/>
+          <p:nvPr/>
+        </p:nvSpPr>
+        <p:spPr>
+          <a:xfrm>
+            <a:off x="2272684" y="2199659"/>
+            <a:ext cx="7306321" cy="3139321"/>
+          </a:xfrm>
+          <a:prstGeom prst="rect">
+            <a:avLst/>
+          </a:prstGeom>
+          <a:noFill/>
+        </p:spPr>
+        <p:txBody>
+          <a:bodyPr wrap="square" rtlCol="0">
+            <a:spAutoFit/>
+          </a:bodyPr>
+          <a:lstStyle/>
+          <a:p>
+            <a:pPr marL="285750" indent="-285750">
+              <a:buFont typeface="Arial" panose="020B0604020202020204" pitchFamily="34" charset="0"/>
+              <a:buChar char="•"/>
+            </a:pPr>
+            <a:r>
+              <a:rPr lang="es-ES" sz="2000" dirty="0"/>
+              <a:t>No se cumplieron todas las expectativas.</a:t>
+            </a:r>
+          </a:p>
+          <a:p>
+            <a:pPr marL="285750" indent="-285750">
+              <a:buFont typeface="Arial" panose="020B0604020202020204" pitchFamily="34" charset="0"/>
+              <a:buChar char="•"/>
+            </a:pPr>
+            <a:r>
+              <a:rPr lang="es-ES" sz="2000" dirty="0"/>
+              <a:t>Las reuniones, aunque constantes no fueron lo suficientemente significativas.</a:t>
+            </a:r>
+          </a:p>
+          <a:p>
+            <a:pPr marL="1200150" lvl="2" indent="-285750">
+              <a:buFont typeface="Courier New" panose="02070309020205020404" pitchFamily="49" charset="0"/>
+              <a:buChar char="o"/>
+            </a:pPr>
+            <a:r>
+              <a:rPr lang="es-ES" sz="2000" dirty="0"/>
+              <a:t>Cruce de horarios, las reuniones eran de noche.</a:t>
+            </a:r>
+          </a:p>
+          <a:p>
+            <a:pPr marL="285750" indent="-285750">
+              <a:buFont typeface="Arial" panose="020B0604020202020204" pitchFamily="34" charset="0"/>
+              <a:buChar char="•"/>
+            </a:pPr>
+            <a:r>
+              <a:rPr lang="es-ES" sz="2000" dirty="0"/>
+              <a:t> Jira y Figma no estaban sincronizados con el avance.</a:t>
+            </a:r>
+          </a:p>
+          <a:p>
+            <a:pPr marL="285750" indent="-285750">
+              <a:buFont typeface="Arial" panose="020B0604020202020204" pitchFamily="34" charset="0"/>
+              <a:buChar char="•"/>
+            </a:pPr>
+            <a:r>
+              <a:rPr lang="en-US" sz="2000" dirty="0"/>
+              <a:t> No tuvimos retrasos para discutir qué software utilizar.</a:t>
+            </a:r>
+          </a:p>
+          <a:p>
+            <a:pPr marL="285750" indent="-285750">
+              <a:buFont typeface="Arial" panose="020B0604020202020204" pitchFamily="34" charset="0"/>
+              <a:buChar char="•"/>
+            </a:pPr>
+            <a:r>
+              <a:rPr lang="en-US" sz="2000" dirty="0"/>
+              <a:t> </a:t>
+            </a:r>
+            <a:r>
+              <a:rPr lang="en-US" sz="2000" dirty="0" err="1"/>
+              <a:t>Logramos</a:t>
+            </a:r>
+            <a:r>
+              <a:rPr lang="en-US" sz="2000" dirty="0"/>
+              <a:t> </a:t>
+            </a:r>
+            <a:r>
+              <a:rPr lang="en-US" sz="2000" dirty="0" err="1"/>
+              <a:t>organizar</a:t>
+            </a:r>
+            <a:r>
+              <a:rPr lang="en-US" sz="2000" dirty="0"/>
+              <a:t> </a:t>
+            </a:r>
+            <a:r>
+              <a:rPr lang="en-US" sz="2000" dirty="0" err="1"/>
+              <a:t>efectivamente</a:t>
+            </a:r>
+            <a:r>
+              <a:rPr lang="en-US" sz="2000" dirty="0"/>
+              <a:t> las bases para los mockups y </a:t>
+            </a:r>
+            <a:r>
+              <a:rPr lang="en-US" sz="2000" dirty="0" err="1"/>
+              <a:t>pantallas</a:t>
+            </a:r>
+            <a:r>
+              <a:rPr lang="en-US" sz="2000" dirty="0"/>
+              <a:t>.</a:t>
+            </a:r>
+          </a:p>
+          <a:p>
+            <a:pPr marL="285750" indent="-285750">
+              <a:buFont typeface="Arial" panose="020B0604020202020204" pitchFamily="34" charset="0"/>
+              <a:buChar char="•"/>
+            </a:pPr>
+            <a:endParaRPr lang="en-US" sz="2000" dirty="0"/>
+          </a:p>
+          <a:p>
+            <a:pPr algn="ctr"/>
+            <a:endParaRPr lang="en-US" dirty="0"/>
+          </a:p>
+        </p:txBody>
+      </p:sp>
+    </p:spTree>
+    <p:extLst>
+      <p:ext uri="{BB962C8B-B14F-4D97-AF65-F5344CB8AC3E}">
+        <p14:creationId xmlns:p14="http://schemas.microsoft.com/office/powerpoint/2010/main" val="2505534968"/>
+      </p:ext>
+    </p:extLst>
+  </p:cSld>
+  <p:clrMapOvr>
+    <a:masterClrMapping/>
+  </p:clrMapOvr>
+</p:sld>
+</file>
+
+<file path=ppt/slides/slide8.xml><?xml version="1.0" encoding="utf-8"?>
+<p:sld xmlns:a="http://schemas.openxmlformats.org/drawingml/2006/main" xmlns:r="http://schemas.openxmlformats.org/officeDocument/2006/relationships" xmlns:p="http://schemas.openxmlformats.org/presentationml/2006/main">
+  <p:cSld>
+    <p:spTree>
+      <p:nvGrpSpPr>
+        <p:cNvPr id="1" name=""/>
+        <p:cNvGrpSpPr/>
+        <p:nvPr/>
+      </p:nvGrpSpPr>
+      <p:grpSpPr>
+        <a:xfrm>
+          <a:off x="0" y="0"/>
+          <a:ext cx="0" cy="0"/>
+          <a:chOff x="0" y="0"/>
+          <a:chExt cx="0" cy="0"/>
+        </a:xfrm>
+      </p:grpSpPr>
+      <p:sp>
+        <p:nvSpPr>
+          <p:cNvPr id="4" name="CuadroTexto 3">
+            <a:extLst>
+              <a:ext uri="{FF2B5EF4-FFF2-40B4-BE49-F238E27FC236}">
+                <a16:creationId xmlns:a16="http://schemas.microsoft.com/office/drawing/2014/main" id="{2B2A90B5-4395-4AF2-8CEA-DBEFE1FD6826}"/>
+              </a:ext>
+            </a:extLst>
+          </p:cNvPr>
+          <p:cNvSpPr txBox="1"/>
+          <p:nvPr/>
+        </p:nvSpPr>
+        <p:spPr>
+          <a:xfrm>
+            <a:off x="2325950" y="1600659"/>
+            <a:ext cx="6951215" cy="954107"/>
+          </a:xfrm>
+          <a:prstGeom prst="rect">
+            <a:avLst/>
+          </a:prstGeom>
+          <a:noFill/>
+        </p:spPr>
+        <p:txBody>
+          <a:bodyPr wrap="square" rtlCol="0">
+            <a:spAutoFit/>
+          </a:bodyPr>
+          <a:lstStyle/>
+          <a:p>
+            <a:pPr algn="ctr"/>
+            <a:r>
+              <a:rPr lang="es-ES" sz="2800" dirty="0"/>
+              <a:t>Retrospectiva:</a:t>
+            </a:r>
+            <a:r>
+              <a:rPr lang="en-US" sz="2800" dirty="0"/>
+              <a:t> </a:t>
+            </a:r>
+            <a:r>
+              <a:rPr lang="es-ES" sz="2800" dirty="0"/>
+              <a:t>¿Qué podemos mejorar para el siguiente Sprint?</a:t>
+            </a:r>
+          </a:p>
+        </p:txBody>
+      </p:sp>
+      <p:sp>
+        <p:nvSpPr>
+          <p:cNvPr id="5" name="CuadroTexto 4">
+            <a:extLst>
+              <a:ext uri="{FF2B5EF4-FFF2-40B4-BE49-F238E27FC236}">
+                <a16:creationId xmlns:a16="http://schemas.microsoft.com/office/drawing/2014/main" id="{2E14A12F-997A-4226-BB2A-7A09C9448C83}"/>
+              </a:ext>
+            </a:extLst>
+          </p:cNvPr>
+          <p:cNvSpPr txBox="1"/>
+          <p:nvPr/>
+        </p:nvSpPr>
+        <p:spPr>
+          <a:xfrm>
+            <a:off x="2325950" y="2554766"/>
+            <a:ext cx="7306321" cy="2523768"/>
+          </a:xfrm>
+          <a:prstGeom prst="rect">
+            <a:avLst/>
+          </a:prstGeom>
+          <a:noFill/>
+        </p:spPr>
+        <p:txBody>
+          <a:bodyPr wrap="square" rtlCol="0">
+            <a:spAutoFit/>
+          </a:bodyPr>
+          <a:lstStyle/>
+          <a:p>
+            <a:pPr marL="285750" indent="-285750">
+              <a:buFont typeface="Arial" panose="020B0604020202020204" pitchFamily="34" charset="0"/>
+              <a:buChar char="•"/>
+            </a:pPr>
+            <a:r>
+              <a:rPr lang="es-ES" sz="2000" dirty="0"/>
+              <a:t>Coordinar más reuniones</a:t>
+            </a:r>
+          </a:p>
+          <a:p>
+            <a:pPr marL="285750" indent="-285750">
+              <a:buFont typeface="Arial" panose="020B0604020202020204" pitchFamily="34" charset="0"/>
+              <a:buChar char="•"/>
+            </a:pPr>
+            <a:r>
+              <a:rPr lang="es-ES" sz="2000" dirty="0"/>
+              <a:t>Organizar mejor las reuniones, tomando en cuenta los horarios de los integrantes del grupo.</a:t>
+            </a:r>
+          </a:p>
+          <a:p>
+            <a:pPr marL="285750" indent="-285750">
+              <a:buFont typeface="Arial" panose="020B0604020202020204" pitchFamily="34" charset="0"/>
+              <a:buChar char="•"/>
+            </a:pPr>
+            <a:r>
+              <a:rPr lang="es-ES" sz="2000" dirty="0"/>
+              <a:t>Definir claramente los objetivos de los sprints. </a:t>
+            </a:r>
+          </a:p>
+          <a:p>
+            <a:pPr marL="285750" indent="-285750">
+              <a:buFont typeface="Arial" panose="020B0604020202020204" pitchFamily="34" charset="0"/>
+              <a:buChar char="•"/>
+            </a:pPr>
+            <a:r>
+              <a:rPr lang="es-ES" sz="2000" dirty="0"/>
+              <a:t>Actualizar constantemente Jira y Figma según se avance.</a:t>
+            </a:r>
+          </a:p>
+          <a:p>
+            <a:pPr marL="285750" indent="-285750">
+              <a:buFont typeface="Arial" panose="020B0604020202020204" pitchFamily="34" charset="0"/>
+              <a:buChar char="•"/>
+            </a:pPr>
+            <a:r>
+              <a:rPr lang="en-US" sz="2000" dirty="0"/>
+              <a:t>No tuvimos retrasos para discutir qué software utilizar.</a:t>
+            </a:r>
+          </a:p>
+          <a:p>
+            <a:pPr marL="285750" indent="-285750">
+              <a:buFont typeface="Arial" panose="020B0604020202020204" pitchFamily="34" charset="0"/>
+              <a:buChar char="•"/>
+            </a:pPr>
+            <a:r>
+              <a:rPr lang="en-US" sz="2000" dirty="0"/>
+              <a:t>Distribuir correctamente las tareas entre integrantes.</a:t>
+            </a:r>
+          </a:p>
+          <a:p>
+            <a:pPr algn="ctr"/>
+            <a:endParaRPr lang="en-US" dirty="0"/>
+          </a:p>
+        </p:txBody>
+      </p:sp>
+    </p:spTree>
+    <p:extLst>
+      <p:ext uri="{BB962C8B-B14F-4D97-AF65-F5344CB8AC3E}">
+        <p14:creationId xmlns:p14="http://schemas.microsoft.com/office/powerpoint/2010/main" val="2322608308"/>
       </p:ext>
     </p:extLst>
   </p:cSld>
